--- a/draft-gandhi-ippm-stamp-srpm-01.pptx
+++ b/draft-gandhi-ippm-stamp-srpm-01.pptx
@@ -2513,14 +2513,14 @@
           </a:ln>
           <a:extLst>
             <a:ext uri="{909E8E84-426E-40dd-AFC4-6F175D3DCCD1}">
-              <a14:hiddenFill xmlns:a14="http://schemas.microsoft.com/office/drawing/2010/main" xmlns="">
+              <a14:hiddenFill xmlns="" xmlns:a14="http://schemas.microsoft.com/office/drawing/2010/main">
                 <a:solidFill>
                   <a:srgbClr val="FFFFFF"/>
                 </a:solidFill>
               </a14:hiddenFill>
             </a:ext>
             <a:ext uri="{91240B29-F687-4f45-9708-019B960494DF}">
-              <a14:hiddenLine xmlns:a14="http://schemas.microsoft.com/office/drawing/2010/main" xmlns="" w="9525">
+              <a14:hiddenLine xmlns="" xmlns:a14="http://schemas.microsoft.com/office/drawing/2010/main" w="9525">
                 <a:solidFill>
                   <a:srgbClr val="000000"/>
                 </a:solidFill>
@@ -8260,7 +8260,7 @@
             <a:pPr lvl="1"/>
             <a:r>
               <a:rPr lang="en-US" sz="1400" dirty="0"/>
-              <a:t>If adding TLV – may not be at fixed location, also deeper into the packet at offset (Eth 18, IPv6 40, UDP 8, STAMP 44, TLV Type 4, Total = 114 Byte)</a:t>
+              <a:t>With LM TLV – may not be at fixed location, also deeper into the packet at offset (Eth 18, IPv6 40, UDP 8, STAMP 44, TLV Type 4, Total = 114 Byte)</a:t>
             </a:r>
           </a:p>
           <a:p>
@@ -8288,7 +8288,7 @@
           <a:p>
             <a:pPr lvl="2"/>
             <a:r>
-              <a:rPr lang="en-US" sz="1000" dirty="0"/>
+              <a:rPr lang="en-US" sz="1400" dirty="0"/>
               <a:t>H/W also not capable to recompute UDP checksum</a:t>
             </a:r>
           </a:p>
@@ -8302,7 +8302,7 @@
             <a:pPr lvl="1"/>
             <a:r>
               <a:rPr lang="en-US" sz="1400" dirty="0"/>
-              <a:t>Some test packets received from one sender with base test packet and some with LM TLV, hence need to parse the received packet to check if it is for delay or loss before punting the packet</a:t>
+              <a:t>Some test packets received from one sender with base test packet and some with LM TLV, hence need to parse the received packet to check if it is for delay or direct-mode loss before punting the packet</a:t>
             </a:r>
           </a:p>
           <a:p>
@@ -8371,7 +8371,7 @@
         </p:nvSpPr>
         <p:spPr bwMode="auto">
           <a:xfrm>
-            <a:off x="1614243" y="2050000"/>
+            <a:off x="1586997" y="2204585"/>
             <a:ext cx="807377" cy="260302"/>
           </a:xfrm>
           <a:prstGeom prst="wedgeRoundRectCallout">
@@ -8479,7 +8479,7 @@
         </p:nvSpPr>
         <p:spPr bwMode="auto">
           <a:xfrm>
-            <a:off x="260456" y="105282"/>
+            <a:off x="260797" y="160190"/>
             <a:ext cx="8622406" cy="731836"/>
           </a:xfrm>
           <a:prstGeom prst="rect">
@@ -8508,14 +8508,14 @@
               </a14:hiddenLine>
             </a:ext>
             <a:ext uri="{909E8E84-426E-40dd-AFC4-6F175D3DCCD1}">
-              <a14:hiddenFill xmlns:a14="http://schemas.microsoft.com/office/drawing/2010/main" xmlns="">
+              <a14:hiddenFill xmlns="" xmlns:a14="http://schemas.microsoft.com/office/drawing/2010/main">
                 <a:solidFill>
                   <a:srgbClr val="FFFFFF"/>
                 </a:solidFill>
               </a14:hiddenFill>
             </a:ext>
             <a:ext uri="{91240B29-F687-4f45-9708-019B960494DF}">
-              <a14:hiddenLine xmlns:a14="http://schemas.microsoft.com/office/drawing/2010/main" xmlns="" w="9525">
+              <a14:hiddenLine xmlns="" xmlns:a14="http://schemas.microsoft.com/office/drawing/2010/main" w="9525">
                 <a:solidFill>
                   <a:srgbClr val="000000"/>
                 </a:solidFill>
@@ -8737,7 +8737,7 @@
         </p:nvSpPr>
         <p:spPr>
           <a:xfrm>
-            <a:off x="3180701" y="1504950"/>
+            <a:off x="3153455" y="1659535"/>
             <a:ext cx="219456" cy="219456"/>
           </a:xfrm>
           <a:prstGeom prst="ellipse">
@@ -8801,7 +8801,7 @@
         </p:nvSpPr>
         <p:spPr>
           <a:xfrm>
-            <a:off x="1586235" y="1514094"/>
+            <a:off x="1558989" y="1668679"/>
             <a:ext cx="219456" cy="219456"/>
           </a:xfrm>
           <a:prstGeom prst="ellipse">
@@ -8865,7 +8865,7 @@
         </p:nvSpPr>
         <p:spPr>
           <a:xfrm rot="16200000">
-            <a:off x="1970033" y="1584766"/>
+            <a:off x="1942787" y="1739351"/>
             <a:ext cx="125006" cy="326374"/>
           </a:xfrm>
           <a:prstGeom prst="downArrow">
@@ -8931,7 +8931,7 @@
         </p:nvCxnSpPr>
         <p:spPr>
           <a:xfrm flipV="1">
-            <a:off x="1805691" y="1614678"/>
+            <a:off x="1778445" y="1769263"/>
             <a:ext cx="1375010" cy="9144"/>
           </a:xfrm>
           <a:prstGeom prst="line">
@@ -8974,7 +8974,7 @@
         </p:nvSpPr>
         <p:spPr>
           <a:xfrm>
-            <a:off x="272462" y="2668987"/>
+            <a:off x="245216" y="2823572"/>
             <a:ext cx="4215984" cy="1052161"/>
           </a:xfrm>
           <a:prstGeom prst="rect">
@@ -9284,7 +9284,7 @@
         </p:blipFill>
         <p:spPr>
           <a:xfrm>
-            <a:off x="811071" y="1844311"/>
+            <a:off x="783825" y="1998896"/>
             <a:ext cx="1858270" cy="260231"/>
           </a:xfrm>
           <a:prstGeom prst="rect">
@@ -9314,7 +9314,7 @@
         </p:blipFill>
         <p:spPr>
           <a:xfrm>
-            <a:off x="2112665" y="1126250"/>
+            <a:off x="2085419" y="1280835"/>
             <a:ext cx="1771035" cy="268339"/>
           </a:xfrm>
           <a:prstGeom prst="rect">
@@ -9336,7 +9336,7 @@
         </p:nvSpPr>
         <p:spPr bwMode="auto">
           <a:xfrm>
-            <a:off x="3042106" y="2071155"/>
+            <a:off x="3014860" y="2225740"/>
             <a:ext cx="807377" cy="260302"/>
           </a:xfrm>
           <a:prstGeom prst="wedgeRoundRectCallout">
@@ -9448,7 +9448,7 @@
         </p:nvSpPr>
         <p:spPr>
           <a:xfrm>
-            <a:off x="2967048" y="1235751"/>
+            <a:off x="2939802" y="1390336"/>
             <a:ext cx="381048" cy="261610"/>
           </a:xfrm>
           <a:prstGeom prst="rect">
@@ -9492,7 +9492,7 @@
         </p:nvSpPr>
         <p:spPr>
           <a:xfrm>
-            <a:off x="1696685" y="1235928"/>
+            <a:off x="1669439" y="1390513"/>
             <a:ext cx="381048" cy="261610"/>
           </a:xfrm>
           <a:prstGeom prst="rect">
@@ -9536,7 +9536,7 @@
         </p:nvSpPr>
         <p:spPr>
           <a:xfrm>
-            <a:off x="965877" y="1478336"/>
+            <a:off x="938631" y="1632921"/>
             <a:ext cx="600659" cy="261610"/>
           </a:xfrm>
           <a:prstGeom prst="rect">
@@ -9580,7 +9580,7 @@
         </p:nvSpPr>
         <p:spPr>
           <a:xfrm>
-            <a:off x="3453495" y="1478336"/>
+            <a:off x="3426249" y="1632921"/>
             <a:ext cx="709663" cy="261610"/>
           </a:xfrm>
           <a:prstGeom prst="rect">
@@ -9624,7 +9624,7 @@
         </p:nvSpPr>
         <p:spPr>
           <a:xfrm rot="5400000">
-            <a:off x="2931882" y="1858424"/>
+            <a:off x="2904636" y="2013009"/>
             <a:ext cx="125006" cy="326374"/>
           </a:xfrm>
           <a:prstGeom prst="downArrow">
@@ -9690,7 +9690,7 @@
         </p:nvSpPr>
         <p:spPr>
           <a:xfrm>
-            <a:off x="5085055" y="1497361"/>
+            <a:off x="5057809" y="1651946"/>
             <a:ext cx="3578944" cy="1255802"/>
           </a:xfrm>
         </p:spPr>
@@ -9740,7 +9740,7 @@
         </p:nvSpPr>
         <p:spPr>
           <a:xfrm>
-            <a:off x="4343400" y="3247144"/>
+            <a:off x="4316154" y="3401729"/>
             <a:ext cx="4649491" cy="923330"/>
           </a:xfrm>
           <a:prstGeom prst="rect">
@@ -10503,6 +10503,18 @@
             </a:r>
           </a:p>
           <a:p>
+            <a:pPr lvl="0"/>
+            <a:r>
+              <a:rPr lang="en-US" sz="2400" dirty="0"/>
+              <a:t>Requesting WG adoption</a:t>
+            </a:r>
+            <a:endParaRPr lang="en-US" sz="2400" dirty="0">
+              <a:latin typeface="Calibri" charset="0"/>
+              <a:ea typeface="Calibri" charset="0"/>
+              <a:cs typeface="Calibri" charset="0"/>
+            </a:endParaRPr>
+          </a:p>
+          <a:p>
             <a:endParaRPr lang="en-US" sz="2400" dirty="0">
               <a:latin typeface="Calibri" charset="0"/>
               <a:ea typeface="Calibri" charset="0"/>
@@ -11122,7 +11134,7 @@
             </a:pPr>
             <a:r>
               <a:rPr lang="en-US" sz="1600" dirty="0"/>
-              <a:t>Support In-band Delay Measurement </a:t>
+              <a:t>Support in-band Delay Measurement </a:t>
             </a:r>
           </a:p>
           <a:p>
@@ -11161,7 +11173,17 @@
             </a:pPr>
             <a:r>
               <a:rPr lang="en-US" sz="1600" dirty="0"/>
-              <a:t>Stateless on session-reflector, eliminate per session provisioning</a:t>
+              <a:t>Eliminate per session provisioning</a:t>
+            </a:r>
+          </a:p>
+          <a:p>
+            <a:pPr lvl="1">
+              <a:buFont typeface="Wingdings" charset="2"/>
+              <a:buChar char="§"/>
+            </a:pPr>
+            <a:r>
+              <a:rPr lang="en-US" sz="1600" dirty="0"/>
+              <a:t>Stateless on session-reflector</a:t>
             </a:r>
           </a:p>
           <a:p>
@@ -11357,7 +11379,7 @@
           <a:lstStyle/>
           <a:p>
             <a:r>
-              <a:rPr lang="en-US" sz="3200" dirty="0">
+              <a:rPr lang="en-US" sz="3600" dirty="0">
                 <a:solidFill>
                   <a:srgbClr val="0070C0"/>
                 </a:solidFill>
@@ -12844,7 +12866,7 @@
           <a:lstStyle/>
           <a:p>
             <a:r>
-              <a:rPr lang="en-US" sz="3600" dirty="0">
+              <a:rPr lang="en-US" sz="3200" dirty="0">
                 <a:solidFill>
                   <a:srgbClr val="0070C0"/>
                 </a:solidFill>
@@ -12853,7 +12875,7 @@
               </a:rPr>
               <a:t>STAMP - Session-Sender Control Code Field</a:t>
             </a:r>
-            <a:endParaRPr lang="en-US" sz="3600" dirty="0"/>
+            <a:endParaRPr lang="en-US" sz="3200" dirty="0"/>
           </a:p>
         </p:txBody>
       </p:sp>
@@ -12891,25 +12913,19 @@
           <a:p>
             <a:r>
               <a:rPr lang="en-US" sz="1600" dirty="0"/>
-              <a:t>Reflector needs to send response back on the same link (symmetric delay on forward and reverse link)</a:t>
+              <a:t>Reflector needs to send response back on the same link (symmetric delay on forward and reverse link) for two-way mode</a:t>
             </a:r>
           </a:p>
           <a:p>
             <a:r>
               <a:rPr lang="en-US" sz="1600" dirty="0"/>
-              <a:t>No other way of knowing if one-way or two-way mode from the test packets</a:t>
+              <a:t>No way of knowing if one-way or two-way mode from the STAMP test packets</a:t>
             </a:r>
           </a:p>
           <a:p>
             <a:r>
               <a:rPr lang="en-US" sz="1600" dirty="0"/>
-              <a:t>Needed an indication for two-way mode for links</a:t>
-            </a:r>
-          </a:p>
-          <a:p>
-            <a:r>
-              <a:rPr lang="en-US" sz="1600" dirty="0"/>
-              <a:t>Not scalable to configure for each (session id, source-address) on reflector (can have order of 1K links)</a:t>
+              <a:t>Not scalable to configure for each (session id, source-address) on reflector (can have an order of 1K links)</a:t>
             </a:r>
           </a:p>
           <a:p>
@@ -12923,13 +12939,7 @@
             <a:pPr lvl="1"/>
             <a:r>
               <a:rPr lang="en-US" sz="1600" dirty="0"/>
-              <a:t>Cannot always send response back on the same incoming interface as the test packet may be received for an SR Policy</a:t>
-            </a:r>
-          </a:p>
-          <a:p>
-            <a:r>
-              <a:rPr lang="en-US" sz="1600" dirty="0"/>
-              <a:t>In SR, state is in the packet</a:t>
+              <a:t>Cannot always send response back on the same incoming interface as the STAMP test packet may be received for an SR Policy</a:t>
             </a:r>
           </a:p>
           <a:p>
@@ -13665,7 +13675,7 @@
           <a:lstStyle/>
           <a:p>
             <a:r>
-              <a:rPr lang="en-US" sz="3600" dirty="0">
+              <a:rPr lang="en-US" sz="3200" dirty="0">
                 <a:solidFill>
                   <a:srgbClr val="0070C0"/>
                 </a:solidFill>
@@ -13674,7 +13684,7 @@
               </a:rPr>
               <a:t>STAMP - Return Path TLV</a:t>
             </a:r>
-            <a:endParaRPr lang="en-US" sz="3600" dirty="0"/>
+            <a:endParaRPr lang="en-US" sz="3200" dirty="0"/>
           </a:p>
         </p:txBody>
       </p:sp>
@@ -13705,11 +13715,25 @@
           <a:lstStyle/>
           <a:p>
             <a:r>
+              <a:rPr lang="en-US" sz="1800" dirty="0"/>
+              <a:t>For </a:t>
+            </a:r>
+            <a:r>
               <a:rPr lang="en-US" sz="1800" dirty="0" err="1"/>
               <a:t>Bidir</a:t>
             </a:r>
             <a:r>
               <a:rPr lang="en-US" sz="1800" dirty="0"/>
+              <a:t> SR Policy, reply packet to be sent on the reverse SR Policy</a:t>
+            </a:r>
+          </a:p>
+          <a:p>
+            <a:r>
+              <a:rPr lang="en-US" sz="1800" dirty="0" err="1"/>
+              <a:t>Bidir</a:t>
+            </a:r>
+            <a:r>
+              <a:rPr lang="en-US" sz="1800" dirty="0"/>
               <a:t> SR Path (forward and reverse) dynamically computed using CSPF by the head-end node</a:t>
             </a:r>
           </a:p>
@@ -13729,7 +13753,7 @@
           <a:p>
             <a:r>
               <a:rPr lang="en-US" sz="1800" dirty="0"/>
-              <a:t>Need per session-id state on reflector node to store reverse paths (each session-id, source-address) – order of 10Ks SR Policy (that can have active and standby candidate-paths and each can have multiple segment-lists) - not scalable</a:t>
+              <a:t>Need per session state on reflector node to store reverse paths (each session-id, source-address) – order of 10Ks SR Policy (that can have active and standby candidate-paths and each can have multiple segment-lists)</a:t>
             </a:r>
           </a:p>
           <a:p>

--- a/draft-gandhi-ippm-stamp-srpm-01.pptx
+++ b/draft-gandhi-ippm-stamp-srpm-01.pptx
@@ -2513,14 +2513,14 @@
           </a:ln>
           <a:extLst>
             <a:ext uri="{909E8E84-426E-40dd-AFC4-6F175D3DCCD1}">
-              <a14:hiddenFill xmlns="" xmlns:a14="http://schemas.microsoft.com/office/drawing/2010/main">
+              <a14:hiddenFill xmlns:a14="http://schemas.microsoft.com/office/drawing/2010/main" xmlns="">
                 <a:solidFill>
                   <a:srgbClr val="FFFFFF"/>
                 </a:solidFill>
               </a14:hiddenFill>
             </a:ext>
             <a:ext uri="{91240B29-F687-4f45-9708-019B960494DF}">
-              <a14:hiddenLine xmlns="" xmlns:a14="http://schemas.microsoft.com/office/drawing/2010/main" w="9525">
+              <a14:hiddenLine xmlns:a14="http://schemas.microsoft.com/office/drawing/2010/main" xmlns="" w="9525">
                 <a:solidFill>
                   <a:srgbClr val="000000"/>
                 </a:solidFill>
@@ -8508,14 +8508,14 @@
               </a14:hiddenLine>
             </a:ext>
             <a:ext uri="{909E8E84-426E-40dd-AFC4-6F175D3DCCD1}">
-              <a14:hiddenFill xmlns="" xmlns:a14="http://schemas.microsoft.com/office/drawing/2010/main">
+              <a14:hiddenFill xmlns:a14="http://schemas.microsoft.com/office/drawing/2010/main" xmlns="">
                 <a:solidFill>
                   <a:srgbClr val="FFFFFF"/>
                 </a:solidFill>
               </a14:hiddenFill>
             </a:ext>
             <a:ext uri="{91240B29-F687-4f45-9708-019B960494DF}">
-              <a14:hiddenLine xmlns="" xmlns:a14="http://schemas.microsoft.com/office/drawing/2010/main" w="9525">
+              <a14:hiddenLine xmlns:a14="http://schemas.microsoft.com/office/drawing/2010/main" xmlns="" w="9525">
                 <a:solidFill>
                   <a:srgbClr val="000000"/>
                 </a:solidFill>
@@ -14148,7 +14148,7 @@
         <p:spPr>
           <a:xfrm>
             <a:off x="299357" y="1149180"/>
-            <a:ext cx="3924300" cy="2502929"/>
+            <a:ext cx="3924300" cy="2772234"/>
           </a:xfrm>
           <a:prstGeom prst="rect">
             <a:avLst/>
@@ -14289,7 +14289,7 @@
                 <a:ea typeface="Calibri" panose="020F0502020204030204" pitchFamily="34" charset="0"/>
                 <a:cs typeface="Consolas" panose="020B0609020204030204" pitchFamily="49" charset="0"/>
               </a:rPr>
-              <a:t>Useful when query is sent with 127/8 destination address.</a:t>
+              <a:t>Useful when query is sent with 127/8 destination address (e.g. sweeping ECMP paths).</a:t>
             </a:r>
           </a:p>
         </p:txBody>

--- a/draft-gandhi-ippm-stamp-srpm-01.pptx
+++ b/draft-gandhi-ippm-stamp-srpm-01.pptx
@@ -8007,7 +8007,7 @@
                 <a:latin typeface="Courier" pitchFamily="2" charset="0"/>
                 <a:ea typeface="Times New Roman" panose="02020603050405020304" pitchFamily="18" charset="0"/>
               </a:rPr>
-              <a:t>|  Sender TTL   |      MBZ                                      |</a:t>
+              <a:t>|  session-sender TTL   |      MBZ                                      |</a:t>
             </a:r>
           </a:p>
           <a:p>
@@ -8253,21 +8253,21 @@
             <a:pPr lvl="1"/>
             <a:r>
               <a:rPr lang="en-US" sz="1400" dirty="0"/>
-              <a:t>Counter at fixed location - offset value (no TLV, Eth 18, IPv6 40, UDP 8, Seq 4, Total = 70 Byte)</a:t>
+              <a:t>Counter at fixed location - offset (no TLV, Eth 18, IPv6 40, UDP 8, Seq 4, Total = 70 Byte)</a:t>
             </a:r>
           </a:p>
           <a:p>
             <a:pPr lvl="1"/>
             <a:r>
               <a:rPr lang="en-US" sz="1400" dirty="0"/>
-              <a:t>With LM TLV – may not be at fixed location, also deeper into the packet at offset (Eth 18, IPv6 40, UDP 8, STAMP 44, TLV Type 4, Total = 114 Byte)</a:t>
+              <a:t>With LM TLV – may not be at fixed location, also deeper into the test packet at offset (Eth 18, IPv6 40, UDP 8, STAMP 44, TLV Type 4, Total = 114 Byte)</a:t>
             </a:r>
           </a:p>
           <a:p>
             <a:pPr lvl="1"/>
             <a:r>
               <a:rPr lang="en-US" sz="1400" dirty="0"/>
-              <a:t>May need to include other </a:t>
+              <a:t>Also need to include other </a:t>
             </a:r>
             <a:r>
               <a:rPr lang="en-US" sz="1400" dirty="0" err="1"/>
@@ -8282,14 +8282,21 @@
             <a:pPr lvl="1"/>
             <a:r>
               <a:rPr lang="en-US" sz="1400" dirty="0"/>
-              <a:t>H/W also not capable to write both TS and Counter in the same packet</a:t>
+              <a:t>Need to load the packet in write-able memory which is limited</a:t>
+            </a:r>
+          </a:p>
+          <a:p>
+            <a:pPr lvl="1"/>
+            <a:r>
+              <a:rPr lang="en-US" sz="1400" dirty="0"/>
+              <a:t>Hardware also not capable to write both TS and Counter in the same packet</a:t>
             </a:r>
           </a:p>
           <a:p>
             <a:pPr lvl="2"/>
             <a:r>
               <a:rPr lang="en-US" sz="1400" dirty="0"/>
-              <a:t>H/W also not capable to recompute UDP checksum</a:t>
+              <a:t>Hardware also not capable to recompute UDP checksum</a:t>
             </a:r>
           </a:p>
           <a:p>
@@ -8302,27 +8309,27 @@
             <a:pPr lvl="1"/>
             <a:r>
               <a:rPr lang="en-US" sz="1400" dirty="0"/>
-              <a:t>Some test packets received from one sender with base test packet and some with LM TLV, hence need to parse the received packet to check if it is for delay or direct-mode loss before punting the packet</a:t>
+              <a:t>Some test packets received from one session-sender with base test packet and some with LM TLV, hence need to parse the received test packet to check if it is for delay or direct-mode loss before punting the packet</a:t>
             </a:r>
           </a:p>
           <a:p>
             <a:pPr lvl="1"/>
             <a:r>
               <a:rPr lang="en-US" sz="1400" dirty="0"/>
-              <a:t>H/W need to punt with receive TS or receive Counter</a:t>
+              <a:t>Hardware need to punt with receive TS or receive Counter</a:t>
             </a:r>
           </a:p>
           <a:p>
             <a:pPr lvl="1"/>
             <a:r>
               <a:rPr lang="en-US" sz="1400" dirty="0"/>
-              <a:t>H/W also not capable to do both for the same packet</a:t>
+              <a:t>Hardware also not capable to do both for the same packet</a:t>
             </a:r>
           </a:p>
           <a:p>
             <a:r>
               <a:rPr lang="en-US" sz="1400" dirty="0"/>
-              <a:t>Separate UDP port + message format eliminate the complexity in hardware</a:t>
+              <a:t>Separate UDP port + LM message format eliminate the complexity in Hardware</a:t>
             </a:r>
           </a:p>
         </p:txBody>
@@ -9691,7 +9698,7 @@
         <p:spPr>
           <a:xfrm>
             <a:off x="5057809" y="1651946"/>
-            <a:ext cx="3578944" cy="1255802"/>
+            <a:ext cx="3578944" cy="919804"/>
           </a:xfrm>
         </p:spPr>
         <p:txBody>
@@ -9704,20 +9711,23 @@
             </a:r>
           </a:p>
           <a:p>
-            <a:r>
-              <a:rPr lang="en-US" sz="1200" dirty="0"/>
+            <a:pPr lvl="1"/>
+            <a:r>
+              <a:rPr lang="en-US" sz="1000" dirty="0"/>
               <a:t>RFC 8570 (IS-IS)</a:t>
             </a:r>
           </a:p>
           <a:p>
-            <a:r>
-              <a:rPr lang="en-US" sz="1200" dirty="0"/>
+            <a:pPr lvl="1"/>
+            <a:r>
+              <a:rPr lang="en-US" sz="1000" dirty="0"/>
               <a:t>RFC 7471 (OSPF)</a:t>
             </a:r>
           </a:p>
           <a:p>
-            <a:r>
-              <a:rPr lang="en-US" sz="1200" dirty="0"/>
+            <a:pPr lvl="1"/>
+            <a:r>
+              <a:rPr lang="en-US" sz="1000" dirty="0"/>
               <a:t>RFC 8571 (BGP-LS)</a:t>
             </a:r>
           </a:p>
@@ -11444,7 +11454,7 @@
             </a:pPr>
             <a:r>
               <a:rPr lang="en-US" sz="1600" dirty="0"/>
-              <a:t>Extensions not specific to SR?</a:t>
+              <a:t>Extensions specific to SR?</a:t>
             </a:r>
           </a:p>
           <a:p>
@@ -12907,39 +12917,33 @@
           <a:p>
             <a:r>
               <a:rPr lang="en-US" sz="1600" dirty="0"/>
-              <a:t>Two-way measurement mode that does not require clock synchronization</a:t>
-            </a:r>
-          </a:p>
-          <a:p>
+              <a:t>Two-way measurement mode</a:t>
+            </a:r>
+          </a:p>
+          <a:p>
+            <a:pPr lvl="1"/>
             <a:r>
               <a:rPr lang="en-US" sz="1600" dirty="0"/>
-              <a:t>Reflector needs to send response back on the same link (symmetric delay on forward and reverse link) for two-way mode</a:t>
+              <a:t>Reflector needs to send reply on the same link (symmetric delay on forward and reverse link)</a:t>
             </a:r>
           </a:p>
           <a:p>
             <a:r>
               <a:rPr lang="en-US" sz="1600" dirty="0"/>
-              <a:t>No way of knowing if one-way or two-way mode from the STAMP test packets</a:t>
+              <a:t>No way of knowing if one-way or two-way mode from the STAMP test packet</a:t>
             </a:r>
           </a:p>
           <a:p>
             <a:r>
               <a:rPr lang="en-US" sz="1600" dirty="0"/>
-              <a:t>Not scalable to configure for each (session id, source-address) on reflector (can have an order of 1K links)</a:t>
+              <a:t>Not scalable to configure for each (session id, source-address) on session-reflector (can have an order of 1K links)</a:t>
             </a:r>
           </a:p>
           <a:p>
             <a:pPr lvl="1"/>
             <a:r>
               <a:rPr lang="en-US" sz="1600" dirty="0"/>
-              <a:t>Reflector node may have PTP clock sync but may be not all sender nodes</a:t>
-            </a:r>
-          </a:p>
-          <a:p>
-            <a:pPr lvl="1"/>
-            <a:r>
-              <a:rPr lang="en-US" sz="1600" dirty="0"/>
-              <a:t>Cannot always send response back on the same incoming interface as the STAMP test packet may be received for an SR Policy</a:t>
+              <a:t>Cannot always send reply on the same incoming interface as the STAMP test packet reply may need to be IP routed</a:t>
             </a:r>
           </a:p>
           <a:p>
@@ -13706,8 +13710,8 @@
         </p:nvSpPr>
         <p:spPr>
           <a:xfrm>
-            <a:off x="457200" y="1123949"/>
-            <a:ext cx="8229600" cy="3230165"/>
+            <a:off x="533400" y="1047750"/>
+            <a:ext cx="8077200" cy="3230165"/>
           </a:xfrm>
         </p:spPr>
         <p:txBody>
@@ -13715,61 +13719,61 @@
           <a:lstStyle/>
           <a:p>
             <a:r>
-              <a:rPr lang="en-US" sz="1800" dirty="0"/>
+              <a:rPr lang="en-US" sz="1600" dirty="0"/>
               <a:t>For </a:t>
             </a:r>
             <a:r>
-              <a:rPr lang="en-US" sz="1800" dirty="0" err="1"/>
+              <a:rPr lang="en-US" sz="1600" dirty="0" err="1"/>
               <a:t>Bidir</a:t>
             </a:r>
             <a:r>
-              <a:rPr lang="en-US" sz="1800" dirty="0"/>
-              <a:t> SR Policy, reply packet to be sent on the reverse SR Policy</a:t>
-            </a:r>
-          </a:p>
-          <a:p>
-            <a:r>
-              <a:rPr lang="en-US" sz="1800" dirty="0" err="1"/>
+              <a:rPr lang="en-US" sz="1600" dirty="0"/>
+              <a:t> SR Policy, reply test packet needs to be sent on the reverse SR Policy</a:t>
+            </a:r>
+          </a:p>
+          <a:p>
+            <a:r>
+              <a:rPr lang="en-US" sz="1600" dirty="0" err="1"/>
               <a:t>Bidir</a:t>
             </a:r>
             <a:r>
-              <a:rPr lang="en-US" sz="1800" dirty="0"/>
+              <a:rPr lang="en-US" sz="1600" dirty="0"/>
               <a:t> SR Path (forward and reverse) dynamically computed using CSPF by the head-end node</a:t>
             </a:r>
           </a:p>
           <a:p>
             <a:pPr lvl="1"/>
             <a:r>
-              <a:rPr lang="en-US" sz="1800" dirty="0"/>
+              <a:rPr lang="en-US" sz="1600" dirty="0"/>
               <a:t>Path can change often based on topology change, link/node failure in the network, etc.</a:t>
             </a:r>
           </a:p>
           <a:p>
             <a:r>
-              <a:rPr lang="en-US" sz="1800" dirty="0"/>
-              <a:t>No signaling in SR - no control plane, possible to use PCE</a:t>
-            </a:r>
-          </a:p>
-          <a:p>
-            <a:r>
-              <a:rPr lang="en-US" sz="1800" dirty="0"/>
-              <a:t>Need per session state on reflector node to store reverse paths (each session-id, source-address) – order of 10Ks SR Policy (that can have active and standby candidate-paths and each can have multiple segment-lists)</a:t>
-            </a:r>
-          </a:p>
-          <a:p>
-            <a:r>
-              <a:rPr lang="en-US" sz="1800" dirty="0"/>
+              <a:rPr lang="en-US" sz="1600" dirty="0"/>
+              <a:t>No signaling in SR, possible to use PCE</a:t>
+            </a:r>
+          </a:p>
+          <a:p>
+            <a:r>
+              <a:rPr lang="en-US" sz="1600" dirty="0"/>
+              <a:t>Need per session state on session-reflector node to store reverse paths (each session-id, source-address) – order of 10Ks SR Policy (that can have active and standby candidate-paths and each can have multiple segment-lists)</a:t>
+            </a:r>
+          </a:p>
+          <a:p>
+            <a:r>
+              <a:rPr lang="en-US" sz="1600" dirty="0"/>
               <a:t>In SR, state is in the packet</a:t>
             </a:r>
           </a:p>
           <a:p>
-            <a:endParaRPr lang="en-US" sz="1800" dirty="0"/>
-          </a:p>
-          <a:p>
-            <a:endParaRPr lang="en-US" sz="1800" dirty="0"/>
-          </a:p>
-          <a:p>
-            <a:endParaRPr lang="en-US" sz="1800" dirty="0"/>
+            <a:endParaRPr lang="en-US" sz="1600" dirty="0"/>
+          </a:p>
+          <a:p>
+            <a:endParaRPr lang="en-US" sz="1600" dirty="0"/>
+          </a:p>
+          <a:p>
+            <a:endParaRPr lang="en-US" sz="1600" dirty="0"/>
           </a:p>
         </p:txBody>
       </p:sp>

--- a/draft-gandhi-ippm-stamp-srpm-01.pptx
+++ b/draft-gandhi-ippm-stamp-srpm-01.pptx
@@ -2513,14 +2513,14 @@
           </a:ln>
           <a:extLst>
             <a:ext uri="{909E8E84-426E-40dd-AFC4-6F175D3DCCD1}">
-              <a14:hiddenFill xmlns:a14="http://schemas.microsoft.com/office/drawing/2010/main" xmlns="">
+              <a14:hiddenFill xmlns="" xmlns:a14="http://schemas.microsoft.com/office/drawing/2010/main">
                 <a:solidFill>
                   <a:srgbClr val="FFFFFF"/>
                 </a:solidFill>
               </a14:hiddenFill>
             </a:ext>
             <a:ext uri="{91240B29-F687-4f45-9708-019B960494DF}">
-              <a14:hiddenLine xmlns:a14="http://schemas.microsoft.com/office/drawing/2010/main" xmlns="" w="9525">
+              <a14:hiddenLine xmlns="" xmlns:a14="http://schemas.microsoft.com/office/drawing/2010/main" w="9525">
                 <a:solidFill>
                   <a:srgbClr val="000000"/>
                 </a:solidFill>
@@ -8236,7 +8236,7 @@
         </p:nvSpPr>
         <p:spPr>
           <a:xfrm>
-            <a:off x="439783" y="859153"/>
+            <a:off x="428897" y="742950"/>
             <a:ext cx="8229600" cy="3778086"/>
           </a:xfrm>
         </p:spPr>
@@ -8253,18 +8253,25 @@
             <a:pPr lvl="1"/>
             <a:r>
               <a:rPr lang="en-US" sz="1400" dirty="0"/>
-              <a:t>Counter at fixed location - offset (no TLV, Eth 18, IPv6 40, UDP 8, Seq 4, Total = 70 Byte)</a:t>
-            </a:r>
-          </a:p>
-          <a:p>
-            <a:pPr lvl="1"/>
+              <a:t>Hardware needs to load the test packet in write-able memory which is limited</a:t>
+            </a:r>
+          </a:p>
+          <a:p>
+            <a:pPr lvl="2"/>
             <a:r>
               <a:rPr lang="en-US" sz="1400" dirty="0"/>
-              <a:t>With LM TLV – may not be at fixed location, also deeper into the test packet at offset (Eth 18, IPv6 40, UDP 8, STAMP 44, TLV Type 4, Total = 114 Byte)</a:t>
-            </a:r>
-          </a:p>
-          <a:p>
-            <a:pPr lvl="1"/>
+              <a:t>With LM TLV – counter may not be at fixed location, </a:t>
+            </a:r>
+          </a:p>
+          <a:p>
+            <a:pPr lvl="2"/>
+            <a:r>
+              <a:rPr lang="en-US" sz="1400" dirty="0"/>
+              <a:t>Counter also deeper into the test packet at offset (Eth 18, IPv6 40, UDP 8, STAMP 44, TLV Type 4, Total = 114 Byte)</a:t>
+            </a:r>
+          </a:p>
+          <a:p>
+            <a:pPr lvl="2"/>
             <a:r>
               <a:rPr lang="en-US" sz="1400" dirty="0"/>
               <a:t>Also need to include other </a:t>
@@ -8282,20 +8289,20 @@
             <a:pPr lvl="1"/>
             <a:r>
               <a:rPr lang="en-US" sz="1400" dirty="0"/>
-              <a:t>Need to load the packet in write-able memory which is limited</a:t>
+              <a:t>Hardware also not capable to write both TS and Counter in the same packet</a:t>
             </a:r>
           </a:p>
           <a:p>
             <a:pPr lvl="1"/>
             <a:r>
-              <a:rPr lang="en-US" sz="1400" dirty="0"/>
-              <a:t>Hardware also not capable to write both TS and Counter in the same packet</a:t>
-            </a:r>
-          </a:p>
-          <a:p>
-            <a:pPr lvl="2"/>
-            <a:r>
-              <a:rPr lang="en-US" sz="1400" dirty="0"/>
+              <a:rPr lang="en-US" sz="1400" dirty="0">
+                <a:solidFill>
+                  <a:schemeClr val="tx2">
+                    <a:lumMod val="60000"/>
+                    <a:lumOff val="40000"/>
+                  </a:schemeClr>
+                </a:solidFill>
+              </a:rPr>
               <a:t>Hardware also not capable to recompute UDP checksum</a:t>
             </a:r>
           </a:p>
@@ -8309,21 +8316,21 @@
             <a:pPr lvl="1"/>
             <a:r>
               <a:rPr lang="en-US" sz="1400" dirty="0"/>
-              <a:t>Some test packets received from one session-sender with base test packet and some with LM TLV, hence need to parse the received test packet to check if it is for delay or direct-mode loss before punting the packet</a:t>
+              <a:t>Some test packets received from one session-sender with base test packet and some with LM TLV, hence need to parse EVERY received test packet to check if direct-mode loss TLV is present before punting the packet</a:t>
             </a:r>
           </a:p>
           <a:p>
             <a:pPr lvl="1"/>
             <a:r>
               <a:rPr lang="en-US" sz="1400" dirty="0"/>
-              <a:t>Hardware need to punt with receive TS or receive Counter</a:t>
+              <a:t>Hardware needs to punt with receive TS or receive Counter</a:t>
             </a:r>
           </a:p>
           <a:p>
             <a:pPr lvl="1"/>
             <a:r>
               <a:rPr lang="en-US" sz="1400" dirty="0"/>
-              <a:t>Hardware also not capable to do both for the same packet</a:t>
+              <a:t>Hardware also not capable to punt with both for the same packet</a:t>
             </a:r>
           </a:p>
           <a:p>
@@ -8331,6 +8338,17 @@
               <a:rPr lang="en-US" sz="1400" dirty="0"/>
               <a:t>Separate UDP port + LM message format eliminate the complexity in Hardware</a:t>
             </a:r>
+          </a:p>
+          <a:p>
+            <a:pPr lvl="1"/>
+            <a:r>
+              <a:rPr lang="en-US" sz="1400" dirty="0"/>
+              <a:t>Counter at fixed location - offset (no TLV, Eth 18, IPv6 40, UDP 8, Seq 4, Total = 70 Byte)</a:t>
+            </a:r>
+          </a:p>
+          <a:p>
+            <a:pPr lvl="1"/>
+            <a:endParaRPr lang="en-US" sz="1400" dirty="0"/>
           </a:p>
         </p:txBody>
       </p:sp>
@@ -8515,14 +8533,14 @@
               </a14:hiddenLine>
             </a:ext>
             <a:ext uri="{909E8E84-426E-40dd-AFC4-6F175D3DCCD1}">
-              <a14:hiddenFill xmlns:a14="http://schemas.microsoft.com/office/drawing/2010/main" xmlns="">
+              <a14:hiddenFill xmlns="" xmlns:a14="http://schemas.microsoft.com/office/drawing/2010/main">
                 <a:solidFill>
                   <a:srgbClr val="FFFFFF"/>
                 </a:solidFill>
               </a14:hiddenFill>
             </a:ext>
             <a:ext uri="{91240B29-F687-4f45-9708-019B960494DF}">
-              <a14:hiddenLine xmlns:a14="http://schemas.microsoft.com/office/drawing/2010/main" xmlns="" w="9525">
+              <a14:hiddenLine xmlns="" xmlns:a14="http://schemas.microsoft.com/office/drawing/2010/main" w="9525">
                 <a:solidFill>
                   <a:srgbClr val="000000"/>
                 </a:solidFill>
@@ -9750,7 +9768,7 @@
         </p:nvSpPr>
         <p:spPr>
           <a:xfrm>
-            <a:off x="4316154" y="3401729"/>
+            <a:off x="4249293" y="3485475"/>
             <a:ext cx="4649491" cy="923330"/>
           </a:xfrm>
           <a:prstGeom prst="rect">

--- a/draft-gandhi-ippm-stamp-srpm-01.pptx
+++ b/draft-gandhi-ippm-stamp-srpm-01.pptx
@@ -2513,14 +2513,14 @@
           </a:ln>
           <a:extLst>
             <a:ext uri="{909E8E84-426E-40dd-AFC4-6F175D3DCCD1}">
-              <a14:hiddenFill xmlns="" xmlns:a14="http://schemas.microsoft.com/office/drawing/2010/main">
+              <a14:hiddenFill xmlns:a14="http://schemas.microsoft.com/office/drawing/2010/main" xmlns="">
                 <a:solidFill>
                   <a:srgbClr val="FFFFFF"/>
                 </a:solidFill>
               </a14:hiddenFill>
             </a:ext>
             <a:ext uri="{91240B29-F687-4f45-9708-019B960494DF}">
-              <a14:hiddenLine xmlns="" xmlns:a14="http://schemas.microsoft.com/office/drawing/2010/main" w="9525">
+              <a14:hiddenLine xmlns:a14="http://schemas.microsoft.com/office/drawing/2010/main" xmlns="" w="9525">
                 <a:solidFill>
                   <a:srgbClr val="000000"/>
                 </a:solidFill>
@@ -8236,8 +8236,8 @@
         </p:nvSpPr>
         <p:spPr>
           <a:xfrm>
-            <a:off x="428897" y="742950"/>
-            <a:ext cx="8229600" cy="3778086"/>
+            <a:off x="457200" y="816665"/>
+            <a:ext cx="8194766" cy="3778086"/>
           </a:xfrm>
         </p:spPr>
         <p:txBody>
@@ -8245,57 +8245,57 @@
           <a:lstStyle/>
           <a:p>
             <a:r>
-              <a:rPr lang="en-US" sz="1400" dirty="0"/>
+              <a:rPr lang="en-US" sz="1200" dirty="0"/>
               <a:t>Sender:</a:t>
             </a:r>
           </a:p>
           <a:p>
             <a:pPr lvl="1"/>
             <a:r>
-              <a:rPr lang="en-US" sz="1400" dirty="0"/>
+              <a:rPr lang="en-US" sz="1200" dirty="0"/>
               <a:t>Hardware needs to load the test packet in write-able memory which is limited</a:t>
             </a:r>
           </a:p>
           <a:p>
             <a:pPr lvl="2"/>
             <a:r>
-              <a:rPr lang="en-US" sz="1400" dirty="0"/>
-              <a:t>With LM TLV – counter may not be at fixed location, </a:t>
+              <a:rPr lang="en-US" sz="1200" dirty="0"/>
+              <a:t>With LM TLV, counter may not be at fixed location</a:t>
             </a:r>
           </a:p>
           <a:p>
             <a:pPr lvl="2"/>
             <a:r>
-              <a:rPr lang="en-US" sz="1400" dirty="0"/>
-              <a:t>Counter also deeper into the test packet at offset (Eth 18, IPv6 40, UDP 8, STAMP 44, TLV Type 4, Total = 114 Byte)</a:t>
+              <a:rPr lang="en-US" sz="1200" dirty="0"/>
+              <a:t>With LM TLV, counter also deeper into the test packet at offset (Eth 18, IPv6 40, UDP 8, STAMP 44, TLV Type 4, Total = 114 Byte)</a:t>
             </a:r>
           </a:p>
           <a:p>
             <a:pPr lvl="2"/>
             <a:r>
-              <a:rPr lang="en-US" sz="1400" dirty="0"/>
+              <a:rPr lang="en-US" sz="1200" dirty="0"/>
               <a:t>Also need to include other </a:t>
             </a:r>
             <a:r>
-              <a:rPr lang="en-US" sz="1400" dirty="0" err="1"/>
+              <a:rPr lang="en-US" sz="1200" dirty="0" err="1"/>
               <a:t>Encaps</a:t>
             </a:r>
             <a:r>
-              <a:rPr lang="en-US" sz="1400" dirty="0"/>
+              <a:rPr lang="en-US" sz="1200" dirty="0"/>
               <a:t> / headers in offset</a:t>
             </a:r>
           </a:p>
           <a:p>
             <a:pPr lvl="1"/>
             <a:r>
-              <a:rPr lang="en-US" sz="1400" dirty="0"/>
-              <a:t>Hardware also not capable to write both TS and Counter in the same packet</a:t>
+              <a:rPr lang="en-US" sz="1200" dirty="0"/>
+              <a:t>Hardware also not capable to write both TS and Counter in the same test packet</a:t>
             </a:r>
           </a:p>
           <a:p>
             <a:pPr lvl="1"/>
             <a:r>
-              <a:rPr lang="en-US" sz="1400" dirty="0">
+              <a:rPr lang="en-US" sz="1200" dirty="0">
                 <a:solidFill>
                   <a:schemeClr val="tx2">
                     <a:lumMod val="60000"/>
@@ -8308,47 +8308,47 @@
           </a:p>
           <a:p>
             <a:r>
-              <a:rPr lang="en-US" sz="1400" dirty="0"/>
+              <a:rPr lang="en-US" sz="1200" dirty="0"/>
               <a:t>Reflector:</a:t>
             </a:r>
           </a:p>
           <a:p>
             <a:pPr lvl="1"/>
             <a:r>
-              <a:rPr lang="en-US" sz="1400" dirty="0"/>
+              <a:rPr lang="en-US" sz="1200" dirty="0"/>
               <a:t>Some test packets received from one session-sender with base test packet and some with LM TLV, hence need to parse EVERY received test packet to check if direct-mode loss TLV is present before punting the packet</a:t>
             </a:r>
           </a:p>
           <a:p>
             <a:pPr lvl="1"/>
             <a:r>
-              <a:rPr lang="en-US" sz="1400" dirty="0"/>
+              <a:rPr lang="en-US" sz="1200" dirty="0"/>
               <a:t>Hardware needs to punt with receive TS or receive Counter</a:t>
             </a:r>
           </a:p>
           <a:p>
             <a:pPr lvl="1"/>
             <a:r>
-              <a:rPr lang="en-US" sz="1400" dirty="0"/>
-              <a:t>Hardware also not capable to punt with both for the same packet</a:t>
-            </a:r>
-          </a:p>
-          <a:p>
-            <a:r>
-              <a:rPr lang="en-US" sz="1400" dirty="0"/>
+              <a:rPr lang="en-US" sz="1200" dirty="0"/>
+              <a:t>Hardware also not capable to punt with both TS and Counter for the same test packet</a:t>
+            </a:r>
+          </a:p>
+          <a:p>
+            <a:r>
+              <a:rPr lang="en-US" sz="1200" dirty="0"/>
               <a:t>Separate UDP port + LM message format eliminate the complexity in Hardware</a:t>
             </a:r>
           </a:p>
           <a:p>
             <a:pPr lvl="1"/>
             <a:r>
-              <a:rPr lang="en-US" sz="1400" dirty="0"/>
+              <a:rPr lang="en-US" sz="1200" dirty="0"/>
               <a:t>Counter at fixed location - offset (no TLV, Eth 18, IPv6 40, UDP 8, Seq 4, Total = 70 Byte)</a:t>
             </a:r>
           </a:p>
           <a:p>
             <a:pPr lvl="1"/>
-            <a:endParaRPr lang="en-US" sz="1400" dirty="0"/>
+            <a:endParaRPr lang="en-US" sz="1200" dirty="0"/>
           </a:p>
         </p:txBody>
       </p:sp>
@@ -8533,14 +8533,14 @@
               </a14:hiddenLine>
             </a:ext>
             <a:ext uri="{909E8E84-426E-40dd-AFC4-6F175D3DCCD1}">
-              <a14:hiddenFill xmlns="" xmlns:a14="http://schemas.microsoft.com/office/drawing/2010/main">
+              <a14:hiddenFill xmlns:a14="http://schemas.microsoft.com/office/drawing/2010/main" xmlns="">
                 <a:solidFill>
                   <a:srgbClr val="FFFFFF"/>
                 </a:solidFill>
               </a14:hiddenFill>
             </a:ext>
             <a:ext uri="{91240B29-F687-4f45-9708-019B960494DF}">
-              <a14:hiddenLine xmlns="" xmlns:a14="http://schemas.microsoft.com/office/drawing/2010/main" w="9525">
+              <a14:hiddenLine xmlns:a14="http://schemas.microsoft.com/office/drawing/2010/main" xmlns="" w="9525">
                 <a:solidFill>
                   <a:srgbClr val="000000"/>
                 </a:solidFill>
@@ -12942,7 +12942,15 @@
             <a:pPr lvl="1"/>
             <a:r>
               <a:rPr lang="en-US" sz="1600" dirty="0"/>
-              <a:t>Reflector needs to send reply on the same link (symmetric delay on forward and reverse link)</a:t>
+              <a:t>Reflector needs to send reply on the same link (</a:t>
+            </a:r>
+            <a:r>
+              <a:rPr lang="en-US" sz="1600" b="1" dirty="0"/>
+              <a:t>in-band</a:t>
+            </a:r>
+            <a:r>
+              <a:rPr lang="en-US" sz="1600" dirty="0"/>
+              <a:t>) (symmetric delay on forward and reverse link)</a:t>
             </a:r>
           </a:p>
           <a:p>
@@ -13746,7 +13754,15 @@
             </a:r>
             <a:r>
               <a:rPr lang="en-US" sz="1600" dirty="0"/>
-              <a:t> SR Policy, reply test packet needs to be sent on the reverse SR Policy</a:t>
+              <a:t> SR Policy, reply test packet needs to be sent (</a:t>
+            </a:r>
+            <a:r>
+              <a:rPr lang="en-US" sz="1600" b="1" dirty="0"/>
+              <a:t>in-band)</a:t>
+            </a:r>
+            <a:r>
+              <a:rPr lang="en-US" sz="1600" dirty="0"/>
+              <a:t> on the reverse SR Policy</a:t>
             </a:r>
           </a:p>
           <a:p>

--- a/draft-gandhi-ippm-stamp-srpm-01.pptx
+++ b/draft-gandhi-ippm-stamp-srpm-01.pptx
@@ -5743,7 +5743,7 @@
           <a:p>
             <a:r>
               <a:rPr lang="en-US" sz="1400" kern="0" dirty="0"/>
-              <a:t>Stand-alone Direct-mode Loss Measurement (LM) query and response messages defined</a:t>
+              <a:t>Stand-alone Direct-mode Loss Measurement (LM) test packet defined</a:t>
             </a:r>
           </a:p>
           <a:p>
@@ -5770,7 +5770,7 @@
           <a:p>
             <a:r>
               <a:rPr lang="en-US" sz="1400" kern="0" dirty="0"/>
-              <a:t>Direct-mode LM message format is also defined for authenticated mode</a:t>
+              <a:t>Direct-mode LM packet format is also defined for authenticated mode</a:t>
             </a:r>
           </a:p>
           <a:p>
@@ -5788,7 +5788,7 @@
             </a:r>
             <a:r>
               <a:rPr lang="en-US" sz="1400" kern="0" dirty="0"/>
-              <a:t> is used for identifying direct-mode LM probe packets</a:t>
+              <a:t> is used for identifying direct-mode LM test packets</a:t>
             </a:r>
           </a:p>
           <a:p>
@@ -11201,7 +11201,7 @@
             </a:pPr>
             <a:r>
               <a:rPr lang="en-US" sz="1600" dirty="0"/>
-              <a:t>Eliminate per session provisioning</a:t>
+              <a:t>Eliminate per session provisioning on Session-Reflector</a:t>
             </a:r>
           </a:p>
           <a:p>
@@ -11211,7 +11211,7 @@
             </a:pPr>
             <a:r>
               <a:rPr lang="en-US" sz="1600" dirty="0"/>
-              <a:t>Stateless on session-reflector</a:t>
+              <a:t>No control-channel signaling for sessions</a:t>
             </a:r>
           </a:p>
           <a:p>
@@ -11221,7 +11221,7 @@
             </a:pPr>
             <a:r>
               <a:rPr lang="en-US" sz="1600" dirty="0"/>
-              <a:t>Support very high scale for number of sessions and faster detection interval</a:t>
+              <a:t>Support hardware implementation - very high scale for number of sessions and faster detection interval</a:t>
             </a:r>
           </a:p>
           <a:p>
@@ -11532,7 +11532,7 @@
             </a:pPr>
             <a:r>
               <a:rPr lang="en-US" sz="1600" dirty="0"/>
-              <a:t>Move Receive Counter and other Response message fields to Section 4.1 from 3.2</a:t>
+              <a:t>Move Receive Counter and other Reply message fields to Section 4.1 from 3.2</a:t>
             </a:r>
           </a:p>
           <a:p>
@@ -11790,16 +11790,6 @@
             <a:r>
               <a:rPr lang="en-US" sz="1400" b="1" dirty="0">
                 <a:solidFill>
-                  <a:schemeClr val="tx2"/>
-                </a:solidFill>
-                <a:latin typeface="Calibri" panose="020F0502020204030204" pitchFamily="34" charset="0"/>
-                <a:cs typeface="Calibri" panose="020F0502020204030204" pitchFamily="34" charset="0"/>
-              </a:rPr>
-              <a:t>In a Query: </a:t>
-            </a:r>
-            <a:r>
-              <a:rPr lang="en-US" sz="1400" b="1" dirty="0">
-                <a:solidFill>
                   <a:srgbClr val="0070C0"/>
                 </a:solidFill>
                 <a:latin typeface="Calibri" panose="020F0502020204030204" pitchFamily="34" charset="0"/>
@@ -11826,7 +11816,7 @@
                 <a:latin typeface="Calibri" panose="020F0502020204030204" pitchFamily="34" charset="0"/>
                 <a:cs typeface="Calibri" panose="020F0502020204030204" pitchFamily="34" charset="0"/>
               </a:rPr>
-              <a:t>0x0: Out-of-band Response Requested.  </a:t>
+              <a:t>0x0: Out-of-band Reply Requested.  </a:t>
             </a:r>
           </a:p>
           <a:p>
@@ -11859,7 +11849,7 @@
                 <a:latin typeface="Calibri" panose="020F0502020204030204" pitchFamily="34" charset="0"/>
                 <a:cs typeface="Calibri" panose="020F0502020204030204" pitchFamily="34" charset="0"/>
               </a:rPr>
-              <a:t>0x1: In-band Response Requested.  </a:t>
+              <a:t>0x1: In-band Reply Requested.  </a:t>
             </a:r>
           </a:p>
           <a:p>
@@ -11871,7 +11861,7 @@
                 <a:latin typeface="Calibri" panose="020F0502020204030204" pitchFamily="34" charset="0"/>
                 <a:cs typeface="Calibri" panose="020F0502020204030204" pitchFamily="34" charset="0"/>
               </a:rPr>
-              <a:t>Indicates that this query has been sent over a bidirectional path and the probe response is required over the same path in reverse direction.</a:t>
+              <a:t>Indicates that this test packet has been sent over a bidirectional path and the reply is required over the same path in reverse direction.</a:t>
             </a:r>
           </a:p>
           <a:p>
@@ -11892,7 +11882,7 @@
                 <a:latin typeface="Calibri" panose="020F0502020204030204" pitchFamily="34" charset="0"/>
                 <a:cs typeface="Calibri" panose="020F0502020204030204" pitchFamily="34" charset="0"/>
               </a:rPr>
-              <a:t>0x2: No Response Requested.</a:t>
+              <a:t>0x2: No Reply Requested.</a:t>
             </a:r>
           </a:p>
         </p:txBody>
@@ -12774,21 +12764,18 @@
               <a:rPr lang="en-CA" sz="1000" dirty="0">
                 <a:latin typeface="Courier" pitchFamily="2" charset="0"/>
               </a:rPr>
-              <a:t>      Figure: Session-Sender Control Code in STAMP DM Message</a:t>
-            </a:r>
-            <a:r>
-              <a:rPr kumimoji="0" lang="en-US" altLang="en-US" sz="1000" u="none" strike="noStrike" cap="none" normalizeH="0" baseline="0" dirty="0">
-                <a:ln>
-                  <a:noFill/>
-                </a:ln>
-                <a:solidFill>
-                  <a:schemeClr val="tx1"/>
-                </a:solidFill>
-                <a:effectLst/>
-                <a:latin typeface="Courier" pitchFamily="2" charset="0"/>
-              </a:rPr>
-              <a:t> </a:t>
-            </a:r>
+              <a:t>             Session-Sender Control Code in Test Packet</a:t>
+            </a:r>
+            <a:endParaRPr kumimoji="0" lang="en-US" altLang="en-US" sz="1000" u="none" strike="noStrike" cap="none" normalizeH="0" baseline="0" dirty="0">
+              <a:ln>
+                <a:noFill/>
+              </a:ln>
+              <a:solidFill>
+                <a:schemeClr val="tx1"/>
+              </a:solidFill>
+              <a:effectLst/>
+              <a:latin typeface="Courier" pitchFamily="2" charset="0"/>
+            </a:endParaRPr>
           </a:p>
         </p:txBody>
       </p:sp>
@@ -13375,7 +13362,7 @@
             </a:pPr>
             <a:r>
               <a:rPr lang="en-CA" sz="1400" dirty="0"/>
-              <a:t>Type (value 1): Return Address. Target node address of the response; different than the Source Address in the query</a:t>
+              <a:t>Type (value 1): Return Address. Target node address for the reply; different than the Source Address in the test packet</a:t>
             </a:r>
           </a:p>
           <a:p>
@@ -14186,7 +14173,7 @@
         <p:spPr>
           <a:xfrm>
             <a:off x="299357" y="1149180"/>
-            <a:ext cx="3924300" cy="2772234"/>
+            <a:ext cx="3924300" cy="3041538"/>
           </a:xfrm>
           <a:prstGeom prst="rect">
             <a:avLst/>
@@ -14259,7 +14246,7 @@
                 <a:ea typeface="Calibri" panose="020F0502020204030204" pitchFamily="34" charset="0"/>
                 <a:cs typeface="Consolas" panose="020B0609020204030204" pitchFamily="49" charset="0"/>
               </a:rPr>
-              <a:t>Indicates the address of the intended recipient node of the query message.  </a:t>
+              <a:t>Indicates the address of the intended recipient node of the test packet message.  </a:t>
             </a:r>
           </a:p>
           <a:p>
@@ -14304,7 +14291,7 @@
                 <a:ea typeface="Calibri" panose="020F0502020204030204" pitchFamily="34" charset="0"/>
                 <a:cs typeface="Consolas" panose="020B0609020204030204" pitchFamily="49" charset="0"/>
               </a:rPr>
-              <a:t>send response if it is not the intended destination node of the query.</a:t>
+              <a:t>send reply if it is not the intended destination node of the test packet.</a:t>
             </a:r>
           </a:p>
           <a:p>
@@ -14327,7 +14314,7 @@
                 <a:ea typeface="Calibri" panose="020F0502020204030204" pitchFamily="34" charset="0"/>
                 <a:cs typeface="Consolas" panose="020B0609020204030204" pitchFamily="49" charset="0"/>
               </a:rPr>
-              <a:t>Useful when query is sent with 127/8 destination address (e.g. sweeping ECMP paths).</a:t>
+              <a:t>Useful when test packet is sent with 127/8 destination address (e.g. sweeping ECMP paths).</a:t>
             </a:r>
           </a:p>
         </p:txBody>

--- a/draft-gandhi-ippm-stamp-srpm-01.pptx
+++ b/draft-gandhi-ippm-stamp-srpm-01.pptx
@@ -2513,14 +2513,14 @@
           </a:ln>
           <a:extLst>
             <a:ext uri="{909E8E84-426E-40dd-AFC4-6F175D3DCCD1}">
-              <a14:hiddenFill xmlns:a14="http://schemas.microsoft.com/office/drawing/2010/main" xmlns="">
+              <a14:hiddenFill xmlns="" xmlns:a14="http://schemas.microsoft.com/office/drawing/2010/main">
                 <a:solidFill>
                   <a:srgbClr val="FFFFFF"/>
                 </a:solidFill>
               </a14:hiddenFill>
             </a:ext>
             <a:ext uri="{91240B29-F687-4f45-9708-019B960494DF}">
-              <a14:hiddenLine xmlns:a14="http://schemas.microsoft.com/office/drawing/2010/main" xmlns="" w="9525">
+              <a14:hiddenLine xmlns="" xmlns:a14="http://schemas.microsoft.com/office/drawing/2010/main" w="9525">
                 <a:solidFill>
                   <a:srgbClr val="000000"/>
                 </a:solidFill>
@@ -5519,7 +5519,7 @@
                 <a:latin typeface="Calibri Light" panose="020F0302020204030204" pitchFamily="34" charset="0"/>
                 <a:cs typeface="Calibri Light" panose="020F0302020204030204" pitchFamily="34" charset="0"/>
               </a:rPr>
-              <a:t>STAMP - Stand-alone Direct-mode LM Message Format</a:t>
+              <a:t>STAMP - Stand-alone Direct-mode LM Test Packet Format</a:t>
             </a:r>
           </a:p>
         </p:txBody>
@@ -5764,7 +5764,7 @@
             <a:pPr lvl="1"/>
             <a:r>
               <a:rPr lang="en-US" sz="1400" kern="0" dirty="0"/>
-              <a:t>Stand-alone LM message, not tied to DM</a:t>
+              <a:t>Stand-alone LM test packet, not tied to DM</a:t>
             </a:r>
           </a:p>
           <a:p>
@@ -5794,7 +5794,7 @@
           <a:p>
             <a:r>
               <a:rPr lang="en-US" sz="1400" kern="0" dirty="0"/>
-              <a:t>Does not modify existing STAMP (which is for DM) procedure as different destination UDP port is used for direct-mode LM</a:t>
+              <a:t>Does not modify existing STAMP procedure as different destination UDP port is used for direct-mode LM test packets</a:t>
             </a:r>
           </a:p>
         </p:txBody>
@@ -8533,14 +8533,14 @@
               </a14:hiddenLine>
             </a:ext>
             <a:ext uri="{909E8E84-426E-40dd-AFC4-6F175D3DCCD1}">
-              <a14:hiddenFill xmlns:a14="http://schemas.microsoft.com/office/drawing/2010/main" xmlns="">
+              <a14:hiddenFill xmlns="" xmlns:a14="http://schemas.microsoft.com/office/drawing/2010/main">
                 <a:solidFill>
                   <a:srgbClr val="FFFFFF"/>
                 </a:solidFill>
               </a14:hiddenFill>
             </a:ext>
             <a:ext uri="{91240B29-F687-4f45-9708-019B960494DF}">
-              <a14:hiddenLine xmlns:a14="http://schemas.microsoft.com/office/drawing/2010/main" xmlns="" w="9525">
+              <a14:hiddenLine xmlns="" xmlns:a14="http://schemas.microsoft.com/office/drawing/2010/main" w="9525">
                 <a:solidFill>
                   <a:srgbClr val="000000"/>
                 </a:solidFill>
@@ -11861,7 +11861,7 @@
                 <a:latin typeface="Calibri" panose="020F0502020204030204" pitchFamily="34" charset="0"/>
                 <a:cs typeface="Calibri" panose="020F0502020204030204" pitchFamily="34" charset="0"/>
               </a:rPr>
-              <a:t>Indicates that this test packet has been sent over a bidirectional path and the reply is required over the same path in reverse direction.</a:t>
+              <a:t>Indicates that this test packet has been sent over a bidirectional path and the reply is required over the same path in the reverse direction.</a:t>
             </a:r>
           </a:p>
           <a:p>
@@ -12776,51 +12776,6 @@
               <a:effectLst/>
               <a:latin typeface="Courier" pitchFamily="2" charset="0"/>
             </a:endParaRPr>
-          </a:p>
-        </p:txBody>
-      </p:sp>
-      <p:sp>
-        <p:nvSpPr>
-          <p:cNvPr id="6" name="Rectangle 5">
-            <a:extLst>
-              <a:ext uri="{FF2B5EF4-FFF2-40B4-BE49-F238E27FC236}">
-                <a16:creationId xmlns:a16="http://schemas.microsoft.com/office/drawing/2014/main" id="{4A396F60-0825-3541-B7EA-5564EB024B3F}"/>
-              </a:ext>
-            </a:extLst>
-          </p:cNvPr>
-          <p:cNvSpPr/>
-          <p:nvPr/>
-        </p:nvSpPr>
-        <p:spPr>
-          <a:xfrm>
-            <a:off x="457200" y="3925414"/>
-            <a:ext cx="2570887" cy="738664"/>
-          </a:xfrm>
-          <a:prstGeom prst="rect">
-            <a:avLst/>
-          </a:prstGeom>
-          <a:ln>
-            <a:solidFill>
-              <a:schemeClr val="accent6"/>
-            </a:solidFill>
-          </a:ln>
-        </p:spPr>
-        <p:txBody>
-          <a:bodyPr wrap="square">
-            <a:spAutoFit/>
-          </a:bodyPr>
-          <a:lstStyle/>
-          <a:p>
-            <a:r>
-              <a:rPr lang="en-US" sz="1400" dirty="0">
-                <a:solidFill>
-                  <a:schemeClr val="tx2"/>
-                </a:solidFill>
-                <a:latin typeface="Calibri" panose="020F0502020204030204" pitchFamily="34" charset="0"/>
-                <a:cs typeface="Calibri" panose="020F0502020204030204" pitchFamily="34" charset="0"/>
-              </a:rPr>
-              <a:t>With this, the Session-Reflector node does not require any additional state for PM</a:t>
-            </a:r>
           </a:p>
         </p:txBody>
       </p:sp>

--- a/draft-gandhi-ippm-stamp-srpm-01.pptx
+++ b/draft-gandhi-ippm-stamp-srpm-01.pptx
@@ -2513,14 +2513,14 @@
           </a:ln>
           <a:extLst>
             <a:ext uri="{909E8E84-426E-40dd-AFC4-6F175D3DCCD1}">
-              <a14:hiddenFill xmlns="" xmlns:a14="http://schemas.microsoft.com/office/drawing/2010/main">
+              <a14:hiddenFill xmlns:a14="http://schemas.microsoft.com/office/drawing/2010/main" xmlns="">
                 <a:solidFill>
                   <a:srgbClr val="FFFFFF"/>
                 </a:solidFill>
               </a14:hiddenFill>
             </a:ext>
             <a:ext uri="{91240B29-F687-4f45-9708-019B960494DF}">
-              <a14:hiddenLine xmlns="" xmlns:a14="http://schemas.microsoft.com/office/drawing/2010/main" w="9525">
+              <a14:hiddenLine xmlns:a14="http://schemas.microsoft.com/office/drawing/2010/main" xmlns="" w="9525">
                 <a:solidFill>
                   <a:srgbClr val="000000"/>
                 </a:solidFill>
@@ -8142,14 +8142,14 @@
           <a:p>
             <a:pPr algn="l"/>
             <a:r>
-              <a:rPr lang="en-US" sz="3000" dirty="0">
+              <a:rPr lang="en-US" sz="2800" dirty="0">
                 <a:solidFill>
                   <a:srgbClr val="0070C0"/>
                 </a:solidFill>
                 <a:latin typeface="Calibri Light" panose="020F0302020204030204" pitchFamily="34" charset="0"/>
                 <a:cs typeface="Calibri Light" panose="020F0302020204030204" pitchFamily="34" charset="0"/>
               </a:rPr>
-              <a:t>STAMP - Stand-alone Direct-mode LM Message Format</a:t>
+              <a:t>STAMP - Stand-alone Direct-mode LM Test Packet Format</a:t>
             </a:r>
           </a:p>
         </p:txBody>
@@ -8246,7 +8246,7 @@
           <a:p>
             <a:r>
               <a:rPr lang="en-US" sz="1200" dirty="0"/>
-              <a:t>Sender:</a:t>
+              <a:t>Session-Sender:</a:t>
             </a:r>
           </a:p>
           <a:p>
@@ -8309,7 +8309,7 @@
           <a:p>
             <a:r>
               <a:rPr lang="en-US" sz="1200" dirty="0"/>
-              <a:t>Reflector:</a:t>
+              <a:t>Session-Reflector:</a:t>
             </a:r>
           </a:p>
           <a:p>
@@ -8533,14 +8533,14 @@
               </a14:hiddenLine>
             </a:ext>
             <a:ext uri="{909E8E84-426E-40dd-AFC4-6F175D3DCCD1}">
-              <a14:hiddenFill xmlns="" xmlns:a14="http://schemas.microsoft.com/office/drawing/2010/main">
+              <a14:hiddenFill xmlns:a14="http://schemas.microsoft.com/office/drawing/2010/main" xmlns="">
                 <a:solidFill>
                   <a:srgbClr val="FFFFFF"/>
                 </a:solidFill>
               </a14:hiddenFill>
             </a:ext>
             <a:ext uri="{91240B29-F687-4f45-9708-019B960494DF}">
-              <a14:hiddenLine xmlns="" xmlns:a14="http://schemas.microsoft.com/office/drawing/2010/main" w="9525">
+              <a14:hiddenLine xmlns:a14="http://schemas.microsoft.com/office/drawing/2010/main" xmlns="" w="9525">
                 <a:solidFill>
                   <a:srgbClr val="000000"/>
                 </a:solidFill>

--- a/draft-gandhi-ippm-stamp-srpm-01.pptx
+++ b/draft-gandhi-ippm-stamp-srpm-01.pptx
@@ -5,10 +5,10 @@
     <p:sldMasterId id="2147483648" r:id="rId1"/>
   </p:sldMasterIdLst>
   <p:notesMasterIdLst>
-    <p:notesMasterId r:id="rId16"/>
+    <p:notesMasterId r:id="rId17"/>
   </p:notesMasterIdLst>
   <p:handoutMasterIdLst>
-    <p:handoutMasterId r:id="rId17"/>
+    <p:handoutMasterId r:id="rId18"/>
   </p:handoutMasterIdLst>
   <p:sldIdLst>
     <p:sldId id="1661" r:id="rId2"/>
@@ -25,6 +25,7 @@
     <p:sldId id="3054" r:id="rId13"/>
     <p:sldId id="1670" r:id="rId14"/>
     <p:sldId id="1671" r:id="rId15"/>
+    <p:sldId id="1649" r:id="rId16"/>
   </p:sldIdLst>
   <p:sldSz cx="9144000" cy="5143500" type="screen16x9"/>
   <p:notesSz cx="6858000" cy="9144000"/>
@@ -257,7 +258,7 @@
           <a:p>
             <a:fld id="{E8FA3DB5-7722-3F4F-947D-12B203669AD7}" type="datetimeFigureOut">
               <a:rPr lang="en-US" smtClean="0"/>
-              <a:t>1/13/21</a:t>
+              <a:t>1/14/21</a:t>
             </a:fld>
             <a:endParaRPr lang="en-US"/>
           </a:p>
@@ -2513,14 +2514,14 @@
           </a:ln>
           <a:extLst>
             <a:ext uri="{909E8E84-426E-40dd-AFC4-6F175D3DCCD1}">
-              <a14:hiddenFill xmlns:a14="http://schemas.microsoft.com/office/drawing/2010/main" xmlns="">
+              <a14:hiddenFill xmlns="" xmlns:a14="http://schemas.microsoft.com/office/drawing/2010/main">
                 <a:solidFill>
                   <a:srgbClr val="FFFFFF"/>
                 </a:solidFill>
               </a14:hiddenFill>
             </a:ext>
             <a:ext uri="{91240B29-F687-4f45-9708-019B960494DF}">
-              <a14:hiddenLine xmlns:a14="http://schemas.microsoft.com/office/drawing/2010/main" xmlns="" w="9525">
+              <a14:hiddenLine xmlns="" xmlns:a14="http://schemas.microsoft.com/office/drawing/2010/main" w="9525">
                 <a:solidFill>
                   <a:srgbClr val="000000"/>
                 </a:solidFill>
@@ -2562,6 +2563,304 @@
   <p:clrMapOvr>
     <a:masterClrMapping/>
   </p:clrMapOvr>
+</p:sldLayout>
+</file>
+
+<file path=ppt/slideLayouts/slideLayout13.xml><?xml version="1.0" encoding="utf-8"?>
+<p:sldLayout xmlns:a="http://schemas.openxmlformats.org/drawingml/2006/main" xmlns:r="http://schemas.openxmlformats.org/officeDocument/2006/relationships" xmlns:p="http://schemas.openxmlformats.org/presentationml/2006/main" userDrawn="1">
+  <p:cSld name="Bullet">
+    <p:spTree>
+      <p:nvGrpSpPr>
+        <p:cNvPr id="1" name=""/>
+        <p:cNvGrpSpPr/>
+        <p:nvPr/>
+      </p:nvGrpSpPr>
+      <p:grpSpPr>
+        <a:xfrm>
+          <a:off x="0" y="0"/>
+          <a:ext cx="0" cy="0"/>
+          <a:chOff x="0" y="0"/>
+          <a:chExt cx="0" cy="0"/>
+        </a:xfrm>
+      </p:grpSpPr>
+      <p:sp>
+        <p:nvSpPr>
+          <p:cNvPr id="4" name="Text Placeholder 3"/>
+          <p:cNvSpPr>
+            <a:spLocks noGrp="1"/>
+          </p:cNvSpPr>
+          <p:nvPr>
+            <p:ph type="body" sz="quarter" idx="10" hasCustomPrompt="1"/>
+          </p:nvPr>
+        </p:nvSpPr>
+        <p:spPr>
+          <a:xfrm>
+            <a:off x="462301" y="1347788"/>
+            <a:ext cx="8277344" cy="3168210"/>
+          </a:xfrm>
+          <a:prstGeom prst="rect">
+            <a:avLst/>
+          </a:prstGeom>
+        </p:spPr>
+        <p:txBody>
+          <a:bodyPr lIns="91420" tIns="45710" rIns="91420" bIns="45710">
+            <a:noAutofit/>
+          </a:bodyPr>
+          <a:lstStyle>
+            <a:lvl1pPr marL="280928" indent="-223792">
+              <a:lnSpc>
+                <a:spcPct val="95000"/>
+              </a:lnSpc>
+              <a:spcBef>
+                <a:spcPts val="1110"/>
+              </a:spcBef>
+              <a:buClr>
+                <a:schemeClr val="tx1"/>
+              </a:buClr>
+              <a:buSzPct val="80000"/>
+              <a:buFont typeface="Arial"/>
+              <a:buChar char="•"/>
+              <a:defRPr sz="2000" b="0" i="0">
+                <a:solidFill>
+                  <a:srgbClr val="676767"/>
+                </a:solidFill>
+                <a:latin typeface="+mn-lt"/>
+                <a:cs typeface="CiscoSans ExtraLight"/>
+              </a:defRPr>
+            </a:lvl1pPr>
+            <a:lvl2pPr marL="507895" indent="-215855">
+              <a:lnSpc>
+                <a:spcPct val="95000"/>
+              </a:lnSpc>
+              <a:spcBef>
+                <a:spcPts val="450"/>
+              </a:spcBef>
+              <a:buClr>
+                <a:schemeClr val="tx1"/>
+              </a:buClr>
+              <a:buSzPct val="80000"/>
+              <a:buFont typeface="Arial"/>
+              <a:buChar char="•"/>
+              <a:defRPr sz="1800" b="0" i="0">
+                <a:solidFill>
+                  <a:srgbClr val="676767"/>
+                </a:solidFill>
+                <a:latin typeface="+mn-lt"/>
+                <a:cs typeface="CiscoSans ExtraLight"/>
+              </a:defRPr>
+            </a:lvl2pPr>
+            <a:lvl3pPr marL="747558" indent="-171415">
+              <a:buClr>
+                <a:schemeClr val="tx1"/>
+              </a:buClr>
+              <a:buSzPct val="80000"/>
+              <a:buFont typeface="Arial"/>
+              <a:buChar char="•"/>
+              <a:defRPr sz="1600" b="0" i="0">
+                <a:solidFill>
+                  <a:srgbClr val="676767"/>
+                </a:solidFill>
+                <a:latin typeface="+mn-lt"/>
+                <a:cs typeface="CiscoSans ExtraLight"/>
+              </a:defRPr>
+            </a:lvl3pPr>
+            <a:lvl4pPr marL="911035" indent="-171415">
+              <a:buClr>
+                <a:schemeClr val="tx1"/>
+              </a:buClr>
+              <a:buSzPct val="80000"/>
+              <a:buFont typeface="Arial"/>
+              <a:buChar char="•"/>
+              <a:defRPr sz="1400" b="0" i="0">
+                <a:solidFill>
+                  <a:srgbClr val="676767"/>
+                </a:solidFill>
+                <a:latin typeface="+mn-lt"/>
+                <a:cs typeface="CiscoSans ExtraLight"/>
+              </a:defRPr>
+            </a:lvl4pPr>
+            <a:lvl5pPr marL="1082450" indent="-168240">
+              <a:buClr>
+                <a:schemeClr val="tx1"/>
+              </a:buClr>
+              <a:buSzPct val="80000"/>
+              <a:buFont typeface="Arial"/>
+              <a:buChar char="•"/>
+              <a:defRPr sz="1200" b="0" i="0">
+                <a:solidFill>
+                  <a:srgbClr val="676767"/>
+                </a:solidFill>
+                <a:latin typeface="+mn-lt"/>
+                <a:cs typeface="CiscoSans ExtraLight"/>
+              </a:defRPr>
+            </a:lvl5pPr>
+          </a:lstStyle>
+          <a:p>
+            <a:pPr lvl="0"/>
+            <a:r>
+              <a:rPr lang="en-GB" dirty="0"/>
+              <a:t>First level</a:t>
+            </a:r>
+          </a:p>
+          <a:p>
+            <a:pPr lvl="1"/>
+            <a:r>
+              <a:rPr lang="en-GB" dirty="0"/>
+              <a:t>Second level</a:t>
+            </a:r>
+          </a:p>
+          <a:p>
+            <a:pPr lvl="2"/>
+            <a:r>
+              <a:rPr lang="en-GB" dirty="0"/>
+              <a:t>Third level</a:t>
+            </a:r>
+          </a:p>
+          <a:p>
+            <a:pPr lvl="3"/>
+            <a:r>
+              <a:rPr lang="en-GB" dirty="0"/>
+              <a:t>Fourth level</a:t>
+            </a:r>
+          </a:p>
+          <a:p>
+            <a:pPr lvl="4"/>
+            <a:r>
+              <a:rPr lang="en-GB" dirty="0"/>
+              <a:t>Fifth level</a:t>
+            </a:r>
+            <a:endParaRPr lang="en-US" dirty="0"/>
+          </a:p>
+        </p:txBody>
+      </p:sp>
+      <p:sp>
+        <p:nvSpPr>
+          <p:cNvPr id="6" name="Title Placeholder 5"/>
+          <p:cNvSpPr>
+            <a:spLocks noGrp="1"/>
+          </p:cNvSpPr>
+          <p:nvPr>
+            <p:ph type="title"/>
+          </p:nvPr>
+        </p:nvSpPr>
+        <p:spPr bwMode="auto">
+          <a:xfrm>
+            <a:off x="437766" y="341313"/>
+            <a:ext cx="8345488" cy="731837"/>
+          </a:xfrm>
+          <a:prstGeom prst="rect">
+            <a:avLst/>
+          </a:prstGeom>
+          <a:noFill/>
+          <a:ln>
+            <a:noFill/>
+          </a:ln>
+          <a:extLst>
+            <a:ext uri="{909E8E84-426E-40DD-AFC4-6F175D3DCCD1}">
+              <a14:hiddenFill xmlns:a14="http://schemas.microsoft.com/office/drawing/2010/main">
+                <a:solidFill>
+                  <a:srgbClr val="FFFFFF"/>
+                </a:solidFill>
+              </a14:hiddenFill>
+            </a:ext>
+            <a:ext uri="{91240B29-F687-4F45-9708-019B960494DF}">
+              <a14:hiddenLine xmlns:a14="http://schemas.microsoft.com/office/drawing/2010/main" w="9525">
+                <a:solidFill>
+                  <a:srgbClr val="000000"/>
+                </a:solidFill>
+                <a:miter lim="800000"/>
+                <a:headEnd/>
+                <a:tailEnd/>
+              </a14:hiddenLine>
+            </a:ext>
+            <a:ext uri="{FAA26D3D-D897-4be2-8F04-BA451C77F1D7}">
+              <ma14:placeholderFlag xmlns="" xmlns:ma14="http://schemas.microsoft.com/office/mac/drawingml/2011/main" val="1"/>
+            </a:ext>
+          </a:extLst>
+        </p:spPr>
+        <p:txBody>
+          <a:bodyPr vert="horz" wrap="square" lIns="91424" tIns="45712" rIns="91424" bIns="45712" numCol="1" anchor="ctr" anchorCtr="0" compatLnSpc="1">
+            <a:prstTxWarp prst="textNoShape">
+              <a:avLst/>
+            </a:prstTxWarp>
+          </a:bodyPr>
+          <a:lstStyle/>
+          <a:p>
+            <a:pPr lvl="0"/>
+            <a:r>
+              <a:rPr lang="en-US"/>
+              <a:t>Click to edit Master title style</a:t>
+            </a:r>
+            <a:endParaRPr lang="en-GB" dirty="0"/>
+          </a:p>
+        </p:txBody>
+      </p:sp>
+      <p:sp>
+        <p:nvSpPr>
+          <p:cNvPr id="5" name="Rectangle 5">
+            <a:extLst>
+              <a:ext uri="{FF2B5EF4-FFF2-40B4-BE49-F238E27FC236}">
+                <a16:creationId xmlns:a16="http://schemas.microsoft.com/office/drawing/2014/main" id="{8A9CDA23-CCA9-F541-BE90-59F811F8F6B1}"/>
+              </a:ext>
+            </a:extLst>
+          </p:cNvPr>
+          <p:cNvSpPr>
+            <a:spLocks noGrp="1" noChangeArrowheads="1"/>
+          </p:cNvSpPr>
+          <p:nvPr>
+            <p:ph type="ftr" sz="quarter" idx="11"/>
+          </p:nvPr>
+        </p:nvSpPr>
+        <p:spPr>
+          <a:xfrm>
+            <a:off x="3124200" y="4683919"/>
+            <a:ext cx="2895600" cy="357188"/>
+          </a:xfrm>
+          <a:ln/>
+        </p:spPr>
+        <p:txBody>
+          <a:bodyPr/>
+          <a:lstStyle>
+            <a:lvl1pPr>
+              <a:defRPr>
+                <a:latin typeface="Calibri" charset="0"/>
+                <a:ea typeface="Calibri" charset="0"/>
+                <a:cs typeface="Calibri" charset="0"/>
+              </a:defRPr>
+            </a:lvl1pPr>
+          </a:lstStyle>
+          <a:p>
+            <a:pPr>
+              <a:defRPr/>
+            </a:pPr>
+            <a:r>
+              <a:rPr lang="en-US" altLang="zh-CN" dirty="0"/>
+              <a:t>107</a:t>
+            </a:r>
+            <a:r>
+              <a:rPr lang="en-US" altLang="zh-CN" baseline="30000" dirty="0"/>
+              <a:t>th</a:t>
+            </a:r>
+            <a:r>
+              <a:rPr lang="en-US" altLang="zh-CN" dirty="0"/>
+              <a:t> IETF @ Vancouver</a:t>
+            </a:r>
+          </a:p>
+        </p:txBody>
+      </p:sp>
+    </p:spTree>
+    <p:extLst>
+      <p:ext uri="{BB962C8B-B14F-4D97-AF65-F5344CB8AC3E}">
+        <p14:creationId xmlns:p14="http://schemas.microsoft.com/office/powerpoint/2010/main" val="113201852"/>
+      </p:ext>
+    </p:extLst>
+  </p:cSld>
+  <p:clrMapOvr>
+    <a:masterClrMapping/>
+  </p:clrMapOvr>
+  <p:transition spd="med">
+    <p:fade/>
+  </p:transition>
 </p:sldLayout>
 </file>
 
@@ -4723,6 +5022,7 @@
     <p:sldLayoutId id="2147483658" r:id="rId10"/>
     <p:sldLayoutId id="2147483659" r:id="rId11"/>
     <p:sldLayoutId id="2147483660" r:id="rId12"/>
+    <p:sldLayoutId id="2147483661" r:id="rId13"/>
   </p:sldLayoutIdLst>
   <p:hf hdr="0" dt="0"/>
   <p:txStyles>
@@ -8316,7 +8616,7 @@
             <a:pPr lvl="1"/>
             <a:r>
               <a:rPr lang="en-US" sz="1200" dirty="0"/>
-              <a:t>Some test packets received from one session-sender with base test packet and some with LM TLV, hence need to parse EVERY received test packet to check if direct-mode loss TLV is present before punting the packet</a:t>
+              <a:t>Some test packets received from one session-sender with base test packet and some with LM TLV (along with other TLVs), hence need to parse EVERY received test packet to check if direct-mode loss TLV is present before punting the packet</a:t>
             </a:r>
           </a:p>
           <a:p>
@@ -8533,14 +8833,14 @@
               </a14:hiddenLine>
             </a:ext>
             <a:ext uri="{909E8E84-426E-40dd-AFC4-6F175D3DCCD1}">
-              <a14:hiddenFill xmlns:a14="http://schemas.microsoft.com/office/drawing/2010/main" xmlns="">
+              <a14:hiddenFill xmlns="" xmlns:a14="http://schemas.microsoft.com/office/drawing/2010/main">
                 <a:solidFill>
                   <a:srgbClr val="FFFFFF"/>
                 </a:solidFill>
               </a14:hiddenFill>
             </a:ext>
             <a:ext uri="{91240B29-F687-4f45-9708-019B960494DF}">
-              <a14:hiddenLine xmlns:a14="http://schemas.microsoft.com/office/drawing/2010/main" xmlns="" w="9525">
+              <a14:hiddenLine xmlns="" xmlns:a14="http://schemas.microsoft.com/office/drawing/2010/main" w="9525">
                 <a:solidFill>
                   <a:srgbClr val="000000"/>
                 </a:solidFill>
@@ -9282,7 +9582,7 @@
                 <a:latin typeface="Arial" panose="020B0604020202020204" pitchFamily="34" charset="0"/>
                 <a:cs typeface="Arial" panose="020B0604020202020204" pitchFamily="34" charset="0"/>
               </a:rPr>
-              <a:t>Hardware Counters – counter-stamping in hardware</a:t>
+              <a:t>Traffic Counters – counter-stamping in hardware</a:t>
             </a:r>
           </a:p>
         </p:txBody>
@@ -10894,7 +11194,7 @@
               </a:pPr>
               <a:t>14</a:t>
             </a:fld>
-            <a:endParaRPr lang="en-US" altLang="zh-CN"/>
+            <a:endParaRPr lang="en-US" altLang="zh-CN" dirty="0"/>
           </a:p>
         </p:txBody>
       </p:sp>
@@ -10908,6 +11208,1718 @@
   <p:clrMapOvr>
     <a:masterClrMapping/>
   </p:clrMapOvr>
+</p:sld>
+</file>
+
+<file path=ppt/slides/slide15.xml><?xml version="1.0" encoding="utf-8"?>
+<p:sld xmlns:a="http://schemas.openxmlformats.org/drawingml/2006/main" xmlns:r="http://schemas.openxmlformats.org/officeDocument/2006/relationships" xmlns:p="http://schemas.openxmlformats.org/presentationml/2006/main">
+  <p:cSld>
+    <p:spTree>
+      <p:nvGrpSpPr>
+        <p:cNvPr id="1" name=""/>
+        <p:cNvGrpSpPr/>
+        <p:nvPr/>
+      </p:nvGrpSpPr>
+      <p:grpSpPr>
+        <a:xfrm>
+          <a:off x="0" y="0"/>
+          <a:ext cx="0" cy="0"/>
+          <a:chOff x="0" y="0"/>
+          <a:chExt cx="0" cy="0"/>
+        </a:xfrm>
+      </p:grpSpPr>
+      <p:sp>
+        <p:nvSpPr>
+          <p:cNvPr id="3" name="Title 2"/>
+          <p:cNvSpPr>
+            <a:spLocks noGrp="1"/>
+          </p:cNvSpPr>
+          <p:nvPr>
+            <p:ph type="title"/>
+          </p:nvPr>
+        </p:nvSpPr>
+        <p:spPr>
+          <a:xfrm>
+            <a:off x="298712" y="0"/>
+            <a:ext cx="8505372" cy="706080"/>
+          </a:xfrm>
+        </p:spPr>
+        <p:txBody>
+          <a:bodyPr/>
+          <a:lstStyle/>
+          <a:p>
+            <a:pPr algn="l"/>
+            <a:r>
+              <a:rPr lang="en-US" sz="2200" dirty="0">
+                <a:solidFill>
+                  <a:srgbClr val="0070C0"/>
+                </a:solidFill>
+                <a:latin typeface="Calibri Light" panose="020F0302020204030204" pitchFamily="34" charset="0"/>
+                <a:cs typeface="Calibri Light" panose="020F0302020204030204" pitchFamily="34" charset="0"/>
+              </a:rPr>
+              <a:t>STAMP DM Message with Direct Measurement TLV</a:t>
+            </a:r>
+          </a:p>
+        </p:txBody>
+      </p:sp>
+      <p:sp>
+        <p:nvSpPr>
+          <p:cNvPr id="5" name="Rectangle 4"/>
+          <p:cNvSpPr/>
+          <p:nvPr/>
+        </p:nvSpPr>
+        <p:spPr>
+          <a:xfrm>
+            <a:off x="240655" y="733725"/>
+            <a:ext cx="4310743" cy="4016484"/>
+          </a:xfrm>
+          <a:prstGeom prst="rect">
+            <a:avLst/>
+          </a:prstGeom>
+          <a:solidFill>
+            <a:schemeClr val="accent6">
+              <a:lumMod val="20000"/>
+              <a:lumOff val="80000"/>
+            </a:schemeClr>
+          </a:solidFill>
+        </p:spPr>
+        <p:txBody>
+          <a:bodyPr wrap="square">
+            <a:spAutoFit/>
+          </a:bodyPr>
+          <a:lstStyle/>
+          <a:p>
+            <a:pPr>
+              <a:spcAft>
+                <a:spcPts val="0"/>
+              </a:spcAft>
+            </a:pPr>
+            <a:r>
+              <a:rPr lang="en-US" sz="750" dirty="0">
+                <a:latin typeface="Courier" pitchFamily="2" charset="0"/>
+                <a:ea typeface="Courier" charset="0"/>
+                <a:cs typeface="Courier" charset="0"/>
+              </a:rPr>
+              <a:t>       0                   1                   2                   3</a:t>
+            </a:r>
+          </a:p>
+          <a:p>
+            <a:pPr>
+              <a:spcAft>
+                <a:spcPts val="0"/>
+              </a:spcAft>
+            </a:pPr>
+            <a:r>
+              <a:rPr lang="en-US" sz="750" dirty="0">
+                <a:latin typeface="Courier" pitchFamily="2" charset="0"/>
+                <a:ea typeface="Courier" charset="0"/>
+                <a:cs typeface="Courier" charset="0"/>
+              </a:rPr>
+              <a:t>       0 1 2 3 4 5 6 7 8 9 0 1 2 3 4 5 6 7 8 9 0 1 2 3 4 5 6 7 8 9 0 1</a:t>
+            </a:r>
+          </a:p>
+          <a:p>
+            <a:pPr>
+              <a:spcAft>
+                <a:spcPts val="0"/>
+              </a:spcAft>
+            </a:pPr>
+            <a:r>
+              <a:rPr lang="en-US" sz="750" dirty="0">
+                <a:latin typeface="Courier" pitchFamily="2" charset="0"/>
+                <a:ea typeface="Courier" charset="0"/>
+                <a:cs typeface="Courier" charset="0"/>
+              </a:rPr>
+              <a:t>      +-+-+-+-+-+-+-+-+-+-+-+-+-+-+-+-+-+-+-+-+-+-+-+-+-+-+-+-+-+-+-+-+</a:t>
+            </a:r>
+          </a:p>
+          <a:p>
+            <a:pPr>
+              <a:spcAft>
+                <a:spcPts val="0"/>
+              </a:spcAft>
+            </a:pPr>
+            <a:r>
+              <a:rPr lang="en-US" sz="750" dirty="0">
+                <a:latin typeface="Courier" pitchFamily="2" charset="0"/>
+                <a:ea typeface="Courier" charset="0"/>
+                <a:cs typeface="Courier" charset="0"/>
+              </a:rPr>
+              <a:t>      |                        Sequence Number                        |</a:t>
+            </a:r>
+          </a:p>
+          <a:p>
+            <a:pPr>
+              <a:spcAft>
+                <a:spcPts val="0"/>
+              </a:spcAft>
+            </a:pPr>
+            <a:r>
+              <a:rPr lang="en-US" sz="750" dirty="0">
+                <a:latin typeface="Courier" pitchFamily="2" charset="0"/>
+                <a:ea typeface="Courier" charset="0"/>
+                <a:cs typeface="Courier" charset="0"/>
+              </a:rPr>
+              <a:t>      +-+-+-+-+-+-+-+-+-+-+-+-+-+-+-+-+-+-+-+-+-+-+-+-+-+-+-+-+-+-+-+-+</a:t>
+            </a:r>
+          </a:p>
+          <a:p>
+            <a:pPr>
+              <a:spcAft>
+                <a:spcPts val="0"/>
+              </a:spcAft>
+            </a:pPr>
+            <a:r>
+              <a:rPr lang="en-US" sz="750" dirty="0">
+                <a:latin typeface="Courier" pitchFamily="2" charset="0"/>
+                <a:ea typeface="Courier" charset="0"/>
+                <a:cs typeface="Courier" charset="0"/>
+              </a:rPr>
+              <a:t>      |                          Timestamp                            |</a:t>
+            </a:r>
+          </a:p>
+          <a:p>
+            <a:pPr>
+              <a:spcAft>
+                <a:spcPts val="0"/>
+              </a:spcAft>
+            </a:pPr>
+            <a:r>
+              <a:rPr lang="en-US" sz="750" dirty="0">
+                <a:latin typeface="Courier" pitchFamily="2" charset="0"/>
+                <a:ea typeface="Courier" charset="0"/>
+                <a:cs typeface="Courier" charset="0"/>
+              </a:rPr>
+              <a:t>      |                                                               |</a:t>
+            </a:r>
+          </a:p>
+          <a:p>
+            <a:pPr>
+              <a:spcAft>
+                <a:spcPts val="0"/>
+              </a:spcAft>
+            </a:pPr>
+            <a:r>
+              <a:rPr lang="en-US" sz="750" dirty="0">
+                <a:latin typeface="Courier" pitchFamily="2" charset="0"/>
+                <a:ea typeface="Courier" charset="0"/>
+                <a:cs typeface="Courier" charset="0"/>
+              </a:rPr>
+              <a:t>      +-+-+-+-+-+-+-+-+-+-+-+-+-+-+-+-+-+-+-+-+-+-+-+-+-+-+-+-+-+-+-+-+</a:t>
+            </a:r>
+          </a:p>
+          <a:p>
+            <a:pPr>
+              <a:spcAft>
+                <a:spcPts val="0"/>
+              </a:spcAft>
+            </a:pPr>
+            <a:r>
+              <a:rPr lang="en-US" sz="750" dirty="0">
+                <a:latin typeface="Courier" pitchFamily="2" charset="0"/>
+                <a:ea typeface="Courier" charset="0"/>
+                <a:cs typeface="Courier" charset="0"/>
+              </a:rPr>
+              <a:t>      |         Error Estimate        |                               |</a:t>
+            </a:r>
+          </a:p>
+          <a:p>
+            <a:pPr>
+              <a:spcAft>
+                <a:spcPts val="0"/>
+              </a:spcAft>
+            </a:pPr>
+            <a:r>
+              <a:rPr lang="en-US" sz="750" dirty="0">
+                <a:latin typeface="Courier" pitchFamily="2" charset="0"/>
+                <a:ea typeface="Courier" charset="0"/>
+                <a:cs typeface="Courier" charset="0"/>
+              </a:rPr>
+              <a:t>      +-+-+-+-+-+-+-+-+-+-+-+-+-+-+-+-+                               |</a:t>
+            </a:r>
+          </a:p>
+          <a:p>
+            <a:pPr>
+              <a:spcAft>
+                <a:spcPts val="0"/>
+              </a:spcAft>
+            </a:pPr>
+            <a:r>
+              <a:rPr lang="en-US" sz="750" dirty="0">
+                <a:latin typeface="Courier" pitchFamily="2" charset="0"/>
+                <a:ea typeface="Courier" charset="0"/>
+                <a:cs typeface="Courier" charset="0"/>
+              </a:rPr>
+              <a:t>      |                                                               |</a:t>
+            </a:r>
+          </a:p>
+          <a:p>
+            <a:pPr>
+              <a:spcAft>
+                <a:spcPts val="0"/>
+              </a:spcAft>
+            </a:pPr>
+            <a:r>
+              <a:rPr lang="en-US" sz="750" dirty="0">
+                <a:latin typeface="Courier" pitchFamily="2" charset="0"/>
+                <a:ea typeface="Courier" charset="0"/>
+                <a:cs typeface="Courier" charset="0"/>
+              </a:rPr>
+              <a:t>      |                                                               |</a:t>
+            </a:r>
+          </a:p>
+          <a:p>
+            <a:pPr>
+              <a:spcAft>
+                <a:spcPts val="0"/>
+              </a:spcAft>
+            </a:pPr>
+            <a:r>
+              <a:rPr lang="en-US" sz="750" dirty="0">
+                <a:latin typeface="Courier" pitchFamily="2" charset="0"/>
+                <a:ea typeface="Courier" charset="0"/>
+                <a:cs typeface="Courier" charset="0"/>
+              </a:rPr>
+              <a:t>      +                                                               +</a:t>
+            </a:r>
+          </a:p>
+          <a:p>
+            <a:pPr>
+              <a:spcAft>
+                <a:spcPts val="0"/>
+              </a:spcAft>
+            </a:pPr>
+            <a:r>
+              <a:rPr lang="en-US" sz="750" dirty="0">
+                <a:latin typeface="Courier" pitchFamily="2" charset="0"/>
+                <a:ea typeface="Courier" charset="0"/>
+                <a:cs typeface="Courier" charset="0"/>
+              </a:rPr>
+              <a:t>      |                         MBZ (30 octets)                       |</a:t>
+            </a:r>
+          </a:p>
+          <a:p>
+            <a:pPr>
+              <a:spcAft>
+                <a:spcPts val="0"/>
+              </a:spcAft>
+            </a:pPr>
+            <a:r>
+              <a:rPr lang="en-US" sz="750" dirty="0">
+                <a:latin typeface="Courier" pitchFamily="2" charset="0"/>
+                <a:ea typeface="Courier" charset="0"/>
+                <a:cs typeface="Courier" charset="0"/>
+              </a:rPr>
+              <a:t>      +                                                               +</a:t>
+            </a:r>
+          </a:p>
+          <a:p>
+            <a:pPr>
+              <a:spcAft>
+                <a:spcPts val="0"/>
+              </a:spcAft>
+            </a:pPr>
+            <a:r>
+              <a:rPr lang="en-US" sz="750" dirty="0">
+                <a:latin typeface="Courier" pitchFamily="2" charset="0"/>
+                <a:ea typeface="Courier" charset="0"/>
+                <a:cs typeface="Courier" charset="0"/>
+              </a:rPr>
+              <a:t>      |                                                               |</a:t>
+            </a:r>
+          </a:p>
+          <a:p>
+            <a:pPr>
+              <a:spcAft>
+                <a:spcPts val="0"/>
+              </a:spcAft>
+            </a:pPr>
+            <a:r>
+              <a:rPr lang="en-US" sz="750" dirty="0">
+                <a:latin typeface="Courier" pitchFamily="2" charset="0"/>
+                <a:ea typeface="Courier" charset="0"/>
+                <a:cs typeface="Courier" charset="0"/>
+              </a:rPr>
+              <a:t>      |                                                               |</a:t>
+            </a:r>
+          </a:p>
+          <a:p>
+            <a:pPr>
+              <a:spcAft>
+                <a:spcPts val="0"/>
+              </a:spcAft>
+            </a:pPr>
+            <a:r>
+              <a:rPr lang="en-US" sz="750" dirty="0">
+                <a:latin typeface="Courier" pitchFamily="2" charset="0"/>
+                <a:ea typeface="Courier" charset="0"/>
+                <a:cs typeface="Courier" charset="0"/>
+              </a:rPr>
+              <a:t>      +                                                               +</a:t>
+            </a:r>
+          </a:p>
+          <a:p>
+            <a:pPr>
+              <a:spcAft>
+                <a:spcPts val="0"/>
+              </a:spcAft>
+            </a:pPr>
+            <a:r>
+              <a:rPr lang="en-US" sz="750" dirty="0">
+                <a:latin typeface="Courier" pitchFamily="2" charset="0"/>
+                <a:ea typeface="Courier" charset="0"/>
+                <a:cs typeface="Courier" charset="0"/>
+              </a:rPr>
+              <a:t>      |                                                               |</a:t>
+            </a:r>
+          </a:p>
+          <a:p>
+            <a:pPr>
+              <a:spcAft>
+                <a:spcPts val="0"/>
+              </a:spcAft>
+            </a:pPr>
+            <a:r>
+              <a:rPr lang="en-US" sz="750" dirty="0">
+                <a:latin typeface="Courier" pitchFamily="2" charset="0"/>
+                <a:ea typeface="Courier" charset="0"/>
+                <a:cs typeface="Courier" charset="0"/>
+              </a:rPr>
+              <a:t>      +                                                               +</a:t>
+            </a:r>
+          </a:p>
+          <a:p>
+            <a:pPr>
+              <a:spcAft>
+                <a:spcPts val="0"/>
+              </a:spcAft>
+            </a:pPr>
+            <a:r>
+              <a:rPr lang="en-US" sz="750" dirty="0">
+                <a:latin typeface="Courier" pitchFamily="2" charset="0"/>
+                <a:ea typeface="Courier" charset="0"/>
+                <a:cs typeface="Courier" charset="0"/>
+              </a:rPr>
+              <a:t>      |                                                               |</a:t>
+            </a:r>
+          </a:p>
+          <a:p>
+            <a:pPr>
+              <a:spcAft>
+                <a:spcPts val="0"/>
+              </a:spcAft>
+            </a:pPr>
+            <a:r>
+              <a:rPr lang="en-US" sz="750" dirty="0">
+                <a:latin typeface="Courier" pitchFamily="2" charset="0"/>
+                <a:ea typeface="Courier" charset="0"/>
+                <a:cs typeface="Courier" charset="0"/>
+              </a:rPr>
+              <a:t>      +-+-+-+-+-+-+-+-+-+-+-+-+-+-+-+-+-+-+-+-+-+-+-+-+-+-+-+-+-+-+-+-+</a:t>
+            </a:r>
+          </a:p>
+          <a:p>
+            <a:pPr>
+              <a:spcAft>
+                <a:spcPts val="0"/>
+              </a:spcAft>
+            </a:pPr>
+            <a:r>
+              <a:rPr lang="en-US" sz="750" dirty="0">
+                <a:latin typeface="Courier" pitchFamily="2" charset="0"/>
+                <a:ea typeface="Courier" charset="0"/>
+                <a:cs typeface="Courier" charset="0"/>
+              </a:rPr>
+              <a:t>      ~                                                               ~</a:t>
+            </a:r>
+          </a:p>
+          <a:p>
+            <a:pPr>
+              <a:spcAft>
+                <a:spcPts val="0"/>
+              </a:spcAft>
+            </a:pPr>
+            <a:r>
+              <a:rPr lang="en-US" sz="750" dirty="0">
+                <a:latin typeface="Courier" pitchFamily="2" charset="0"/>
+                <a:ea typeface="Courier" charset="0"/>
+                <a:cs typeface="Courier" charset="0"/>
+              </a:rPr>
+              <a:t>      +-+-+-+-+-+-+-+-+-+-+-+-+-+-+-+-+-+-+-+-+-+-+-+-+-+-+-+-+-+-+-+-+</a:t>
+            </a:r>
+          </a:p>
+          <a:p>
+            <a:pPr>
+              <a:spcAft>
+                <a:spcPts val="0"/>
+              </a:spcAft>
+            </a:pPr>
+            <a:r>
+              <a:rPr lang="en-CA" sz="750" dirty="0">
+                <a:latin typeface="Courier" pitchFamily="2" charset="0"/>
+              </a:rPr>
+              <a:t>      |STAMP TLV Flags|  Type         |     Length                    |</a:t>
+            </a:r>
+          </a:p>
+          <a:p>
+            <a:pPr>
+              <a:spcAft>
+                <a:spcPts val="0"/>
+              </a:spcAft>
+            </a:pPr>
+            <a:r>
+              <a:rPr lang="en-US" sz="750" dirty="0">
+                <a:solidFill>
+                  <a:srgbClr val="0070C0"/>
+                </a:solidFill>
+                <a:latin typeface="Courier" pitchFamily="2" charset="0"/>
+                <a:ea typeface="Courier" charset="0"/>
+                <a:cs typeface="Courier" charset="0"/>
+              </a:rPr>
+              <a:t>      +-+-+-+-+-+-+-+-+-+-+-+-+-+-+-+-+-+-+-+-+-+-+-+-+-+-+-+-+-+-+-+-+</a:t>
+            </a:r>
+          </a:p>
+          <a:p>
+            <a:pPr>
+              <a:spcAft>
+                <a:spcPts val="0"/>
+              </a:spcAft>
+            </a:pPr>
+            <a:r>
+              <a:rPr lang="en-US" sz="750" dirty="0">
+                <a:solidFill>
+                  <a:srgbClr val="0070C0"/>
+                </a:solidFill>
+                <a:latin typeface="Courier" pitchFamily="2" charset="0"/>
+                <a:ea typeface="Courier" charset="0"/>
+                <a:cs typeface="Courier" charset="0"/>
+              </a:rPr>
+              <a:t>      |             Session-Sender Tx counter  (</a:t>
+            </a:r>
+            <a:r>
+              <a:rPr lang="en-US" sz="750" dirty="0" err="1">
+                <a:solidFill>
+                  <a:srgbClr val="0070C0"/>
+                </a:solidFill>
+                <a:latin typeface="Courier" pitchFamily="2" charset="0"/>
+                <a:ea typeface="Courier" charset="0"/>
+                <a:cs typeface="Courier" charset="0"/>
+              </a:rPr>
+              <a:t>S_TxC</a:t>
+            </a:r>
+            <a:r>
+              <a:rPr lang="en-US" sz="750" dirty="0">
+                <a:solidFill>
+                  <a:srgbClr val="0070C0"/>
+                </a:solidFill>
+                <a:latin typeface="Courier" pitchFamily="2" charset="0"/>
+                <a:ea typeface="Courier" charset="0"/>
+                <a:cs typeface="Courier" charset="0"/>
+              </a:rPr>
+              <a:t>)                |</a:t>
+            </a:r>
+          </a:p>
+          <a:p>
+            <a:pPr>
+              <a:spcAft>
+                <a:spcPts val="0"/>
+              </a:spcAft>
+            </a:pPr>
+            <a:r>
+              <a:rPr lang="en-US" sz="750" dirty="0">
+                <a:solidFill>
+                  <a:srgbClr val="0070C0"/>
+                </a:solidFill>
+                <a:latin typeface="Courier" pitchFamily="2" charset="0"/>
+                <a:ea typeface="Courier" charset="0"/>
+                <a:cs typeface="Courier" charset="0"/>
+              </a:rPr>
+              <a:t>      +-+-+-+-+-+-+-+-+-+-+-+-+-+-+-+-+-+-+-+-+-+-+-+-+-+-+-+-+-+-+-+-+</a:t>
+            </a:r>
+          </a:p>
+          <a:p>
+            <a:pPr>
+              <a:spcAft>
+                <a:spcPts val="0"/>
+              </a:spcAft>
+            </a:pPr>
+            <a:r>
+              <a:rPr lang="en-US" sz="750" dirty="0">
+                <a:solidFill>
+                  <a:srgbClr val="0070C0"/>
+                </a:solidFill>
+                <a:latin typeface="Courier" pitchFamily="2" charset="0"/>
+                <a:ea typeface="Courier" charset="0"/>
+                <a:cs typeface="Courier" charset="0"/>
+              </a:rPr>
+              <a:t>      |             Session-Reflector Rx counter  (</a:t>
+            </a:r>
+            <a:r>
+              <a:rPr lang="en-US" sz="750" dirty="0" err="1">
+                <a:solidFill>
+                  <a:srgbClr val="0070C0"/>
+                </a:solidFill>
+                <a:latin typeface="Courier" pitchFamily="2" charset="0"/>
+                <a:ea typeface="Courier" charset="0"/>
+                <a:cs typeface="Courier" charset="0"/>
+              </a:rPr>
+              <a:t>R_RxC</a:t>
+            </a:r>
+            <a:r>
+              <a:rPr lang="en-US" sz="750" dirty="0">
+                <a:solidFill>
+                  <a:srgbClr val="0070C0"/>
+                </a:solidFill>
+                <a:latin typeface="Courier" pitchFamily="2" charset="0"/>
+                <a:ea typeface="Courier" charset="0"/>
+                <a:cs typeface="Courier" charset="0"/>
+              </a:rPr>
+              <a:t>)             |</a:t>
+            </a:r>
+          </a:p>
+          <a:p>
+            <a:pPr>
+              <a:spcAft>
+                <a:spcPts val="0"/>
+              </a:spcAft>
+            </a:pPr>
+            <a:r>
+              <a:rPr lang="en-US" sz="750" dirty="0">
+                <a:solidFill>
+                  <a:srgbClr val="0070C0"/>
+                </a:solidFill>
+                <a:latin typeface="Courier" pitchFamily="2" charset="0"/>
+                <a:ea typeface="Courier" charset="0"/>
+                <a:cs typeface="Courier" charset="0"/>
+              </a:rPr>
+              <a:t>      +-+-+-+-+-+-+-+-+-+-+-+-+-+-+-+-+-+-+-+-+-+-+-+-+-+-+-+-+-+-+-+-+</a:t>
+            </a:r>
+          </a:p>
+          <a:p>
+            <a:pPr>
+              <a:spcAft>
+                <a:spcPts val="0"/>
+              </a:spcAft>
+            </a:pPr>
+            <a:r>
+              <a:rPr lang="en-US" sz="750" dirty="0">
+                <a:solidFill>
+                  <a:srgbClr val="0070C0"/>
+                </a:solidFill>
+                <a:latin typeface="Courier" pitchFamily="2" charset="0"/>
+                <a:ea typeface="Courier" charset="0"/>
+                <a:cs typeface="Courier" charset="0"/>
+              </a:rPr>
+              <a:t>      |             Session-Reflector Tx counter  (</a:t>
+            </a:r>
+            <a:r>
+              <a:rPr lang="en-US" sz="750" dirty="0" err="1">
+                <a:solidFill>
+                  <a:srgbClr val="0070C0"/>
+                </a:solidFill>
+                <a:latin typeface="Courier" pitchFamily="2" charset="0"/>
+                <a:ea typeface="Courier" charset="0"/>
+                <a:cs typeface="Courier" charset="0"/>
+              </a:rPr>
+              <a:t>R_TxC</a:t>
+            </a:r>
+            <a:r>
+              <a:rPr lang="en-US" sz="750" dirty="0">
+                <a:solidFill>
+                  <a:srgbClr val="0070C0"/>
+                </a:solidFill>
+                <a:latin typeface="Courier" pitchFamily="2" charset="0"/>
+                <a:ea typeface="Courier" charset="0"/>
+                <a:cs typeface="Courier" charset="0"/>
+              </a:rPr>
+              <a:t>)             |</a:t>
+            </a:r>
+          </a:p>
+          <a:p>
+            <a:pPr>
+              <a:spcAft>
+                <a:spcPts val="0"/>
+              </a:spcAft>
+            </a:pPr>
+            <a:r>
+              <a:rPr lang="en-US" sz="750" dirty="0">
+                <a:solidFill>
+                  <a:srgbClr val="0070C0"/>
+                </a:solidFill>
+                <a:latin typeface="Courier" pitchFamily="2" charset="0"/>
+                <a:ea typeface="Courier" charset="0"/>
+                <a:cs typeface="Courier" charset="0"/>
+              </a:rPr>
+              <a:t>      +-+-+-+-+-+-+-+-+-+-+-+-+-+-+-+-+-+-+-+-+-+-+-+-+-+-+-+-+-+-+-+-+</a:t>
+            </a:r>
+          </a:p>
+          <a:p>
+            <a:pPr>
+              <a:spcAft>
+                <a:spcPts val="0"/>
+              </a:spcAft>
+            </a:pPr>
+            <a:endParaRPr lang="en-US" sz="750" dirty="0">
+              <a:solidFill>
+                <a:srgbClr val="0070C0"/>
+              </a:solidFill>
+              <a:latin typeface="Courier" pitchFamily="2" charset="0"/>
+              <a:ea typeface="Courier" charset="0"/>
+              <a:cs typeface="Courier" charset="0"/>
+            </a:endParaRPr>
+          </a:p>
+          <a:p>
+            <a:pPr>
+              <a:spcAft>
+                <a:spcPts val="0"/>
+              </a:spcAft>
+            </a:pPr>
+            <a:r>
+              <a:rPr lang="en-US" sz="750" dirty="0">
+                <a:latin typeface="Courier" pitchFamily="2" charset="0"/>
+                <a:ea typeface="Courier" charset="0"/>
+                <a:cs typeface="Courier" charset="0"/>
+              </a:rPr>
+              <a:t>	    Figure: Sender Message Format</a:t>
+            </a:r>
+          </a:p>
+        </p:txBody>
+      </p:sp>
+      <p:sp>
+        <p:nvSpPr>
+          <p:cNvPr id="14" name="Rectangle 13">
+            <a:extLst>
+              <a:ext uri="{FF2B5EF4-FFF2-40B4-BE49-F238E27FC236}">
+                <a16:creationId xmlns:a16="http://schemas.microsoft.com/office/drawing/2014/main" id="{5F9D9D1B-92A3-C64D-87B1-9B0B9C9E3A13}"/>
+              </a:ext>
+            </a:extLst>
+          </p:cNvPr>
+          <p:cNvSpPr/>
+          <p:nvPr/>
+        </p:nvSpPr>
+        <p:spPr>
+          <a:xfrm>
+            <a:off x="4507855" y="733725"/>
+            <a:ext cx="4368799" cy="4016484"/>
+          </a:xfrm>
+          <a:prstGeom prst="rect">
+            <a:avLst/>
+          </a:prstGeom>
+          <a:solidFill>
+            <a:schemeClr val="accent6">
+              <a:lumMod val="20000"/>
+              <a:lumOff val="80000"/>
+            </a:schemeClr>
+          </a:solidFill>
+        </p:spPr>
+        <p:txBody>
+          <a:bodyPr wrap="square">
+            <a:spAutoFit/>
+          </a:bodyPr>
+          <a:lstStyle/>
+          <a:p>
+            <a:pPr>
+              <a:spcAft>
+                <a:spcPts val="0"/>
+              </a:spcAft>
+            </a:pPr>
+            <a:r>
+              <a:rPr lang="en-US" sz="750" dirty="0">
+                <a:latin typeface="Courier" pitchFamily="2" charset="0"/>
+                <a:ea typeface="Courier" charset="0"/>
+                <a:cs typeface="Courier" charset="0"/>
+              </a:rPr>
+              <a:t>     0                   1                   2                   3</a:t>
+            </a:r>
+          </a:p>
+          <a:p>
+            <a:pPr>
+              <a:spcAft>
+                <a:spcPts val="0"/>
+              </a:spcAft>
+            </a:pPr>
+            <a:r>
+              <a:rPr lang="en-US" sz="750" dirty="0">
+                <a:latin typeface="Courier" pitchFamily="2" charset="0"/>
+                <a:ea typeface="Courier" charset="0"/>
+                <a:cs typeface="Courier" charset="0"/>
+              </a:rPr>
+              <a:t>     0 1 2 3 4 5 6 7 8 9 0 1 2 3 4 5 6 7 8 9 0 1 2 3 4 5 6 7 8 9 0 1</a:t>
+            </a:r>
+          </a:p>
+          <a:p>
+            <a:pPr>
+              <a:spcAft>
+                <a:spcPts val="0"/>
+              </a:spcAft>
+            </a:pPr>
+            <a:r>
+              <a:rPr lang="en-US" sz="750" dirty="0">
+                <a:latin typeface="Courier" pitchFamily="2" charset="0"/>
+                <a:ea typeface="Courier" charset="0"/>
+                <a:cs typeface="Courier" charset="0"/>
+              </a:rPr>
+              <a:t>    +-+-+-+-+-+-+-+-+-+-+-+-+-+-+-+-+-+-+-+-+-+-+-+-+-+-+-+-+-+-+-+-+</a:t>
+            </a:r>
+          </a:p>
+          <a:p>
+            <a:pPr>
+              <a:spcAft>
+                <a:spcPts val="0"/>
+              </a:spcAft>
+            </a:pPr>
+            <a:r>
+              <a:rPr lang="en-US" sz="750" dirty="0">
+                <a:latin typeface="Courier" pitchFamily="2" charset="0"/>
+                <a:ea typeface="Courier" charset="0"/>
+                <a:cs typeface="Courier" charset="0"/>
+              </a:rPr>
+              <a:t>    |                        Sequence Number                        |</a:t>
+            </a:r>
+          </a:p>
+          <a:p>
+            <a:pPr>
+              <a:spcAft>
+                <a:spcPts val="0"/>
+              </a:spcAft>
+            </a:pPr>
+            <a:r>
+              <a:rPr lang="en-US" sz="750" dirty="0">
+                <a:latin typeface="Courier" pitchFamily="2" charset="0"/>
+                <a:ea typeface="Courier" charset="0"/>
+                <a:cs typeface="Courier" charset="0"/>
+              </a:rPr>
+              <a:t>    +-+-+-+-+-+-+-+-+-+-+-+-+-+-+-+-+-+-+-+-+-+-+-+-+-+-+-+-+-+-+-+-+</a:t>
+            </a:r>
+          </a:p>
+          <a:p>
+            <a:pPr>
+              <a:spcAft>
+                <a:spcPts val="0"/>
+              </a:spcAft>
+            </a:pPr>
+            <a:r>
+              <a:rPr lang="en-US" sz="750" dirty="0">
+                <a:latin typeface="Courier" pitchFamily="2" charset="0"/>
+                <a:ea typeface="Courier" charset="0"/>
+                <a:cs typeface="Courier" charset="0"/>
+              </a:rPr>
+              <a:t>    |                          Timestamp                            |</a:t>
+            </a:r>
+          </a:p>
+          <a:p>
+            <a:pPr>
+              <a:spcAft>
+                <a:spcPts val="0"/>
+              </a:spcAft>
+            </a:pPr>
+            <a:r>
+              <a:rPr lang="en-US" sz="750" dirty="0">
+                <a:latin typeface="Courier" pitchFamily="2" charset="0"/>
+                <a:ea typeface="Courier" charset="0"/>
+                <a:cs typeface="Courier" charset="0"/>
+              </a:rPr>
+              <a:t>    |                                                               |</a:t>
+            </a:r>
+          </a:p>
+          <a:p>
+            <a:pPr>
+              <a:spcAft>
+                <a:spcPts val="0"/>
+              </a:spcAft>
+            </a:pPr>
+            <a:r>
+              <a:rPr lang="en-US" sz="750" dirty="0">
+                <a:latin typeface="Courier" pitchFamily="2" charset="0"/>
+                <a:ea typeface="Courier" charset="0"/>
+                <a:cs typeface="Courier" charset="0"/>
+              </a:rPr>
+              <a:t>    +-+-+-+-+-+-+-+-+-+-+-+-+-+-+-+-+-+-+-+-+-+-+-+-+-+-+-+-+-+-+-+-+</a:t>
+            </a:r>
+          </a:p>
+          <a:p>
+            <a:pPr>
+              <a:spcAft>
+                <a:spcPts val="0"/>
+              </a:spcAft>
+            </a:pPr>
+            <a:r>
+              <a:rPr lang="en-US" sz="750" dirty="0">
+                <a:latin typeface="Courier" pitchFamily="2" charset="0"/>
+                <a:ea typeface="Courier" charset="0"/>
+                <a:cs typeface="Courier" charset="0"/>
+              </a:rPr>
+              <a:t>    |         Error Estimate        |           MBZ                 |</a:t>
+            </a:r>
+          </a:p>
+          <a:p>
+            <a:pPr>
+              <a:spcAft>
+                <a:spcPts val="0"/>
+              </a:spcAft>
+            </a:pPr>
+            <a:r>
+              <a:rPr lang="en-US" sz="750" dirty="0">
+                <a:latin typeface="Courier" pitchFamily="2" charset="0"/>
+                <a:ea typeface="Courier" charset="0"/>
+                <a:cs typeface="Courier" charset="0"/>
+              </a:rPr>
+              <a:t>    +-+-+-+-+-+-+-+-+-+-+-+-+-+-+-+-+-+-+-+-+-+-+-+-+-+-+-+-+-+-+-+-+</a:t>
+            </a:r>
+          </a:p>
+          <a:p>
+            <a:pPr>
+              <a:spcAft>
+                <a:spcPts val="0"/>
+              </a:spcAft>
+            </a:pPr>
+            <a:r>
+              <a:rPr lang="en-US" sz="750" dirty="0">
+                <a:latin typeface="Courier" pitchFamily="2" charset="0"/>
+                <a:ea typeface="Courier" charset="0"/>
+                <a:cs typeface="Courier" charset="0"/>
+              </a:rPr>
+              <a:t>    |                          Receive Timestamp                    |</a:t>
+            </a:r>
+          </a:p>
+          <a:p>
+            <a:pPr>
+              <a:spcAft>
+                <a:spcPts val="0"/>
+              </a:spcAft>
+            </a:pPr>
+            <a:r>
+              <a:rPr lang="en-US" sz="750" dirty="0">
+                <a:latin typeface="Courier" pitchFamily="2" charset="0"/>
+                <a:ea typeface="Courier" charset="0"/>
+                <a:cs typeface="Courier" charset="0"/>
+              </a:rPr>
+              <a:t>    |                                                               |</a:t>
+            </a:r>
+          </a:p>
+          <a:p>
+            <a:pPr>
+              <a:spcAft>
+                <a:spcPts val="0"/>
+              </a:spcAft>
+            </a:pPr>
+            <a:r>
+              <a:rPr lang="en-US" sz="750" dirty="0">
+                <a:latin typeface="Courier" pitchFamily="2" charset="0"/>
+                <a:ea typeface="Courier" charset="0"/>
+                <a:cs typeface="Courier" charset="0"/>
+              </a:rPr>
+              <a:t>    +-+-+-+-+-+-+-+-+-+-+-+-+-+-+-+-+-+-+-+-+-+-+-+-+-+-+-+-+-+-+-+-+</a:t>
+            </a:r>
+          </a:p>
+          <a:p>
+            <a:pPr>
+              <a:spcAft>
+                <a:spcPts val="0"/>
+              </a:spcAft>
+            </a:pPr>
+            <a:r>
+              <a:rPr lang="en-US" sz="750" dirty="0">
+                <a:latin typeface="Courier" pitchFamily="2" charset="0"/>
+                <a:ea typeface="Courier" charset="0"/>
+                <a:cs typeface="Courier" charset="0"/>
+              </a:rPr>
+              <a:t>    |                 Session-Sender Sequence Number                |</a:t>
+            </a:r>
+          </a:p>
+          <a:p>
+            <a:pPr>
+              <a:spcAft>
+                <a:spcPts val="0"/>
+              </a:spcAft>
+            </a:pPr>
+            <a:r>
+              <a:rPr lang="en-US" sz="750" dirty="0">
+                <a:latin typeface="Courier" pitchFamily="2" charset="0"/>
+                <a:ea typeface="Courier" charset="0"/>
+                <a:cs typeface="Courier" charset="0"/>
+              </a:rPr>
+              <a:t>    +-+-+-+-+-+-+-+-+-+-+-+-+-+-+-+-+-+-+-+-+-+-+-+-+-+-+-+-+-+-+-+-+</a:t>
+            </a:r>
+          </a:p>
+          <a:p>
+            <a:pPr>
+              <a:spcAft>
+                <a:spcPts val="0"/>
+              </a:spcAft>
+            </a:pPr>
+            <a:r>
+              <a:rPr lang="en-US" sz="750" dirty="0">
+                <a:latin typeface="Courier" pitchFamily="2" charset="0"/>
+                <a:ea typeface="Courier" charset="0"/>
+                <a:cs typeface="Courier" charset="0"/>
+              </a:rPr>
+              <a:t>    |                  Session-Sender Timestamp                     |</a:t>
+            </a:r>
+          </a:p>
+          <a:p>
+            <a:pPr>
+              <a:spcAft>
+                <a:spcPts val="0"/>
+              </a:spcAft>
+            </a:pPr>
+            <a:r>
+              <a:rPr lang="en-US" sz="750" dirty="0">
+                <a:latin typeface="Courier" pitchFamily="2" charset="0"/>
+                <a:ea typeface="Courier" charset="0"/>
+                <a:cs typeface="Courier" charset="0"/>
+              </a:rPr>
+              <a:t>    |                                                               |</a:t>
+            </a:r>
+          </a:p>
+          <a:p>
+            <a:pPr>
+              <a:spcAft>
+                <a:spcPts val="0"/>
+              </a:spcAft>
+            </a:pPr>
+            <a:r>
+              <a:rPr lang="en-US" sz="750" dirty="0">
+                <a:latin typeface="Courier" pitchFamily="2" charset="0"/>
+                <a:ea typeface="Courier" charset="0"/>
+                <a:cs typeface="Courier" charset="0"/>
+              </a:rPr>
+              <a:t>    +-+-+-+-+-+-+-+-+-+-+-+-+-+-+-+-+-+-+-+-+-+-+-+-+-+-+-+-+-+-+-+-+</a:t>
+            </a:r>
+          </a:p>
+          <a:p>
+            <a:pPr>
+              <a:spcAft>
+                <a:spcPts val="0"/>
+              </a:spcAft>
+            </a:pPr>
+            <a:r>
+              <a:rPr lang="en-US" sz="750" dirty="0">
+                <a:latin typeface="Courier" pitchFamily="2" charset="0"/>
+                <a:ea typeface="Courier" charset="0"/>
+                <a:cs typeface="Courier" charset="0"/>
+              </a:rPr>
+              <a:t>    | Session-Sender Error Estimate |           MBZ                 |</a:t>
+            </a:r>
+          </a:p>
+          <a:p>
+            <a:pPr>
+              <a:spcAft>
+                <a:spcPts val="0"/>
+              </a:spcAft>
+            </a:pPr>
+            <a:r>
+              <a:rPr lang="en-US" sz="750" dirty="0">
+                <a:latin typeface="Courier" pitchFamily="2" charset="0"/>
+                <a:ea typeface="Courier" charset="0"/>
+                <a:cs typeface="Courier" charset="0"/>
+              </a:rPr>
+              <a:t>    +-+-+-+-+-+-+-+-+-+-+-+-+-+-+-+-+-+-+-+-+-+-+-+-+-+-+-+-+-+-+-+-+</a:t>
+            </a:r>
+          </a:p>
+          <a:p>
+            <a:pPr>
+              <a:spcAft>
+                <a:spcPts val="0"/>
+              </a:spcAft>
+            </a:pPr>
+            <a:r>
+              <a:rPr lang="en-US" sz="750" dirty="0">
+                <a:latin typeface="Courier" pitchFamily="2" charset="0"/>
+                <a:ea typeface="Courier" charset="0"/>
+                <a:cs typeface="Courier" charset="0"/>
+              </a:rPr>
+              <a:t>    |</a:t>
+            </a:r>
+            <a:r>
+              <a:rPr lang="en-US" sz="750" dirty="0" err="1">
+                <a:latin typeface="Courier" pitchFamily="2" charset="0"/>
+                <a:ea typeface="Courier" charset="0"/>
+                <a:cs typeface="Courier" charset="0"/>
+              </a:rPr>
+              <a:t>Ses</a:t>
+            </a:r>
+            <a:r>
+              <a:rPr lang="en-US" sz="750" dirty="0">
+                <a:latin typeface="Courier" pitchFamily="2" charset="0"/>
+                <a:ea typeface="Courier" charset="0"/>
+                <a:cs typeface="Courier" charset="0"/>
+              </a:rPr>
+              <a:t>-Sender TTL |                  MBZ2                         |</a:t>
+            </a:r>
+          </a:p>
+          <a:p>
+            <a:pPr>
+              <a:spcAft>
+                <a:spcPts val="0"/>
+              </a:spcAft>
+            </a:pPr>
+            <a:r>
+              <a:rPr lang="en-US" sz="750" dirty="0">
+                <a:latin typeface="Courier" pitchFamily="2" charset="0"/>
+                <a:ea typeface="Courier" charset="0"/>
+                <a:cs typeface="Courier" charset="0"/>
+              </a:rPr>
+              <a:t>    +-+-+-+-+-+-+-+-+-+-+-+-+-+-+-+-+-+-+-+-+-+-+-+-+-+-+-+-+-+-+-+-+</a:t>
+            </a:r>
+          </a:p>
+          <a:p>
+            <a:pPr>
+              <a:spcAft>
+                <a:spcPts val="0"/>
+              </a:spcAft>
+            </a:pPr>
+            <a:r>
+              <a:rPr lang="en-US" sz="750" dirty="0">
+                <a:latin typeface="Courier" pitchFamily="2" charset="0"/>
+                <a:ea typeface="Courier" charset="0"/>
+                <a:cs typeface="Courier" charset="0"/>
+              </a:rPr>
+              <a:t>    ~                                                               ~</a:t>
+            </a:r>
+          </a:p>
+          <a:p>
+            <a:pPr>
+              <a:spcAft>
+                <a:spcPts val="0"/>
+              </a:spcAft>
+            </a:pPr>
+            <a:r>
+              <a:rPr lang="en-US" sz="750" dirty="0">
+                <a:latin typeface="Courier" pitchFamily="2" charset="0"/>
+                <a:ea typeface="Courier" charset="0"/>
+                <a:cs typeface="Courier" charset="0"/>
+              </a:rPr>
+              <a:t>    +-+-+-+-+-+-+-+-+-+-+-+-+-+-+-+-+-+-+-+-+-+-+-+-+-+-+-+-+-+-+-+-+</a:t>
+            </a:r>
+          </a:p>
+          <a:p>
+            <a:pPr>
+              <a:spcAft>
+                <a:spcPts val="0"/>
+              </a:spcAft>
+            </a:pPr>
+            <a:r>
+              <a:rPr lang="en-CA" sz="750" dirty="0">
+                <a:latin typeface="Courier" pitchFamily="2" charset="0"/>
+              </a:rPr>
+              <a:t>    |STAMP TLV Flags|  Type         |     Length                    |</a:t>
+            </a:r>
+          </a:p>
+          <a:p>
+            <a:pPr>
+              <a:spcAft>
+                <a:spcPts val="0"/>
+              </a:spcAft>
+            </a:pPr>
+            <a:r>
+              <a:rPr lang="en-US" sz="750" dirty="0">
+                <a:solidFill>
+                  <a:srgbClr val="0070C0"/>
+                </a:solidFill>
+                <a:latin typeface="Courier" pitchFamily="2" charset="0"/>
+                <a:ea typeface="Courier" charset="0"/>
+                <a:cs typeface="Courier" charset="0"/>
+              </a:rPr>
+              <a:t>    +-+-+-+-+-+-+-+-+-+-+-+-+-+-+-+-+-+-+-+-+-+-+-+-+-+-+-+-+-+-+-+-+</a:t>
+            </a:r>
+          </a:p>
+          <a:p>
+            <a:pPr>
+              <a:spcAft>
+                <a:spcPts val="0"/>
+              </a:spcAft>
+            </a:pPr>
+            <a:r>
+              <a:rPr lang="en-US" sz="750" dirty="0">
+                <a:solidFill>
+                  <a:srgbClr val="0070C0"/>
+                </a:solidFill>
+                <a:latin typeface="Courier" pitchFamily="2" charset="0"/>
+                <a:ea typeface="Courier" charset="0"/>
+                <a:cs typeface="Courier" charset="0"/>
+              </a:rPr>
+              <a:t>    |             Session-Sender Tx counter  (</a:t>
+            </a:r>
+            <a:r>
+              <a:rPr lang="en-US" sz="750" dirty="0" err="1">
+                <a:solidFill>
+                  <a:srgbClr val="0070C0"/>
+                </a:solidFill>
+                <a:latin typeface="Courier" pitchFamily="2" charset="0"/>
+                <a:ea typeface="Courier" charset="0"/>
+                <a:cs typeface="Courier" charset="0"/>
+              </a:rPr>
+              <a:t>S_TxC</a:t>
+            </a:r>
+            <a:r>
+              <a:rPr lang="en-US" sz="750" dirty="0">
+                <a:solidFill>
+                  <a:srgbClr val="0070C0"/>
+                </a:solidFill>
+                <a:latin typeface="Courier" pitchFamily="2" charset="0"/>
+                <a:ea typeface="Courier" charset="0"/>
+                <a:cs typeface="Courier" charset="0"/>
+              </a:rPr>
+              <a:t>)                |</a:t>
+            </a:r>
+          </a:p>
+          <a:p>
+            <a:pPr>
+              <a:spcAft>
+                <a:spcPts val="0"/>
+              </a:spcAft>
+            </a:pPr>
+            <a:r>
+              <a:rPr lang="en-US" sz="750" dirty="0">
+                <a:solidFill>
+                  <a:srgbClr val="0070C0"/>
+                </a:solidFill>
+                <a:latin typeface="Courier" pitchFamily="2" charset="0"/>
+                <a:ea typeface="Courier" charset="0"/>
+                <a:cs typeface="Courier" charset="0"/>
+              </a:rPr>
+              <a:t>    +-+-+-+-+-+-+-+-+-+-+-+-+-+-+-+-+-+-+-+-+-+-+-+-+-+-+-+-+-+-+-+-+</a:t>
+            </a:r>
+          </a:p>
+          <a:p>
+            <a:pPr>
+              <a:spcAft>
+                <a:spcPts val="0"/>
+              </a:spcAft>
+            </a:pPr>
+            <a:r>
+              <a:rPr lang="en-US" sz="750" dirty="0">
+                <a:solidFill>
+                  <a:srgbClr val="0070C0"/>
+                </a:solidFill>
+                <a:latin typeface="Courier" pitchFamily="2" charset="0"/>
+                <a:ea typeface="Courier" charset="0"/>
+                <a:cs typeface="Courier" charset="0"/>
+              </a:rPr>
+              <a:t>    |             Session-Reflector Rx counter  (</a:t>
+            </a:r>
+            <a:r>
+              <a:rPr lang="en-US" sz="750" dirty="0" err="1">
+                <a:solidFill>
+                  <a:srgbClr val="0070C0"/>
+                </a:solidFill>
+                <a:latin typeface="Courier" pitchFamily="2" charset="0"/>
+                <a:ea typeface="Courier" charset="0"/>
+                <a:cs typeface="Courier" charset="0"/>
+              </a:rPr>
+              <a:t>R_RxC</a:t>
+            </a:r>
+            <a:r>
+              <a:rPr lang="en-US" sz="750" dirty="0">
+                <a:solidFill>
+                  <a:srgbClr val="0070C0"/>
+                </a:solidFill>
+                <a:latin typeface="Courier" pitchFamily="2" charset="0"/>
+                <a:ea typeface="Courier" charset="0"/>
+                <a:cs typeface="Courier" charset="0"/>
+              </a:rPr>
+              <a:t>)             |</a:t>
+            </a:r>
+          </a:p>
+          <a:p>
+            <a:pPr>
+              <a:spcAft>
+                <a:spcPts val="0"/>
+              </a:spcAft>
+            </a:pPr>
+            <a:r>
+              <a:rPr lang="en-US" sz="750" dirty="0">
+                <a:solidFill>
+                  <a:srgbClr val="0070C0"/>
+                </a:solidFill>
+                <a:latin typeface="Courier" pitchFamily="2" charset="0"/>
+                <a:ea typeface="Courier" charset="0"/>
+                <a:cs typeface="Courier" charset="0"/>
+              </a:rPr>
+              <a:t>    +-+-+-+-+-+-+-+-+-+-+-+-+-+-+-+-+-+-+-+-+-+-+-+-+-+-+-+-+-+-+-+-+</a:t>
+            </a:r>
+          </a:p>
+          <a:p>
+            <a:pPr>
+              <a:spcAft>
+                <a:spcPts val="0"/>
+              </a:spcAft>
+            </a:pPr>
+            <a:r>
+              <a:rPr lang="en-US" sz="750" dirty="0">
+                <a:solidFill>
+                  <a:srgbClr val="0070C0"/>
+                </a:solidFill>
+                <a:latin typeface="Courier" pitchFamily="2" charset="0"/>
+                <a:ea typeface="Courier" charset="0"/>
+                <a:cs typeface="Courier" charset="0"/>
+              </a:rPr>
+              <a:t>    |             Session-Reflector Tx counter  (</a:t>
+            </a:r>
+            <a:r>
+              <a:rPr lang="en-US" sz="750" dirty="0" err="1">
+                <a:solidFill>
+                  <a:srgbClr val="0070C0"/>
+                </a:solidFill>
+                <a:latin typeface="Courier" pitchFamily="2" charset="0"/>
+                <a:ea typeface="Courier" charset="0"/>
+                <a:cs typeface="Courier" charset="0"/>
+              </a:rPr>
+              <a:t>R_TxC</a:t>
+            </a:r>
+            <a:r>
+              <a:rPr lang="en-US" sz="750" dirty="0">
+                <a:solidFill>
+                  <a:srgbClr val="0070C0"/>
+                </a:solidFill>
+                <a:latin typeface="Courier" pitchFamily="2" charset="0"/>
+                <a:ea typeface="Courier" charset="0"/>
+                <a:cs typeface="Courier" charset="0"/>
+              </a:rPr>
+              <a:t>)             |</a:t>
+            </a:r>
+          </a:p>
+          <a:p>
+            <a:pPr>
+              <a:spcAft>
+                <a:spcPts val="0"/>
+              </a:spcAft>
+            </a:pPr>
+            <a:r>
+              <a:rPr lang="en-US" sz="750" dirty="0">
+                <a:solidFill>
+                  <a:srgbClr val="0070C0"/>
+                </a:solidFill>
+                <a:latin typeface="Courier" pitchFamily="2" charset="0"/>
+                <a:ea typeface="Courier" charset="0"/>
+                <a:cs typeface="Courier" charset="0"/>
+              </a:rPr>
+              <a:t>    +-+-+-+-+-+-+-+-+-+-+-+-+-+-+-+-+-+-+-+-+-+-+-+-+-+-+-+-+-+-+-+-+</a:t>
+            </a:r>
+          </a:p>
+          <a:p>
+            <a:pPr>
+              <a:spcAft>
+                <a:spcPts val="0"/>
+              </a:spcAft>
+            </a:pPr>
+            <a:endParaRPr lang="en-US" sz="750" dirty="0">
+              <a:latin typeface="Courier" pitchFamily="2" charset="0"/>
+              <a:ea typeface="Courier" charset="0"/>
+              <a:cs typeface="Courier" charset="0"/>
+            </a:endParaRPr>
+          </a:p>
+          <a:p>
+            <a:pPr>
+              <a:spcAft>
+                <a:spcPts val="0"/>
+              </a:spcAft>
+            </a:pPr>
+            <a:r>
+              <a:rPr lang="en-US" sz="750" dirty="0">
+                <a:latin typeface="Courier" pitchFamily="2" charset="0"/>
+                <a:ea typeface="Courier" charset="0"/>
+                <a:cs typeface="Courier" charset="0"/>
+              </a:rPr>
+              <a:t>	    Figure: Reflector Message Format</a:t>
+            </a:r>
+          </a:p>
+        </p:txBody>
+      </p:sp>
+      <p:sp>
+        <p:nvSpPr>
+          <p:cNvPr id="6" name="Footer Placeholder 3">
+            <a:extLst>
+              <a:ext uri="{FF2B5EF4-FFF2-40B4-BE49-F238E27FC236}">
+                <a16:creationId xmlns:a16="http://schemas.microsoft.com/office/drawing/2014/main" id="{DAAC01B7-F9FF-A94D-AC6F-E2071AD95C28}"/>
+              </a:ext>
+            </a:extLst>
+          </p:cNvPr>
+          <p:cNvSpPr txBox="1">
+            <a:spLocks/>
+          </p:cNvSpPr>
+          <p:nvPr/>
+        </p:nvSpPr>
+        <p:spPr>
+          <a:xfrm>
+            <a:off x="3841105" y="4844952"/>
+            <a:ext cx="1638300" cy="298548"/>
+          </a:xfrm>
+          <a:prstGeom prst="rect">
+            <a:avLst/>
+          </a:prstGeom>
+        </p:spPr>
+        <p:txBody>
+          <a:bodyPr/>
+          <a:lstStyle>
+            <a:defPPr>
+              <a:defRPr lang="zh-CN"/>
+            </a:defPPr>
+            <a:lvl1pPr algn="l" rtl="0" fontAlgn="base">
+              <a:spcBef>
+                <a:spcPct val="0"/>
+              </a:spcBef>
+              <a:spcAft>
+                <a:spcPct val="0"/>
+              </a:spcAft>
+              <a:defRPr kern="1200">
+                <a:solidFill>
+                  <a:schemeClr val="tx1"/>
+                </a:solidFill>
+                <a:latin typeface="Arial" charset="0"/>
+                <a:ea typeface="宋体" pitchFamily="2" charset="-122"/>
+                <a:cs typeface="+mn-cs"/>
+              </a:defRPr>
+            </a:lvl1pPr>
+            <a:lvl2pPr marL="457200" algn="l" rtl="0" fontAlgn="base">
+              <a:spcBef>
+                <a:spcPct val="0"/>
+              </a:spcBef>
+              <a:spcAft>
+                <a:spcPct val="0"/>
+              </a:spcAft>
+              <a:defRPr kern="1200">
+                <a:solidFill>
+                  <a:schemeClr val="tx1"/>
+                </a:solidFill>
+                <a:latin typeface="Arial" charset="0"/>
+                <a:ea typeface="宋体" pitchFamily="2" charset="-122"/>
+                <a:cs typeface="+mn-cs"/>
+              </a:defRPr>
+            </a:lvl2pPr>
+            <a:lvl3pPr marL="914400" algn="l" rtl="0" fontAlgn="base">
+              <a:spcBef>
+                <a:spcPct val="0"/>
+              </a:spcBef>
+              <a:spcAft>
+                <a:spcPct val="0"/>
+              </a:spcAft>
+              <a:defRPr kern="1200">
+                <a:solidFill>
+                  <a:schemeClr val="tx1"/>
+                </a:solidFill>
+                <a:latin typeface="Arial" charset="0"/>
+                <a:ea typeface="宋体" pitchFamily="2" charset="-122"/>
+                <a:cs typeface="+mn-cs"/>
+              </a:defRPr>
+            </a:lvl3pPr>
+            <a:lvl4pPr marL="1371600" algn="l" rtl="0" fontAlgn="base">
+              <a:spcBef>
+                <a:spcPct val="0"/>
+              </a:spcBef>
+              <a:spcAft>
+                <a:spcPct val="0"/>
+              </a:spcAft>
+              <a:defRPr kern="1200">
+                <a:solidFill>
+                  <a:schemeClr val="tx1"/>
+                </a:solidFill>
+                <a:latin typeface="Arial" charset="0"/>
+                <a:ea typeface="宋体" pitchFamily="2" charset="-122"/>
+                <a:cs typeface="+mn-cs"/>
+              </a:defRPr>
+            </a:lvl4pPr>
+            <a:lvl5pPr marL="1828800" algn="l" rtl="0" fontAlgn="base">
+              <a:spcBef>
+                <a:spcPct val="0"/>
+              </a:spcBef>
+              <a:spcAft>
+                <a:spcPct val="0"/>
+              </a:spcAft>
+              <a:defRPr kern="1200">
+                <a:solidFill>
+                  <a:schemeClr val="tx1"/>
+                </a:solidFill>
+                <a:latin typeface="Arial" charset="0"/>
+                <a:ea typeface="宋体" pitchFamily="2" charset="-122"/>
+                <a:cs typeface="+mn-cs"/>
+              </a:defRPr>
+            </a:lvl5pPr>
+            <a:lvl6pPr marL="2286000" algn="l" defTabSz="914400" rtl="0" eaLnBrk="1" latinLnBrk="0" hangingPunct="1">
+              <a:defRPr kern="1200">
+                <a:solidFill>
+                  <a:schemeClr val="tx1"/>
+                </a:solidFill>
+                <a:latin typeface="Arial" charset="0"/>
+                <a:ea typeface="宋体" pitchFamily="2" charset="-122"/>
+                <a:cs typeface="+mn-cs"/>
+              </a:defRPr>
+            </a:lvl6pPr>
+            <a:lvl7pPr marL="2743200" algn="l" defTabSz="914400" rtl="0" eaLnBrk="1" latinLnBrk="0" hangingPunct="1">
+              <a:defRPr kern="1200">
+                <a:solidFill>
+                  <a:schemeClr val="tx1"/>
+                </a:solidFill>
+                <a:latin typeface="Arial" charset="0"/>
+                <a:ea typeface="宋体" pitchFamily="2" charset="-122"/>
+                <a:cs typeface="+mn-cs"/>
+              </a:defRPr>
+            </a:lvl7pPr>
+            <a:lvl8pPr marL="3200400" algn="l" defTabSz="914400" rtl="0" eaLnBrk="1" latinLnBrk="0" hangingPunct="1">
+              <a:defRPr kern="1200">
+                <a:solidFill>
+                  <a:schemeClr val="tx1"/>
+                </a:solidFill>
+                <a:latin typeface="Arial" charset="0"/>
+                <a:ea typeface="宋体" pitchFamily="2" charset="-122"/>
+                <a:cs typeface="+mn-cs"/>
+              </a:defRPr>
+            </a:lvl8pPr>
+            <a:lvl9pPr marL="3657600" algn="l" defTabSz="914400" rtl="0" eaLnBrk="1" latinLnBrk="0" hangingPunct="1">
+              <a:defRPr kern="1200">
+                <a:solidFill>
+                  <a:schemeClr val="tx1"/>
+                </a:solidFill>
+                <a:latin typeface="Arial" charset="0"/>
+                <a:ea typeface="宋体" pitchFamily="2" charset="-122"/>
+                <a:cs typeface="+mn-cs"/>
+              </a:defRPr>
+            </a:lvl9pPr>
+          </a:lstStyle>
+          <a:p>
+            <a:r>
+              <a:rPr lang="en-CA" sz="1200" dirty="0"/>
+              <a:t>110</a:t>
+            </a:r>
+            <a:r>
+              <a:rPr lang="en-CA" sz="1200" baseline="30000" dirty="0"/>
+              <a:t>th</a:t>
+            </a:r>
+            <a:r>
+              <a:rPr lang="en-CA" sz="1200" dirty="0"/>
+              <a:t> IETF Online</a:t>
+            </a:r>
+          </a:p>
+        </p:txBody>
+      </p:sp>
+      <p:sp>
+        <p:nvSpPr>
+          <p:cNvPr id="7" name="Slide Number Placeholder 2">
+            <a:extLst>
+              <a:ext uri="{FF2B5EF4-FFF2-40B4-BE49-F238E27FC236}">
+                <a16:creationId xmlns:a16="http://schemas.microsoft.com/office/drawing/2014/main" id="{8D46899F-25E7-8042-9E81-459B5F041477}"/>
+              </a:ext>
+            </a:extLst>
+          </p:cNvPr>
+          <p:cNvSpPr txBox="1">
+            <a:spLocks/>
+          </p:cNvSpPr>
+          <p:nvPr/>
+        </p:nvSpPr>
+        <p:spPr>
+          <a:xfrm>
+            <a:off x="7543800" y="4745366"/>
+            <a:ext cx="1143000" cy="357188"/>
+          </a:xfrm>
+          <a:prstGeom prst="rect">
+            <a:avLst/>
+          </a:prstGeom>
+        </p:spPr>
+        <p:txBody>
+          <a:bodyPr/>
+          <a:lstStyle>
+            <a:defPPr>
+              <a:defRPr lang="zh-CN"/>
+            </a:defPPr>
+            <a:lvl1pPr algn="l" rtl="0" fontAlgn="base">
+              <a:spcBef>
+                <a:spcPct val="0"/>
+              </a:spcBef>
+              <a:spcAft>
+                <a:spcPct val="0"/>
+              </a:spcAft>
+              <a:defRPr kern="1200">
+                <a:solidFill>
+                  <a:schemeClr val="tx1"/>
+                </a:solidFill>
+                <a:latin typeface="Arial" charset="0"/>
+                <a:ea typeface="宋体" pitchFamily="2" charset="-122"/>
+                <a:cs typeface="+mn-cs"/>
+              </a:defRPr>
+            </a:lvl1pPr>
+            <a:lvl2pPr marL="457200" algn="l" rtl="0" fontAlgn="base">
+              <a:spcBef>
+                <a:spcPct val="0"/>
+              </a:spcBef>
+              <a:spcAft>
+                <a:spcPct val="0"/>
+              </a:spcAft>
+              <a:defRPr kern="1200">
+                <a:solidFill>
+                  <a:schemeClr val="tx1"/>
+                </a:solidFill>
+                <a:latin typeface="Arial" charset="0"/>
+                <a:ea typeface="宋体" pitchFamily="2" charset="-122"/>
+                <a:cs typeface="+mn-cs"/>
+              </a:defRPr>
+            </a:lvl2pPr>
+            <a:lvl3pPr marL="914400" algn="l" rtl="0" fontAlgn="base">
+              <a:spcBef>
+                <a:spcPct val="0"/>
+              </a:spcBef>
+              <a:spcAft>
+                <a:spcPct val="0"/>
+              </a:spcAft>
+              <a:defRPr kern="1200">
+                <a:solidFill>
+                  <a:schemeClr val="tx1"/>
+                </a:solidFill>
+                <a:latin typeface="Arial" charset="0"/>
+                <a:ea typeface="宋体" pitchFamily="2" charset="-122"/>
+                <a:cs typeface="+mn-cs"/>
+              </a:defRPr>
+            </a:lvl3pPr>
+            <a:lvl4pPr marL="1371600" algn="l" rtl="0" fontAlgn="base">
+              <a:spcBef>
+                <a:spcPct val="0"/>
+              </a:spcBef>
+              <a:spcAft>
+                <a:spcPct val="0"/>
+              </a:spcAft>
+              <a:defRPr kern="1200">
+                <a:solidFill>
+                  <a:schemeClr val="tx1"/>
+                </a:solidFill>
+                <a:latin typeface="Arial" charset="0"/>
+                <a:ea typeface="宋体" pitchFamily="2" charset="-122"/>
+                <a:cs typeface="+mn-cs"/>
+              </a:defRPr>
+            </a:lvl4pPr>
+            <a:lvl5pPr marL="1828800" algn="l" rtl="0" fontAlgn="base">
+              <a:spcBef>
+                <a:spcPct val="0"/>
+              </a:spcBef>
+              <a:spcAft>
+                <a:spcPct val="0"/>
+              </a:spcAft>
+              <a:defRPr kern="1200">
+                <a:solidFill>
+                  <a:schemeClr val="tx1"/>
+                </a:solidFill>
+                <a:latin typeface="Arial" charset="0"/>
+                <a:ea typeface="宋体" pitchFamily="2" charset="-122"/>
+                <a:cs typeface="+mn-cs"/>
+              </a:defRPr>
+            </a:lvl5pPr>
+            <a:lvl6pPr marL="2286000" algn="l" defTabSz="914400" rtl="0" eaLnBrk="1" latinLnBrk="0" hangingPunct="1">
+              <a:defRPr kern="1200">
+                <a:solidFill>
+                  <a:schemeClr val="tx1"/>
+                </a:solidFill>
+                <a:latin typeface="Arial" charset="0"/>
+                <a:ea typeface="宋体" pitchFamily="2" charset="-122"/>
+                <a:cs typeface="+mn-cs"/>
+              </a:defRPr>
+            </a:lvl6pPr>
+            <a:lvl7pPr marL="2743200" algn="l" defTabSz="914400" rtl="0" eaLnBrk="1" latinLnBrk="0" hangingPunct="1">
+              <a:defRPr kern="1200">
+                <a:solidFill>
+                  <a:schemeClr val="tx1"/>
+                </a:solidFill>
+                <a:latin typeface="Arial" charset="0"/>
+                <a:ea typeface="宋体" pitchFamily="2" charset="-122"/>
+                <a:cs typeface="+mn-cs"/>
+              </a:defRPr>
+            </a:lvl7pPr>
+            <a:lvl8pPr marL="3200400" algn="l" defTabSz="914400" rtl="0" eaLnBrk="1" latinLnBrk="0" hangingPunct="1">
+              <a:defRPr kern="1200">
+                <a:solidFill>
+                  <a:schemeClr val="tx1"/>
+                </a:solidFill>
+                <a:latin typeface="Arial" charset="0"/>
+                <a:ea typeface="宋体" pitchFamily="2" charset="-122"/>
+                <a:cs typeface="+mn-cs"/>
+              </a:defRPr>
+            </a:lvl8pPr>
+            <a:lvl9pPr marL="3657600" algn="l" defTabSz="914400" rtl="0" eaLnBrk="1" latinLnBrk="0" hangingPunct="1">
+              <a:defRPr kern="1200">
+                <a:solidFill>
+                  <a:schemeClr val="tx1"/>
+                </a:solidFill>
+                <a:latin typeface="Arial" charset="0"/>
+                <a:ea typeface="宋体" pitchFamily="2" charset="-122"/>
+                <a:cs typeface="+mn-cs"/>
+              </a:defRPr>
+            </a:lvl9pPr>
+          </a:lstStyle>
+          <a:p>
+            <a:pPr algn="r">
+              <a:defRPr/>
+            </a:pPr>
+            <a:fld id="{D5EE1D1A-EEC2-4D53-94A7-85D62C853479}" type="slidenum">
+              <a:rPr lang="en-US" altLang="zh-CN" sz="1400" smtClean="0">
+                <a:latin typeface="Calibri" panose="020F0502020204030204" pitchFamily="34" charset="0"/>
+                <a:cs typeface="Calibri" panose="020F0502020204030204" pitchFamily="34" charset="0"/>
+              </a:rPr>
+              <a:pPr algn="r">
+                <a:defRPr/>
+              </a:pPr>
+              <a:t>15</a:t>
+            </a:fld>
+            <a:endParaRPr lang="en-US" altLang="zh-CN" sz="1400" dirty="0">
+              <a:latin typeface="Calibri" panose="020F0502020204030204" pitchFamily="34" charset="0"/>
+              <a:cs typeface="Calibri" panose="020F0502020204030204" pitchFamily="34" charset="0"/>
+            </a:endParaRPr>
+          </a:p>
+        </p:txBody>
+      </p:sp>
+      <p:cxnSp>
+        <p:nvCxnSpPr>
+          <p:cNvPr id="4" name="Straight Connector 3">
+            <a:extLst>
+              <a:ext uri="{FF2B5EF4-FFF2-40B4-BE49-F238E27FC236}">
+                <a16:creationId xmlns:a16="http://schemas.microsoft.com/office/drawing/2014/main" id="{0B9B10AD-8D48-D148-91E8-65E3279D89CE}"/>
+              </a:ext>
+            </a:extLst>
+          </p:cNvPr>
+          <p:cNvCxnSpPr>
+            <a:cxnSpLocks/>
+          </p:cNvCxnSpPr>
+          <p:nvPr/>
+        </p:nvCxnSpPr>
+        <p:spPr>
+          <a:xfrm>
+            <a:off x="4660255" y="733725"/>
+            <a:ext cx="0" cy="4016484"/>
+          </a:xfrm>
+          <a:prstGeom prst="line">
+            <a:avLst/>
+          </a:prstGeom>
+          <a:ln>
+            <a:solidFill>
+              <a:schemeClr val="tx2"/>
+            </a:solidFill>
+          </a:ln>
+        </p:spPr>
+        <p:style>
+          <a:lnRef idx="1">
+            <a:schemeClr val="accent1"/>
+          </a:lnRef>
+          <a:fillRef idx="0">
+            <a:schemeClr val="accent1"/>
+          </a:fillRef>
+          <a:effectRef idx="0">
+            <a:schemeClr val="accent1"/>
+          </a:effectRef>
+          <a:fontRef idx="minor">
+            <a:schemeClr val="tx1"/>
+          </a:fontRef>
+        </p:style>
+      </p:cxnSp>
+    </p:spTree>
+    <p:extLst>
+      <p:ext uri="{BB962C8B-B14F-4D97-AF65-F5344CB8AC3E}">
+        <p14:creationId xmlns:p14="http://schemas.microsoft.com/office/powerpoint/2010/main" val="2699639324"/>
+      </p:ext>
+    </p:extLst>
+  </p:cSld>
+  <p:clrMapOvr>
+    <a:masterClrMapping/>
+  </p:clrMapOvr>
+  <p:transition spd="med">
+    <p:fade/>
+  </p:transition>
 </p:sld>
 </file>
 

--- a/draft-gandhi-ippm-stamp-srpm-01.pptx
+++ b/draft-gandhi-ippm-stamp-srpm-01.pptx
@@ -2514,14 +2514,14 @@
           </a:ln>
           <a:extLst>
             <a:ext uri="{909E8E84-426E-40dd-AFC4-6F175D3DCCD1}">
-              <a14:hiddenFill xmlns="" xmlns:a14="http://schemas.microsoft.com/office/drawing/2010/main">
+              <a14:hiddenFill xmlns:a14="http://schemas.microsoft.com/office/drawing/2010/main" xmlns="">
                 <a:solidFill>
                   <a:srgbClr val="FFFFFF"/>
                 </a:solidFill>
               </a14:hiddenFill>
             </a:ext>
             <a:ext uri="{91240B29-F687-4f45-9708-019B960494DF}">
-              <a14:hiddenLine xmlns="" xmlns:a14="http://schemas.microsoft.com/office/drawing/2010/main" w="9525">
+              <a14:hiddenLine xmlns:a14="http://schemas.microsoft.com/office/drawing/2010/main" xmlns="" w="9525">
                 <a:solidFill>
                   <a:srgbClr val="000000"/>
                 </a:solidFill>
@@ -2774,7 +2774,7 @@
               </a14:hiddenLine>
             </a:ext>
             <a:ext uri="{FAA26D3D-D897-4be2-8F04-BA451C77F1D7}">
-              <ma14:placeholderFlag xmlns="" xmlns:ma14="http://schemas.microsoft.com/office/mac/drawingml/2011/main" val="1"/>
+              <ma14:placeholderFlag xmlns:ma14="http://schemas.microsoft.com/office/mac/drawingml/2011/main" xmlns="" val="1"/>
             </a:ext>
           </a:extLst>
         </p:spPr>
@@ -8567,7 +8567,7 @@
             <a:pPr lvl="2"/>
             <a:r>
               <a:rPr lang="en-US" sz="1200" dirty="0"/>
-              <a:t>With LM TLV, counter also deeper into the test packet at offset (Eth 18, IPv6 40, UDP 8, STAMP 44, TLV Type 4, Total = 114 Byte)</a:t>
+              <a:t>With LM TLV, counter also deeper into the test packet at location (Eth 18, IPv6 40, UDP 8, STAMP 44, TLV Type 4, Total = 114 Byte)</a:t>
             </a:r>
           </a:p>
           <a:p>
@@ -8582,7 +8582,7 @@
             </a:r>
             <a:r>
               <a:rPr lang="en-US" sz="1200" dirty="0"/>
-              <a:t> / headers in offset</a:t>
+              <a:t> / headers in location</a:t>
             </a:r>
           </a:p>
           <a:p>
@@ -8643,7 +8643,7 @@
             <a:pPr lvl="1"/>
             <a:r>
               <a:rPr lang="en-US" sz="1200" dirty="0"/>
-              <a:t>Counter at fixed location - offset (no TLV, Eth 18, IPv6 40, UDP 8, Seq 4, Total = 70 Byte)</a:t>
+              <a:t>Counter at fixed location (Eth 18, IPv6 40, UDP 8, Seq 4, Total = 70 Byte)</a:t>
             </a:r>
           </a:p>
           <a:p>
@@ -8833,14 +8833,14 @@
               </a14:hiddenLine>
             </a:ext>
             <a:ext uri="{909E8E84-426E-40dd-AFC4-6F175D3DCCD1}">
-              <a14:hiddenFill xmlns="" xmlns:a14="http://schemas.microsoft.com/office/drawing/2010/main">
+              <a14:hiddenFill xmlns:a14="http://schemas.microsoft.com/office/drawing/2010/main" xmlns="">
                 <a:solidFill>
                   <a:srgbClr val="FFFFFF"/>
                 </a:solidFill>
               </a14:hiddenFill>
             </a:ext>
             <a:ext uri="{91240B29-F687-4f45-9708-019B960494DF}">
-              <a14:hiddenLine xmlns="" xmlns:a14="http://schemas.microsoft.com/office/drawing/2010/main" w="9525">
+              <a14:hiddenLine xmlns:a14="http://schemas.microsoft.com/office/drawing/2010/main" xmlns="" w="9525">
                 <a:solidFill>
                   <a:srgbClr val="000000"/>
                 </a:solidFill>

--- a/draft-gandhi-ippm-stamp-srpm-01.pptx
+++ b/draft-gandhi-ippm-stamp-srpm-01.pptx
@@ -258,7 +258,7 @@
           <a:p>
             <a:fld id="{E8FA3DB5-7722-3F4F-947D-12B203669AD7}" type="datetimeFigureOut">
               <a:rPr lang="en-US" smtClean="0"/>
-              <a:t>1/14/21</a:t>
+              <a:t>1/15/21</a:t>
             </a:fld>
             <a:endParaRPr lang="en-US"/>
           </a:p>
@@ -2514,14 +2514,14 @@
           </a:ln>
           <a:extLst>
             <a:ext uri="{909E8E84-426E-40dd-AFC4-6F175D3DCCD1}">
-              <a14:hiddenFill xmlns:a14="http://schemas.microsoft.com/office/drawing/2010/main" xmlns="">
+              <a14:hiddenFill xmlns="" xmlns:a14="http://schemas.microsoft.com/office/drawing/2010/main">
                 <a:solidFill>
                   <a:srgbClr val="FFFFFF"/>
                 </a:solidFill>
               </a14:hiddenFill>
             </a:ext>
             <a:ext uri="{91240B29-F687-4f45-9708-019B960494DF}">
-              <a14:hiddenLine xmlns:a14="http://schemas.microsoft.com/office/drawing/2010/main" xmlns="" w="9525">
+              <a14:hiddenLine xmlns="" xmlns:a14="http://schemas.microsoft.com/office/drawing/2010/main" w="9525">
                 <a:solidFill>
                   <a:srgbClr val="000000"/>
                 </a:solidFill>
@@ -2774,7 +2774,7 @@
               </a14:hiddenLine>
             </a:ext>
             <a:ext uri="{FAA26D3D-D897-4be2-8F04-BA451C77F1D7}">
-              <ma14:placeholderFlag xmlns:ma14="http://schemas.microsoft.com/office/mac/drawingml/2011/main" xmlns="" val="1"/>
+              <ma14:placeholderFlag xmlns="" xmlns:ma14="http://schemas.microsoft.com/office/mac/drawingml/2011/main" val="1"/>
             </a:ext>
           </a:extLst>
         </p:spPr>
@@ -6144,8 +6144,8 @@
         </p:nvSpPr>
         <p:spPr bwMode="auto">
           <a:xfrm>
-            <a:off x="4699552" y="323704"/>
-            <a:ext cx="4152900" cy="4231928"/>
+            <a:off x="4699552" y="185205"/>
+            <a:ext cx="4241524" cy="4508927"/>
           </a:xfrm>
           <a:prstGeom prst="rect">
             <a:avLst/>
@@ -8307,7 +8307,7 @@
                 <a:latin typeface="Courier" pitchFamily="2" charset="0"/>
                 <a:ea typeface="Times New Roman" panose="02020603050405020304" pitchFamily="18" charset="0"/>
               </a:rPr>
-              <a:t>|  session-sender TTL   |      MBZ                                      |</a:t>
+              <a:t>|  session-sender TTL   |      MBZ                              |</a:t>
             </a:r>
           </a:p>
           <a:p>
@@ -8360,22 +8360,42 @@
               </a:rPr>
               <a:t>+-+-+-+-+-+-+-+-+-+-+-+-+-+-+-+-+-+-+-+-+-+-+-+-+-+-+-+-+-+-+-+-+</a:t>
             </a:r>
-            <a:r>
-              <a:rPr kumimoji="0" lang="en-US" altLang="en-US" sz="600" u="none" strike="noStrike" cap="none" normalizeH="0" baseline="0" dirty="0">
-                <a:ln>
-                  <a:noFill/>
-                </a:ln>
-                <a:solidFill>
-                  <a:schemeClr val="bg2">
-                    <a:lumMod val="50000"/>
-                  </a:schemeClr>
-                </a:solidFill>
-                <a:effectLst/>
-                <a:latin typeface="Courier" pitchFamily="2" charset="0"/>
-              </a:rPr>
-              <a:t> </a:t>
-            </a:r>
-            <a:endParaRPr kumimoji="0" lang="en-US" altLang="en-US" sz="1800" u="none" strike="noStrike" cap="none" normalizeH="0" baseline="0" dirty="0">
+          </a:p>
+          <a:p>
+            <a:pPr marL="0" marR="0" lvl="0" indent="0" algn="l" defTabSz="914400" rtl="0" eaLnBrk="0" fontAlgn="base" latinLnBrk="0" hangingPunct="0">
+              <a:lnSpc>
+                <a:spcPct val="100000"/>
+              </a:lnSpc>
+              <a:spcBef>
+                <a:spcPct val="0"/>
+              </a:spcBef>
+              <a:spcAft>
+                <a:spcPct val="0"/>
+              </a:spcAft>
+              <a:buClrTx/>
+              <a:buSzTx/>
+              <a:buFontTx/>
+              <a:buNone/>
+              <a:tabLst>
+                <a:tab pos="581025" algn="l"/>
+                <a:tab pos="1163638" algn="l"/>
+                <a:tab pos="1744663" algn="l"/>
+                <a:tab pos="2327275" algn="l"/>
+                <a:tab pos="2908300" algn="l"/>
+                <a:tab pos="3489325" algn="l"/>
+                <a:tab pos="4071938" algn="l"/>
+                <a:tab pos="4652963" algn="l"/>
+                <a:tab pos="5235575" algn="l"/>
+                <a:tab pos="5816600" algn="l"/>
+                <a:tab pos="6397625" algn="l"/>
+                <a:tab pos="6980238" algn="l"/>
+                <a:tab pos="7561263" algn="l"/>
+                <a:tab pos="8143875" algn="l"/>
+                <a:tab pos="8724900" algn="l"/>
+                <a:tab pos="9305925" algn="l"/>
+              </a:tabLst>
+            </a:pPr>
+            <a:endParaRPr kumimoji="0" lang="en-US" altLang="en-US" sz="800" u="none" strike="noStrike" cap="none" normalizeH="0" baseline="0" dirty="0">
               <a:ln>
                 <a:noFill/>
               </a:ln>
@@ -8384,6 +8404,54 @@
                   <a:lumMod val="50000"/>
                 </a:schemeClr>
               </a:solidFill>
+              <a:effectLst/>
+              <a:latin typeface="Courier" pitchFamily="2" charset="0"/>
+            </a:endParaRPr>
+          </a:p>
+          <a:p>
+            <a:pPr marL="0" marR="0" lvl="0" indent="0" algn="l" defTabSz="914400" rtl="0" eaLnBrk="0" fontAlgn="base" latinLnBrk="0" hangingPunct="0">
+              <a:lnSpc>
+                <a:spcPct val="100000"/>
+              </a:lnSpc>
+              <a:spcBef>
+                <a:spcPct val="0"/>
+              </a:spcBef>
+              <a:spcAft>
+                <a:spcPct val="0"/>
+              </a:spcAft>
+              <a:buClrTx/>
+              <a:buSzTx/>
+              <a:buFontTx/>
+              <a:buNone/>
+              <a:tabLst>
+                <a:tab pos="581025" algn="l"/>
+                <a:tab pos="1163638" algn="l"/>
+                <a:tab pos="1744663" algn="l"/>
+                <a:tab pos="2327275" algn="l"/>
+                <a:tab pos="2908300" algn="l"/>
+                <a:tab pos="3489325" algn="l"/>
+                <a:tab pos="4071938" algn="l"/>
+                <a:tab pos="4652963" algn="l"/>
+                <a:tab pos="5235575" algn="l"/>
+                <a:tab pos="5816600" algn="l"/>
+                <a:tab pos="6397625" algn="l"/>
+                <a:tab pos="6980238" algn="l"/>
+                <a:tab pos="7561263" algn="l"/>
+                <a:tab pos="8143875" algn="l"/>
+                <a:tab pos="8724900" algn="l"/>
+                <a:tab pos="9305925" algn="l"/>
+              </a:tabLst>
+            </a:pPr>
+            <a:r>
+              <a:rPr lang="en-US" altLang="en-US" sz="800" dirty="0">
+                <a:latin typeface="Courier" pitchFamily="2" charset="0"/>
+              </a:rPr>
+              <a:t>Figure: Session-Reflector Direct-mode Loss Measurement Test Packet</a:t>
+            </a:r>
+            <a:endParaRPr kumimoji="0" lang="en-US" altLang="en-US" sz="1800" u="none" strike="noStrike" cap="none" normalizeH="0" baseline="0" dirty="0">
+              <a:ln>
+                <a:noFill/>
+              </a:ln>
               <a:effectLst/>
               <a:latin typeface="Courier" pitchFamily="2" charset="0"/>
             </a:endParaRPr>
@@ -8804,8 +8872,8 @@
         </p:nvSpPr>
         <p:spPr bwMode="auto">
           <a:xfrm>
-            <a:off x="260797" y="160190"/>
-            <a:ext cx="8622406" cy="731836"/>
+            <a:off x="1066800" y="162203"/>
+            <a:ext cx="6485850" cy="731836"/>
           </a:xfrm>
           <a:prstGeom prst="rect">
             <a:avLst/>
@@ -8833,14 +8901,14 @@
               </a14:hiddenLine>
             </a:ext>
             <a:ext uri="{909E8E84-426E-40dd-AFC4-6F175D3DCCD1}">
-              <a14:hiddenFill xmlns:a14="http://schemas.microsoft.com/office/drawing/2010/main" xmlns="">
+              <a14:hiddenFill xmlns="" xmlns:a14="http://schemas.microsoft.com/office/drawing/2010/main">
                 <a:solidFill>
                   <a:srgbClr val="FFFFFF"/>
                 </a:solidFill>
               </a14:hiddenFill>
             </a:ext>
             <a:ext uri="{91240B29-F687-4f45-9708-019B960494DF}">
-              <a14:hiddenLine xmlns:a14="http://schemas.microsoft.com/office/drawing/2010/main" xmlns="" w="9525">
+              <a14:hiddenLine xmlns="" xmlns:a14="http://schemas.microsoft.com/office/drawing/2010/main" w="9525">
                 <a:solidFill>
                   <a:srgbClr val="000000"/>
                 </a:solidFill>
@@ -9043,7 +9111,7 @@
                 <a:latin typeface="Calibri Light" panose="020F0302020204030204" pitchFamily="34" charset="0"/>
                 <a:cs typeface="Calibri Light" panose="020F0302020204030204" pitchFamily="34" charset="0"/>
               </a:rPr>
-              <a:t>– Inline Counter-stamping in Hardware</a:t>
+              <a:t>- Inline Counter-stamping in Hardware</a:t>
             </a:r>
           </a:p>
         </p:txBody>
@@ -9299,7 +9367,7 @@
         </p:nvSpPr>
         <p:spPr>
           <a:xfrm>
-            <a:off x="245216" y="2823572"/>
+            <a:off x="534103" y="2684799"/>
             <a:ext cx="4215984" cy="1052161"/>
           </a:xfrm>
           <a:prstGeom prst="rect">
@@ -10015,7 +10083,7 @@
         </p:nvSpPr>
         <p:spPr>
           <a:xfrm>
-            <a:off x="5057809" y="1651946"/>
+            <a:off x="4957175" y="1632921"/>
             <a:ext cx="3578944" cy="919804"/>
           </a:xfrm>
         </p:spPr>
@@ -10068,7 +10136,7 @@
         </p:nvSpPr>
         <p:spPr>
           <a:xfrm>
-            <a:off x="4249293" y="3485475"/>
+            <a:off x="4230756" y="3439180"/>
             <a:ext cx="4649491" cy="923330"/>
           </a:xfrm>
           <a:prstGeom prst="rect">
@@ -14496,7 +14564,7 @@
                 <a:ea typeface="Times New Roman" panose="02020603050405020304" pitchFamily="18" charset="0"/>
                 <a:cs typeface="Times New Roman" panose="02020603050405020304" pitchFamily="18" charset="0"/>
               </a:rPr>
-              <a:t>Se Control Code</a:t>
+              <a:t> Control Code  </a:t>
             </a:r>
             <a:r>
               <a:rPr kumimoji="0" lang="en-US" altLang="en-US" sz="1000" u="none" strike="noStrike" cap="none" normalizeH="0" baseline="0" dirty="0">
@@ -14839,7 +14907,7 @@
         </p:nvSpPr>
         <p:spPr>
           <a:xfrm>
-            <a:off x="457200" y="102393"/>
+            <a:off x="457200" y="82866"/>
             <a:ext cx="8229600" cy="857250"/>
           </a:xfrm>
         </p:spPr>
@@ -14910,7 +14978,7 @@
           <a:p>
             <a:r>
               <a:rPr lang="en-US" sz="1600" dirty="0"/>
-              <a:t>No way of knowing if one-way or two-way mode from the STAMP test packet</a:t>
+              <a:t>No way of knowing if one-way or two-way mode from the received STAMP test packet</a:t>
             </a:r>
           </a:p>
           <a:p>
@@ -15691,7 +15759,7 @@
         <p:spPr>
           <a:xfrm>
             <a:off x="533400" y="1047750"/>
-            <a:ext cx="8077200" cy="3230165"/>
+            <a:ext cx="8229600" cy="3230165"/>
           </a:xfrm>
         </p:spPr>
         <p:txBody>

--- a/draft-gandhi-ippm-stamp-srpm-01.pptx
+++ b/draft-gandhi-ippm-stamp-srpm-01.pptx
@@ -5,10 +5,10 @@
     <p:sldMasterId id="2147483648" r:id="rId1"/>
   </p:sldMasterIdLst>
   <p:notesMasterIdLst>
-    <p:notesMasterId r:id="rId17"/>
+    <p:notesMasterId r:id="rId18"/>
   </p:notesMasterIdLst>
   <p:handoutMasterIdLst>
-    <p:handoutMasterId r:id="rId18"/>
+    <p:handoutMasterId r:id="rId19"/>
   </p:handoutMasterIdLst>
   <p:sldIdLst>
     <p:sldId id="1661" r:id="rId2"/>
@@ -23,9 +23,10 @@
     <p:sldId id="321" r:id="rId11"/>
     <p:sldId id="1675" r:id="rId12"/>
     <p:sldId id="3054" r:id="rId13"/>
-    <p:sldId id="1670" r:id="rId14"/>
-    <p:sldId id="1671" r:id="rId15"/>
-    <p:sldId id="1649" r:id="rId16"/>
+    <p:sldId id="3055" r:id="rId14"/>
+    <p:sldId id="1670" r:id="rId15"/>
+    <p:sldId id="1671" r:id="rId16"/>
+    <p:sldId id="1649" r:id="rId17"/>
   </p:sldIdLst>
   <p:sldSz cx="9144000" cy="5143500" type="screen16x9"/>
   <p:notesSz cx="6858000" cy="9144000"/>
@@ -1396,7 +1397,7 @@
               <a:pPr>
                 <a:defRPr/>
               </a:pPr>
-              <a:t>13</a:t>
+              <a:t>14</a:t>
             </a:fld>
             <a:endParaRPr lang="en-US" altLang="zh-CN"/>
           </a:p>
@@ -1486,7 +1487,7 @@
               <a:pPr>
                 <a:defRPr/>
               </a:pPr>
-              <a:t>14</a:t>
+              <a:t>15</a:t>
             </a:fld>
             <a:endParaRPr lang="en-US" altLang="zh-CN"/>
           </a:p>
@@ -5497,7 +5498,7 @@
         </p:nvSpPr>
         <p:spPr bwMode="auto">
           <a:xfrm>
-            <a:off x="1676400" y="2800350"/>
+            <a:off x="1676400" y="2742011"/>
             <a:ext cx="6248400" cy="1478757"/>
           </a:xfrm>
           <a:prstGeom prst="rect">
@@ -5812,14 +5813,14 @@
           <a:p>
             <a:pPr algn="l"/>
             <a:r>
-              <a:rPr lang="en-US" sz="2800" dirty="0">
+              <a:rPr lang="en-US" sz="2400" dirty="0">
                 <a:solidFill>
                   <a:srgbClr val="0070C0"/>
                 </a:solidFill>
                 <a:latin typeface="Calibri Light" panose="020F0302020204030204" pitchFamily="34" charset="0"/>
                 <a:cs typeface="Calibri Light" panose="020F0302020204030204" pitchFamily="34" charset="0"/>
               </a:rPr>
-              <a:t>STAMP - Stand-alone Direct-mode LM Test Packet Format</a:t>
+              <a:t>STAMP - Stand-alone Direct Measurement Test Packet</a:t>
             </a:r>
           </a:p>
         </p:txBody>
@@ -6043,7 +6044,7 @@
           <a:p>
             <a:r>
               <a:rPr lang="en-US" sz="1400" kern="0" dirty="0"/>
-              <a:t>Stand-alone Direct-mode Loss Measurement (LM) test packet defined</a:t>
+              <a:t>Stand-alone Direct Measurement test packet defined</a:t>
             </a:r>
           </a:p>
           <a:p>
@@ -6061,16 +6062,9 @@
             </a:r>
           </a:p>
           <a:p>
-            <a:pPr lvl="1"/>
             <a:r>
               <a:rPr lang="en-US" sz="1400" kern="0" dirty="0"/>
-              <a:t>Stand-alone LM test packet, not tied to DM</a:t>
-            </a:r>
-          </a:p>
-          <a:p>
-            <a:r>
-              <a:rPr lang="en-US" sz="1400" kern="0" dirty="0"/>
-              <a:t>Direct-mode LM packet format is also defined for authenticated mode</a:t>
+              <a:t>Direct Measurement packet is also defined for authenticated mode</a:t>
             </a:r>
           </a:p>
           <a:p>
@@ -6088,13 +6082,13 @@
             </a:r>
             <a:r>
               <a:rPr lang="en-US" sz="1400" kern="0" dirty="0"/>
-              <a:t> is used for identifying direct-mode LM test packets</a:t>
+              <a:t> is used for identifying direct measurement test packets</a:t>
             </a:r>
           </a:p>
           <a:p>
             <a:r>
               <a:rPr lang="en-US" sz="1400" kern="0" dirty="0"/>
-              <a:t>Does not modify existing STAMP procedure as different destination UDP port is used for direct-mode LM test packets</a:t>
+              <a:t>Does not modify existing STAMP procedure as different destination UDP port is used for direct measurement test packets</a:t>
             </a:r>
           </a:p>
         </p:txBody>
@@ -8446,7 +8440,7 @@
               <a:rPr lang="en-US" altLang="en-US" sz="800" dirty="0">
                 <a:latin typeface="Courier" pitchFamily="2" charset="0"/>
               </a:rPr>
-              <a:t>Figure: Session-Reflector Direct-mode Loss Measurement Test Packet</a:t>
+              <a:t>     Figure: Session-Reflector Direct Measurement Test Packet</a:t>
             </a:r>
             <a:endParaRPr kumimoji="0" lang="en-US" altLang="en-US" sz="1800" u="none" strike="noStrike" cap="none" normalizeH="0" baseline="0" dirty="0">
               <a:ln>
@@ -8500,8 +8494,8 @@
         </p:nvSpPr>
         <p:spPr>
           <a:xfrm>
-            <a:off x="228600" y="2032"/>
-            <a:ext cx="8686800" cy="857250"/>
+            <a:off x="554083" y="0"/>
+            <a:ext cx="8001000" cy="857250"/>
           </a:xfrm>
         </p:spPr>
         <p:txBody>
@@ -8517,7 +8511,7 @@
                 <a:latin typeface="Calibri Light" panose="020F0302020204030204" pitchFamily="34" charset="0"/>
                 <a:cs typeface="Calibri Light" panose="020F0302020204030204" pitchFamily="34" charset="0"/>
               </a:rPr>
-              <a:t>STAMP - Stand-alone Direct-mode LM Test Packet Format</a:t>
+              <a:t>STAMP - Stand-alone Direct Measurement Test Packet</a:t>
             </a:r>
           </a:p>
         </p:txBody>
@@ -8628,14 +8622,14 @@
             <a:pPr lvl="2"/>
             <a:r>
               <a:rPr lang="en-US" sz="1200" dirty="0"/>
-              <a:t>With LM TLV, counter may not be at fixed location</a:t>
+              <a:t>With direct measurement TLV, counter may not be at fixed location</a:t>
             </a:r>
           </a:p>
           <a:p>
             <a:pPr lvl="2"/>
             <a:r>
               <a:rPr lang="en-US" sz="1200" dirty="0"/>
-              <a:t>With LM TLV, counter also deeper into the test packet at location (Eth 18, IPv6 40, UDP 8, STAMP 44, TLV Type 4, Total = 114 Byte)</a:t>
+              <a:t>With direct measurement TLV, counter also deeper into the test packet at location (Eth 18, IPv6 40, UDP 8, STAMP 44, TLV Type 4, Total = 114 Byte)</a:t>
             </a:r>
           </a:p>
           <a:p>
@@ -8684,7 +8678,7 @@
             <a:pPr lvl="1"/>
             <a:r>
               <a:rPr lang="en-US" sz="1200" dirty="0"/>
-              <a:t>Some test packets received from one session-sender with base test packet and some with LM TLV (along with other TLVs), hence need to parse EVERY received test packet to check if direct-mode loss TLV is present before punting the packet</a:t>
+              <a:t>Some test packets received from one session-sender with base test packet and some with LM TLV (along with other TLVs), hence need to parse EVERY received test packet to check if direct measurement TLV is present before punting the packet</a:t>
             </a:r>
           </a:p>
           <a:p>
@@ -8872,8 +8866,8 @@
         </p:nvSpPr>
         <p:spPr bwMode="auto">
           <a:xfrm>
-            <a:off x="1066800" y="162203"/>
-            <a:ext cx="6485850" cy="731836"/>
+            <a:off x="462126" y="196884"/>
+            <a:ext cx="8219748" cy="731836"/>
           </a:xfrm>
           <a:prstGeom prst="rect">
             <a:avLst/>
@@ -9099,7 +9093,7 @@
                 <a:latin typeface="Calibri Light" panose="020F0302020204030204" pitchFamily="34" charset="0"/>
                 <a:cs typeface="Calibri Light" panose="020F0302020204030204" pitchFamily="34" charset="0"/>
               </a:rPr>
-              <a:t>Link Direct-mode Loss Measurement </a:t>
+              <a:t>Link Loss Direct Measurement</a:t>
             </a:r>
           </a:p>
           <a:p>
@@ -10837,6 +10831,445 @@
       </p:grpSpPr>
       <p:sp>
         <p:nvSpPr>
+          <p:cNvPr id="2" name="Title 1">
+            <a:extLst>
+              <a:ext uri="{FF2B5EF4-FFF2-40B4-BE49-F238E27FC236}">
+                <a16:creationId xmlns:a16="http://schemas.microsoft.com/office/drawing/2014/main" id="{0C88B8C1-E00C-9540-BBDE-60963DFE2927}"/>
+              </a:ext>
+            </a:extLst>
+          </p:cNvPr>
+          <p:cNvSpPr>
+            <a:spLocks noGrp="1"/>
+          </p:cNvSpPr>
+          <p:nvPr>
+            <p:ph type="title"/>
+          </p:nvPr>
+        </p:nvSpPr>
+        <p:spPr>
+          <a:xfrm>
+            <a:off x="0" y="0"/>
+            <a:ext cx="9144000" cy="857250"/>
+          </a:xfrm>
+        </p:spPr>
+        <p:txBody>
+          <a:bodyPr/>
+          <a:lstStyle/>
+          <a:p>
+            <a:r>
+              <a:rPr lang="en-US" sz="2800" dirty="0">
+                <a:solidFill>
+                  <a:srgbClr val="0070C0"/>
+                </a:solidFill>
+                <a:latin typeface="Calibri Light" panose="020F0302020204030204" pitchFamily="34" charset="0"/>
+                <a:cs typeface="Calibri Light" panose="020F0302020204030204" pitchFamily="34" charset="0"/>
+              </a:rPr>
+              <a:t>Direct Measurement TLV vs. Direct Measurement Test Packet</a:t>
+            </a:r>
+          </a:p>
+        </p:txBody>
+      </p:sp>
+      <p:sp>
+        <p:nvSpPr>
+          <p:cNvPr id="4" name="Footer Placeholder 3">
+            <a:extLst>
+              <a:ext uri="{FF2B5EF4-FFF2-40B4-BE49-F238E27FC236}">
+                <a16:creationId xmlns:a16="http://schemas.microsoft.com/office/drawing/2014/main" id="{CB8D67C0-89E5-374E-B41C-9DEF915C2EEC}"/>
+              </a:ext>
+            </a:extLst>
+          </p:cNvPr>
+          <p:cNvSpPr>
+            <a:spLocks noGrp="1"/>
+          </p:cNvSpPr>
+          <p:nvPr>
+            <p:ph type="ftr" sz="quarter" idx="11"/>
+          </p:nvPr>
+        </p:nvSpPr>
+        <p:spPr/>
+        <p:txBody>
+          <a:bodyPr/>
+          <a:lstStyle/>
+          <a:p>
+            <a:pPr>
+              <a:defRPr/>
+            </a:pPr>
+            <a:r>
+              <a:rPr lang="en-US" altLang="zh-CN"/>
+              <a:t>110</a:t>
+            </a:r>
+            <a:r>
+              <a:rPr lang="en-US" altLang="zh-CN" baseline="30000"/>
+              <a:t>th</a:t>
+            </a:r>
+            <a:r>
+              <a:rPr lang="en-US" altLang="zh-CN"/>
+              <a:t> IETF Online</a:t>
+            </a:r>
+            <a:endParaRPr lang="en-US" altLang="zh-CN" dirty="0"/>
+          </a:p>
+        </p:txBody>
+      </p:sp>
+      <p:sp>
+        <p:nvSpPr>
+          <p:cNvPr id="5" name="Slide Number Placeholder 4">
+            <a:extLst>
+              <a:ext uri="{FF2B5EF4-FFF2-40B4-BE49-F238E27FC236}">
+                <a16:creationId xmlns:a16="http://schemas.microsoft.com/office/drawing/2014/main" id="{133C7FE1-4960-BC41-A460-DC72E1AC9389}"/>
+              </a:ext>
+            </a:extLst>
+          </p:cNvPr>
+          <p:cNvSpPr>
+            <a:spLocks noGrp="1"/>
+          </p:cNvSpPr>
+          <p:nvPr>
+            <p:ph type="sldNum" sz="quarter" idx="12"/>
+          </p:nvPr>
+        </p:nvSpPr>
+        <p:spPr/>
+        <p:txBody>
+          <a:bodyPr/>
+          <a:lstStyle/>
+          <a:p>
+            <a:pPr>
+              <a:defRPr/>
+            </a:pPr>
+            <a:fld id="{BD6E0F59-1DD8-40FC-9C92-B6295CBA6CCA}" type="slidenum">
+              <a:rPr lang="en-US" altLang="zh-CN" smtClean="0"/>
+              <a:pPr>
+                <a:defRPr/>
+              </a:pPr>
+              <a:t>13</a:t>
+            </a:fld>
+            <a:endParaRPr lang="en-US" altLang="zh-CN"/>
+          </a:p>
+        </p:txBody>
+      </p:sp>
+      <p:sp>
+        <p:nvSpPr>
+          <p:cNvPr id="8" name="Content Placeholder 7">
+            <a:extLst>
+              <a:ext uri="{FF2B5EF4-FFF2-40B4-BE49-F238E27FC236}">
+                <a16:creationId xmlns:a16="http://schemas.microsoft.com/office/drawing/2014/main" id="{466A720A-6AD8-EC49-B5E6-EC81581B621A}"/>
+              </a:ext>
+            </a:extLst>
+          </p:cNvPr>
+          <p:cNvSpPr>
+            <a:spLocks noGrp="1"/>
+          </p:cNvSpPr>
+          <p:nvPr>
+            <p:ph idx="1"/>
+          </p:nvPr>
+        </p:nvSpPr>
+        <p:spPr>
+          <a:xfrm>
+            <a:off x="254725" y="874514"/>
+            <a:ext cx="4474029" cy="3394472"/>
+          </a:xfrm>
+          <a:ln>
+            <a:solidFill>
+              <a:schemeClr val="accent1"/>
+            </a:solidFill>
+          </a:ln>
+        </p:spPr>
+        <p:txBody>
+          <a:bodyPr/>
+          <a:lstStyle/>
+          <a:p>
+            <a:pPr marL="0" indent="0">
+              <a:buNone/>
+            </a:pPr>
+            <a:r>
+              <a:rPr lang="en-US" sz="1600" dirty="0"/>
+              <a:t>Direct Measurement TLV </a:t>
+            </a:r>
+          </a:p>
+          <a:p>
+            <a:r>
+              <a:rPr lang="en-US" sz="1600" dirty="0"/>
+              <a:t>Suitable for collecting data packet counters from control plane (distributed forwarding plane)</a:t>
+            </a:r>
+          </a:p>
+          <a:p>
+            <a:r>
+              <a:rPr lang="en-US" sz="1600" dirty="0"/>
+              <a:t>Direct Measurement TLV supports </a:t>
+            </a:r>
+            <a:r>
+              <a:rPr lang="en-US" sz="1600" b="1" dirty="0"/>
+              <a:t>32-bit packet</a:t>
+            </a:r>
+            <a:r>
+              <a:rPr lang="en-US" sz="1600" dirty="0"/>
+              <a:t> counters</a:t>
+            </a:r>
+          </a:p>
+        </p:txBody>
+      </p:sp>
+      <p:sp>
+        <p:nvSpPr>
+          <p:cNvPr id="9" name="Content Placeholder 7">
+            <a:extLst>
+              <a:ext uri="{FF2B5EF4-FFF2-40B4-BE49-F238E27FC236}">
+                <a16:creationId xmlns:a16="http://schemas.microsoft.com/office/drawing/2014/main" id="{FA87E178-4F83-6041-AC6A-C4AD6FF8ED38}"/>
+              </a:ext>
+            </a:extLst>
+          </p:cNvPr>
+          <p:cNvSpPr txBox="1">
+            <a:spLocks/>
+          </p:cNvSpPr>
+          <p:nvPr/>
+        </p:nvSpPr>
+        <p:spPr bwMode="auto">
+          <a:xfrm>
+            <a:off x="4724400" y="874514"/>
+            <a:ext cx="4223658" cy="3394472"/>
+          </a:xfrm>
+          <a:prstGeom prst="rect">
+            <a:avLst/>
+          </a:prstGeom>
+          <a:noFill/>
+          <a:ln w="9525">
+            <a:solidFill>
+              <a:schemeClr val="accent1"/>
+            </a:solidFill>
+            <a:miter lim="800000"/>
+            <a:headEnd/>
+            <a:tailEnd/>
+          </a:ln>
+        </p:spPr>
+        <p:txBody>
+          <a:bodyPr vert="horz" wrap="square" lIns="91440" tIns="45720" rIns="91440" bIns="45720" numCol="1" anchor="t" anchorCtr="0" compatLnSpc="1">
+            <a:prstTxWarp prst="textNoShape">
+              <a:avLst/>
+            </a:prstTxWarp>
+          </a:bodyPr>
+          <a:lstStyle>
+            <a:lvl1pPr marL="342900" indent="-342900" algn="l" rtl="0" eaLnBrk="0" fontAlgn="base" hangingPunct="0">
+              <a:spcBef>
+                <a:spcPct val="20000"/>
+              </a:spcBef>
+              <a:spcAft>
+                <a:spcPct val="0"/>
+              </a:spcAft>
+              <a:buChar char="•"/>
+              <a:defRPr sz="3200">
+                <a:solidFill>
+                  <a:schemeClr val="tx1"/>
+                </a:solidFill>
+                <a:latin typeface="Calibri" charset="0"/>
+                <a:ea typeface="Calibri" charset="0"/>
+                <a:cs typeface="Calibri" charset="0"/>
+              </a:defRPr>
+            </a:lvl1pPr>
+            <a:lvl2pPr marL="742950" indent="-285750" algn="l" rtl="0" eaLnBrk="0" fontAlgn="base" hangingPunct="0">
+              <a:spcBef>
+                <a:spcPct val="20000"/>
+              </a:spcBef>
+              <a:spcAft>
+                <a:spcPct val="0"/>
+              </a:spcAft>
+              <a:buChar char="–"/>
+              <a:defRPr sz="2800">
+                <a:solidFill>
+                  <a:schemeClr val="tx1"/>
+                </a:solidFill>
+                <a:latin typeface="Calibri" charset="0"/>
+                <a:ea typeface="Calibri" charset="0"/>
+                <a:cs typeface="Calibri" charset="0"/>
+              </a:defRPr>
+            </a:lvl2pPr>
+            <a:lvl3pPr marL="1143000" indent="-228600" algn="l" rtl="0" eaLnBrk="0" fontAlgn="base" hangingPunct="0">
+              <a:spcBef>
+                <a:spcPct val="20000"/>
+              </a:spcBef>
+              <a:spcAft>
+                <a:spcPct val="0"/>
+              </a:spcAft>
+              <a:buChar char="•"/>
+              <a:defRPr sz="2400">
+                <a:solidFill>
+                  <a:schemeClr val="tx1"/>
+                </a:solidFill>
+                <a:latin typeface="Calibri" charset="0"/>
+                <a:ea typeface="Calibri" charset="0"/>
+                <a:cs typeface="Calibri" charset="0"/>
+              </a:defRPr>
+            </a:lvl3pPr>
+            <a:lvl4pPr marL="1600200" indent="-228600" algn="l" rtl="0" eaLnBrk="0" fontAlgn="base" hangingPunct="0">
+              <a:spcBef>
+                <a:spcPct val="20000"/>
+              </a:spcBef>
+              <a:spcAft>
+                <a:spcPct val="0"/>
+              </a:spcAft>
+              <a:buChar char="–"/>
+              <a:defRPr sz="2000">
+                <a:solidFill>
+                  <a:schemeClr val="tx1"/>
+                </a:solidFill>
+                <a:latin typeface="Calibri" charset="0"/>
+                <a:ea typeface="Calibri" charset="0"/>
+                <a:cs typeface="Calibri" charset="0"/>
+              </a:defRPr>
+            </a:lvl4pPr>
+            <a:lvl5pPr marL="2057400" indent="-228600" algn="l" rtl="0" eaLnBrk="0" fontAlgn="base" hangingPunct="0">
+              <a:spcBef>
+                <a:spcPct val="20000"/>
+              </a:spcBef>
+              <a:spcAft>
+                <a:spcPct val="0"/>
+              </a:spcAft>
+              <a:buChar char="»"/>
+              <a:defRPr sz="2000">
+                <a:solidFill>
+                  <a:schemeClr val="tx1"/>
+                </a:solidFill>
+                <a:latin typeface="Calibri" charset="0"/>
+                <a:ea typeface="Calibri" charset="0"/>
+                <a:cs typeface="Calibri" charset="0"/>
+              </a:defRPr>
+            </a:lvl5pPr>
+            <a:lvl6pPr marL="2514600" indent="-228600" algn="l" rtl="0" fontAlgn="base">
+              <a:spcBef>
+                <a:spcPct val="20000"/>
+              </a:spcBef>
+              <a:spcAft>
+                <a:spcPct val="0"/>
+              </a:spcAft>
+              <a:buChar char="»"/>
+              <a:defRPr sz="2000">
+                <a:solidFill>
+                  <a:schemeClr val="tx1"/>
+                </a:solidFill>
+                <a:latin typeface="+mn-lt"/>
+                <a:ea typeface="+mn-ea"/>
+              </a:defRPr>
+            </a:lvl6pPr>
+            <a:lvl7pPr marL="2971800" indent="-228600" algn="l" rtl="0" fontAlgn="base">
+              <a:spcBef>
+                <a:spcPct val="20000"/>
+              </a:spcBef>
+              <a:spcAft>
+                <a:spcPct val="0"/>
+              </a:spcAft>
+              <a:buChar char="»"/>
+              <a:defRPr sz="2000">
+                <a:solidFill>
+                  <a:schemeClr val="tx1"/>
+                </a:solidFill>
+                <a:latin typeface="+mn-lt"/>
+                <a:ea typeface="+mn-ea"/>
+              </a:defRPr>
+            </a:lvl7pPr>
+            <a:lvl8pPr marL="3429000" indent="-228600" algn="l" rtl="0" fontAlgn="base">
+              <a:spcBef>
+                <a:spcPct val="20000"/>
+              </a:spcBef>
+              <a:spcAft>
+                <a:spcPct val="0"/>
+              </a:spcAft>
+              <a:buChar char="»"/>
+              <a:defRPr sz="2000">
+                <a:solidFill>
+                  <a:schemeClr val="tx1"/>
+                </a:solidFill>
+                <a:latin typeface="+mn-lt"/>
+                <a:ea typeface="+mn-ea"/>
+              </a:defRPr>
+            </a:lvl8pPr>
+            <a:lvl9pPr marL="3886200" indent="-228600" algn="l" rtl="0" fontAlgn="base">
+              <a:spcBef>
+                <a:spcPct val="20000"/>
+              </a:spcBef>
+              <a:spcAft>
+                <a:spcPct val="0"/>
+              </a:spcAft>
+              <a:buChar char="»"/>
+              <a:defRPr sz="2000">
+                <a:solidFill>
+                  <a:schemeClr val="tx1"/>
+                </a:solidFill>
+                <a:latin typeface="+mn-lt"/>
+                <a:ea typeface="+mn-ea"/>
+              </a:defRPr>
+            </a:lvl9pPr>
+          </a:lstStyle>
+          <a:p>
+            <a:pPr marL="0" indent="0">
+              <a:buNone/>
+            </a:pPr>
+            <a:r>
+              <a:rPr lang="en-US" sz="1600" kern="0" dirty="0"/>
+              <a:t>Direct Measurement Test Packet</a:t>
+            </a:r>
+          </a:p>
+          <a:p>
+            <a:r>
+              <a:rPr lang="en-US" sz="1600" kern="0" dirty="0"/>
+              <a:t>Suitable for collecting data packet counters from hardware – inline counter-stamping</a:t>
+            </a:r>
+          </a:p>
+          <a:p>
+            <a:r>
+              <a:rPr lang="en-US" sz="1600" kern="0" dirty="0"/>
+              <a:t>Direct Measurement Test Packet supports </a:t>
+            </a:r>
+            <a:r>
+              <a:rPr lang="en-US" sz="1600" b="1" kern="0" dirty="0"/>
+              <a:t>64-bit</a:t>
+            </a:r>
+            <a:r>
+              <a:rPr lang="en-US" sz="1600" kern="0" dirty="0"/>
+              <a:t> </a:t>
+            </a:r>
+            <a:r>
+              <a:rPr lang="en-US" sz="1600" b="1" kern="0" dirty="0"/>
+              <a:t>packet and byte </a:t>
+            </a:r>
+            <a:r>
+              <a:rPr lang="en-US" sz="1600" kern="0" dirty="0"/>
+              <a:t>counters</a:t>
+            </a:r>
+          </a:p>
+          <a:p>
+            <a:r>
+              <a:rPr lang="en-US" sz="1600" kern="0" dirty="0"/>
+              <a:t>Direct Measurement Test Packet identifies the block number of the counters – needed for alternate marking method (RFC 8321)</a:t>
+            </a:r>
+          </a:p>
+        </p:txBody>
+      </p:sp>
+    </p:spTree>
+    <p:extLst>
+      <p:ext uri="{BB962C8B-B14F-4D97-AF65-F5344CB8AC3E}">
+        <p14:creationId xmlns:p14="http://schemas.microsoft.com/office/powerpoint/2010/main" val="671161285"/>
+      </p:ext>
+    </p:extLst>
+  </p:cSld>
+  <p:clrMapOvr>
+    <a:masterClrMapping/>
+  </p:clrMapOvr>
+</p:sld>
+</file>
+
+<file path=ppt/slides/slide14.xml><?xml version="1.0" encoding="utf-8"?>
+<p:sld xmlns:a="http://schemas.openxmlformats.org/drawingml/2006/main" xmlns:r="http://schemas.openxmlformats.org/officeDocument/2006/relationships" xmlns:p="http://schemas.openxmlformats.org/presentationml/2006/main">
+  <p:cSld>
+    <p:spTree>
+      <p:nvGrpSpPr>
+        <p:cNvPr id="1" name=""/>
+        <p:cNvGrpSpPr/>
+        <p:nvPr/>
+      </p:nvGrpSpPr>
+      <p:grpSpPr>
+        <a:xfrm>
+          <a:off x="0" y="0"/>
+          <a:ext cx="0" cy="0"/>
+          <a:chOff x="0" y="0"/>
+          <a:chExt cx="0" cy="0"/>
+        </a:xfrm>
+      </p:grpSpPr>
+      <p:sp>
+        <p:nvSpPr>
           <p:cNvPr id="2" name="Title 1"/>
           <p:cNvSpPr>
             <a:spLocks noGrp="1"/>
@@ -10977,7 +11410,7 @@
               <a:pPr>
                 <a:defRPr/>
               </a:pPr>
-              <a:t>13</a:t>
+              <a:t>14</a:t>
             </a:fld>
             <a:endParaRPr lang="en-US" altLang="zh-CN" dirty="0"/>
           </a:p>
@@ -10996,7 +11429,7 @@
 </p:sld>
 </file>
 
-<file path=ppt/slides/slide14.xml><?xml version="1.0" encoding="utf-8"?>
+<file path=ppt/slides/slide15.xml><?xml version="1.0" encoding="utf-8"?>
 <p:sld xmlns:a="http://schemas.openxmlformats.org/drawingml/2006/main" xmlns:r="http://schemas.openxmlformats.org/officeDocument/2006/relationships" xmlns:p="http://schemas.openxmlformats.org/presentationml/2006/main">
   <p:cSld>
     <p:spTree>
@@ -11260,7 +11693,7 @@
               <a:pPr>
                 <a:defRPr/>
               </a:pPr>
-              <a:t>14</a:t>
+              <a:t>15</a:t>
             </a:fld>
             <a:endParaRPr lang="en-US" altLang="zh-CN" dirty="0"/>
           </a:p>
@@ -11279,7 +11712,7 @@
 </p:sld>
 </file>
 
-<file path=ppt/slides/slide15.xml><?xml version="1.0" encoding="utf-8"?>
+<file path=ppt/slides/slide16.xml><?xml version="1.0" encoding="utf-8"?>
 <p:sld xmlns:a="http://schemas.openxmlformats.org/drawingml/2006/main" xmlns:r="http://schemas.openxmlformats.org/officeDocument/2006/relationships" xmlns:p="http://schemas.openxmlformats.org/presentationml/2006/main">
   <p:cSld>
     <p:spTree>
@@ -11325,7 +11758,7 @@
                 <a:latin typeface="Calibri Light" panose="020F0302020204030204" pitchFamily="34" charset="0"/>
                 <a:cs typeface="Calibri Light" panose="020F0302020204030204" pitchFamily="34" charset="0"/>
               </a:rPr>
-              <a:t>STAMP DM Message with Direct Measurement TLV</a:t>
+              <a:t>STAMP Test Packet with Direct Measurement TLV</a:t>
             </a:r>
           </a:p>
         </p:txBody>
@@ -11948,7 +12381,7 @@
                 <a:ea typeface="Courier" charset="0"/>
                 <a:cs typeface="Courier" charset="0"/>
               </a:rPr>
-              <a:t>	    Figure: Sender Message Format</a:t>
+              <a:t>	    Figure: Session-Sender Message Format</a:t>
             </a:r>
           </a:p>
         </p:txBody>
@@ -12590,7 +13023,7 @@
                 <a:ea typeface="Courier" charset="0"/>
                 <a:cs typeface="Courier" charset="0"/>
               </a:rPr>
-              <a:t>	    Figure: Reflector Message Format</a:t>
+              <a:t>	   Figure: Session-Reflector Message Format</a:t>
             </a:r>
           </a:p>
         </p:txBody>
@@ -12923,7 +13356,7 @@
               <a:pPr algn="r">
                 <a:defRPr/>
               </a:pPr>
-              <a:t>15</a:t>
+              <a:t>16</a:t>
             </a:fld>
             <a:endParaRPr lang="en-US" altLang="zh-CN" sz="1400" dirty="0">
               <a:latin typeface="Calibri" panose="020F0502020204030204" pitchFamily="34" charset="0"/>
@@ -13252,7 +13685,7 @@
             </a:pPr>
             <a:r>
               <a:rPr lang="en-US" sz="1600" dirty="0"/>
-              <a:t>Support stand-alone direct-mode Loss Measurement</a:t>
+              <a:t>Support stand-alone Direct Measurement for Packet Loss</a:t>
             </a:r>
           </a:p>
           <a:p>
@@ -13602,7 +14035,7 @@
             </a:pPr>
             <a:r>
               <a:rPr lang="en-US" sz="1600" dirty="0"/>
-              <a:t>Indicate new packet loss message is for direct-mode loss </a:t>
+              <a:t>Indicate new packet loss message is for direct measurement</a:t>
             </a:r>
           </a:p>
           <a:p>
@@ -16184,7 +16617,7 @@
                 <a:latin typeface="Courier" pitchFamily="2" charset="0"/>
                 <a:cs typeface="Courier New" panose="02070309020205020404" pitchFamily="49" charset="0"/>
               </a:rPr>
-              <a:t>                   Figure: Node Address TLV Format </a:t>
+              <a:t>                  Figure: Node Address TLV Format </a:t>
             </a:r>
             <a:endParaRPr lang="en-US" sz="900" dirty="0">
               <a:latin typeface="Courier" pitchFamily="2" charset="0"/>

--- a/draft-gandhi-ippm-stamp-srpm-01.pptx
+++ b/draft-gandhi-ippm-stamp-srpm-01.pptx
@@ -2515,14 +2515,14 @@
           </a:ln>
           <a:extLst>
             <a:ext uri="{909E8E84-426E-40dd-AFC4-6F175D3DCCD1}">
-              <a14:hiddenFill xmlns="" xmlns:a14="http://schemas.microsoft.com/office/drawing/2010/main">
+              <a14:hiddenFill xmlns:a14="http://schemas.microsoft.com/office/drawing/2010/main" xmlns="">
                 <a:solidFill>
                   <a:srgbClr val="FFFFFF"/>
                 </a:solidFill>
               </a14:hiddenFill>
             </a:ext>
             <a:ext uri="{91240B29-F687-4f45-9708-019B960494DF}">
-              <a14:hiddenLine xmlns="" xmlns:a14="http://schemas.microsoft.com/office/drawing/2010/main" w="9525">
+              <a14:hiddenLine xmlns:a14="http://schemas.microsoft.com/office/drawing/2010/main" xmlns="" w="9525">
                 <a:solidFill>
                   <a:srgbClr val="000000"/>
                 </a:solidFill>
@@ -2775,7 +2775,7 @@
               </a14:hiddenLine>
             </a:ext>
             <a:ext uri="{FAA26D3D-D897-4be2-8F04-BA451C77F1D7}">
-              <ma14:placeholderFlag xmlns="" xmlns:ma14="http://schemas.microsoft.com/office/mac/drawingml/2011/main" val="1"/>
+              <ma14:placeholderFlag xmlns:ma14="http://schemas.microsoft.com/office/mac/drawingml/2011/main" xmlns="" val="1"/>
             </a:ext>
           </a:extLst>
         </p:spPr>
@@ -8895,14 +8895,14 @@
               </a14:hiddenLine>
             </a:ext>
             <a:ext uri="{909E8E84-426E-40dd-AFC4-6F175D3DCCD1}">
-              <a14:hiddenFill xmlns="" xmlns:a14="http://schemas.microsoft.com/office/drawing/2010/main">
+              <a14:hiddenFill xmlns:a14="http://schemas.microsoft.com/office/drawing/2010/main" xmlns="">
                 <a:solidFill>
                   <a:srgbClr val="FFFFFF"/>
                 </a:solidFill>
               </a14:hiddenFill>
             </a:ext>
             <a:ext uri="{91240B29-F687-4f45-9708-019B960494DF}">
-              <a14:hiddenLine xmlns="" xmlns:a14="http://schemas.microsoft.com/office/drawing/2010/main" w="9525">
+              <a14:hiddenLine xmlns:a14="http://schemas.microsoft.com/office/drawing/2010/main" xmlns="" w="9525">
                 <a:solidFill>
                   <a:srgbClr val="000000"/>
                 </a:solidFill>
@@ -10978,28 +10978,34 @@
               <a:buNone/>
             </a:pPr>
             <a:r>
-              <a:rPr lang="en-US" sz="1600" dirty="0"/>
+              <a:rPr lang="en-US" sz="1400" dirty="0"/>
               <a:t>Direct Measurement TLV </a:t>
             </a:r>
           </a:p>
           <a:p>
             <a:r>
-              <a:rPr lang="en-US" sz="1600" dirty="0"/>
+              <a:rPr lang="en-US" sz="1400" dirty="0"/>
               <a:t>Suitable for collecting data packet counters from control plane (distributed forwarding plane)</a:t>
             </a:r>
           </a:p>
           <a:p>
             <a:r>
-              <a:rPr lang="en-US" sz="1600" dirty="0"/>
+              <a:rPr lang="en-US" sz="1400" dirty="0"/>
               <a:t>Direct Measurement TLV supports </a:t>
             </a:r>
             <a:r>
-              <a:rPr lang="en-US" sz="1600" b="1" dirty="0"/>
+              <a:rPr lang="en-US" sz="1400" b="1" dirty="0"/>
               <a:t>32-bit packet</a:t>
             </a:r>
             <a:r>
-              <a:rPr lang="en-US" sz="1600" dirty="0"/>
+              <a:rPr lang="en-US" sz="1400" dirty="0"/>
               <a:t> counters</a:t>
+            </a:r>
+          </a:p>
+          <a:p>
+            <a:r>
+              <a:rPr lang="en-US" sz="1400" dirty="0"/>
+              <a:t>Does not support per-traffic class direct measurement</a:t>
             </a:r>
           </a:p>
         </p:txBody>
@@ -11198,42 +11204,48 @@
               <a:buNone/>
             </a:pPr>
             <a:r>
-              <a:rPr lang="en-US" sz="1600" kern="0" dirty="0"/>
+              <a:rPr lang="en-US" sz="1400" kern="0" dirty="0"/>
               <a:t>Direct Measurement Test Packet</a:t>
             </a:r>
           </a:p>
           <a:p>
             <a:r>
-              <a:rPr lang="en-US" sz="1600" kern="0" dirty="0"/>
+              <a:rPr lang="en-US" sz="1400" kern="0" dirty="0"/>
               <a:t>Suitable for collecting data packet counters from hardware – inline counter-stamping</a:t>
             </a:r>
           </a:p>
           <a:p>
             <a:r>
-              <a:rPr lang="en-US" sz="1600" kern="0" dirty="0"/>
+              <a:rPr lang="en-US" sz="1400" kern="0" dirty="0"/>
               <a:t>Direct Measurement Test Packet supports </a:t>
             </a:r>
             <a:r>
-              <a:rPr lang="en-US" sz="1600" b="1" kern="0" dirty="0"/>
+              <a:rPr lang="en-US" sz="1400" b="1" kern="0" dirty="0"/>
               <a:t>64-bit</a:t>
             </a:r>
             <a:r>
-              <a:rPr lang="en-US" sz="1600" kern="0" dirty="0"/>
+              <a:rPr lang="en-US" sz="1400" kern="0" dirty="0"/>
               <a:t> </a:t>
             </a:r>
             <a:r>
-              <a:rPr lang="en-US" sz="1600" b="1" kern="0" dirty="0"/>
-              <a:t>packet and byte </a:t>
-            </a:r>
-            <a:r>
-              <a:rPr lang="en-US" sz="1600" kern="0" dirty="0"/>
+              <a:rPr lang="en-US" sz="1400" b="1" kern="0" dirty="0"/>
+              <a:t>packet and 64-bit byte </a:t>
+            </a:r>
+            <a:r>
+              <a:rPr lang="en-US" sz="1400" kern="0" dirty="0"/>
               <a:t>counters</a:t>
             </a:r>
           </a:p>
           <a:p>
             <a:r>
-              <a:rPr lang="en-US" sz="1600" kern="0" dirty="0"/>
+              <a:rPr lang="en-US" sz="1400" kern="0" dirty="0"/>
               <a:t>Direct Measurement Test Packet identifies the block number of the counters – needed for alternate marking method (RFC 8321)</a:t>
+            </a:r>
+          </a:p>
+          <a:p>
+            <a:r>
+              <a:rPr lang="en-US" sz="1400" kern="0" dirty="0"/>
+              <a:t>Plan to add: per traffic-class counter collection (per traffic-class loss measurement) (Ok to drop best effort traffic)</a:t>
             </a:r>
           </a:p>
         </p:txBody>

--- a/draft-gandhi-ippm-stamp-srpm-01.pptx
+++ b/draft-gandhi-ippm-stamp-srpm-01.pptx
@@ -2515,14 +2515,14 @@
           </a:ln>
           <a:extLst>
             <a:ext uri="{909E8E84-426E-40dd-AFC4-6F175D3DCCD1}">
-              <a14:hiddenFill xmlns:a14="http://schemas.microsoft.com/office/drawing/2010/main" xmlns="">
+              <a14:hiddenFill xmlns="" xmlns:a14="http://schemas.microsoft.com/office/drawing/2010/main">
                 <a:solidFill>
                   <a:srgbClr val="FFFFFF"/>
                 </a:solidFill>
               </a14:hiddenFill>
             </a:ext>
             <a:ext uri="{91240B29-F687-4f45-9708-019B960494DF}">
-              <a14:hiddenLine xmlns:a14="http://schemas.microsoft.com/office/drawing/2010/main" xmlns="" w="9525">
+              <a14:hiddenLine xmlns="" xmlns:a14="http://schemas.microsoft.com/office/drawing/2010/main" w="9525">
                 <a:solidFill>
                   <a:srgbClr val="000000"/>
                 </a:solidFill>
@@ -2775,7 +2775,7 @@
               </a14:hiddenLine>
             </a:ext>
             <a:ext uri="{FAA26D3D-D897-4be2-8F04-BA451C77F1D7}">
-              <ma14:placeholderFlag xmlns:ma14="http://schemas.microsoft.com/office/mac/drawingml/2011/main" xmlns="" val="1"/>
+              <ma14:placeholderFlag xmlns="" xmlns:ma14="http://schemas.microsoft.com/office/mac/drawingml/2011/main" val="1"/>
             </a:ext>
           </a:extLst>
         </p:spPr>
@@ -8698,14 +8698,14 @@
           <a:p>
             <a:r>
               <a:rPr lang="en-US" sz="1200" dirty="0"/>
-              <a:t>Separate UDP port + LM message format eliminate the complexity in Hardware</a:t>
+              <a:t>Separate UDP port + direct measurement packet format eliminate the complexity in Hardware</a:t>
             </a:r>
           </a:p>
           <a:p>
             <a:pPr lvl="1"/>
             <a:r>
               <a:rPr lang="en-US" sz="1200" dirty="0"/>
-              <a:t>Counter at fixed location (Eth 18, IPv6 40, UDP 8, Seq 4, Total = 70 Byte)</a:t>
+              <a:t>Counter at fixed location (Eth 18, IPv6 40, UDP 8, Seq 4, Total = 70 Byte), not deeper in the packet</a:t>
             </a:r>
           </a:p>
           <a:p>
@@ -8895,14 +8895,14 @@
               </a14:hiddenLine>
             </a:ext>
             <a:ext uri="{909E8E84-426E-40dd-AFC4-6F175D3DCCD1}">
-              <a14:hiddenFill xmlns:a14="http://schemas.microsoft.com/office/drawing/2010/main" xmlns="">
+              <a14:hiddenFill xmlns="" xmlns:a14="http://schemas.microsoft.com/office/drawing/2010/main">
                 <a:solidFill>
                   <a:srgbClr val="FFFFFF"/>
                 </a:solidFill>
               </a14:hiddenFill>
             </a:ext>
             <a:ext uri="{91240B29-F687-4f45-9708-019B960494DF}">
-              <a14:hiddenLine xmlns:a14="http://schemas.microsoft.com/office/drawing/2010/main" xmlns="" w="9525">
+              <a14:hiddenLine xmlns="" xmlns:a14="http://schemas.microsoft.com/office/drawing/2010/main" w="9525">
                 <a:solidFill>
                   <a:srgbClr val="000000"/>
                 </a:solidFill>
@@ -12393,7 +12393,7 @@
                 <a:ea typeface="Courier" charset="0"/>
                 <a:cs typeface="Courier" charset="0"/>
               </a:rPr>
-              <a:t>	    Figure: Session-Sender Message Format</a:t>
+              <a:t>	 Figure: Session-Sender Test Packet Format</a:t>
             </a:r>
           </a:p>
         </p:txBody>
@@ -13035,7 +13035,7 @@
                 <a:ea typeface="Courier" charset="0"/>
                 <a:cs typeface="Courier" charset="0"/>
               </a:rPr>
-              <a:t>	   Figure: Session-Reflector Message Format</a:t>
+              <a:t>	Figure: Session-Reflector Test Packet Format</a:t>
             </a:r>
           </a:p>
         </p:txBody>
@@ -13987,7 +13987,7 @@
             <a:pPr marL="1200150" lvl="2" indent="-342900"/>
             <a:r>
               <a:rPr lang="en-US" sz="1600" dirty="0"/>
-              <a:t>Updates RFC 8762 due to new field (control code) in the message</a:t>
+              <a:t>Updates RFC 8762 due to new field (control code) in the test packet</a:t>
             </a:r>
           </a:p>
           <a:p>
@@ -14047,7 +14047,7 @@
             </a:pPr>
             <a:r>
               <a:rPr lang="en-US" sz="1600" dirty="0"/>
-              <a:t>Indicate new packet loss message is for direct measurement</a:t>
+              <a:t>Indicate new packet loss packet is for direct measurement</a:t>
             </a:r>
           </a:p>
           <a:p>
@@ -14057,7 +14057,7 @@
             </a:pPr>
             <a:r>
               <a:rPr lang="en-US" sz="1600" dirty="0"/>
-              <a:t>Move Receive Counter and other Reply message fields to Section 4.1 from 3.2</a:t>
+              <a:t>Move Receive Counter and other Reply test packet fields to Section 4.1 from 3.2</a:t>
             </a:r>
           </a:p>
           <a:p>
@@ -16653,7 +16653,7 @@
         <p:spPr>
           <a:xfrm>
             <a:off x="299357" y="1149180"/>
-            <a:ext cx="3924300" cy="3041538"/>
+            <a:ext cx="3924300" cy="2772234"/>
           </a:xfrm>
           <a:prstGeom prst="rect">
             <a:avLst/>
@@ -16726,7 +16726,7 @@
                 <a:ea typeface="Calibri" panose="020F0502020204030204" pitchFamily="34" charset="0"/>
                 <a:cs typeface="Consolas" panose="020B0609020204030204" pitchFamily="49" charset="0"/>
               </a:rPr>
-              <a:t>Indicates the address of the intended recipient node of the test packet message.  </a:t>
+              <a:t>Indicates the address of the intended recipient node of the test packet.  </a:t>
             </a:r>
           </a:p>
           <a:p>

--- a/draft-gandhi-ippm-stamp-srpm-01.pptx
+++ b/draft-gandhi-ippm-stamp-srpm-01.pptx
@@ -259,7 +259,7 @@
           <a:p>
             <a:fld id="{E8FA3DB5-7722-3F4F-947D-12B203669AD7}" type="datetimeFigureOut">
               <a:rPr lang="en-US" smtClean="0"/>
-              <a:t>1/15/21</a:t>
+              <a:t>1/16/21</a:t>
             </a:fld>
             <a:endParaRPr lang="en-US"/>
           </a:p>
@@ -2515,14 +2515,14 @@
           </a:ln>
           <a:extLst>
             <a:ext uri="{909E8E84-426E-40dd-AFC4-6F175D3DCCD1}">
-              <a14:hiddenFill xmlns="" xmlns:a14="http://schemas.microsoft.com/office/drawing/2010/main">
+              <a14:hiddenFill xmlns:a14="http://schemas.microsoft.com/office/drawing/2010/main" xmlns="">
                 <a:solidFill>
                   <a:srgbClr val="FFFFFF"/>
                 </a:solidFill>
               </a14:hiddenFill>
             </a:ext>
             <a:ext uri="{91240B29-F687-4f45-9708-019B960494DF}">
-              <a14:hiddenLine xmlns="" xmlns:a14="http://schemas.microsoft.com/office/drawing/2010/main" w="9525">
+              <a14:hiddenLine xmlns:a14="http://schemas.microsoft.com/office/drawing/2010/main" xmlns="" w="9525">
                 <a:solidFill>
                   <a:srgbClr val="000000"/>
                 </a:solidFill>
@@ -2775,7 +2775,7 @@
               </a14:hiddenLine>
             </a:ext>
             <a:ext uri="{FAA26D3D-D897-4be2-8F04-BA451C77F1D7}">
-              <ma14:placeholderFlag xmlns="" xmlns:ma14="http://schemas.microsoft.com/office/mac/drawingml/2011/main" val="1"/>
+              <ma14:placeholderFlag xmlns:ma14="http://schemas.microsoft.com/office/mac/drawingml/2011/main" xmlns="" val="1"/>
             </a:ext>
           </a:extLst>
         </p:spPr>
@@ -5803,7 +5803,7 @@
         </p:nvSpPr>
         <p:spPr>
           <a:xfrm>
-            <a:off x="202924" y="168380"/>
+            <a:off x="146982" y="121188"/>
             <a:ext cx="4432852" cy="845539"/>
           </a:xfrm>
         </p:spPr>
@@ -5870,8 +5870,8 @@
         </p:nvSpPr>
         <p:spPr bwMode="auto">
           <a:xfrm>
-            <a:off x="139148" y="1200150"/>
-            <a:ext cx="4432852" cy="3124200"/>
+            <a:off x="139148" y="1012630"/>
+            <a:ext cx="4560404" cy="3774971"/>
           </a:xfrm>
           <a:prstGeom prst="rect">
             <a:avLst/>
@@ -6091,6 +6091,27 @@
               <a:t>Does not modify existing STAMP procedure as different destination UDP port is used for direct measurement test packets</a:t>
             </a:r>
           </a:p>
+          <a:p>
+            <a:endParaRPr lang="en-US" sz="1400" kern="0" dirty="0"/>
+          </a:p>
+          <a:p>
+            <a:r>
+              <a:rPr lang="en-US" sz="1400" kern="0" dirty="0"/>
+              <a:t>X set to 1 for 64-Bit Counter, set to 0 for 32-Bit Counter</a:t>
+            </a:r>
+          </a:p>
+          <a:p>
+            <a:r>
+              <a:rPr lang="en-US" sz="1400" kern="0" dirty="0"/>
+              <a:t>B set to 1 for Byte Counter, set to 0 for Packet Counter</a:t>
+            </a:r>
+          </a:p>
+          <a:p>
+            <a:r>
+              <a:rPr lang="en-US" sz="1400" kern="0" dirty="0"/>
+              <a:t>T set to 1 for Sender-DSCP scoped Counter</a:t>
+            </a:r>
+          </a:p>
         </p:txBody>
       </p:sp>
       <p:sp>
@@ -6103,7 +6124,12 @@
             <p:ph type="sldNum" sz="quarter" idx="12"/>
           </p:nvPr>
         </p:nvSpPr>
-        <p:spPr/>
+        <p:spPr>
+          <a:xfrm>
+            <a:off x="6541604" y="4740299"/>
+            <a:ext cx="2133600" cy="357188"/>
+          </a:xfrm>
+        </p:spPr>
         <p:txBody>
           <a:bodyPr/>
           <a:lstStyle/>
@@ -6138,8 +6164,8 @@
         </p:nvSpPr>
         <p:spPr bwMode="auto">
           <a:xfrm>
-            <a:off x="4699552" y="185205"/>
-            <a:ext cx="4241524" cy="4508927"/>
+            <a:off x="4699552" y="262150"/>
+            <a:ext cx="4241524" cy="4355038"/>
           </a:xfrm>
           <a:prstGeom prst="rect">
             <a:avLst/>
@@ -7369,18 +7395,31 @@
                 <a:ea typeface="Times New Roman" panose="02020603050405020304" pitchFamily="18" charset="0"/>
                 <a:cs typeface="Courier New" panose="02070309020205020404" pitchFamily="49" charset="0"/>
               </a:rPr>
-              <a:t>|                        Sequence Number                        |</a:t>
-            </a:r>
-            <a:endParaRPr kumimoji="0" lang="en-US" altLang="en-US" sz="600" u="none" strike="noStrike" cap="none" normalizeH="0" baseline="0" dirty="0">
-              <a:ln>
-                <a:noFill/>
-              </a:ln>
-              <a:solidFill>
-                <a:schemeClr val="tx1"/>
-              </a:solidFill>
-              <a:effectLst/>
-              <a:latin typeface="Courier" pitchFamily="2" charset="0"/>
-            </a:endParaRPr>
+              <a:t>|                        Sequence Number  </a:t>
+            </a:r>
+            <a:r>
+              <a:rPr lang="en-US" altLang="en-US" sz="800" dirty="0">
+                <a:latin typeface="Courier" pitchFamily="2" charset="0"/>
+                <a:ea typeface="Times New Roman" panose="02020603050405020304" pitchFamily="18" charset="0"/>
+                <a:cs typeface="Courier New" panose="02070309020205020404" pitchFamily="49" charset="0"/>
+              </a:rPr>
+              <a:t>  </a:t>
+            </a:r>
+            <a:r>
+              <a:rPr kumimoji="0" lang="en-US" altLang="en-US" sz="800" u="none" strike="noStrike" cap="none" normalizeH="0" baseline="0" dirty="0">
+                <a:ln>
+                  <a:noFill/>
+                </a:ln>
+                <a:solidFill>
+                  <a:schemeClr val="tx1"/>
+                </a:solidFill>
+                <a:effectLst/>
+                <a:latin typeface="Courier" pitchFamily="2" charset="0"/>
+                <a:ea typeface="Times New Roman" panose="02020603050405020304" pitchFamily="18" charset="0"/>
+                <a:cs typeface="Courier New" panose="02070309020205020404" pitchFamily="49" charset="0"/>
+              </a:rPr>
+              <a:t>                    |</a:t>
+            </a:r>
           </a:p>
           <a:p>
             <a:pPr marL="0" marR="0" lvl="0" indent="0" algn="l" defTabSz="914400" rtl="0" eaLnBrk="0" fontAlgn="base" latinLnBrk="0" hangingPunct="0">
@@ -7669,7 +7708,7 @@
                 <a:ea typeface="Times New Roman" panose="02020603050405020304" pitchFamily="18" charset="0"/>
                 <a:cs typeface="Courier New" panose="02070309020205020404" pitchFamily="49" charset="0"/>
               </a:rPr>
-              <a:t>|X|B| Reserved  | Block Number  | SSID                          |</a:t>
+              <a:t>|X|B|T| Reserved| Block Number  | SSID                          |</a:t>
             </a:r>
             <a:endParaRPr kumimoji="0" lang="en-US" altLang="en-US" sz="600" u="none" strike="noStrike" cap="none" normalizeH="0" baseline="0" dirty="0">
               <a:ln>
@@ -8199,7 +8238,39 @@
                 <a:latin typeface="Courier" pitchFamily="2" charset="0"/>
                 <a:ea typeface="Times New Roman" panose="02020603050405020304" pitchFamily="18" charset="0"/>
               </a:rPr>
-              <a:t>|X|B| Reserved  |Sender Block Nu|  MBZ                          |</a:t>
+              <a:t>|X|B|T| </a:t>
+            </a:r>
+            <a:r>
+              <a:rPr kumimoji="0" lang="en-US" altLang="en-US" sz="800" u="none" strike="noStrike" cap="none" normalizeH="0" baseline="0" dirty="0" err="1">
+                <a:ln>
+                  <a:noFill/>
+                </a:ln>
+                <a:solidFill>
+                  <a:schemeClr val="bg2">
+                    <a:lumMod val="50000"/>
+                  </a:schemeClr>
+                </a:solidFill>
+                <a:effectLst/>
+                <a:latin typeface="Courier" pitchFamily="2" charset="0"/>
+                <a:ea typeface="Times New Roman" panose="02020603050405020304" pitchFamily="18" charset="0"/>
+              </a:rPr>
+              <a:t>Reserved|Sender</a:t>
+            </a:r>
+            <a:r>
+              <a:rPr kumimoji="0" lang="en-US" altLang="en-US" sz="800" u="none" strike="noStrike" cap="none" normalizeH="0" baseline="0" dirty="0">
+                <a:ln>
+                  <a:noFill/>
+                </a:ln>
+                <a:solidFill>
+                  <a:schemeClr val="bg2">
+                    <a:lumMod val="50000"/>
+                  </a:schemeClr>
+                </a:solidFill>
+                <a:effectLst/>
+                <a:latin typeface="Courier" pitchFamily="2" charset="0"/>
+                <a:ea typeface="Times New Roman" panose="02020603050405020304" pitchFamily="18" charset="0"/>
+              </a:rPr>
+              <a:t> Block Nu|  MBZ                          |</a:t>
             </a:r>
           </a:p>
           <a:p>
@@ -8301,7 +8372,83 @@
                 <a:latin typeface="Courier" pitchFamily="2" charset="0"/>
                 <a:ea typeface="Times New Roman" panose="02020603050405020304" pitchFamily="18" charset="0"/>
               </a:rPr>
-              <a:t>|  session-sender TTL   |      MBZ                              |</a:t>
+              <a:t>| </a:t>
+            </a:r>
+            <a:r>
+              <a:rPr lang="en-US" altLang="en-US" sz="800" dirty="0" err="1">
+                <a:solidFill>
+                  <a:schemeClr val="bg2">
+                    <a:lumMod val="50000"/>
+                  </a:schemeClr>
+                </a:solidFill>
+                <a:latin typeface="Courier" pitchFamily="2" charset="0"/>
+                <a:ea typeface="Times New Roman" panose="02020603050405020304" pitchFamily="18" charset="0"/>
+              </a:rPr>
+              <a:t>S</a:t>
+            </a:r>
+            <a:r>
+              <a:rPr kumimoji="0" lang="en-US" altLang="en-US" sz="800" u="none" strike="noStrike" cap="none" normalizeH="0" baseline="0" dirty="0" err="1">
+                <a:ln>
+                  <a:noFill/>
+                </a:ln>
+                <a:solidFill>
+                  <a:schemeClr val="bg2">
+                    <a:lumMod val="50000"/>
+                  </a:schemeClr>
+                </a:solidFill>
+                <a:effectLst/>
+                <a:latin typeface="Courier" pitchFamily="2" charset="0"/>
+                <a:ea typeface="Times New Roman" panose="02020603050405020304" pitchFamily="18" charset="0"/>
+              </a:rPr>
+              <a:t>es</a:t>
+            </a:r>
+            <a:r>
+              <a:rPr kumimoji="0" lang="en-US" altLang="en-US" sz="800" u="none" strike="noStrike" cap="none" normalizeH="0" baseline="0" dirty="0">
+                <a:ln>
+                  <a:noFill/>
+                </a:ln>
+                <a:solidFill>
+                  <a:schemeClr val="bg2">
+                    <a:lumMod val="50000"/>
+                  </a:schemeClr>
+                </a:solidFill>
+                <a:effectLst/>
+                <a:latin typeface="Courier" pitchFamily="2" charset="0"/>
+                <a:ea typeface="Times New Roman" panose="02020603050405020304" pitchFamily="18" charset="0"/>
+              </a:rPr>
+              <a:t>-Sender </a:t>
+            </a:r>
+            <a:r>
+              <a:rPr kumimoji="0" lang="en-US" altLang="en-US" sz="800" u="none" strike="noStrike" cap="none" normalizeH="0" baseline="0" dirty="0" err="1">
+                <a:ln>
+                  <a:noFill/>
+                </a:ln>
+                <a:solidFill>
+                  <a:schemeClr val="bg2">
+                    <a:lumMod val="50000"/>
+                  </a:schemeClr>
+                </a:solidFill>
+                <a:effectLst/>
+                <a:latin typeface="Courier" pitchFamily="2" charset="0"/>
+                <a:ea typeface="Times New Roman" panose="02020603050405020304" pitchFamily="18" charset="0"/>
+              </a:rPr>
+              <a:t>TTL|Sender-DSCP</a:t>
+            </a:r>
+            <a:r>
+              <a:rPr kumimoji="0" lang="en-US" altLang="en-US" sz="800" u="none" strike="noStrike" cap="none" normalizeH="0" baseline="0" dirty="0">
+                <a:ln>
+                  <a:noFill/>
+                </a:ln>
+                <a:solidFill>
+                  <a:schemeClr val="bg2">
+                    <a:lumMod val="50000"/>
+                  </a:schemeClr>
+                </a:solidFill>
+                <a:effectLst/>
+                <a:latin typeface="Courier" pitchFamily="2" charset="0"/>
+                <a:ea typeface="Times New Roman" panose="02020603050405020304" pitchFamily="18" charset="0"/>
+              </a:rPr>
+              <a:t>|  MBZ                              |</a:t>
             </a:r>
           </a:p>
           <a:p>
@@ -8561,7 +8708,12 @@
             <p:ph type="sldNum" sz="quarter" idx="12"/>
           </p:nvPr>
         </p:nvSpPr>
-        <p:spPr/>
+        <p:spPr>
+          <a:xfrm>
+            <a:off x="6518366" y="4705350"/>
+            <a:ext cx="2133600" cy="357188"/>
+          </a:xfrm>
+        </p:spPr>
         <p:txBody>
           <a:bodyPr/>
           <a:lstStyle/>
@@ -8576,7 +8728,7 @@
               </a:pPr>
               <a:t>11</a:t>
             </a:fld>
-            <a:endParaRPr lang="en-US" altLang="zh-CN"/>
+            <a:endParaRPr lang="en-US" altLang="zh-CN" dirty="0"/>
           </a:p>
         </p:txBody>
       </p:sp>
@@ -8758,7 +8910,7 @@
         </p:nvSpPr>
         <p:spPr bwMode="auto">
           <a:xfrm>
-            <a:off x="1586997" y="2204585"/>
+            <a:off x="1640014" y="2224507"/>
             <a:ext cx="807377" cy="260302"/>
           </a:xfrm>
           <a:prstGeom prst="wedgeRoundRectCallout">
@@ -8895,14 +9047,14 @@
               </a14:hiddenLine>
             </a:ext>
             <a:ext uri="{909E8E84-426E-40dd-AFC4-6F175D3DCCD1}">
-              <a14:hiddenFill xmlns="" xmlns:a14="http://schemas.microsoft.com/office/drawing/2010/main">
+              <a14:hiddenFill xmlns:a14="http://schemas.microsoft.com/office/drawing/2010/main" xmlns="">
                 <a:solidFill>
                   <a:srgbClr val="FFFFFF"/>
                 </a:solidFill>
               </a14:hiddenFill>
             </a:ext>
             <a:ext uri="{91240B29-F687-4f45-9708-019B960494DF}">
-              <a14:hiddenLine xmlns="" xmlns:a14="http://schemas.microsoft.com/office/drawing/2010/main" w="9525">
+              <a14:hiddenLine xmlns:a14="http://schemas.microsoft.com/office/drawing/2010/main" xmlns="" w="9525">
                 <a:solidFill>
                   <a:srgbClr val="000000"/>
                 </a:solidFill>
@@ -9671,7 +9823,7 @@
         </p:blipFill>
         <p:spPr>
           <a:xfrm>
-            <a:off x="783825" y="1998896"/>
+            <a:off x="961130" y="1998896"/>
             <a:ext cx="1858270" cy="260231"/>
           </a:xfrm>
           <a:prstGeom prst="rect">
@@ -10962,7 +11114,7 @@
         <p:spPr>
           <a:xfrm>
             <a:off x="254725" y="874514"/>
-            <a:ext cx="4474029" cy="3394472"/>
+            <a:ext cx="4474029" cy="3809404"/>
           </a:xfrm>
           <a:ln>
             <a:solidFill>
@@ -10978,34 +11130,56 @@
               <a:buNone/>
             </a:pPr>
             <a:r>
-              <a:rPr lang="en-US" sz="1400" dirty="0"/>
+              <a:rPr lang="en-US" sz="1200" dirty="0"/>
               <a:t>Direct Measurement TLV </a:t>
             </a:r>
           </a:p>
           <a:p>
-            <a:r>
-              <a:rPr lang="en-US" sz="1400" dirty="0"/>
+            <a:pPr>
+              <a:buFont typeface="+mj-lt"/>
+              <a:buAutoNum type="arabicPeriod"/>
+            </a:pPr>
+            <a:r>
+              <a:rPr lang="en-US" sz="1200" dirty="0"/>
               <a:t>Suitable for collecting data packet counters from control plane (distributed forwarding plane)</a:t>
             </a:r>
           </a:p>
           <a:p>
-            <a:r>
-              <a:rPr lang="en-US" sz="1400" dirty="0"/>
+            <a:pPr>
+              <a:buFont typeface="+mj-lt"/>
+              <a:buAutoNum type="arabicPeriod"/>
+            </a:pPr>
+            <a:r>
+              <a:rPr lang="en-US" sz="1200" dirty="0"/>
               <a:t>Direct Measurement TLV supports </a:t>
             </a:r>
             <a:r>
-              <a:rPr lang="en-US" sz="1400" b="1" dirty="0"/>
+              <a:rPr lang="en-US" sz="1200" b="1" dirty="0"/>
               <a:t>32-bit packet</a:t>
             </a:r>
             <a:r>
-              <a:rPr lang="en-US" sz="1400" dirty="0"/>
+              <a:rPr lang="en-US" sz="1200" dirty="0"/>
               <a:t> counters</a:t>
             </a:r>
           </a:p>
           <a:p>
-            <a:r>
-              <a:rPr lang="en-US" sz="1400" dirty="0"/>
-              <a:t>Does not support per-traffic class direct measurement</a:t>
+            <a:pPr>
+              <a:buFont typeface="+mj-lt"/>
+              <a:buAutoNum type="arabicPeriod"/>
+            </a:pPr>
+            <a:r>
+              <a:rPr lang="en-US" sz="1200" dirty="0"/>
+              <a:t>Does not support per-traffic class direct measurement (DSCP TLV processing not specified for Counters)</a:t>
+            </a:r>
+          </a:p>
+          <a:p>
+            <a:pPr>
+              <a:buFont typeface="+mj-lt"/>
+              <a:buAutoNum type="arabicPeriod"/>
+            </a:pPr>
+            <a:r>
+              <a:rPr lang="en-US" sz="1200" dirty="0"/>
+              <a:t>Various STAMP TLV processing required</a:t>
             </a:r>
           </a:p>
         </p:txBody>
@@ -11026,8 +11200,8 @@
         </p:nvSpPr>
         <p:spPr bwMode="auto">
           <a:xfrm>
-            <a:off x="4724400" y="874514"/>
-            <a:ext cx="4223658" cy="3394472"/>
+            <a:off x="4724400" y="874513"/>
+            <a:ext cx="4223658" cy="3809405"/>
           </a:xfrm>
           <a:prstGeom prst="rect">
             <a:avLst/>
@@ -11204,49 +11378,136 @@
               <a:buNone/>
             </a:pPr>
             <a:r>
-              <a:rPr lang="en-US" sz="1400" kern="0" dirty="0"/>
+              <a:rPr lang="en-US" sz="1200" kern="0" dirty="0"/>
               <a:t>Direct Measurement Test Packet</a:t>
             </a:r>
           </a:p>
           <a:p>
-            <a:r>
-              <a:rPr lang="en-US" sz="1400" kern="0" dirty="0"/>
+            <a:pPr>
+              <a:buFont typeface="+mj-lt"/>
+              <a:buAutoNum type="arabicPeriod"/>
+            </a:pPr>
+            <a:r>
+              <a:rPr lang="en-US" sz="1200" kern="0" dirty="0"/>
               <a:t>Suitable for collecting data packet counters from hardware – inline counter-stamping</a:t>
             </a:r>
           </a:p>
           <a:p>
-            <a:r>
-              <a:rPr lang="en-US" sz="1400" kern="0" dirty="0"/>
+            <a:pPr>
+              <a:buFont typeface="+mj-lt"/>
+              <a:buAutoNum type="arabicPeriod"/>
+            </a:pPr>
+            <a:r>
+              <a:rPr lang="en-US" sz="1200" kern="0" dirty="0"/>
               <a:t>Direct Measurement Test Packet supports </a:t>
             </a:r>
             <a:r>
-              <a:rPr lang="en-US" sz="1400" b="1" kern="0" dirty="0"/>
+              <a:rPr lang="en-US" sz="1200" b="1" kern="0" dirty="0"/>
+              <a:t>32-bit</a:t>
+            </a:r>
+            <a:r>
+              <a:rPr lang="en-US" sz="1200" kern="0" dirty="0"/>
+              <a:t> </a:t>
+            </a:r>
+            <a:r>
+              <a:rPr lang="en-US" sz="1200" b="1" kern="0" dirty="0"/>
+              <a:t>packet and byte </a:t>
+            </a:r>
+            <a:r>
+              <a:rPr lang="en-US" sz="1200" kern="0" dirty="0"/>
+              <a:t>counters</a:t>
+            </a:r>
+          </a:p>
+          <a:p>
+            <a:pPr>
+              <a:buFont typeface="+mj-lt"/>
+              <a:buAutoNum type="arabicPeriod"/>
+            </a:pPr>
+            <a:r>
+              <a:rPr lang="en-US" sz="1200" kern="0" dirty="0"/>
+              <a:t>Direct Measurement Test Packet supports </a:t>
+            </a:r>
+            <a:r>
+              <a:rPr lang="en-US" sz="1200" b="1" kern="0" dirty="0"/>
               <a:t>64-bit</a:t>
             </a:r>
             <a:r>
-              <a:rPr lang="en-US" sz="1400" kern="0" dirty="0"/>
+              <a:rPr lang="en-US" sz="1200" kern="0" dirty="0"/>
               <a:t> </a:t>
             </a:r>
             <a:r>
-              <a:rPr lang="en-US" sz="1400" b="1" kern="0" dirty="0"/>
-              <a:t>packet and 64-bit byte </a:t>
-            </a:r>
-            <a:r>
-              <a:rPr lang="en-US" sz="1400" kern="0" dirty="0"/>
+              <a:rPr lang="en-US" sz="1200" b="1" kern="0" dirty="0"/>
+              <a:t>packet and byte </a:t>
+            </a:r>
+            <a:r>
+              <a:rPr lang="en-US" sz="1200" kern="0" dirty="0"/>
               <a:t>counters</a:t>
             </a:r>
           </a:p>
           <a:p>
-            <a:r>
-              <a:rPr lang="en-US" sz="1400" kern="0" dirty="0"/>
-              <a:t>Direct Measurement Test Packet identifies the block number of the counters – needed for alternate marking method (RFC 8321)</a:t>
-            </a:r>
-          </a:p>
-          <a:p>
-            <a:r>
-              <a:rPr lang="en-US" sz="1400" kern="0" dirty="0"/>
-              <a:t>Plan to add: per traffic-class counter collection (per traffic-class loss measurement) (Ok to drop best effort traffic)</a:t>
-            </a:r>
+            <a:pPr>
+              <a:buFont typeface="+mj-lt"/>
+              <a:buAutoNum type="arabicPeriod"/>
+            </a:pPr>
+            <a:r>
+              <a:rPr lang="en-US" sz="1200" kern="0" dirty="0"/>
+              <a:t>Direct Measurement Test Packet identifies the block number of the counters - used for alternate marking method (RFC 8321)</a:t>
+            </a:r>
+          </a:p>
+          <a:p>
+            <a:pPr>
+              <a:buFont typeface="+mj-lt"/>
+              <a:buAutoNum type="arabicPeriod"/>
+            </a:pPr>
+            <a:r>
+              <a:rPr lang="en-US" sz="1200" kern="0" dirty="0"/>
+              <a:t>Per traffic-class counter collection (per traffic-class loss measurement) (e.g. drop best effort traffic)</a:t>
+            </a:r>
+          </a:p>
+          <a:p>
+            <a:pPr>
+              <a:buFont typeface="+mj-lt"/>
+              <a:buAutoNum type="arabicPeriod"/>
+            </a:pPr>
+            <a:r>
+              <a:rPr lang="en-US" sz="1200" kern="0" dirty="0"/>
+              <a:t>No STAMP TLV processing</a:t>
+            </a:r>
+          </a:p>
+          <a:p>
+            <a:pPr>
+              <a:buFont typeface="+mj-lt"/>
+              <a:buAutoNum type="arabicPeriod"/>
+            </a:pPr>
+            <a:r>
+              <a:rPr lang="en-US" sz="1200" kern="0" dirty="0"/>
+              <a:t>Two-way direct </a:t>
+            </a:r>
+            <a:r>
+              <a:rPr lang="en-US" sz="1200" kern="0" dirty="0" err="1"/>
+              <a:t>meadurement</a:t>
+            </a:r>
+            <a:r>
+              <a:rPr lang="en-US" sz="1200" kern="0" dirty="0"/>
+              <a:t> for links with reply packet with transmit counter at the same location – important property for hardware counter-stamping </a:t>
+            </a:r>
+          </a:p>
+          <a:p>
+            <a:pPr>
+              <a:buFont typeface="+mj-lt"/>
+              <a:buAutoNum type="arabicPeriod"/>
+            </a:pPr>
+            <a:r>
+              <a:rPr lang="en-US" sz="1200" kern="0" dirty="0"/>
+              <a:t>Matching the functionality supported by RFC6374</a:t>
+            </a:r>
+          </a:p>
+          <a:p>
+            <a:pPr>
+              <a:buFont typeface="+mj-lt"/>
+              <a:buAutoNum type="arabicPeriod"/>
+            </a:pPr>
+            <a:endParaRPr lang="en-US" sz="1200" kern="0" dirty="0"/>
           </a:p>
         </p:txBody>
       </p:sp>
@@ -15402,7 +15663,7 @@
           <a:p>
             <a:r>
               <a:rPr lang="en-US" sz="1600" dirty="0"/>
-              <a:t>Two-way measurement mode</a:t>
+              <a:t>Two-way measurement mode for links</a:t>
             </a:r>
           </a:p>
           <a:p>

--- a/draft-gandhi-ippm-stamp-srpm-01.pptx
+++ b/draft-gandhi-ippm-stamp-srpm-01.pptx
@@ -5,10 +5,10 @@
     <p:sldMasterId id="2147483648" r:id="rId1"/>
   </p:sldMasterIdLst>
   <p:notesMasterIdLst>
-    <p:notesMasterId r:id="rId18"/>
+    <p:notesMasterId r:id="rId17"/>
   </p:notesMasterIdLst>
   <p:handoutMasterIdLst>
-    <p:handoutMasterId r:id="rId19"/>
+    <p:handoutMasterId r:id="rId18"/>
   </p:handoutMasterIdLst>
   <p:sldIdLst>
     <p:sldId id="1661" r:id="rId2"/>
@@ -21,12 +21,11 @@
     <p:sldId id="1674" r:id="rId9"/>
     <p:sldId id="1668" r:id="rId10"/>
     <p:sldId id="321" r:id="rId11"/>
-    <p:sldId id="1675" r:id="rId12"/>
+    <p:sldId id="3055" r:id="rId12"/>
     <p:sldId id="3054" r:id="rId13"/>
-    <p:sldId id="3055" r:id="rId14"/>
-    <p:sldId id="1670" r:id="rId15"/>
-    <p:sldId id="1671" r:id="rId16"/>
-    <p:sldId id="1649" r:id="rId17"/>
+    <p:sldId id="1670" r:id="rId14"/>
+    <p:sldId id="1671" r:id="rId15"/>
+    <p:sldId id="1649" r:id="rId16"/>
   </p:sldIdLst>
   <p:sldSz cx="9144000" cy="5143500" type="screen16x9"/>
   <p:notesSz cx="6858000" cy="9144000"/>
@@ -1190,7 +1189,7 @@
           <a:bodyPr/>
           <a:lstStyle/>
           <a:p>
-            <a:endParaRPr lang="en-CA" dirty="0"/>
+            <a:endParaRPr lang="en-US" dirty="0"/>
           </a:p>
         </p:txBody>
       </p:sp>
@@ -1212,21 +1211,21 @@
             <a:pPr>
               <a:defRPr/>
             </a:pPr>
-            <a:fld id="{100938BD-FD70-4535-B0C2-13FC38CDF1BE}" type="slidenum">
-              <a:rPr lang="en-US" altLang="zh-CN" smtClean="0"/>
+            <a:fld id="{F97A1FA6-25DE-9E4E-A34D-CF67DE7DBDC7}" type="slidenum">
+              <a:rPr lang="en-US" smtClean="0"/>
               <a:pPr>
                 <a:defRPr/>
               </a:pPr>
-              <a:t>11</a:t>
+              <a:t>12</a:t>
             </a:fld>
-            <a:endParaRPr lang="en-US" altLang="zh-CN"/>
+            <a:endParaRPr lang="en-US"/>
           </a:p>
         </p:txBody>
       </p:sp>
     </p:spTree>
     <p:extLst>
       <p:ext uri="{BB962C8B-B14F-4D97-AF65-F5344CB8AC3E}">
-        <p14:creationId xmlns:p14="http://schemas.microsoft.com/office/powerpoint/2010/main" val="992200191"/>
+        <p14:creationId xmlns:p14="http://schemas.microsoft.com/office/powerpoint/2010/main" val="2878068373"/>
       </p:ext>
     </p:extLst>
   </p:cSld>
@@ -1280,7 +1279,7 @@
           <a:bodyPr/>
           <a:lstStyle/>
           <a:p>
-            <a:endParaRPr lang="en-US" dirty="0"/>
+            <a:endParaRPr lang="en-CA" dirty="0"/>
           </a:p>
         </p:txBody>
       </p:sp>
@@ -1302,21 +1301,21 @@
             <a:pPr>
               <a:defRPr/>
             </a:pPr>
-            <a:fld id="{F97A1FA6-25DE-9E4E-A34D-CF67DE7DBDC7}" type="slidenum">
-              <a:rPr lang="en-US" smtClean="0"/>
+            <a:fld id="{100938BD-FD70-4535-B0C2-13FC38CDF1BE}" type="slidenum">
+              <a:rPr lang="en-US" altLang="zh-CN" smtClean="0"/>
               <a:pPr>
                 <a:defRPr/>
               </a:pPr>
-              <a:t>12</a:t>
+              <a:t>13</a:t>
             </a:fld>
-            <a:endParaRPr lang="en-US"/>
+            <a:endParaRPr lang="en-US" altLang="zh-CN"/>
           </a:p>
         </p:txBody>
       </p:sp>
     </p:spTree>
     <p:extLst>
       <p:ext uri="{BB962C8B-B14F-4D97-AF65-F5344CB8AC3E}">
-        <p14:creationId xmlns:p14="http://schemas.microsoft.com/office/powerpoint/2010/main" val="2878068373"/>
+        <p14:creationId xmlns:p14="http://schemas.microsoft.com/office/powerpoint/2010/main" val="1250483859"/>
       </p:ext>
     </p:extLst>
   </p:cSld>
@@ -1370,7 +1369,7 @@
           <a:bodyPr/>
           <a:lstStyle/>
           <a:p>
-            <a:endParaRPr lang="en-CA" dirty="0"/>
+            <a:endParaRPr lang="en-US" dirty="0"/>
           </a:p>
         </p:txBody>
       </p:sp>
@@ -1398,96 +1397,6 @@
                 <a:defRPr/>
               </a:pPr>
               <a:t>14</a:t>
-            </a:fld>
-            <a:endParaRPr lang="en-US" altLang="zh-CN"/>
-          </a:p>
-        </p:txBody>
-      </p:sp>
-    </p:spTree>
-    <p:extLst>
-      <p:ext uri="{BB962C8B-B14F-4D97-AF65-F5344CB8AC3E}">
-        <p14:creationId xmlns:p14="http://schemas.microsoft.com/office/powerpoint/2010/main" val="1250483859"/>
-      </p:ext>
-    </p:extLst>
-  </p:cSld>
-  <p:clrMapOvr>
-    <a:masterClrMapping/>
-  </p:clrMapOvr>
-</p:notes>
-</file>
-
-<file path=ppt/notesSlides/notesSlide8.xml><?xml version="1.0" encoding="utf-8"?>
-<p:notes xmlns:a="http://schemas.openxmlformats.org/drawingml/2006/main" xmlns:r="http://schemas.openxmlformats.org/officeDocument/2006/relationships" xmlns:p="http://schemas.openxmlformats.org/presentationml/2006/main">
-  <p:cSld>
-    <p:spTree>
-      <p:nvGrpSpPr>
-        <p:cNvPr id="1" name=""/>
-        <p:cNvGrpSpPr/>
-        <p:nvPr/>
-      </p:nvGrpSpPr>
-      <p:grpSpPr>
-        <a:xfrm>
-          <a:off x="0" y="0"/>
-          <a:ext cx="0" cy="0"/>
-          <a:chOff x="0" y="0"/>
-          <a:chExt cx="0" cy="0"/>
-        </a:xfrm>
-      </p:grpSpPr>
-      <p:sp>
-        <p:nvSpPr>
-          <p:cNvPr id="2" name="Slide Image Placeholder 1"/>
-          <p:cNvSpPr>
-            <a:spLocks noGrp="1" noRot="1" noChangeAspect="1"/>
-          </p:cNvSpPr>
-          <p:nvPr>
-            <p:ph type="sldImg"/>
-          </p:nvPr>
-        </p:nvSpPr>
-        <p:spPr/>
-      </p:sp>
-      <p:sp>
-        <p:nvSpPr>
-          <p:cNvPr id="3" name="Notes Placeholder 2"/>
-          <p:cNvSpPr>
-            <a:spLocks noGrp="1"/>
-          </p:cNvSpPr>
-          <p:nvPr>
-            <p:ph type="body" idx="1"/>
-          </p:nvPr>
-        </p:nvSpPr>
-        <p:spPr/>
-        <p:txBody>
-          <a:bodyPr/>
-          <a:lstStyle/>
-          <a:p>
-            <a:endParaRPr lang="en-US" dirty="0"/>
-          </a:p>
-        </p:txBody>
-      </p:sp>
-      <p:sp>
-        <p:nvSpPr>
-          <p:cNvPr id="4" name="Slide Number Placeholder 3"/>
-          <p:cNvSpPr>
-            <a:spLocks noGrp="1"/>
-          </p:cNvSpPr>
-          <p:nvPr>
-            <p:ph type="sldNum" sz="quarter" idx="10"/>
-          </p:nvPr>
-        </p:nvSpPr>
-        <p:spPr/>
-        <p:txBody>
-          <a:bodyPr/>
-          <a:lstStyle/>
-          <a:p>
-            <a:pPr>
-              <a:defRPr/>
-            </a:pPr>
-            <a:fld id="{100938BD-FD70-4535-B0C2-13FC38CDF1BE}" type="slidenum">
-              <a:rPr lang="en-US" altLang="zh-CN" smtClean="0"/>
-              <a:pPr>
-                <a:defRPr/>
-              </a:pPr>
-              <a:t>15</a:t>
             </a:fld>
             <a:endParaRPr lang="en-US" altLang="zh-CN"/>
           </a:p>
@@ -2515,14 +2424,14 @@
           </a:ln>
           <a:extLst>
             <a:ext uri="{909E8E84-426E-40dd-AFC4-6F175D3DCCD1}">
-              <a14:hiddenFill xmlns:a14="http://schemas.microsoft.com/office/drawing/2010/main" xmlns="">
+              <a14:hiddenFill xmlns="" xmlns:a14="http://schemas.microsoft.com/office/drawing/2010/main">
                 <a:solidFill>
                   <a:srgbClr val="FFFFFF"/>
                 </a:solidFill>
               </a14:hiddenFill>
             </a:ext>
             <a:ext uri="{91240B29-F687-4f45-9708-019B960494DF}">
-              <a14:hiddenLine xmlns:a14="http://schemas.microsoft.com/office/drawing/2010/main" xmlns="" w="9525">
+              <a14:hiddenLine xmlns="" xmlns:a14="http://schemas.microsoft.com/office/drawing/2010/main" w="9525">
                 <a:solidFill>
                   <a:srgbClr val="000000"/>
                 </a:solidFill>
@@ -2775,7 +2684,7 @@
               </a14:hiddenLine>
             </a:ext>
             <a:ext uri="{FAA26D3D-D897-4be2-8F04-BA451C77F1D7}">
-              <ma14:placeholderFlag xmlns:ma14="http://schemas.microsoft.com/office/mac/drawingml/2011/main" xmlns="" val="1"/>
+              <ma14:placeholderFlag xmlns="" xmlns:ma14="http://schemas.microsoft.com/office/mac/drawingml/2011/main" val="1"/>
             </a:ext>
           </a:extLst>
         </p:spPr>
@@ -8631,7 +8540,13 @@
       </p:grpSpPr>
       <p:sp>
         <p:nvSpPr>
-          <p:cNvPr id="2" name="Title 1"/>
+          <p:cNvPr id="2" name="Title 1">
+            <a:extLst>
+              <a:ext uri="{FF2B5EF4-FFF2-40B4-BE49-F238E27FC236}">
+                <a16:creationId xmlns:a16="http://schemas.microsoft.com/office/drawing/2014/main" id="{0C88B8C1-E00C-9540-BBDE-60963DFE2927}"/>
+              </a:ext>
+            </a:extLst>
+          </p:cNvPr>
           <p:cNvSpPr>
             <a:spLocks noGrp="1"/>
           </p:cNvSpPr>
@@ -8641,15 +8556,14 @@
         </p:nvSpPr>
         <p:spPr>
           <a:xfrm>
-            <a:off x="554083" y="0"/>
-            <a:ext cx="8001000" cy="857250"/>
+            <a:off x="0" y="0"/>
+            <a:ext cx="9144000" cy="857250"/>
           </a:xfrm>
         </p:spPr>
         <p:txBody>
           <a:bodyPr/>
           <a:lstStyle/>
           <a:p>
-            <a:pPr algn="l"/>
             <a:r>
               <a:rPr lang="en-US" sz="2800" dirty="0">
                 <a:solidFill>
@@ -8658,14 +8572,20 @@
                 <a:latin typeface="Calibri Light" panose="020F0302020204030204" pitchFamily="34" charset="0"/>
                 <a:cs typeface="Calibri Light" panose="020F0302020204030204" pitchFamily="34" charset="0"/>
               </a:rPr>
-              <a:t>STAMP - Stand-alone Direct Measurement Test Packet</a:t>
+              <a:t>Direct Measurement TLV vs. Direct Measurement Test Packet</a:t>
             </a:r>
           </a:p>
         </p:txBody>
       </p:sp>
       <p:sp>
         <p:nvSpPr>
-          <p:cNvPr id="4" name="Footer Placeholder 3"/>
+          <p:cNvPr id="4" name="Footer Placeholder 3">
+            <a:extLst>
+              <a:ext uri="{FF2B5EF4-FFF2-40B4-BE49-F238E27FC236}">
+                <a16:creationId xmlns:a16="http://schemas.microsoft.com/office/drawing/2014/main" id="{CB8D67C0-89E5-374E-B41C-9DEF915C2EEC}"/>
+              </a:ext>
+            </a:extLst>
+          </p:cNvPr>
           <p:cNvSpPr>
             <a:spLocks noGrp="1"/>
           </p:cNvSpPr>
@@ -8673,34 +8593,39 @@
             <p:ph type="ftr" sz="quarter" idx="11"/>
           </p:nvPr>
         </p:nvSpPr>
-        <p:spPr>
-          <a:xfrm>
-            <a:off x="3048000" y="4786312"/>
-            <a:ext cx="2895600" cy="357188"/>
-          </a:xfrm>
-        </p:spPr>
+        <p:spPr/>
         <p:txBody>
           <a:bodyPr/>
           <a:lstStyle/>
           <a:p>
-            <a:r>
-              <a:rPr lang="en-CA" dirty="0"/>
+            <a:pPr>
+              <a:defRPr/>
+            </a:pPr>
+            <a:r>
+              <a:rPr lang="en-US" altLang="zh-CN"/>
               <a:t>110</a:t>
             </a:r>
             <a:r>
-              <a:rPr lang="en-CA" baseline="30000" dirty="0"/>
+              <a:rPr lang="en-US" altLang="zh-CN" baseline="30000"/>
               <a:t>th</a:t>
             </a:r>
             <a:r>
-              <a:rPr lang="en-CA" dirty="0"/>
+              <a:rPr lang="en-US" altLang="zh-CN"/>
               <a:t> IETF Online</a:t>
             </a:r>
+            <a:endParaRPr lang="en-US" altLang="zh-CN" dirty="0"/>
           </a:p>
         </p:txBody>
       </p:sp>
       <p:sp>
         <p:nvSpPr>
-          <p:cNvPr id="5" name="Slide Number Placeholder 4"/>
+          <p:cNvPr id="5" name="Slide Number Placeholder 4">
+            <a:extLst>
+              <a:ext uri="{FF2B5EF4-FFF2-40B4-BE49-F238E27FC236}">
+                <a16:creationId xmlns:a16="http://schemas.microsoft.com/office/drawing/2014/main" id="{133C7FE1-4960-BC41-A460-DC72E1AC9389}"/>
+              </a:ext>
+            </a:extLst>
+          </p:cNvPr>
           <p:cNvSpPr>
             <a:spLocks noGrp="1"/>
           </p:cNvSpPr>
@@ -8708,12 +8633,7 @@
             <p:ph type="sldNum" sz="quarter" idx="12"/>
           </p:nvPr>
         </p:nvSpPr>
-        <p:spPr>
-          <a:xfrm>
-            <a:off x="6518366" y="4705350"/>
-            <a:ext cx="2133600" cy="357188"/>
-          </a:xfrm>
-        </p:spPr>
+        <p:spPr/>
         <p:txBody>
           <a:bodyPr/>
           <a:lstStyle/>
@@ -8728,16 +8648,16 @@
               </a:pPr>
               <a:t>11</a:t>
             </a:fld>
-            <a:endParaRPr lang="en-US" altLang="zh-CN" dirty="0"/>
+            <a:endParaRPr lang="en-US" altLang="zh-CN"/>
           </a:p>
         </p:txBody>
       </p:sp>
       <p:sp>
         <p:nvSpPr>
-          <p:cNvPr id="7" name="Content Placeholder 6">
+          <p:cNvPr id="8" name="Content Placeholder 7">
             <a:extLst>
               <a:ext uri="{FF2B5EF4-FFF2-40B4-BE49-F238E27FC236}">
-                <a16:creationId xmlns:a16="http://schemas.microsoft.com/office/drawing/2014/main" id="{5ECA4982-ADC3-6347-A4DB-7B22B34698D6}"/>
+                <a16:creationId xmlns:a16="http://schemas.microsoft.com/office/drawing/2014/main" id="{466A720A-6AD8-EC49-B5E6-EC81581B621A}"/>
               </a:ext>
             </a:extLst>
           </p:cNvPr>
@@ -8750,126 +8670,449 @@
         </p:nvSpPr>
         <p:spPr>
           <a:xfrm>
-            <a:off x="457200" y="816665"/>
-            <a:ext cx="8194766" cy="3778086"/>
+            <a:off x="254725" y="874514"/>
+            <a:ext cx="4474029" cy="3809404"/>
           </a:xfrm>
+          <a:ln>
+            <a:solidFill>
+              <a:schemeClr val="accent1"/>
+            </a:solidFill>
+          </a:ln>
         </p:spPr>
         <p:txBody>
           <a:bodyPr/>
           <a:lstStyle/>
           <a:p>
+            <a:pPr marL="0" indent="0">
+              <a:buNone/>
+            </a:pPr>
             <a:r>
               <a:rPr lang="en-US" sz="1200" dirty="0"/>
-              <a:t>Session-Sender:</a:t>
-            </a:r>
-          </a:p>
-          <a:p>
-            <a:pPr lvl="1"/>
+              <a:t>Direct Measurement TLV </a:t>
+            </a:r>
+          </a:p>
+          <a:p>
+            <a:pPr>
+              <a:buFont typeface="+mj-lt"/>
+              <a:buAutoNum type="arabicPeriod"/>
+            </a:pPr>
             <a:r>
               <a:rPr lang="en-US" sz="1200" dirty="0"/>
-              <a:t>Hardware needs to load the test packet in write-able memory which is limited</a:t>
-            </a:r>
-          </a:p>
-          <a:p>
-            <a:pPr lvl="2"/>
+              <a:t>Suitable for collecting data packet counters from control plane (distributed forwarding plane)</a:t>
+            </a:r>
+          </a:p>
+          <a:p>
+            <a:pPr>
+              <a:buFont typeface="+mj-lt"/>
+              <a:buAutoNum type="arabicPeriod"/>
+            </a:pPr>
             <a:r>
               <a:rPr lang="en-US" sz="1200" dirty="0"/>
-              <a:t>With direct measurement TLV, counter may not be at fixed location</a:t>
-            </a:r>
-          </a:p>
-          <a:p>
-            <a:pPr lvl="2"/>
+              <a:t>Direct Measurement TLV supports </a:t>
+            </a:r>
+            <a:r>
+              <a:rPr lang="en-US" sz="1200" b="1" dirty="0"/>
+              <a:t>32-bit packet</a:t>
+            </a:r>
             <a:r>
               <a:rPr lang="en-US" sz="1200" dirty="0"/>
-              <a:t>With direct measurement TLV, counter also deeper into the test packet at location (Eth 18, IPv6 40, UDP 8, STAMP 44, TLV Type 4, Total = 114 Byte)</a:t>
-            </a:r>
-          </a:p>
-          <a:p>
-            <a:pPr lvl="2"/>
+              <a:t> counters</a:t>
+            </a:r>
+          </a:p>
+          <a:p>
+            <a:pPr>
+              <a:buFont typeface="+mj-lt"/>
+              <a:buAutoNum type="arabicPeriod"/>
+            </a:pPr>
             <a:r>
               <a:rPr lang="en-US" sz="1200" dirty="0"/>
-              <a:t>Also need to include other </a:t>
-            </a:r>
-            <a:r>
-              <a:rPr lang="en-US" sz="1200" dirty="0" err="1"/>
-              <a:t>Encaps</a:t>
-            </a:r>
+              <a:t>Does not support per-traffic class direct measurement (DSCP TLV processing not specified for Counters)</a:t>
+            </a:r>
+          </a:p>
+          <a:p>
+            <a:pPr>
+              <a:buFont typeface="+mj-lt"/>
+              <a:buAutoNum type="arabicPeriod"/>
+            </a:pPr>
             <a:r>
               <a:rPr lang="en-US" sz="1200" dirty="0"/>
-              <a:t> / headers in location</a:t>
-            </a:r>
-          </a:p>
-          <a:p>
-            <a:pPr lvl="1"/>
+              <a:t>Various STAMP TLV processing required</a:t>
+            </a:r>
+          </a:p>
+          <a:p>
+            <a:pPr>
+              <a:buFont typeface="+mj-lt"/>
+              <a:buAutoNum type="arabicPeriod"/>
+            </a:pPr>
             <a:r>
               <a:rPr lang="en-US" sz="1200" dirty="0"/>
-              <a:t>Hardware also not capable to write both TS and Counter in the same test packet</a:t>
-            </a:r>
-          </a:p>
-          <a:p>
-            <a:pPr lvl="1"/>
-            <a:r>
-              <a:rPr lang="en-US" sz="1200" dirty="0">
-                <a:solidFill>
-                  <a:schemeClr val="tx2">
-                    <a:lumMod val="60000"/>
-                    <a:lumOff val="40000"/>
-                  </a:schemeClr>
-                </a:solidFill>
-              </a:rPr>
-              <a:t>Hardware also not capable to recompute UDP checksum</a:t>
-            </a:r>
-          </a:p>
-          <a:p>
+              <a:t>Counter not at fixed location</a:t>
+            </a:r>
+          </a:p>
+          <a:p>
+            <a:pPr>
+              <a:buFont typeface="+mj-lt"/>
+              <a:buAutoNum type="arabicPeriod"/>
+            </a:pPr>
             <a:r>
               <a:rPr lang="en-US" sz="1200" dirty="0"/>
-              <a:t>Session-Reflector:</a:t>
-            </a:r>
-          </a:p>
-          <a:p>
-            <a:pPr lvl="1"/>
+              <a:t>Counter deeper into the packet (Eth 18, IPv6 40, UDP 8, STAMP 44, TLV Type 4, Total = 114 Byte) – load into write-able memory</a:t>
+            </a:r>
+          </a:p>
+          <a:p>
+            <a:pPr>
+              <a:buFont typeface="+mj-lt"/>
+              <a:buAutoNum type="arabicPeriod"/>
+            </a:pPr>
             <a:r>
               <a:rPr lang="en-US" sz="1200" dirty="0"/>
-              <a:t>Some test packets received from one session-sender with base test packet and some with LM TLV (along with other TLVs), hence need to parse EVERY received test packet to check if direct measurement TLV is present before punting the packet</a:t>
-            </a:r>
-          </a:p>
-          <a:p>
-            <a:pPr lvl="1"/>
+              <a:t>Hardware needs to write both timestamp and counter in the injected packet – not capable</a:t>
+            </a:r>
+          </a:p>
+          <a:p>
+            <a:pPr>
+              <a:buFont typeface="+mj-lt"/>
+              <a:buAutoNum type="arabicPeriod"/>
+            </a:pPr>
             <a:r>
               <a:rPr lang="en-US" sz="1200" dirty="0"/>
-              <a:t>Hardware needs to punt with receive TS or receive Counter</a:t>
-            </a:r>
-          </a:p>
-          <a:p>
-            <a:pPr lvl="1"/>
+              <a:t>Session-reflector hardware to parse STAMP TLVs in receive packets to decide if receive counter to be punted to the control-plane</a:t>
+            </a:r>
+          </a:p>
+          <a:p>
+            <a:pPr>
+              <a:buFont typeface="+mj-lt"/>
+              <a:buAutoNum type="arabicPeriod"/>
+            </a:pPr>
+            <a:endParaRPr lang="en-US" sz="1200" dirty="0"/>
+          </a:p>
+        </p:txBody>
+      </p:sp>
+      <p:sp>
+        <p:nvSpPr>
+          <p:cNvPr id="9" name="Content Placeholder 7">
+            <a:extLst>
+              <a:ext uri="{FF2B5EF4-FFF2-40B4-BE49-F238E27FC236}">
+                <a16:creationId xmlns:a16="http://schemas.microsoft.com/office/drawing/2014/main" id="{FA87E178-4F83-6041-AC6A-C4AD6FF8ED38}"/>
+              </a:ext>
+            </a:extLst>
+          </p:cNvPr>
+          <p:cNvSpPr txBox="1">
+            <a:spLocks/>
+          </p:cNvSpPr>
+          <p:nvPr/>
+        </p:nvSpPr>
+        <p:spPr bwMode="auto">
+          <a:xfrm>
+            <a:off x="4724400" y="874513"/>
+            <a:ext cx="4223658" cy="3809405"/>
+          </a:xfrm>
+          <a:prstGeom prst="rect">
+            <a:avLst/>
+          </a:prstGeom>
+          <a:noFill/>
+          <a:ln w="9525">
+            <a:solidFill>
+              <a:schemeClr val="accent1"/>
+            </a:solidFill>
+            <a:miter lim="800000"/>
+            <a:headEnd/>
+            <a:tailEnd/>
+          </a:ln>
+        </p:spPr>
+        <p:txBody>
+          <a:bodyPr vert="horz" wrap="square" lIns="91440" tIns="45720" rIns="91440" bIns="45720" numCol="1" anchor="t" anchorCtr="0" compatLnSpc="1">
+            <a:prstTxWarp prst="textNoShape">
+              <a:avLst/>
+            </a:prstTxWarp>
+          </a:bodyPr>
+          <a:lstStyle>
+            <a:lvl1pPr marL="342900" indent="-342900" algn="l" rtl="0" eaLnBrk="0" fontAlgn="base" hangingPunct="0">
+              <a:spcBef>
+                <a:spcPct val="20000"/>
+              </a:spcBef>
+              <a:spcAft>
+                <a:spcPct val="0"/>
+              </a:spcAft>
+              <a:buChar char="•"/>
+              <a:defRPr sz="3200">
+                <a:solidFill>
+                  <a:schemeClr val="tx1"/>
+                </a:solidFill>
+                <a:latin typeface="Calibri" charset="0"/>
+                <a:ea typeface="Calibri" charset="0"/>
+                <a:cs typeface="Calibri" charset="0"/>
+              </a:defRPr>
+            </a:lvl1pPr>
+            <a:lvl2pPr marL="742950" indent="-285750" algn="l" rtl="0" eaLnBrk="0" fontAlgn="base" hangingPunct="0">
+              <a:spcBef>
+                <a:spcPct val="20000"/>
+              </a:spcBef>
+              <a:spcAft>
+                <a:spcPct val="0"/>
+              </a:spcAft>
+              <a:buChar char="–"/>
+              <a:defRPr sz="2800">
+                <a:solidFill>
+                  <a:schemeClr val="tx1"/>
+                </a:solidFill>
+                <a:latin typeface="Calibri" charset="0"/>
+                <a:ea typeface="Calibri" charset="0"/>
+                <a:cs typeface="Calibri" charset="0"/>
+              </a:defRPr>
+            </a:lvl2pPr>
+            <a:lvl3pPr marL="1143000" indent="-228600" algn="l" rtl="0" eaLnBrk="0" fontAlgn="base" hangingPunct="0">
+              <a:spcBef>
+                <a:spcPct val="20000"/>
+              </a:spcBef>
+              <a:spcAft>
+                <a:spcPct val="0"/>
+              </a:spcAft>
+              <a:buChar char="•"/>
+              <a:defRPr sz="2400">
+                <a:solidFill>
+                  <a:schemeClr val="tx1"/>
+                </a:solidFill>
+                <a:latin typeface="Calibri" charset="0"/>
+                <a:ea typeface="Calibri" charset="0"/>
+                <a:cs typeface="Calibri" charset="0"/>
+              </a:defRPr>
+            </a:lvl3pPr>
+            <a:lvl4pPr marL="1600200" indent="-228600" algn="l" rtl="0" eaLnBrk="0" fontAlgn="base" hangingPunct="0">
+              <a:spcBef>
+                <a:spcPct val="20000"/>
+              </a:spcBef>
+              <a:spcAft>
+                <a:spcPct val="0"/>
+              </a:spcAft>
+              <a:buChar char="–"/>
+              <a:defRPr sz="2000">
+                <a:solidFill>
+                  <a:schemeClr val="tx1"/>
+                </a:solidFill>
+                <a:latin typeface="Calibri" charset="0"/>
+                <a:ea typeface="Calibri" charset="0"/>
+                <a:cs typeface="Calibri" charset="0"/>
+              </a:defRPr>
+            </a:lvl4pPr>
+            <a:lvl5pPr marL="2057400" indent="-228600" algn="l" rtl="0" eaLnBrk="0" fontAlgn="base" hangingPunct="0">
+              <a:spcBef>
+                <a:spcPct val="20000"/>
+              </a:spcBef>
+              <a:spcAft>
+                <a:spcPct val="0"/>
+              </a:spcAft>
+              <a:buChar char="»"/>
+              <a:defRPr sz="2000">
+                <a:solidFill>
+                  <a:schemeClr val="tx1"/>
+                </a:solidFill>
+                <a:latin typeface="Calibri" charset="0"/>
+                <a:ea typeface="Calibri" charset="0"/>
+                <a:cs typeface="Calibri" charset="0"/>
+              </a:defRPr>
+            </a:lvl5pPr>
+            <a:lvl6pPr marL="2514600" indent="-228600" algn="l" rtl="0" fontAlgn="base">
+              <a:spcBef>
+                <a:spcPct val="20000"/>
+              </a:spcBef>
+              <a:spcAft>
+                <a:spcPct val="0"/>
+              </a:spcAft>
+              <a:buChar char="»"/>
+              <a:defRPr sz="2000">
+                <a:solidFill>
+                  <a:schemeClr val="tx1"/>
+                </a:solidFill>
+                <a:latin typeface="+mn-lt"/>
+                <a:ea typeface="+mn-ea"/>
+              </a:defRPr>
+            </a:lvl6pPr>
+            <a:lvl7pPr marL="2971800" indent="-228600" algn="l" rtl="0" fontAlgn="base">
+              <a:spcBef>
+                <a:spcPct val="20000"/>
+              </a:spcBef>
+              <a:spcAft>
+                <a:spcPct val="0"/>
+              </a:spcAft>
+              <a:buChar char="»"/>
+              <a:defRPr sz="2000">
+                <a:solidFill>
+                  <a:schemeClr val="tx1"/>
+                </a:solidFill>
+                <a:latin typeface="+mn-lt"/>
+                <a:ea typeface="+mn-ea"/>
+              </a:defRPr>
+            </a:lvl7pPr>
+            <a:lvl8pPr marL="3429000" indent="-228600" algn="l" rtl="0" fontAlgn="base">
+              <a:spcBef>
+                <a:spcPct val="20000"/>
+              </a:spcBef>
+              <a:spcAft>
+                <a:spcPct val="0"/>
+              </a:spcAft>
+              <a:buChar char="»"/>
+              <a:defRPr sz="2000">
+                <a:solidFill>
+                  <a:schemeClr val="tx1"/>
+                </a:solidFill>
+                <a:latin typeface="+mn-lt"/>
+                <a:ea typeface="+mn-ea"/>
+              </a:defRPr>
+            </a:lvl8pPr>
+            <a:lvl9pPr marL="3886200" indent="-228600" algn="l" rtl="0" fontAlgn="base">
+              <a:spcBef>
+                <a:spcPct val="20000"/>
+              </a:spcBef>
+              <a:spcAft>
+                <a:spcPct val="0"/>
+              </a:spcAft>
+              <a:buChar char="»"/>
+              <a:defRPr sz="2000">
+                <a:solidFill>
+                  <a:schemeClr val="tx1"/>
+                </a:solidFill>
+                <a:latin typeface="+mn-lt"/>
+                <a:ea typeface="+mn-ea"/>
+              </a:defRPr>
+            </a:lvl9pPr>
+          </a:lstStyle>
+          <a:p>
+            <a:pPr marL="0" indent="0">
+              <a:buNone/>
+            </a:pPr>
+            <a:r>
+              <a:rPr lang="en-US" sz="1200" kern="0" dirty="0"/>
+              <a:t>Direct Measurement Test Packet</a:t>
+            </a:r>
+          </a:p>
+          <a:p>
+            <a:pPr>
+              <a:buFont typeface="+mj-lt"/>
+              <a:buAutoNum type="arabicPeriod"/>
+            </a:pPr>
+            <a:r>
+              <a:rPr lang="en-US" sz="1200" kern="0" dirty="0"/>
+              <a:t>Suitable for collecting data packet counters from hardware – inline counter-stamping</a:t>
+            </a:r>
+          </a:p>
+          <a:p>
+            <a:pPr>
+              <a:buFont typeface="+mj-lt"/>
+              <a:buAutoNum type="arabicPeriod"/>
+            </a:pPr>
+            <a:r>
+              <a:rPr lang="en-US" sz="1200" kern="0" dirty="0"/>
+              <a:t>Direct Measurement Test Packet supports </a:t>
+            </a:r>
+            <a:r>
+              <a:rPr lang="en-US" sz="1200" b="1" kern="0" dirty="0"/>
+              <a:t>32-bit</a:t>
+            </a:r>
+            <a:r>
+              <a:rPr lang="en-US" sz="1200" kern="0" dirty="0"/>
+              <a:t> </a:t>
+            </a:r>
+            <a:r>
+              <a:rPr lang="en-US" sz="1200" b="1" kern="0" dirty="0"/>
+              <a:t>packet and byte </a:t>
+            </a:r>
+            <a:r>
+              <a:rPr lang="en-US" sz="1200" kern="0" dirty="0"/>
+              <a:t>counters</a:t>
+            </a:r>
+          </a:p>
+          <a:p>
+            <a:pPr>
+              <a:buFont typeface="+mj-lt"/>
+              <a:buAutoNum type="arabicPeriod"/>
+            </a:pPr>
+            <a:r>
+              <a:rPr lang="en-US" sz="1200" kern="0" dirty="0"/>
+              <a:t>Direct Measurement Test Packet supports </a:t>
+            </a:r>
+            <a:r>
+              <a:rPr lang="en-US" sz="1200" b="1" kern="0" dirty="0"/>
+              <a:t>64-bit</a:t>
+            </a:r>
+            <a:r>
+              <a:rPr lang="en-US" sz="1200" kern="0" dirty="0"/>
+              <a:t> </a:t>
+            </a:r>
+            <a:r>
+              <a:rPr lang="en-US" sz="1200" b="1" kern="0" dirty="0"/>
+              <a:t>packet and byte </a:t>
+            </a:r>
+            <a:r>
+              <a:rPr lang="en-US" sz="1200" kern="0" dirty="0"/>
+              <a:t>counters</a:t>
+            </a:r>
+          </a:p>
+          <a:p>
+            <a:pPr>
+              <a:buFont typeface="+mj-lt"/>
+              <a:buAutoNum type="arabicPeriod"/>
+            </a:pPr>
+            <a:r>
+              <a:rPr lang="en-US" sz="1200" kern="0" dirty="0"/>
+              <a:t>Direct Measurement Test Packet identifies the block number of the counters - used for alternate marking method (RFC 8321)</a:t>
+            </a:r>
+          </a:p>
+          <a:p>
+            <a:pPr>
+              <a:buFont typeface="+mj-lt"/>
+              <a:buAutoNum type="arabicPeriod"/>
+            </a:pPr>
+            <a:r>
+              <a:rPr lang="en-US" sz="1200" kern="0" dirty="0"/>
+              <a:t>Per traffic-class counter collection (per traffic-class loss measurement) (e.g. drop best effort traffic)</a:t>
+            </a:r>
+          </a:p>
+          <a:p>
+            <a:pPr>
+              <a:buFont typeface="+mj-lt"/>
+              <a:buAutoNum type="arabicPeriod"/>
+            </a:pPr>
+            <a:r>
+              <a:rPr lang="en-US" sz="1200" kern="0" dirty="0"/>
+              <a:t>No various STAMP TLV processing</a:t>
+            </a:r>
+          </a:p>
+          <a:p>
+            <a:pPr>
+              <a:buFont typeface="+mj-lt"/>
+              <a:buAutoNum type="arabicPeriod"/>
+            </a:pPr>
+            <a:r>
+              <a:rPr lang="en-US" sz="1200" kern="0" dirty="0"/>
+              <a:t>Two-way direct measurement for links with reply packet with transmit counter at the same location – important property for hardware counter-stamping </a:t>
+            </a:r>
+          </a:p>
+          <a:p>
+            <a:pPr>
+              <a:buFont typeface="+mj-lt"/>
+              <a:buAutoNum type="arabicPeriod"/>
+            </a:pPr>
             <a:r>
               <a:rPr lang="en-US" sz="1200" dirty="0"/>
-              <a:t>Hardware also not capable to punt with both TS and Counter for the same test packet</a:t>
-            </a:r>
-          </a:p>
-          <a:p>
+              <a:t>Counter at fixed location (Eth 18, IPv6 40, UDP 8, Seq 4, Total = 70 Byte</a:t>
+            </a:r>
+            <a:r>
+              <a:rPr lang="en-US" sz="1200"/>
+              <a:t>), also not </a:t>
+            </a:r>
             <a:r>
               <a:rPr lang="en-US" sz="1200" dirty="0"/>
-              <a:t>Separate UDP port + direct measurement packet format eliminate the complexity in Hardware</a:t>
-            </a:r>
-          </a:p>
-          <a:p>
-            <a:pPr lvl="1"/>
-            <a:r>
-              <a:rPr lang="en-US" sz="1200" dirty="0"/>
-              <a:t>Counter at fixed location (Eth 18, IPv6 40, UDP 8, Seq 4, Total = 70 Byte), not deeper in the packet</a:t>
-            </a:r>
-          </a:p>
-          <a:p>
-            <a:pPr lvl="1"/>
-            <a:endParaRPr lang="en-US" sz="1200" dirty="0"/>
+              <a:t>deeper in the packet</a:t>
+            </a:r>
+            <a:endParaRPr lang="en-US" sz="1200" kern="0" dirty="0"/>
           </a:p>
         </p:txBody>
       </p:sp>
     </p:spTree>
     <p:extLst>
       <p:ext uri="{BB962C8B-B14F-4D97-AF65-F5344CB8AC3E}">
-        <p14:creationId xmlns:p14="http://schemas.microsoft.com/office/powerpoint/2010/main" val="1769466143"/>
+        <p14:creationId xmlns:p14="http://schemas.microsoft.com/office/powerpoint/2010/main" val="671161285"/>
       </p:ext>
     </p:extLst>
   </p:cSld>
@@ -9047,14 +9290,14 @@
               </a14:hiddenLine>
             </a:ext>
             <a:ext uri="{909E8E84-426E-40dd-AFC4-6F175D3DCCD1}">
-              <a14:hiddenFill xmlns:a14="http://schemas.microsoft.com/office/drawing/2010/main" xmlns="">
+              <a14:hiddenFill xmlns="" xmlns:a14="http://schemas.microsoft.com/office/drawing/2010/main">
                 <a:solidFill>
                   <a:srgbClr val="FFFFFF"/>
                 </a:solidFill>
               </a14:hiddenFill>
             </a:ext>
             <a:ext uri="{91240B29-F687-4f45-9708-019B960494DF}">
-              <a14:hiddenLine xmlns:a14="http://schemas.microsoft.com/office/drawing/2010/main" xmlns="" w="9525">
+              <a14:hiddenLine xmlns="" xmlns:a14="http://schemas.microsoft.com/office/drawing/2010/main" w="9525">
                 <a:solidFill>
                   <a:srgbClr val="000000"/>
                 </a:solidFill>
@@ -10983,566 +11226,6 @@
       </p:grpSpPr>
       <p:sp>
         <p:nvSpPr>
-          <p:cNvPr id="2" name="Title 1">
-            <a:extLst>
-              <a:ext uri="{FF2B5EF4-FFF2-40B4-BE49-F238E27FC236}">
-                <a16:creationId xmlns:a16="http://schemas.microsoft.com/office/drawing/2014/main" id="{0C88B8C1-E00C-9540-BBDE-60963DFE2927}"/>
-              </a:ext>
-            </a:extLst>
-          </p:cNvPr>
-          <p:cNvSpPr>
-            <a:spLocks noGrp="1"/>
-          </p:cNvSpPr>
-          <p:nvPr>
-            <p:ph type="title"/>
-          </p:nvPr>
-        </p:nvSpPr>
-        <p:spPr>
-          <a:xfrm>
-            <a:off x="0" y="0"/>
-            <a:ext cx="9144000" cy="857250"/>
-          </a:xfrm>
-        </p:spPr>
-        <p:txBody>
-          <a:bodyPr/>
-          <a:lstStyle/>
-          <a:p>
-            <a:r>
-              <a:rPr lang="en-US" sz="2800" dirty="0">
-                <a:solidFill>
-                  <a:srgbClr val="0070C0"/>
-                </a:solidFill>
-                <a:latin typeface="Calibri Light" panose="020F0302020204030204" pitchFamily="34" charset="0"/>
-                <a:cs typeface="Calibri Light" panose="020F0302020204030204" pitchFamily="34" charset="0"/>
-              </a:rPr>
-              <a:t>Direct Measurement TLV vs. Direct Measurement Test Packet</a:t>
-            </a:r>
-          </a:p>
-        </p:txBody>
-      </p:sp>
-      <p:sp>
-        <p:nvSpPr>
-          <p:cNvPr id="4" name="Footer Placeholder 3">
-            <a:extLst>
-              <a:ext uri="{FF2B5EF4-FFF2-40B4-BE49-F238E27FC236}">
-                <a16:creationId xmlns:a16="http://schemas.microsoft.com/office/drawing/2014/main" id="{CB8D67C0-89E5-374E-B41C-9DEF915C2EEC}"/>
-              </a:ext>
-            </a:extLst>
-          </p:cNvPr>
-          <p:cNvSpPr>
-            <a:spLocks noGrp="1"/>
-          </p:cNvSpPr>
-          <p:nvPr>
-            <p:ph type="ftr" sz="quarter" idx="11"/>
-          </p:nvPr>
-        </p:nvSpPr>
-        <p:spPr/>
-        <p:txBody>
-          <a:bodyPr/>
-          <a:lstStyle/>
-          <a:p>
-            <a:pPr>
-              <a:defRPr/>
-            </a:pPr>
-            <a:r>
-              <a:rPr lang="en-US" altLang="zh-CN"/>
-              <a:t>110</a:t>
-            </a:r>
-            <a:r>
-              <a:rPr lang="en-US" altLang="zh-CN" baseline="30000"/>
-              <a:t>th</a:t>
-            </a:r>
-            <a:r>
-              <a:rPr lang="en-US" altLang="zh-CN"/>
-              <a:t> IETF Online</a:t>
-            </a:r>
-            <a:endParaRPr lang="en-US" altLang="zh-CN" dirty="0"/>
-          </a:p>
-        </p:txBody>
-      </p:sp>
-      <p:sp>
-        <p:nvSpPr>
-          <p:cNvPr id="5" name="Slide Number Placeholder 4">
-            <a:extLst>
-              <a:ext uri="{FF2B5EF4-FFF2-40B4-BE49-F238E27FC236}">
-                <a16:creationId xmlns:a16="http://schemas.microsoft.com/office/drawing/2014/main" id="{133C7FE1-4960-BC41-A460-DC72E1AC9389}"/>
-              </a:ext>
-            </a:extLst>
-          </p:cNvPr>
-          <p:cNvSpPr>
-            <a:spLocks noGrp="1"/>
-          </p:cNvSpPr>
-          <p:nvPr>
-            <p:ph type="sldNum" sz="quarter" idx="12"/>
-          </p:nvPr>
-        </p:nvSpPr>
-        <p:spPr/>
-        <p:txBody>
-          <a:bodyPr/>
-          <a:lstStyle/>
-          <a:p>
-            <a:pPr>
-              <a:defRPr/>
-            </a:pPr>
-            <a:fld id="{BD6E0F59-1DD8-40FC-9C92-B6295CBA6CCA}" type="slidenum">
-              <a:rPr lang="en-US" altLang="zh-CN" smtClean="0"/>
-              <a:pPr>
-                <a:defRPr/>
-              </a:pPr>
-              <a:t>13</a:t>
-            </a:fld>
-            <a:endParaRPr lang="en-US" altLang="zh-CN"/>
-          </a:p>
-        </p:txBody>
-      </p:sp>
-      <p:sp>
-        <p:nvSpPr>
-          <p:cNvPr id="8" name="Content Placeholder 7">
-            <a:extLst>
-              <a:ext uri="{FF2B5EF4-FFF2-40B4-BE49-F238E27FC236}">
-                <a16:creationId xmlns:a16="http://schemas.microsoft.com/office/drawing/2014/main" id="{466A720A-6AD8-EC49-B5E6-EC81581B621A}"/>
-              </a:ext>
-            </a:extLst>
-          </p:cNvPr>
-          <p:cNvSpPr>
-            <a:spLocks noGrp="1"/>
-          </p:cNvSpPr>
-          <p:nvPr>
-            <p:ph idx="1"/>
-          </p:nvPr>
-        </p:nvSpPr>
-        <p:spPr>
-          <a:xfrm>
-            <a:off x="254725" y="874514"/>
-            <a:ext cx="4474029" cy="3809404"/>
-          </a:xfrm>
-          <a:ln>
-            <a:solidFill>
-              <a:schemeClr val="accent1"/>
-            </a:solidFill>
-          </a:ln>
-        </p:spPr>
-        <p:txBody>
-          <a:bodyPr/>
-          <a:lstStyle/>
-          <a:p>
-            <a:pPr marL="0" indent="0">
-              <a:buNone/>
-            </a:pPr>
-            <a:r>
-              <a:rPr lang="en-US" sz="1200" dirty="0"/>
-              <a:t>Direct Measurement TLV </a:t>
-            </a:r>
-          </a:p>
-          <a:p>
-            <a:pPr>
-              <a:buFont typeface="+mj-lt"/>
-              <a:buAutoNum type="arabicPeriod"/>
-            </a:pPr>
-            <a:r>
-              <a:rPr lang="en-US" sz="1200" dirty="0"/>
-              <a:t>Suitable for collecting data packet counters from control plane (distributed forwarding plane)</a:t>
-            </a:r>
-          </a:p>
-          <a:p>
-            <a:pPr>
-              <a:buFont typeface="+mj-lt"/>
-              <a:buAutoNum type="arabicPeriod"/>
-            </a:pPr>
-            <a:r>
-              <a:rPr lang="en-US" sz="1200" dirty="0"/>
-              <a:t>Direct Measurement TLV supports </a:t>
-            </a:r>
-            <a:r>
-              <a:rPr lang="en-US" sz="1200" b="1" dirty="0"/>
-              <a:t>32-bit packet</a:t>
-            </a:r>
-            <a:r>
-              <a:rPr lang="en-US" sz="1200" dirty="0"/>
-              <a:t> counters</a:t>
-            </a:r>
-          </a:p>
-          <a:p>
-            <a:pPr>
-              <a:buFont typeface="+mj-lt"/>
-              <a:buAutoNum type="arabicPeriod"/>
-            </a:pPr>
-            <a:r>
-              <a:rPr lang="en-US" sz="1200" dirty="0"/>
-              <a:t>Does not support per-traffic class direct measurement (DSCP TLV processing not specified for Counters)</a:t>
-            </a:r>
-          </a:p>
-          <a:p>
-            <a:pPr>
-              <a:buFont typeface="+mj-lt"/>
-              <a:buAutoNum type="arabicPeriod"/>
-            </a:pPr>
-            <a:r>
-              <a:rPr lang="en-US" sz="1200" dirty="0"/>
-              <a:t>Various STAMP TLV processing required</a:t>
-            </a:r>
-          </a:p>
-        </p:txBody>
-      </p:sp>
-      <p:sp>
-        <p:nvSpPr>
-          <p:cNvPr id="9" name="Content Placeholder 7">
-            <a:extLst>
-              <a:ext uri="{FF2B5EF4-FFF2-40B4-BE49-F238E27FC236}">
-                <a16:creationId xmlns:a16="http://schemas.microsoft.com/office/drawing/2014/main" id="{FA87E178-4F83-6041-AC6A-C4AD6FF8ED38}"/>
-              </a:ext>
-            </a:extLst>
-          </p:cNvPr>
-          <p:cNvSpPr txBox="1">
-            <a:spLocks/>
-          </p:cNvSpPr>
-          <p:nvPr/>
-        </p:nvSpPr>
-        <p:spPr bwMode="auto">
-          <a:xfrm>
-            <a:off x="4724400" y="874513"/>
-            <a:ext cx="4223658" cy="3809405"/>
-          </a:xfrm>
-          <a:prstGeom prst="rect">
-            <a:avLst/>
-          </a:prstGeom>
-          <a:noFill/>
-          <a:ln w="9525">
-            <a:solidFill>
-              <a:schemeClr val="accent1"/>
-            </a:solidFill>
-            <a:miter lim="800000"/>
-            <a:headEnd/>
-            <a:tailEnd/>
-          </a:ln>
-        </p:spPr>
-        <p:txBody>
-          <a:bodyPr vert="horz" wrap="square" lIns="91440" tIns="45720" rIns="91440" bIns="45720" numCol="1" anchor="t" anchorCtr="0" compatLnSpc="1">
-            <a:prstTxWarp prst="textNoShape">
-              <a:avLst/>
-            </a:prstTxWarp>
-          </a:bodyPr>
-          <a:lstStyle>
-            <a:lvl1pPr marL="342900" indent="-342900" algn="l" rtl="0" eaLnBrk="0" fontAlgn="base" hangingPunct="0">
-              <a:spcBef>
-                <a:spcPct val="20000"/>
-              </a:spcBef>
-              <a:spcAft>
-                <a:spcPct val="0"/>
-              </a:spcAft>
-              <a:buChar char="•"/>
-              <a:defRPr sz="3200">
-                <a:solidFill>
-                  <a:schemeClr val="tx1"/>
-                </a:solidFill>
-                <a:latin typeface="Calibri" charset="0"/>
-                <a:ea typeface="Calibri" charset="0"/>
-                <a:cs typeface="Calibri" charset="0"/>
-              </a:defRPr>
-            </a:lvl1pPr>
-            <a:lvl2pPr marL="742950" indent="-285750" algn="l" rtl="0" eaLnBrk="0" fontAlgn="base" hangingPunct="0">
-              <a:spcBef>
-                <a:spcPct val="20000"/>
-              </a:spcBef>
-              <a:spcAft>
-                <a:spcPct val="0"/>
-              </a:spcAft>
-              <a:buChar char="–"/>
-              <a:defRPr sz="2800">
-                <a:solidFill>
-                  <a:schemeClr val="tx1"/>
-                </a:solidFill>
-                <a:latin typeface="Calibri" charset="0"/>
-                <a:ea typeface="Calibri" charset="0"/>
-                <a:cs typeface="Calibri" charset="0"/>
-              </a:defRPr>
-            </a:lvl2pPr>
-            <a:lvl3pPr marL="1143000" indent="-228600" algn="l" rtl="0" eaLnBrk="0" fontAlgn="base" hangingPunct="0">
-              <a:spcBef>
-                <a:spcPct val="20000"/>
-              </a:spcBef>
-              <a:spcAft>
-                <a:spcPct val="0"/>
-              </a:spcAft>
-              <a:buChar char="•"/>
-              <a:defRPr sz="2400">
-                <a:solidFill>
-                  <a:schemeClr val="tx1"/>
-                </a:solidFill>
-                <a:latin typeface="Calibri" charset="0"/>
-                <a:ea typeface="Calibri" charset="0"/>
-                <a:cs typeface="Calibri" charset="0"/>
-              </a:defRPr>
-            </a:lvl3pPr>
-            <a:lvl4pPr marL="1600200" indent="-228600" algn="l" rtl="0" eaLnBrk="0" fontAlgn="base" hangingPunct="0">
-              <a:spcBef>
-                <a:spcPct val="20000"/>
-              </a:spcBef>
-              <a:spcAft>
-                <a:spcPct val="0"/>
-              </a:spcAft>
-              <a:buChar char="–"/>
-              <a:defRPr sz="2000">
-                <a:solidFill>
-                  <a:schemeClr val="tx1"/>
-                </a:solidFill>
-                <a:latin typeface="Calibri" charset="0"/>
-                <a:ea typeface="Calibri" charset="0"/>
-                <a:cs typeface="Calibri" charset="0"/>
-              </a:defRPr>
-            </a:lvl4pPr>
-            <a:lvl5pPr marL="2057400" indent="-228600" algn="l" rtl="0" eaLnBrk="0" fontAlgn="base" hangingPunct="0">
-              <a:spcBef>
-                <a:spcPct val="20000"/>
-              </a:spcBef>
-              <a:spcAft>
-                <a:spcPct val="0"/>
-              </a:spcAft>
-              <a:buChar char="»"/>
-              <a:defRPr sz="2000">
-                <a:solidFill>
-                  <a:schemeClr val="tx1"/>
-                </a:solidFill>
-                <a:latin typeface="Calibri" charset="0"/>
-                <a:ea typeface="Calibri" charset="0"/>
-                <a:cs typeface="Calibri" charset="0"/>
-              </a:defRPr>
-            </a:lvl5pPr>
-            <a:lvl6pPr marL="2514600" indent="-228600" algn="l" rtl="0" fontAlgn="base">
-              <a:spcBef>
-                <a:spcPct val="20000"/>
-              </a:spcBef>
-              <a:spcAft>
-                <a:spcPct val="0"/>
-              </a:spcAft>
-              <a:buChar char="»"/>
-              <a:defRPr sz="2000">
-                <a:solidFill>
-                  <a:schemeClr val="tx1"/>
-                </a:solidFill>
-                <a:latin typeface="+mn-lt"/>
-                <a:ea typeface="+mn-ea"/>
-              </a:defRPr>
-            </a:lvl6pPr>
-            <a:lvl7pPr marL="2971800" indent="-228600" algn="l" rtl="0" fontAlgn="base">
-              <a:spcBef>
-                <a:spcPct val="20000"/>
-              </a:spcBef>
-              <a:spcAft>
-                <a:spcPct val="0"/>
-              </a:spcAft>
-              <a:buChar char="»"/>
-              <a:defRPr sz="2000">
-                <a:solidFill>
-                  <a:schemeClr val="tx1"/>
-                </a:solidFill>
-                <a:latin typeface="+mn-lt"/>
-                <a:ea typeface="+mn-ea"/>
-              </a:defRPr>
-            </a:lvl7pPr>
-            <a:lvl8pPr marL="3429000" indent="-228600" algn="l" rtl="0" fontAlgn="base">
-              <a:spcBef>
-                <a:spcPct val="20000"/>
-              </a:spcBef>
-              <a:spcAft>
-                <a:spcPct val="0"/>
-              </a:spcAft>
-              <a:buChar char="»"/>
-              <a:defRPr sz="2000">
-                <a:solidFill>
-                  <a:schemeClr val="tx1"/>
-                </a:solidFill>
-                <a:latin typeface="+mn-lt"/>
-                <a:ea typeface="+mn-ea"/>
-              </a:defRPr>
-            </a:lvl8pPr>
-            <a:lvl9pPr marL="3886200" indent="-228600" algn="l" rtl="0" fontAlgn="base">
-              <a:spcBef>
-                <a:spcPct val="20000"/>
-              </a:spcBef>
-              <a:spcAft>
-                <a:spcPct val="0"/>
-              </a:spcAft>
-              <a:buChar char="»"/>
-              <a:defRPr sz="2000">
-                <a:solidFill>
-                  <a:schemeClr val="tx1"/>
-                </a:solidFill>
-                <a:latin typeface="+mn-lt"/>
-                <a:ea typeface="+mn-ea"/>
-              </a:defRPr>
-            </a:lvl9pPr>
-          </a:lstStyle>
-          <a:p>
-            <a:pPr marL="0" indent="0">
-              <a:buNone/>
-            </a:pPr>
-            <a:r>
-              <a:rPr lang="en-US" sz="1200" kern="0" dirty="0"/>
-              <a:t>Direct Measurement Test Packet</a:t>
-            </a:r>
-          </a:p>
-          <a:p>
-            <a:pPr>
-              <a:buFont typeface="+mj-lt"/>
-              <a:buAutoNum type="arabicPeriod"/>
-            </a:pPr>
-            <a:r>
-              <a:rPr lang="en-US" sz="1200" kern="0" dirty="0"/>
-              <a:t>Suitable for collecting data packet counters from hardware – inline counter-stamping</a:t>
-            </a:r>
-          </a:p>
-          <a:p>
-            <a:pPr>
-              <a:buFont typeface="+mj-lt"/>
-              <a:buAutoNum type="arabicPeriod"/>
-            </a:pPr>
-            <a:r>
-              <a:rPr lang="en-US" sz="1200" kern="0" dirty="0"/>
-              <a:t>Direct Measurement Test Packet supports </a:t>
-            </a:r>
-            <a:r>
-              <a:rPr lang="en-US" sz="1200" b="1" kern="0" dirty="0"/>
-              <a:t>32-bit</a:t>
-            </a:r>
-            <a:r>
-              <a:rPr lang="en-US" sz="1200" kern="0" dirty="0"/>
-              <a:t> </a:t>
-            </a:r>
-            <a:r>
-              <a:rPr lang="en-US" sz="1200" b="1" kern="0" dirty="0"/>
-              <a:t>packet and byte </a:t>
-            </a:r>
-            <a:r>
-              <a:rPr lang="en-US" sz="1200" kern="0" dirty="0"/>
-              <a:t>counters</a:t>
-            </a:r>
-          </a:p>
-          <a:p>
-            <a:pPr>
-              <a:buFont typeface="+mj-lt"/>
-              <a:buAutoNum type="arabicPeriod"/>
-            </a:pPr>
-            <a:r>
-              <a:rPr lang="en-US" sz="1200" kern="0" dirty="0"/>
-              <a:t>Direct Measurement Test Packet supports </a:t>
-            </a:r>
-            <a:r>
-              <a:rPr lang="en-US" sz="1200" b="1" kern="0" dirty="0"/>
-              <a:t>64-bit</a:t>
-            </a:r>
-            <a:r>
-              <a:rPr lang="en-US" sz="1200" kern="0" dirty="0"/>
-              <a:t> </a:t>
-            </a:r>
-            <a:r>
-              <a:rPr lang="en-US" sz="1200" b="1" kern="0" dirty="0"/>
-              <a:t>packet and byte </a:t>
-            </a:r>
-            <a:r>
-              <a:rPr lang="en-US" sz="1200" kern="0" dirty="0"/>
-              <a:t>counters</a:t>
-            </a:r>
-          </a:p>
-          <a:p>
-            <a:pPr>
-              <a:buFont typeface="+mj-lt"/>
-              <a:buAutoNum type="arabicPeriod"/>
-            </a:pPr>
-            <a:r>
-              <a:rPr lang="en-US" sz="1200" kern="0" dirty="0"/>
-              <a:t>Direct Measurement Test Packet identifies the block number of the counters - used for alternate marking method (RFC 8321)</a:t>
-            </a:r>
-          </a:p>
-          <a:p>
-            <a:pPr>
-              <a:buFont typeface="+mj-lt"/>
-              <a:buAutoNum type="arabicPeriod"/>
-            </a:pPr>
-            <a:r>
-              <a:rPr lang="en-US" sz="1200" kern="0" dirty="0"/>
-              <a:t>Per traffic-class counter collection (per traffic-class loss measurement) (e.g. drop best effort traffic)</a:t>
-            </a:r>
-          </a:p>
-          <a:p>
-            <a:pPr>
-              <a:buFont typeface="+mj-lt"/>
-              <a:buAutoNum type="arabicPeriod"/>
-            </a:pPr>
-            <a:r>
-              <a:rPr lang="en-US" sz="1200" kern="0" dirty="0"/>
-              <a:t>No STAMP TLV processing</a:t>
-            </a:r>
-          </a:p>
-          <a:p>
-            <a:pPr>
-              <a:buFont typeface="+mj-lt"/>
-              <a:buAutoNum type="arabicPeriod"/>
-            </a:pPr>
-            <a:r>
-              <a:rPr lang="en-US" sz="1200" kern="0" dirty="0"/>
-              <a:t>Two-way direct </a:t>
-            </a:r>
-            <a:r>
-              <a:rPr lang="en-US" sz="1200" kern="0" dirty="0" err="1"/>
-              <a:t>meadurement</a:t>
-            </a:r>
-            <a:r>
-              <a:rPr lang="en-US" sz="1200" kern="0" dirty="0"/>
-              <a:t> for links with reply packet with transmit counter at the same location – important property for hardware counter-stamping </a:t>
-            </a:r>
-          </a:p>
-          <a:p>
-            <a:pPr>
-              <a:buFont typeface="+mj-lt"/>
-              <a:buAutoNum type="arabicPeriod"/>
-            </a:pPr>
-            <a:r>
-              <a:rPr lang="en-US" sz="1200" kern="0" dirty="0"/>
-              <a:t>Matching the functionality supported by RFC6374</a:t>
-            </a:r>
-          </a:p>
-          <a:p>
-            <a:pPr>
-              <a:buFont typeface="+mj-lt"/>
-              <a:buAutoNum type="arabicPeriod"/>
-            </a:pPr>
-            <a:endParaRPr lang="en-US" sz="1200" kern="0" dirty="0"/>
-          </a:p>
-        </p:txBody>
-      </p:sp>
-    </p:spTree>
-    <p:extLst>
-      <p:ext uri="{BB962C8B-B14F-4D97-AF65-F5344CB8AC3E}">
-        <p14:creationId xmlns:p14="http://schemas.microsoft.com/office/powerpoint/2010/main" val="671161285"/>
-      </p:ext>
-    </p:extLst>
-  </p:cSld>
-  <p:clrMapOvr>
-    <a:masterClrMapping/>
-  </p:clrMapOvr>
-</p:sld>
-</file>
-
-<file path=ppt/slides/slide14.xml><?xml version="1.0" encoding="utf-8"?>
-<p:sld xmlns:a="http://schemas.openxmlformats.org/drawingml/2006/main" xmlns:r="http://schemas.openxmlformats.org/officeDocument/2006/relationships" xmlns:p="http://schemas.openxmlformats.org/presentationml/2006/main">
-  <p:cSld>
-    <p:spTree>
-      <p:nvGrpSpPr>
-        <p:cNvPr id="1" name=""/>
-        <p:cNvGrpSpPr/>
-        <p:nvPr/>
-      </p:nvGrpSpPr>
-      <p:grpSpPr>
-        <a:xfrm>
-          <a:off x="0" y="0"/>
-          <a:ext cx="0" cy="0"/>
-          <a:chOff x="0" y="0"/>
-          <a:chExt cx="0" cy="0"/>
-        </a:xfrm>
-      </p:grpSpPr>
-      <p:sp>
-        <p:nvSpPr>
           <p:cNvPr id="2" name="Title 1"/>
           <p:cNvSpPr>
             <a:spLocks noGrp="1"/>
@@ -11683,7 +11366,7 @@
               <a:pPr>
                 <a:defRPr/>
               </a:pPr>
-              <a:t>14</a:t>
+              <a:t>13</a:t>
             </a:fld>
             <a:endParaRPr lang="en-US" altLang="zh-CN" dirty="0"/>
           </a:p>
@@ -11702,7 +11385,7 @@
 </p:sld>
 </file>
 
-<file path=ppt/slides/slide15.xml><?xml version="1.0" encoding="utf-8"?>
+<file path=ppt/slides/slide14.xml><?xml version="1.0" encoding="utf-8"?>
 <p:sld xmlns:a="http://schemas.openxmlformats.org/drawingml/2006/main" xmlns:r="http://schemas.openxmlformats.org/officeDocument/2006/relationships" xmlns:p="http://schemas.openxmlformats.org/presentationml/2006/main">
   <p:cSld>
     <p:spTree>
@@ -11966,7 +11649,7 @@
               <a:pPr>
                 <a:defRPr/>
               </a:pPr>
-              <a:t>15</a:t>
+              <a:t>14</a:t>
             </a:fld>
             <a:endParaRPr lang="en-US" altLang="zh-CN" dirty="0"/>
           </a:p>
@@ -11985,7 +11668,7 @@
 </p:sld>
 </file>
 
-<file path=ppt/slides/slide16.xml><?xml version="1.0" encoding="utf-8"?>
+<file path=ppt/slides/slide15.xml><?xml version="1.0" encoding="utf-8"?>
 <p:sld xmlns:a="http://schemas.openxmlformats.org/drawingml/2006/main" xmlns:r="http://schemas.openxmlformats.org/officeDocument/2006/relationships" xmlns:p="http://schemas.openxmlformats.org/presentationml/2006/main">
   <p:cSld>
     <p:spTree>
@@ -13629,7 +13312,7 @@
               <a:pPr algn="r">
                 <a:defRPr/>
               </a:pPr>
-              <a:t>16</a:t>
+              <a:t>15</a:t>
             </a:fld>
             <a:endParaRPr lang="en-US" altLang="zh-CN" sz="1400" dirty="0">
               <a:latin typeface="Calibri" panose="020F0502020204030204" pitchFamily="34" charset="0"/>

--- a/draft-gandhi-ippm-stamp-srpm-01.pptx
+++ b/draft-gandhi-ippm-stamp-srpm-01.pptx
@@ -258,7 +258,7 @@
           <a:p>
             <a:fld id="{E8FA3DB5-7722-3F4F-947D-12B203669AD7}" type="datetimeFigureOut">
               <a:rPr lang="en-US" smtClean="0"/>
-              <a:t>1/16/21</a:t>
+              <a:t>1/17/21</a:t>
             </a:fld>
             <a:endParaRPr lang="en-US"/>
           </a:p>
@@ -2424,14 +2424,14 @@
           </a:ln>
           <a:extLst>
             <a:ext uri="{909E8E84-426E-40dd-AFC4-6F175D3DCCD1}">
-              <a14:hiddenFill xmlns="" xmlns:a14="http://schemas.microsoft.com/office/drawing/2010/main">
+              <a14:hiddenFill xmlns:a14="http://schemas.microsoft.com/office/drawing/2010/main" xmlns="">
                 <a:solidFill>
                   <a:srgbClr val="FFFFFF"/>
                 </a:solidFill>
               </a14:hiddenFill>
             </a:ext>
             <a:ext uri="{91240B29-F687-4f45-9708-019B960494DF}">
-              <a14:hiddenLine xmlns="" xmlns:a14="http://schemas.microsoft.com/office/drawing/2010/main" w="9525">
+              <a14:hiddenLine xmlns:a14="http://schemas.microsoft.com/office/drawing/2010/main" xmlns="" w="9525">
                 <a:solidFill>
                   <a:srgbClr val="000000"/>
                 </a:solidFill>
@@ -2684,7 +2684,7 @@
               </a14:hiddenLine>
             </a:ext>
             <a:ext uri="{FAA26D3D-D897-4be2-8F04-BA451C77F1D7}">
-              <ma14:placeholderFlag xmlns="" xmlns:ma14="http://schemas.microsoft.com/office/mac/drawingml/2011/main" val="1"/>
+              <ma14:placeholderFlag xmlns:ma14="http://schemas.microsoft.com/office/mac/drawingml/2011/main" xmlns="" val="1"/>
             </a:ext>
           </a:extLst>
         </p:spPr>
@@ -5729,7 +5729,7 @@
                 <a:latin typeface="Calibri Light" panose="020F0302020204030204" pitchFamily="34" charset="0"/>
                 <a:cs typeface="Calibri Light" panose="020F0302020204030204" pitchFamily="34" charset="0"/>
               </a:rPr>
-              <a:t>STAMP - Stand-alone Direct Measurement Test Packet</a:t>
+              <a:t>Stand-alone Direct Measurement Test Packet</a:t>
             </a:r>
           </a:p>
         </p:txBody>
@@ -5997,7 +5997,7 @@
           <a:p>
             <a:r>
               <a:rPr lang="en-US" sz="1400" kern="0" dirty="0"/>
-              <a:t>Does not modify existing STAMP procedure as different destination UDP port is used for direct measurement test packets</a:t>
+              <a:t>Does not modify the existing STAMP procedure as different destination UDP port is used for direct measurement test packets</a:t>
             </a:r>
           </a:p>
           <a:p>
@@ -8688,7 +8688,7 @@
             </a:pPr>
             <a:r>
               <a:rPr lang="en-US" sz="1200" dirty="0"/>
-              <a:t>Direct Measurement TLV </a:t>
+              <a:t>STAMP Direct Measurement TLV </a:t>
             </a:r>
           </a:p>
           <a:p>
@@ -8736,7 +8736,7 @@
             </a:pPr>
             <a:r>
               <a:rPr lang="en-US" sz="1200" dirty="0"/>
-              <a:t>Various STAMP TLV processing required</a:t>
+              <a:t>STAMP TLV extensions</a:t>
             </a:r>
           </a:p>
           <a:p>
@@ -8756,7 +8756,7 @@
             </a:pPr>
             <a:r>
               <a:rPr lang="en-US" sz="1200" dirty="0"/>
-              <a:t>Counter deeper into the packet (Eth 18, IPv6 40, UDP 8, STAMP 44, TLV Type 4, Total = 114 Byte) – load into write-able memory</a:t>
+              <a:t>Counter location deeper into the packet (Eth 18, IPv6 40, UDP 8, STAMP 44, TLV Type 4, Total = 114 Byte) – load into write-able memory</a:t>
             </a:r>
           </a:p>
           <a:p>
@@ -9075,7 +9075,7 @@
             </a:pPr>
             <a:r>
               <a:rPr lang="en-US" sz="1200" kern="0" dirty="0"/>
-              <a:t>No various STAMP TLV processing</a:t>
+              <a:t>No TLV extensions</a:t>
             </a:r>
           </a:p>
           <a:p>
@@ -9095,15 +9095,17 @@
             </a:pPr>
             <a:r>
               <a:rPr lang="en-US" sz="1200" dirty="0"/>
-              <a:t>Counter at fixed location (Eth 18, IPv6 40, UDP 8, Seq 4, Total = 70 Byte</a:t>
-            </a:r>
-            <a:r>
-              <a:rPr lang="en-US" sz="1200"/>
-              <a:t>), also not </a:t>
-            </a:r>
+              <a:t>Counter at fixed location</a:t>
+            </a:r>
+          </a:p>
+          <a:p>
+            <a:pPr>
+              <a:buFont typeface="+mj-lt"/>
+              <a:buAutoNum type="arabicPeriod"/>
+            </a:pPr>
             <a:r>
               <a:rPr lang="en-US" sz="1200" dirty="0"/>
-              <a:t>deeper in the packet</a:t>
+              <a:t>Counter location earlier into the packet  (Eth 18, IPv6 40, UDP 8, Seq 4, Total = 70 Byte)</a:t>
             </a:r>
             <a:endParaRPr lang="en-US" sz="1200" kern="0" dirty="0"/>
           </a:p>
@@ -9290,14 +9292,14 @@
               </a14:hiddenLine>
             </a:ext>
             <a:ext uri="{909E8E84-426E-40dd-AFC4-6F175D3DCCD1}">
-              <a14:hiddenFill xmlns="" xmlns:a14="http://schemas.microsoft.com/office/drawing/2010/main">
+              <a14:hiddenFill xmlns:a14="http://schemas.microsoft.com/office/drawing/2010/main" xmlns="">
                 <a:solidFill>
                   <a:srgbClr val="FFFFFF"/>
                 </a:solidFill>
               </a14:hiddenFill>
             </a:ext>
             <a:ext uri="{91240B29-F687-4f45-9708-019B960494DF}">
-              <a14:hiddenLine xmlns="" xmlns:a14="http://schemas.microsoft.com/office/drawing/2010/main" w="9525">
+              <a14:hiddenLine xmlns:a14="http://schemas.microsoft.com/office/drawing/2010/main" xmlns="" w="9525">
                 <a:solidFill>
                   <a:srgbClr val="000000"/>
                 </a:solidFill>

--- a/draft-gandhi-ippm-stamp-srpm-01.pptx
+++ b/draft-gandhi-ippm-stamp-srpm-01.pptx
@@ -2424,14 +2424,14 @@
           </a:ln>
           <a:extLst>
             <a:ext uri="{909E8E84-426E-40dd-AFC4-6F175D3DCCD1}">
-              <a14:hiddenFill xmlns:a14="http://schemas.microsoft.com/office/drawing/2010/main" xmlns="">
+              <a14:hiddenFill xmlns="" xmlns:a14="http://schemas.microsoft.com/office/drawing/2010/main">
                 <a:solidFill>
                   <a:srgbClr val="FFFFFF"/>
                 </a:solidFill>
               </a14:hiddenFill>
             </a:ext>
             <a:ext uri="{91240B29-F687-4f45-9708-019B960494DF}">
-              <a14:hiddenLine xmlns:a14="http://schemas.microsoft.com/office/drawing/2010/main" xmlns="" w="9525">
+              <a14:hiddenLine xmlns="" xmlns:a14="http://schemas.microsoft.com/office/drawing/2010/main" w="9525">
                 <a:solidFill>
                   <a:srgbClr val="000000"/>
                 </a:solidFill>
@@ -2684,7 +2684,7 @@
               </a14:hiddenLine>
             </a:ext>
             <a:ext uri="{FAA26D3D-D897-4be2-8F04-BA451C77F1D7}">
-              <ma14:placeholderFlag xmlns:ma14="http://schemas.microsoft.com/office/mac/drawingml/2011/main" xmlns="" val="1"/>
+              <ma14:placeholderFlag xmlns="" xmlns:ma14="http://schemas.microsoft.com/office/mac/drawingml/2011/main" val="1"/>
             </a:ext>
           </a:extLst>
         </p:spPr>
@@ -5952,37 +5952,37 @@
           </a:lstStyle>
           <a:p>
             <a:r>
-              <a:rPr lang="en-US" sz="1400" kern="0" dirty="0"/>
+              <a:rPr lang="en-US" sz="1200" kern="0" dirty="0"/>
               <a:t>Stand-alone Direct Measurement test packet defined</a:t>
             </a:r>
           </a:p>
           <a:p>
             <a:pPr lvl="1"/>
             <a:r>
-              <a:rPr lang="en-US" sz="1400" kern="0" dirty="0"/>
+              <a:rPr lang="en-US" sz="1200" kern="0" dirty="0"/>
               <a:t>Hardware efficient counter-stamping</a:t>
             </a:r>
           </a:p>
           <a:p>
             <a:pPr lvl="2"/>
             <a:r>
-              <a:rPr lang="en-US" sz="1400" kern="0" dirty="0"/>
+              <a:rPr lang="en-US" sz="1200" kern="0" dirty="0"/>
               <a:t>Well-known locations for transmit and receive traffic counters</a:t>
             </a:r>
           </a:p>
           <a:p>
             <a:r>
-              <a:rPr lang="en-US" sz="1400" kern="0" dirty="0"/>
+              <a:rPr lang="en-US" sz="1200" kern="0" dirty="0"/>
               <a:t>Direct Measurement packet is also defined for authenticated mode</a:t>
             </a:r>
           </a:p>
           <a:p>
             <a:r>
-              <a:rPr lang="en-US" sz="1400" kern="0" dirty="0"/>
+              <a:rPr lang="en-US" sz="1200" kern="0" dirty="0"/>
               <a:t>User-configured destination UDP </a:t>
             </a:r>
             <a:r>
-              <a:rPr lang="en-US" sz="1400" b="1" kern="0" dirty="0">
+              <a:rPr lang="en-US" sz="1200" b="1" kern="0" dirty="0">
                 <a:solidFill>
                   <a:srgbClr val="0070C0"/>
                 </a:solidFill>
@@ -5990,34 +5990,46 @@
               <a:t>Port2</a:t>
             </a:r>
             <a:r>
-              <a:rPr lang="en-US" sz="1400" kern="0" dirty="0"/>
+              <a:rPr lang="en-US" sz="1200" kern="0" dirty="0"/>
               <a:t> is used for identifying direct measurement test packets</a:t>
             </a:r>
           </a:p>
           <a:p>
             <a:r>
-              <a:rPr lang="en-US" sz="1400" kern="0" dirty="0"/>
+              <a:rPr lang="en-US" sz="1200" kern="0" dirty="0"/>
               <a:t>Does not modify the existing STAMP procedure as different destination UDP port is used for direct measurement test packets</a:t>
             </a:r>
           </a:p>
           <a:p>
-            <a:endParaRPr lang="en-US" sz="1400" kern="0" dirty="0"/>
-          </a:p>
-          <a:p>
-            <a:r>
-              <a:rPr lang="en-US" sz="1400" kern="0" dirty="0"/>
+            <a:endParaRPr lang="en-US" sz="1200" kern="0" dirty="0"/>
+          </a:p>
+          <a:p>
+            <a:pPr marL="0" indent="0">
+              <a:buNone/>
+            </a:pPr>
+            <a:r>
+              <a:rPr lang="en-US" sz="1200" kern="0" dirty="0"/>
+              <a:t>Flags</a:t>
+            </a:r>
+          </a:p>
+          <a:p>
+            <a:pPr lvl="1"/>
+            <a:r>
+              <a:rPr lang="en-US" sz="1200" kern="0" dirty="0"/>
               <a:t>X set to 1 for 64-Bit Counter, set to 0 for 32-Bit Counter</a:t>
             </a:r>
           </a:p>
           <a:p>
-            <a:r>
-              <a:rPr lang="en-US" sz="1400" kern="0" dirty="0"/>
+            <a:pPr lvl="1"/>
+            <a:r>
+              <a:rPr lang="en-US" sz="1200" kern="0" dirty="0"/>
               <a:t>B set to 1 for Byte Counter, set to 0 for Packet Counter</a:t>
             </a:r>
           </a:p>
           <a:p>
-            <a:r>
-              <a:rPr lang="en-US" sz="1400" kern="0" dirty="0"/>
+            <a:pPr lvl="1"/>
+            <a:r>
+              <a:rPr lang="en-US" sz="1200" kern="0" dirty="0"/>
               <a:t>T set to 1 for Sender-DSCP scoped Counter</a:t>
             </a:r>
           </a:p>
@@ -7109,7 +7121,7 @@
                 <a:ea typeface="Times New Roman" panose="02020603050405020304" pitchFamily="18" charset="0"/>
                 <a:cs typeface="Courier New" panose="02070309020205020404" pitchFamily="49" charset="0"/>
               </a:rPr>
-              <a:t>Port2</a:t>
+              <a:t>Port2 direct measurement  </a:t>
             </a:r>
             <a:r>
               <a:rPr kumimoji="0" lang="en-US" altLang="en-US" sz="800" u="none" strike="noStrike" cap="none" normalizeH="0" baseline="0" dirty="0">
@@ -7124,7 +7136,7 @@
                 <a:ea typeface="Times New Roman" panose="02020603050405020304" pitchFamily="18" charset="0"/>
                 <a:cs typeface="Courier New" panose="02070309020205020404" pitchFamily="49" charset="0"/>
               </a:rPr>
-              <a:t> for Loss Measurement.</a:t>
+              <a:t>.</a:t>
             </a:r>
             <a:endParaRPr kumimoji="0" lang="en-US" altLang="en-US" sz="600" u="none" strike="noStrike" cap="none" normalizeH="0" baseline="0" dirty="0">
               <a:ln>
@@ -8593,7 +8605,12 @@
             <p:ph type="ftr" sz="quarter" idx="11"/>
           </p:nvPr>
         </p:nvSpPr>
-        <p:spPr/>
+        <p:spPr>
+          <a:xfrm>
+            <a:off x="3124200" y="4770411"/>
+            <a:ext cx="2895600" cy="357188"/>
+          </a:xfrm>
+        </p:spPr>
         <p:txBody>
           <a:bodyPr/>
           <a:lstStyle/>
@@ -8602,18 +8619,17 @@
               <a:defRPr/>
             </a:pPr>
             <a:r>
-              <a:rPr lang="en-US" altLang="zh-CN"/>
+              <a:rPr lang="en-US" altLang="zh-CN" dirty="0"/>
               <a:t>110</a:t>
             </a:r>
             <a:r>
-              <a:rPr lang="en-US" altLang="zh-CN" baseline="30000"/>
+              <a:rPr lang="en-US" altLang="zh-CN" baseline="30000" dirty="0"/>
               <a:t>th</a:t>
             </a:r>
             <a:r>
-              <a:rPr lang="en-US" altLang="zh-CN"/>
+              <a:rPr lang="en-US" altLang="zh-CN" dirty="0"/>
               <a:t> IETF Online</a:t>
             </a:r>
-            <a:endParaRPr lang="en-US" altLang="zh-CN" dirty="0"/>
           </a:p>
         </p:txBody>
       </p:sp>
@@ -8633,7 +8649,12 @@
             <p:ph type="sldNum" sz="quarter" idx="12"/>
           </p:nvPr>
         </p:nvSpPr>
-        <p:spPr/>
+        <p:spPr>
+          <a:xfrm>
+            <a:off x="6553200" y="4752512"/>
+            <a:ext cx="2133600" cy="357188"/>
+          </a:xfrm>
+        </p:spPr>
         <p:txBody>
           <a:bodyPr/>
           <a:lstStyle/>
@@ -8648,7 +8669,7 @@
               </a:pPr>
               <a:t>11</a:t>
             </a:fld>
-            <a:endParaRPr lang="en-US" altLang="zh-CN"/>
+            <a:endParaRPr lang="en-US" altLang="zh-CN" dirty="0"/>
           </a:p>
         </p:txBody>
       </p:sp>
@@ -8687,7 +8708,7 @@
               <a:buNone/>
             </a:pPr>
             <a:r>
-              <a:rPr lang="en-US" sz="1200" dirty="0"/>
+              <a:rPr lang="en-US" sz="1100" dirty="0"/>
               <a:t>STAMP Direct Measurement TLV </a:t>
             </a:r>
           </a:p>
@@ -8697,7 +8718,7 @@
               <a:buAutoNum type="arabicPeriod"/>
             </a:pPr>
             <a:r>
-              <a:rPr lang="en-US" sz="1200" dirty="0"/>
+              <a:rPr lang="en-US" sz="1100" dirty="0"/>
               <a:t>Suitable for collecting data packet counters from control plane (distributed forwarding plane)</a:t>
             </a:r>
           </a:p>
@@ -8707,15 +8728,15 @@
               <a:buAutoNum type="arabicPeriod"/>
             </a:pPr>
             <a:r>
-              <a:rPr lang="en-US" sz="1200" dirty="0"/>
+              <a:rPr lang="en-US" sz="1100" dirty="0"/>
               <a:t>Direct Measurement TLV supports </a:t>
             </a:r>
             <a:r>
-              <a:rPr lang="en-US" sz="1200" b="1" dirty="0"/>
+              <a:rPr lang="en-US" sz="1100" b="1" dirty="0"/>
               <a:t>32-bit packet</a:t>
             </a:r>
             <a:r>
-              <a:rPr lang="en-US" sz="1200" dirty="0"/>
+              <a:rPr lang="en-US" sz="1100" dirty="0"/>
               <a:t> counters</a:t>
             </a:r>
           </a:p>
@@ -8725,7 +8746,7 @@
               <a:buAutoNum type="arabicPeriod"/>
             </a:pPr>
             <a:r>
-              <a:rPr lang="en-US" sz="1200" dirty="0"/>
+              <a:rPr lang="en-US" sz="1100" dirty="0"/>
               <a:t>Does not support per-traffic class direct measurement (DSCP TLV processing not specified for Counters)</a:t>
             </a:r>
           </a:p>
@@ -8735,8 +8756,8 @@
               <a:buAutoNum type="arabicPeriod"/>
             </a:pPr>
             <a:r>
-              <a:rPr lang="en-US" sz="1200" dirty="0"/>
-              <a:t>STAMP TLV extensions</a:t>
+              <a:rPr lang="en-US" sz="1100" dirty="0"/>
+              <a:t>STAMP TLV processing in hardware</a:t>
             </a:r>
           </a:p>
           <a:p>
@@ -8745,7 +8766,7 @@
               <a:buAutoNum type="arabicPeriod"/>
             </a:pPr>
             <a:r>
-              <a:rPr lang="en-US" sz="1200" dirty="0"/>
+              <a:rPr lang="en-US" sz="1100" dirty="0"/>
               <a:t>Counter not at fixed location</a:t>
             </a:r>
           </a:p>
@@ -8755,7 +8776,7 @@
               <a:buAutoNum type="arabicPeriod"/>
             </a:pPr>
             <a:r>
-              <a:rPr lang="en-US" sz="1200" dirty="0"/>
+              <a:rPr lang="en-US" sz="1100" dirty="0"/>
               <a:t>Counter location deeper into the packet (Eth 18, IPv6 40, UDP 8, STAMP 44, TLV Type 4, Total = 114 Byte) – load into write-able memory</a:t>
             </a:r>
           </a:p>
@@ -8765,7 +8786,7 @@
               <a:buAutoNum type="arabicPeriod"/>
             </a:pPr>
             <a:r>
-              <a:rPr lang="en-US" sz="1200" dirty="0"/>
+              <a:rPr lang="en-US" sz="1100" dirty="0"/>
               <a:t>Hardware needs to write both timestamp and counter in the injected packet – not capable</a:t>
             </a:r>
           </a:p>
@@ -8775,7 +8796,7 @@
               <a:buAutoNum type="arabicPeriod"/>
             </a:pPr>
             <a:r>
-              <a:rPr lang="en-US" sz="1200" dirty="0"/>
+              <a:rPr lang="en-US" sz="1100" dirty="0"/>
               <a:t>Session-reflector hardware to parse STAMP TLVs in receive packets to decide if receive counter to be punted to the control-plane</a:t>
             </a:r>
           </a:p>
@@ -8784,7 +8805,7 @@
               <a:buFont typeface="+mj-lt"/>
               <a:buAutoNum type="arabicPeriod"/>
             </a:pPr>
-            <a:endParaRPr lang="en-US" sz="1200" dirty="0"/>
+            <a:endParaRPr lang="en-US" sz="1100" dirty="0"/>
           </a:p>
         </p:txBody>
       </p:sp>
@@ -8982,7 +9003,7 @@
               <a:buNone/>
             </a:pPr>
             <a:r>
-              <a:rPr lang="en-US" sz="1200" kern="0" dirty="0"/>
+              <a:rPr lang="en-US" sz="1100" kern="0" dirty="0"/>
               <a:t>Direct Measurement Test Packet</a:t>
             </a:r>
           </a:p>
@@ -8992,8 +9013,8 @@
               <a:buAutoNum type="arabicPeriod"/>
             </a:pPr>
             <a:r>
-              <a:rPr lang="en-US" sz="1200" kern="0" dirty="0"/>
-              <a:t>Suitable for collecting data packet counters from hardware – inline counter-stamping</a:t>
+              <a:rPr lang="en-US" sz="1100" kern="0" dirty="0"/>
+              <a:t>Suitable for collecting data packet counters from hardware – inline counter-stamping (for P2P connections)</a:t>
             </a:r>
           </a:p>
           <a:p>
@@ -9002,23 +9023,23 @@
               <a:buAutoNum type="arabicPeriod"/>
             </a:pPr>
             <a:r>
-              <a:rPr lang="en-US" sz="1200" kern="0" dirty="0"/>
+              <a:rPr lang="en-US" sz="1100" kern="0" dirty="0"/>
               <a:t>Direct Measurement Test Packet supports </a:t>
             </a:r>
             <a:r>
-              <a:rPr lang="en-US" sz="1200" b="1" kern="0" dirty="0"/>
+              <a:rPr lang="en-US" sz="1100" b="1" kern="0" dirty="0"/>
               <a:t>32-bit</a:t>
             </a:r>
             <a:r>
-              <a:rPr lang="en-US" sz="1200" kern="0" dirty="0"/>
+              <a:rPr lang="en-US" sz="1100" kern="0" dirty="0"/>
               <a:t> </a:t>
             </a:r>
             <a:r>
-              <a:rPr lang="en-US" sz="1200" b="1" kern="0" dirty="0"/>
+              <a:rPr lang="en-US" sz="1100" b="1" kern="0" dirty="0"/>
               <a:t>packet and byte </a:t>
             </a:r>
             <a:r>
-              <a:rPr lang="en-US" sz="1200" kern="0" dirty="0"/>
+              <a:rPr lang="en-US" sz="1100" kern="0" dirty="0"/>
               <a:t>counters</a:t>
             </a:r>
           </a:p>
@@ -9028,23 +9049,23 @@
               <a:buAutoNum type="arabicPeriod"/>
             </a:pPr>
             <a:r>
-              <a:rPr lang="en-US" sz="1200" kern="0" dirty="0"/>
+              <a:rPr lang="en-US" sz="1100" kern="0" dirty="0"/>
               <a:t>Direct Measurement Test Packet supports </a:t>
             </a:r>
             <a:r>
-              <a:rPr lang="en-US" sz="1200" b="1" kern="0" dirty="0"/>
+              <a:rPr lang="en-US" sz="1100" b="1" kern="0" dirty="0"/>
               <a:t>64-bit</a:t>
             </a:r>
             <a:r>
-              <a:rPr lang="en-US" sz="1200" kern="0" dirty="0"/>
+              <a:rPr lang="en-US" sz="1100" kern="0" dirty="0"/>
               <a:t> </a:t>
             </a:r>
             <a:r>
-              <a:rPr lang="en-US" sz="1200" b="1" kern="0" dirty="0"/>
+              <a:rPr lang="en-US" sz="1100" b="1" kern="0" dirty="0"/>
               <a:t>packet and byte </a:t>
             </a:r>
             <a:r>
-              <a:rPr lang="en-US" sz="1200" kern="0" dirty="0"/>
+              <a:rPr lang="en-US" sz="1100" kern="0" dirty="0"/>
               <a:t>counters</a:t>
             </a:r>
           </a:p>
@@ -9054,7 +9075,7 @@
               <a:buAutoNum type="arabicPeriod"/>
             </a:pPr>
             <a:r>
-              <a:rPr lang="en-US" sz="1200" kern="0" dirty="0"/>
+              <a:rPr lang="en-US" sz="1100" kern="0" dirty="0"/>
               <a:t>Direct Measurement Test Packet identifies the block number of the counters - used for alternate marking method (RFC 8321)</a:t>
             </a:r>
           </a:p>
@@ -9064,8 +9085,8 @@
               <a:buAutoNum type="arabicPeriod"/>
             </a:pPr>
             <a:r>
-              <a:rPr lang="en-US" sz="1200" kern="0" dirty="0"/>
-              <a:t>Per traffic-class counter collection (per traffic-class loss measurement) (e.g. drop best effort traffic)</a:t>
+              <a:rPr lang="en-US" sz="1100" kern="0" dirty="0"/>
+              <a:t>Per traffic-class counter collection (per traffic-class loss measurement) (e.g., drop best effort traffic)</a:t>
             </a:r>
           </a:p>
           <a:p>
@@ -9074,8 +9095,8 @@
               <a:buAutoNum type="arabicPeriod"/>
             </a:pPr>
             <a:r>
-              <a:rPr lang="en-US" sz="1200" kern="0" dirty="0"/>
-              <a:t>No TLV extensions</a:t>
+              <a:rPr lang="en-US" sz="1100" kern="0" dirty="0"/>
+              <a:t>No TLV processing in hardware</a:t>
             </a:r>
           </a:p>
           <a:p>
@@ -9084,7 +9105,7 @@
               <a:buAutoNum type="arabicPeriod"/>
             </a:pPr>
             <a:r>
-              <a:rPr lang="en-US" sz="1200" kern="0" dirty="0"/>
+              <a:rPr lang="en-US" sz="1100" kern="0" dirty="0"/>
               <a:t>Two-way direct measurement for links with reply packet with transmit counter at the same location – important property for hardware counter-stamping </a:t>
             </a:r>
           </a:p>
@@ -9094,7 +9115,7 @@
               <a:buAutoNum type="arabicPeriod"/>
             </a:pPr>
             <a:r>
-              <a:rPr lang="en-US" sz="1200" dirty="0"/>
+              <a:rPr lang="en-US" sz="1100" dirty="0"/>
               <a:t>Counter at fixed location</a:t>
             </a:r>
           </a:p>
@@ -9104,10 +9125,10 @@
               <a:buAutoNum type="arabicPeriod"/>
             </a:pPr>
             <a:r>
-              <a:rPr lang="en-US" sz="1200" dirty="0"/>
+              <a:rPr lang="en-US" sz="1100" dirty="0"/>
               <a:t>Counter location earlier into the packet  (Eth 18, IPv6 40, UDP 8, Seq 4, Total = 70 Byte)</a:t>
             </a:r>
-            <a:endParaRPr lang="en-US" sz="1200" kern="0" dirty="0"/>
+            <a:endParaRPr lang="en-US" sz="1100" kern="0" dirty="0"/>
           </a:p>
         </p:txBody>
       </p:sp>
@@ -9292,14 +9313,14 @@
               </a14:hiddenLine>
             </a:ext>
             <a:ext uri="{909E8E84-426E-40dd-AFC4-6F175D3DCCD1}">
-              <a14:hiddenFill xmlns:a14="http://schemas.microsoft.com/office/drawing/2010/main" xmlns="">
+              <a14:hiddenFill xmlns="" xmlns:a14="http://schemas.microsoft.com/office/drawing/2010/main">
                 <a:solidFill>
                   <a:srgbClr val="FFFFFF"/>
                 </a:solidFill>
               </a14:hiddenFill>
             </a:ext>
             <a:ext uri="{91240B29-F687-4f45-9708-019B960494DF}">
-              <a14:hiddenLine xmlns:a14="http://schemas.microsoft.com/office/drawing/2010/main" xmlns="" w="9525">
+              <a14:hiddenLine xmlns="" xmlns:a14="http://schemas.microsoft.com/office/drawing/2010/main" w="9525">
                 <a:solidFill>
                   <a:srgbClr val="000000"/>
                 </a:solidFill>
@@ -13643,7 +13664,7 @@
             </a:pPr>
             <a:r>
               <a:rPr lang="en-US" sz="1600" dirty="0"/>
-              <a:t>Support stand-alone Direct Measurement for Packet Loss</a:t>
+              <a:t>Support stand-alone Direct Measurement Test Packet for Packet Loss</a:t>
             </a:r>
           </a:p>
           <a:p>

--- a/draft-gandhi-ippm-stamp-srpm-01.pptx
+++ b/draft-gandhi-ippm-stamp-srpm-01.pptx
@@ -2424,14 +2424,14 @@
           </a:ln>
           <a:extLst>
             <a:ext uri="{909E8E84-426E-40dd-AFC4-6F175D3DCCD1}">
-              <a14:hiddenFill xmlns="" xmlns:a14="http://schemas.microsoft.com/office/drawing/2010/main">
+              <a14:hiddenFill xmlns:a14="http://schemas.microsoft.com/office/drawing/2010/main" xmlns="">
                 <a:solidFill>
                   <a:srgbClr val="FFFFFF"/>
                 </a:solidFill>
               </a14:hiddenFill>
             </a:ext>
             <a:ext uri="{91240B29-F687-4f45-9708-019B960494DF}">
-              <a14:hiddenLine xmlns="" xmlns:a14="http://schemas.microsoft.com/office/drawing/2010/main" w="9525">
+              <a14:hiddenLine xmlns:a14="http://schemas.microsoft.com/office/drawing/2010/main" xmlns="" w="9525">
                 <a:solidFill>
                   <a:srgbClr val="000000"/>
                 </a:solidFill>
@@ -2684,7 +2684,7 @@
               </a14:hiddenLine>
             </a:ext>
             <a:ext uri="{FAA26D3D-D897-4be2-8F04-BA451C77F1D7}">
-              <ma14:placeholderFlag xmlns="" xmlns:ma14="http://schemas.microsoft.com/office/mac/drawingml/2011/main" val="1"/>
+              <ma14:placeholderFlag xmlns:ma14="http://schemas.microsoft.com/office/mac/drawingml/2011/main" xmlns="" val="1"/>
             </a:ext>
           </a:extLst>
         </p:spPr>
@@ -5729,7 +5729,7 @@
                 <a:latin typeface="Calibri Light" panose="020F0302020204030204" pitchFamily="34" charset="0"/>
                 <a:cs typeface="Calibri Light" panose="020F0302020204030204" pitchFamily="34" charset="0"/>
               </a:rPr>
-              <a:t>Stand-alone Direct Measurement Test Packet</a:t>
+              <a:t>Stand-alone Direct Measurement Test Packet for Packet Loss</a:t>
             </a:r>
           </a:p>
         </p:txBody>
@@ -5971,9 +5971,23 @@
             </a:r>
           </a:p>
           <a:p>
+            <a:pPr lvl="1"/>
             <a:r>
               <a:rPr lang="en-US" sz="1200" kern="0" dirty="0"/>
-              <a:t>Direct Measurement packet is also defined for authenticated mode</a:t>
+              <a:t>Block number of the counters for alternate marking method [RFC 8321]</a:t>
+            </a:r>
+          </a:p>
+          <a:p>
+            <a:pPr lvl="1"/>
+            <a:r>
+              <a:rPr lang="en-US" sz="1200" kern="0" dirty="0"/>
+              <a:t>Traffic class of the counters for per class packet loss</a:t>
+            </a:r>
+          </a:p>
+          <a:p>
+            <a:r>
+              <a:rPr lang="en-US" sz="1200" kern="0" dirty="0"/>
+              <a:t>Direct Measurement test packet is also defined for authenticated mode</a:t>
             </a:r>
           </a:p>
           <a:p>
@@ -5997,20 +6011,19 @@
           <a:p>
             <a:r>
               <a:rPr lang="en-US" sz="1200" kern="0" dirty="0"/>
-              <a:t>Does not modify the existing STAMP procedure as different destination UDP port is used for direct measurement test packets</a:t>
-            </a:r>
-          </a:p>
-          <a:p>
+              <a:t>Does not modify the existing STAMP procedure as different destination UDP port is used for direct measurement </a:t>
+            </a:r>
+            <a:r>
+              <a:rPr lang="en-US" sz="1200" kern="0"/>
+              <a:t>test packets</a:t>
+            </a:r>
+          </a:p>
+          <a:p>
+            <a:r>
+              <a:rPr lang="en-US" sz="1200" kern="0"/>
+              <a:t>Flags</a:t>
+            </a:r>
             <a:endParaRPr lang="en-US" sz="1200" kern="0" dirty="0"/>
-          </a:p>
-          <a:p>
-            <a:pPr marL="0" indent="0">
-              <a:buNone/>
-            </a:pPr>
-            <a:r>
-              <a:rPr lang="en-US" sz="1200" kern="0" dirty="0"/>
-              <a:t>Flags</a:t>
-            </a:r>
           </a:p>
           <a:p>
             <a:pPr lvl="1"/>
@@ -9116,7 +9129,7 @@
             </a:pPr>
             <a:r>
               <a:rPr lang="en-US" sz="1100" dirty="0"/>
-              <a:t>Counter at fixed location</a:t>
+              <a:t>Counter at fixed location, well-known location for SRv6 network programming</a:t>
             </a:r>
           </a:p>
           <a:p>
@@ -9313,14 +9326,14 @@
               </a14:hiddenLine>
             </a:ext>
             <a:ext uri="{909E8E84-426E-40dd-AFC4-6F175D3DCCD1}">
-              <a14:hiddenFill xmlns="" xmlns:a14="http://schemas.microsoft.com/office/drawing/2010/main">
+              <a14:hiddenFill xmlns:a14="http://schemas.microsoft.com/office/drawing/2010/main" xmlns="">
                 <a:solidFill>
                   <a:srgbClr val="FFFFFF"/>
                 </a:solidFill>
               </a14:hiddenFill>
             </a:ext>
             <a:ext uri="{91240B29-F687-4f45-9708-019B960494DF}">
-              <a14:hiddenLine xmlns="" xmlns:a14="http://schemas.microsoft.com/office/drawing/2010/main" w="9525">
+              <a14:hiddenLine xmlns:a14="http://schemas.microsoft.com/office/drawing/2010/main" xmlns="" w="9525">
                 <a:solidFill>
                   <a:srgbClr val="000000"/>
                 </a:solidFill>

--- a/draft-gandhi-ippm-stamp-srpm-01.pptx
+++ b/draft-gandhi-ippm-stamp-srpm-01.pptx
@@ -2424,14 +2424,14 @@
           </a:ln>
           <a:extLst>
             <a:ext uri="{909E8E84-426E-40dd-AFC4-6F175D3DCCD1}">
-              <a14:hiddenFill xmlns:a14="http://schemas.microsoft.com/office/drawing/2010/main" xmlns="">
+              <a14:hiddenFill xmlns="" xmlns:a14="http://schemas.microsoft.com/office/drawing/2010/main">
                 <a:solidFill>
                   <a:srgbClr val="FFFFFF"/>
                 </a:solidFill>
               </a14:hiddenFill>
             </a:ext>
             <a:ext uri="{91240B29-F687-4f45-9708-019B960494DF}">
-              <a14:hiddenLine xmlns:a14="http://schemas.microsoft.com/office/drawing/2010/main" xmlns="" w="9525">
+              <a14:hiddenLine xmlns="" xmlns:a14="http://schemas.microsoft.com/office/drawing/2010/main" w="9525">
                 <a:solidFill>
                   <a:srgbClr val="000000"/>
                 </a:solidFill>
@@ -2684,7 +2684,7 @@
               </a14:hiddenLine>
             </a:ext>
             <a:ext uri="{FAA26D3D-D897-4be2-8F04-BA451C77F1D7}">
-              <ma14:placeholderFlag xmlns:ma14="http://schemas.microsoft.com/office/mac/drawingml/2011/main" xmlns="" val="1"/>
+              <ma14:placeholderFlag xmlns="" xmlns:ma14="http://schemas.microsoft.com/office/mac/drawingml/2011/main" val="1"/>
             </a:ext>
           </a:extLst>
         </p:spPr>
@@ -8732,7 +8732,7 @@
             </a:pPr>
             <a:r>
               <a:rPr lang="en-US" sz="1100" dirty="0"/>
-              <a:t>Suitable for collecting data packet counters from control plane (distributed forwarding plane)</a:t>
+              <a:t>How to implement counter collection – Sender TX, Reflector RX and Reflector TX in hardware? May be possible with control-plane implementation, but how can we measure packet loss?</a:t>
             </a:r>
           </a:p>
           <a:p>
@@ -8742,15 +8742,7 @@
             </a:pPr>
             <a:r>
               <a:rPr lang="en-US" sz="1100" dirty="0"/>
-              <a:t>Direct Measurement TLV supports </a:t>
-            </a:r>
-            <a:r>
-              <a:rPr lang="en-US" sz="1100" b="1" dirty="0"/>
-              <a:t>32-bit packet</a:t>
-            </a:r>
-            <a:r>
-              <a:rPr lang="en-US" sz="1100" dirty="0"/>
-              <a:t> counters</a:t>
+              <a:t>Reply test packet with transmit counter NOT at the same location – needed for hardware counter-stamping (like STAMP timestamp)</a:t>
             </a:r>
           </a:p>
           <a:p>
@@ -8760,7 +8752,7 @@
             </a:pPr>
             <a:r>
               <a:rPr lang="en-US" sz="1100" dirty="0"/>
-              <a:t>Does not support per-traffic class direct measurement (DSCP TLV processing not specified for Counters)</a:t>
+              <a:t>STAMP TLV processing in hardware</a:t>
             </a:r>
           </a:p>
           <a:p>
@@ -8770,7 +8762,7 @@
             </a:pPr>
             <a:r>
               <a:rPr lang="en-US" sz="1100" dirty="0"/>
-              <a:t>STAMP TLV processing in hardware</a:t>
+              <a:t>Counter not at fixed location due to TLVs</a:t>
             </a:r>
           </a:p>
           <a:p>
@@ -8780,7 +8772,7 @@
             </a:pPr>
             <a:r>
               <a:rPr lang="en-US" sz="1100" dirty="0"/>
-              <a:t>Counter not at fixed location</a:t>
+              <a:t>Counter location deeper into the packet (Eth 18, IPv6 40, UDP 8, STAMP 44, TLV Type 4, Total = 114 Byte) – load into write-able memory</a:t>
             </a:r>
           </a:p>
           <a:p>
@@ -8790,7 +8782,7 @@
             </a:pPr>
             <a:r>
               <a:rPr lang="en-US" sz="1100" dirty="0"/>
-              <a:t>Counter location deeper into the packet (Eth 18, IPv6 40, UDP 8, STAMP 44, TLV Type 4, Total = 114 Byte) – load into write-able memory</a:t>
+              <a:t>Hardware needs to write both timestamp and counter in the injected packet – not capable</a:t>
             </a:r>
           </a:p>
           <a:p>
@@ -8800,7 +8792,7 @@
             </a:pPr>
             <a:r>
               <a:rPr lang="en-US" sz="1100" dirty="0"/>
-              <a:t>Hardware needs to write both timestamp and counter in the injected packet – not capable</a:t>
+              <a:t>Session-reflector hardware to parse STAMP TLVs in receive packets to decide if receive counter to be punted to the control-plane</a:t>
             </a:r>
           </a:p>
           <a:p>
@@ -8810,8 +8802,33 @@
             </a:pPr>
             <a:r>
               <a:rPr lang="en-US" sz="1100" dirty="0"/>
-              <a:t>Session-reflector hardware to parse STAMP TLVs in receive packets to decide if receive counter to be punted to the control-plane</a:t>
-            </a:r>
+              <a:t>Direct Measurement TLV supports </a:t>
+            </a:r>
+            <a:r>
+              <a:rPr lang="en-US" sz="1100" b="1" dirty="0"/>
+              <a:t>32-bit packet</a:t>
+            </a:r>
+            <a:r>
+              <a:rPr lang="en-US" sz="1100" dirty="0"/>
+              <a:t> counters</a:t>
+            </a:r>
+          </a:p>
+          <a:p>
+            <a:pPr>
+              <a:buFont typeface="+mj-lt"/>
+              <a:buAutoNum type="arabicPeriod"/>
+            </a:pPr>
+            <a:r>
+              <a:rPr lang="en-US" sz="1100" dirty="0"/>
+              <a:t>Does not support per-traffic class direct measurement (DSCP TLV processing not specified for Counters)</a:t>
+            </a:r>
+          </a:p>
+          <a:p>
+            <a:pPr>
+              <a:buFont typeface="+mj-lt"/>
+              <a:buAutoNum type="arabicPeriod"/>
+            </a:pPr>
+            <a:endParaRPr lang="en-US" sz="1100" dirty="0"/>
           </a:p>
           <a:p>
             <a:pPr>
@@ -9037,23 +9054,7 @@
             </a:pPr>
             <a:r>
               <a:rPr lang="en-US" sz="1100" kern="0" dirty="0"/>
-              <a:t>Direct Measurement Test Packet supports </a:t>
-            </a:r>
-            <a:r>
-              <a:rPr lang="en-US" sz="1100" b="1" kern="0" dirty="0"/>
-              <a:t>32-bit</a:t>
-            </a:r>
-            <a:r>
-              <a:rPr lang="en-US" sz="1100" kern="0" dirty="0"/>
-              <a:t> </a:t>
-            </a:r>
-            <a:r>
-              <a:rPr lang="en-US" sz="1100" b="1" kern="0" dirty="0"/>
-              <a:t>packet and byte </a:t>
-            </a:r>
-            <a:r>
-              <a:rPr lang="en-US" sz="1100" kern="0" dirty="0"/>
-              <a:t>counters</a:t>
+              <a:t>Reply test packet with transmit counter at the same location – important property for hardware counter-stamping (like STAMP timestamp)</a:t>
             </a:r>
           </a:p>
           <a:p>
@@ -9063,23 +9064,7 @@
             </a:pPr>
             <a:r>
               <a:rPr lang="en-US" sz="1100" kern="0" dirty="0"/>
-              <a:t>Direct Measurement Test Packet supports </a:t>
-            </a:r>
-            <a:r>
-              <a:rPr lang="en-US" sz="1100" b="1" kern="0" dirty="0"/>
-              <a:t>64-bit</a:t>
-            </a:r>
-            <a:r>
-              <a:rPr lang="en-US" sz="1100" kern="0" dirty="0"/>
-              <a:t> </a:t>
-            </a:r>
-            <a:r>
-              <a:rPr lang="en-US" sz="1100" b="1" kern="0" dirty="0"/>
-              <a:t>packet and byte </a:t>
-            </a:r>
-            <a:r>
-              <a:rPr lang="en-US" sz="1100" kern="0" dirty="0"/>
-              <a:t>counters</a:t>
+              <a:t>No TLV processing in hardware</a:t>
             </a:r>
           </a:p>
           <a:p>
@@ -9088,8 +9073,8 @@
               <a:buAutoNum type="arabicPeriod"/>
             </a:pPr>
             <a:r>
-              <a:rPr lang="en-US" sz="1100" kern="0" dirty="0"/>
-              <a:t>Direct Measurement Test Packet identifies the block number of the counters - used for alternate marking method (RFC 8321)</a:t>
+              <a:rPr lang="en-US" sz="1100" dirty="0"/>
+              <a:t>Counter at fixed location, well-known location for SRv6 network programming</a:t>
             </a:r>
           </a:p>
           <a:p>
@@ -9098,8 +9083,8 @@
               <a:buAutoNum type="arabicPeriod"/>
             </a:pPr>
             <a:r>
-              <a:rPr lang="en-US" sz="1100" kern="0" dirty="0"/>
-              <a:t>Per traffic-class counter collection (per traffic-class loss measurement) (e.g., drop best effort traffic)</a:t>
+              <a:rPr lang="en-US" sz="1100" dirty="0"/>
+              <a:t>Counter location earlier into the packet  (Eth 18, IPv6 40, UDP 8, Seq 4, Total = 70 Byte)</a:t>
             </a:r>
           </a:p>
           <a:p>
@@ -9109,7 +9094,23 @@
             </a:pPr>
             <a:r>
               <a:rPr lang="en-US" sz="1100" kern="0" dirty="0"/>
-              <a:t>No TLV processing in hardware</a:t>
+              <a:t>Direct Measurement Test Packet supports </a:t>
+            </a:r>
+            <a:r>
+              <a:rPr lang="en-US" sz="1100" b="1" kern="0" dirty="0"/>
+              <a:t>32-bit</a:t>
+            </a:r>
+            <a:r>
+              <a:rPr lang="en-US" sz="1100" kern="0" dirty="0"/>
+              <a:t> </a:t>
+            </a:r>
+            <a:r>
+              <a:rPr lang="en-US" sz="1100" b="1" kern="0" dirty="0"/>
+              <a:t>packet and byte </a:t>
+            </a:r>
+            <a:r>
+              <a:rPr lang="en-US" sz="1100" kern="0" dirty="0"/>
+              <a:t>counters</a:t>
             </a:r>
           </a:p>
           <a:p>
@@ -9119,7 +9120,23 @@
             </a:pPr>
             <a:r>
               <a:rPr lang="en-US" sz="1100" kern="0" dirty="0"/>
-              <a:t>Two-way direct measurement for links with reply packet with transmit counter at the same location – important property for hardware counter-stamping </a:t>
+              <a:t>Direct Measurement Test Packet supports </a:t>
+            </a:r>
+            <a:r>
+              <a:rPr lang="en-US" sz="1100" b="1" kern="0" dirty="0"/>
+              <a:t>64-bit</a:t>
+            </a:r>
+            <a:r>
+              <a:rPr lang="en-US" sz="1100" kern="0" dirty="0"/>
+              <a:t> </a:t>
+            </a:r>
+            <a:r>
+              <a:rPr lang="en-US" sz="1100" b="1" kern="0" dirty="0"/>
+              <a:t>packet and byte </a:t>
+            </a:r>
+            <a:r>
+              <a:rPr lang="en-US" sz="1100" kern="0" dirty="0"/>
+              <a:t>counters</a:t>
             </a:r>
           </a:p>
           <a:p>
@@ -9128,8 +9145,8 @@
               <a:buAutoNum type="arabicPeriod"/>
             </a:pPr>
             <a:r>
-              <a:rPr lang="en-US" sz="1100" dirty="0"/>
-              <a:t>Counter at fixed location, well-known location for SRv6 network programming</a:t>
+              <a:rPr lang="en-US" sz="1100" kern="0" dirty="0"/>
+              <a:t>Direct Measurement Test Packet identifies the block number of the counters - used for alternate marking method (RFC 8321)</a:t>
             </a:r>
           </a:p>
           <a:p>
@@ -9138,10 +9155,9 @@
               <a:buAutoNum type="arabicPeriod"/>
             </a:pPr>
             <a:r>
-              <a:rPr lang="en-US" sz="1100" dirty="0"/>
-              <a:t>Counter location earlier into the packet  (Eth 18, IPv6 40, UDP 8, Seq 4, Total = 70 Byte)</a:t>
-            </a:r>
-            <a:endParaRPr lang="en-US" sz="1100" kern="0" dirty="0"/>
+              <a:rPr lang="en-US" sz="1100" kern="0" dirty="0"/>
+              <a:t>Per traffic-class counter collection (per traffic-class loss measurement) (e.g., drop best effort traffic)</a:t>
+            </a:r>
           </a:p>
         </p:txBody>
       </p:sp>
@@ -9326,14 +9342,14 @@
               </a14:hiddenLine>
             </a:ext>
             <a:ext uri="{909E8E84-426E-40dd-AFC4-6F175D3DCCD1}">
-              <a14:hiddenFill xmlns:a14="http://schemas.microsoft.com/office/drawing/2010/main" xmlns="">
+              <a14:hiddenFill xmlns="" xmlns:a14="http://schemas.microsoft.com/office/drawing/2010/main">
                 <a:solidFill>
                   <a:srgbClr val="FFFFFF"/>
                 </a:solidFill>
               </a14:hiddenFill>
             </a:ext>
             <a:ext uri="{91240B29-F687-4f45-9708-019B960494DF}">
-              <a14:hiddenLine xmlns:a14="http://schemas.microsoft.com/office/drawing/2010/main" xmlns="" w="9525">
+              <a14:hiddenLine xmlns="" xmlns:a14="http://schemas.microsoft.com/office/drawing/2010/main" w="9525">
                 <a:solidFill>
                   <a:srgbClr val="000000"/>
                 </a:solidFill>

--- a/draft-gandhi-ippm-stamp-srpm-01.pptx
+++ b/draft-gandhi-ippm-stamp-srpm-01.pptx
@@ -2424,14 +2424,14 @@
           </a:ln>
           <a:extLst>
             <a:ext uri="{909E8E84-426E-40dd-AFC4-6F175D3DCCD1}">
-              <a14:hiddenFill xmlns="" xmlns:a14="http://schemas.microsoft.com/office/drawing/2010/main">
+              <a14:hiddenFill xmlns:a14="http://schemas.microsoft.com/office/drawing/2010/main" xmlns="">
                 <a:solidFill>
                   <a:srgbClr val="FFFFFF"/>
                 </a:solidFill>
               </a14:hiddenFill>
             </a:ext>
             <a:ext uri="{91240B29-F687-4f45-9708-019B960494DF}">
-              <a14:hiddenLine xmlns="" xmlns:a14="http://schemas.microsoft.com/office/drawing/2010/main" w="9525">
+              <a14:hiddenLine xmlns:a14="http://schemas.microsoft.com/office/drawing/2010/main" xmlns="" w="9525">
                 <a:solidFill>
                   <a:srgbClr val="000000"/>
                 </a:solidFill>
@@ -2684,7 +2684,7 @@
               </a14:hiddenLine>
             </a:ext>
             <a:ext uri="{FAA26D3D-D897-4be2-8F04-BA451C77F1D7}">
-              <ma14:placeholderFlag xmlns="" xmlns:ma14="http://schemas.microsoft.com/office/mac/drawingml/2011/main" val="1"/>
+              <ma14:placeholderFlag xmlns:ma14="http://schemas.microsoft.com/office/mac/drawingml/2011/main" xmlns="" val="1"/>
             </a:ext>
           </a:extLst>
         </p:spPr>
@@ -8732,7 +8732,17 @@
             </a:pPr>
             <a:r>
               <a:rPr lang="en-US" sz="1100" dirty="0"/>
-              <a:t>How to implement counter collection – Sender TX, Reflector RX and Reflector TX in hardware? May be possible with control-plane implementation, but how can we measure packet loss?</a:t>
+              <a:t>How to implement counter collection in hardware for Sender TX, Reflector RX and Reflector TX for packet loss?</a:t>
+            </a:r>
+          </a:p>
+          <a:p>
+            <a:pPr>
+              <a:buFont typeface="+mj-lt"/>
+              <a:buAutoNum type="arabicPeriod"/>
+            </a:pPr>
+            <a:r>
+              <a:rPr lang="en-US" sz="1100" dirty="0"/>
+              <a:t>May be possible with control-plane implementation, but how can we measure packet loss without alternate marking method (block number)?</a:t>
             </a:r>
           </a:p>
           <a:p>
@@ -9146,7 +9156,7 @@
             </a:pPr>
             <a:r>
               <a:rPr lang="en-US" sz="1100" kern="0" dirty="0"/>
-              <a:t>Direct Measurement Test Packet identifies the block number of the counters - used for alternate marking method (RFC 8321)</a:t>
+              <a:t>Direct Measurement Test Packet identifies the block number of the counters - used for alternate marking method (RFC 8321) for control-plane based packet loss</a:t>
             </a:r>
           </a:p>
           <a:p>
@@ -9342,14 +9352,14 @@
               </a14:hiddenLine>
             </a:ext>
             <a:ext uri="{909E8E84-426E-40dd-AFC4-6F175D3DCCD1}">
-              <a14:hiddenFill xmlns="" xmlns:a14="http://schemas.microsoft.com/office/drawing/2010/main">
+              <a14:hiddenFill xmlns:a14="http://schemas.microsoft.com/office/drawing/2010/main" xmlns="">
                 <a:solidFill>
                   <a:srgbClr val="FFFFFF"/>
                 </a:solidFill>
               </a14:hiddenFill>
             </a:ext>
             <a:ext uri="{91240B29-F687-4f45-9708-019B960494DF}">
-              <a14:hiddenLine xmlns="" xmlns:a14="http://schemas.microsoft.com/office/drawing/2010/main" w="9525">
+              <a14:hiddenLine xmlns:a14="http://schemas.microsoft.com/office/drawing/2010/main" xmlns="" w="9525">
                 <a:solidFill>
                   <a:srgbClr val="000000"/>
                 </a:solidFill>

--- a/draft-gandhi-ippm-stamp-srpm-01.pptx
+++ b/draft-gandhi-ippm-stamp-srpm-01.pptx
@@ -5,10 +5,10 @@
     <p:sldMasterId id="2147483648" r:id="rId1"/>
   </p:sldMasterIdLst>
   <p:notesMasterIdLst>
-    <p:notesMasterId r:id="rId17"/>
+    <p:notesMasterId r:id="rId18"/>
   </p:notesMasterIdLst>
   <p:handoutMasterIdLst>
-    <p:handoutMasterId r:id="rId18"/>
+    <p:handoutMasterId r:id="rId19"/>
   </p:handoutMasterIdLst>
   <p:sldIdLst>
     <p:sldId id="1661" r:id="rId2"/>
@@ -23,9 +23,10 @@
     <p:sldId id="321" r:id="rId11"/>
     <p:sldId id="3055" r:id="rId12"/>
     <p:sldId id="3054" r:id="rId13"/>
-    <p:sldId id="1670" r:id="rId14"/>
-    <p:sldId id="1671" r:id="rId15"/>
-    <p:sldId id="1649" r:id="rId16"/>
+    <p:sldId id="3056" r:id="rId14"/>
+    <p:sldId id="1670" r:id="rId15"/>
+    <p:sldId id="1671" r:id="rId16"/>
+    <p:sldId id="1649" r:id="rId17"/>
   </p:sldIdLst>
   <p:sldSz cx="9144000" cy="5143500" type="screen16x9"/>
   <p:notesSz cx="6858000" cy="9144000"/>
@@ -258,7 +259,7 @@
           <a:p>
             <a:fld id="{E8FA3DB5-7722-3F4F-947D-12B203669AD7}" type="datetimeFigureOut">
               <a:rPr lang="en-US" smtClean="0"/>
-              <a:t>1/17/21</a:t>
+              <a:t>1/18/21</a:t>
             </a:fld>
             <a:endParaRPr lang="en-US"/>
           </a:p>
@@ -1315,7 +1316,7 @@
     </p:spTree>
     <p:extLst>
       <p:ext uri="{BB962C8B-B14F-4D97-AF65-F5344CB8AC3E}">
-        <p14:creationId xmlns:p14="http://schemas.microsoft.com/office/powerpoint/2010/main" val="1250483859"/>
+        <p14:creationId xmlns:p14="http://schemas.microsoft.com/office/powerpoint/2010/main" val="1758705011"/>
       </p:ext>
     </p:extLst>
   </p:cSld>
@@ -1369,7 +1370,7 @@
           <a:bodyPr/>
           <a:lstStyle/>
           <a:p>
-            <a:endParaRPr lang="en-US" dirty="0"/>
+            <a:endParaRPr lang="en-CA" dirty="0"/>
           </a:p>
         </p:txBody>
       </p:sp>
@@ -1397,6 +1398,96 @@
                 <a:defRPr/>
               </a:pPr>
               <a:t>14</a:t>
+            </a:fld>
+            <a:endParaRPr lang="en-US" altLang="zh-CN"/>
+          </a:p>
+        </p:txBody>
+      </p:sp>
+    </p:spTree>
+    <p:extLst>
+      <p:ext uri="{BB962C8B-B14F-4D97-AF65-F5344CB8AC3E}">
+        <p14:creationId xmlns:p14="http://schemas.microsoft.com/office/powerpoint/2010/main" val="1250483859"/>
+      </p:ext>
+    </p:extLst>
+  </p:cSld>
+  <p:clrMapOvr>
+    <a:masterClrMapping/>
+  </p:clrMapOvr>
+</p:notes>
+</file>
+
+<file path=ppt/notesSlides/notesSlide8.xml><?xml version="1.0" encoding="utf-8"?>
+<p:notes xmlns:a="http://schemas.openxmlformats.org/drawingml/2006/main" xmlns:r="http://schemas.openxmlformats.org/officeDocument/2006/relationships" xmlns:p="http://schemas.openxmlformats.org/presentationml/2006/main">
+  <p:cSld>
+    <p:spTree>
+      <p:nvGrpSpPr>
+        <p:cNvPr id="1" name=""/>
+        <p:cNvGrpSpPr/>
+        <p:nvPr/>
+      </p:nvGrpSpPr>
+      <p:grpSpPr>
+        <a:xfrm>
+          <a:off x="0" y="0"/>
+          <a:ext cx="0" cy="0"/>
+          <a:chOff x="0" y="0"/>
+          <a:chExt cx="0" cy="0"/>
+        </a:xfrm>
+      </p:grpSpPr>
+      <p:sp>
+        <p:nvSpPr>
+          <p:cNvPr id="2" name="Slide Image Placeholder 1"/>
+          <p:cNvSpPr>
+            <a:spLocks noGrp="1" noRot="1" noChangeAspect="1"/>
+          </p:cNvSpPr>
+          <p:nvPr>
+            <p:ph type="sldImg"/>
+          </p:nvPr>
+        </p:nvSpPr>
+        <p:spPr/>
+      </p:sp>
+      <p:sp>
+        <p:nvSpPr>
+          <p:cNvPr id="3" name="Notes Placeholder 2"/>
+          <p:cNvSpPr>
+            <a:spLocks noGrp="1"/>
+          </p:cNvSpPr>
+          <p:nvPr>
+            <p:ph type="body" idx="1"/>
+          </p:nvPr>
+        </p:nvSpPr>
+        <p:spPr/>
+        <p:txBody>
+          <a:bodyPr/>
+          <a:lstStyle/>
+          <a:p>
+            <a:endParaRPr lang="en-US" dirty="0"/>
+          </a:p>
+        </p:txBody>
+      </p:sp>
+      <p:sp>
+        <p:nvSpPr>
+          <p:cNvPr id="4" name="Slide Number Placeholder 3"/>
+          <p:cNvSpPr>
+            <a:spLocks noGrp="1"/>
+          </p:cNvSpPr>
+          <p:nvPr>
+            <p:ph type="sldNum" sz="quarter" idx="10"/>
+          </p:nvPr>
+        </p:nvSpPr>
+        <p:spPr/>
+        <p:txBody>
+          <a:bodyPr/>
+          <a:lstStyle/>
+          <a:p>
+            <a:pPr>
+              <a:defRPr/>
+            </a:pPr>
+            <a:fld id="{100938BD-FD70-4535-B0C2-13FC38CDF1BE}" type="slidenum">
+              <a:rPr lang="en-US" altLang="zh-CN" smtClean="0"/>
+              <a:pPr>
+                <a:defRPr/>
+              </a:pPr>
+              <a:t>15</a:t>
             </a:fld>
             <a:endParaRPr lang="en-US" altLang="zh-CN"/>
           </a:p>
@@ -2424,14 +2515,14 @@
           </a:ln>
           <a:extLst>
             <a:ext uri="{909E8E84-426E-40dd-AFC4-6F175D3DCCD1}">
-              <a14:hiddenFill xmlns:a14="http://schemas.microsoft.com/office/drawing/2010/main" xmlns="">
+              <a14:hiddenFill xmlns="" xmlns:a14="http://schemas.microsoft.com/office/drawing/2010/main">
                 <a:solidFill>
                   <a:srgbClr val="FFFFFF"/>
                 </a:solidFill>
               </a14:hiddenFill>
             </a:ext>
             <a:ext uri="{91240B29-F687-4f45-9708-019B960494DF}">
-              <a14:hiddenLine xmlns:a14="http://schemas.microsoft.com/office/drawing/2010/main" xmlns="" w="9525">
+              <a14:hiddenLine xmlns="" xmlns:a14="http://schemas.microsoft.com/office/drawing/2010/main" w="9525">
                 <a:solidFill>
                   <a:srgbClr val="000000"/>
                 </a:solidFill>
@@ -2684,7 +2775,7 @@
               </a14:hiddenLine>
             </a:ext>
             <a:ext uri="{FAA26D3D-D897-4be2-8F04-BA451C77F1D7}">
-              <ma14:placeholderFlag xmlns:ma14="http://schemas.microsoft.com/office/mac/drawingml/2011/main" xmlns="" val="1"/>
+              <ma14:placeholderFlag xmlns="" xmlns:ma14="http://schemas.microsoft.com/office/mac/drawingml/2011/main" val="1"/>
             </a:ext>
           </a:extLst>
         </p:spPr>
@@ -8736,13 +8827,27 @@
             </a:r>
           </a:p>
           <a:p>
+            <a:pPr lvl="1"/>
+            <a:r>
+              <a:rPr lang="en-US" sz="1100" dirty="0"/>
+              <a:t>Hardware needs to write both timestamp and counter in the injected packet – not capable</a:t>
+            </a:r>
+          </a:p>
+          <a:p>
+            <a:pPr lvl="1"/>
+            <a:r>
+              <a:rPr lang="en-US" sz="1100" dirty="0"/>
+              <a:t>Session-reflector hardware to parse STAMP TLVs in receive packets to decide if receive counter to be punted to the control-plane</a:t>
+            </a:r>
+          </a:p>
+          <a:p>
             <a:pPr>
               <a:buFont typeface="+mj-lt"/>
               <a:buAutoNum type="arabicPeriod"/>
             </a:pPr>
             <a:r>
               <a:rPr lang="en-US" sz="1100" dirty="0"/>
-              <a:t>May be possible with control-plane implementation, but how can we measure packet loss without alternate marking method (block number)?</a:t>
+              <a:t>Reply test packet with transmit counter NOT at the same location – needed for hardware counter-stamping (like STAMP timestamp)</a:t>
             </a:r>
           </a:p>
           <a:p>
@@ -8752,7 +8857,7 @@
             </a:pPr>
             <a:r>
               <a:rPr lang="en-US" sz="1100" dirty="0"/>
-              <a:t>Reply test packet with transmit counter NOT at the same location – needed for hardware counter-stamping (like STAMP timestamp)</a:t>
+              <a:t>For control-plane implementation, how can we measure packet loss without alternate marking method (block number)?</a:t>
             </a:r>
           </a:p>
           <a:p>
@@ -8783,26 +8888,6 @@
             <a:r>
               <a:rPr lang="en-US" sz="1100" dirty="0"/>
               <a:t>Counter location deeper into the packet (Eth 18, IPv6 40, UDP 8, STAMP 44, TLV Type 4, Total = 114 Byte) – load into write-able memory</a:t>
-            </a:r>
-          </a:p>
-          <a:p>
-            <a:pPr>
-              <a:buFont typeface="+mj-lt"/>
-              <a:buAutoNum type="arabicPeriod"/>
-            </a:pPr>
-            <a:r>
-              <a:rPr lang="en-US" sz="1100" dirty="0"/>
-              <a:t>Hardware needs to write both timestamp and counter in the injected packet – not capable</a:t>
-            </a:r>
-          </a:p>
-          <a:p>
-            <a:pPr>
-              <a:buFont typeface="+mj-lt"/>
-              <a:buAutoNum type="arabicPeriod"/>
-            </a:pPr>
-            <a:r>
-              <a:rPr lang="en-US" sz="1100" dirty="0"/>
-              <a:t>Session-reflector hardware to parse STAMP TLVs in receive packets to decide if receive counter to be punted to the control-plane</a:t>
             </a:r>
           </a:p>
           <a:p>
@@ -9074,7 +9159,7 @@
             </a:pPr>
             <a:r>
               <a:rPr lang="en-US" sz="1100" kern="0" dirty="0"/>
-              <a:t>No TLV processing in hardware</a:t>
+              <a:t>Direct Measurement Test Packet identifies the block number of the counters - used for alternate marking method (RFC 8321) for control-plane based packet loss</a:t>
             </a:r>
           </a:p>
           <a:p>
@@ -9083,8 +9168,8 @@
               <a:buAutoNum type="arabicPeriod"/>
             </a:pPr>
             <a:r>
-              <a:rPr lang="en-US" sz="1100" dirty="0"/>
-              <a:t>Counter at fixed location, well-known location for SRv6 network programming</a:t>
+              <a:rPr lang="en-US" sz="1100" kern="0" dirty="0"/>
+              <a:t>No TLV processing in hardware</a:t>
             </a:r>
           </a:p>
           <a:p>
@@ -9094,7 +9179,7 @@
             </a:pPr>
             <a:r>
               <a:rPr lang="en-US" sz="1100" dirty="0"/>
-              <a:t>Counter location earlier into the packet  (Eth 18, IPv6 40, UDP 8, Seq 4, Total = 70 Byte)</a:t>
+              <a:t>Counter at fixed location, well-known location for SRv6 network programming</a:t>
             </a:r>
           </a:p>
           <a:p>
@@ -9103,24 +9188,8 @@
               <a:buAutoNum type="arabicPeriod"/>
             </a:pPr>
             <a:r>
-              <a:rPr lang="en-US" sz="1100" kern="0" dirty="0"/>
-              <a:t>Direct Measurement Test Packet supports </a:t>
-            </a:r>
-            <a:r>
-              <a:rPr lang="en-US" sz="1100" b="1" kern="0" dirty="0"/>
-              <a:t>32-bit</a:t>
-            </a:r>
-            <a:r>
-              <a:rPr lang="en-US" sz="1100" kern="0" dirty="0"/>
-              <a:t> </a:t>
-            </a:r>
-            <a:r>
-              <a:rPr lang="en-US" sz="1100" b="1" kern="0" dirty="0"/>
-              <a:t>packet and byte </a:t>
-            </a:r>
-            <a:r>
-              <a:rPr lang="en-US" sz="1100" kern="0" dirty="0"/>
-              <a:t>counters</a:t>
+              <a:rPr lang="en-US" sz="1100" dirty="0"/>
+              <a:t>Counter location earlier into the packet  (Eth 18, IPv6 40, UDP 8, Seq 4, Total = 70 Byte)</a:t>
             </a:r>
           </a:p>
           <a:p>
@@ -9134,7 +9203,7 @@
             </a:r>
             <a:r>
               <a:rPr lang="en-US" sz="1100" b="1" kern="0" dirty="0"/>
-              <a:t>64-bit</a:t>
+              <a:t>32-bit</a:t>
             </a:r>
             <a:r>
               <a:rPr lang="en-US" sz="1100" kern="0" dirty="0"/>
@@ -9146,17 +9215,23 @@
             </a:r>
             <a:r>
               <a:rPr lang="en-US" sz="1100" kern="0" dirty="0"/>
+              <a:t>counters and </a:t>
+            </a:r>
+            <a:r>
+              <a:rPr lang="en-US" sz="1100" b="1" kern="0" dirty="0"/>
+              <a:t>64-bit</a:t>
+            </a:r>
+            <a:r>
+              <a:rPr lang="en-US" sz="1100" kern="0" dirty="0"/>
+              <a:t> </a:t>
+            </a:r>
+            <a:r>
+              <a:rPr lang="en-US" sz="1100" b="1" kern="0" dirty="0"/>
+              <a:t>packet and byte </a:t>
+            </a:r>
+            <a:r>
+              <a:rPr lang="en-US" sz="1100" kern="0" dirty="0"/>
               <a:t>counters</a:t>
-            </a:r>
-          </a:p>
-          <a:p>
-            <a:pPr>
-              <a:buFont typeface="+mj-lt"/>
-              <a:buAutoNum type="arabicPeriod"/>
-            </a:pPr>
-            <a:r>
-              <a:rPr lang="en-US" sz="1100" kern="0" dirty="0"/>
-              <a:t>Direct Measurement Test Packet identifies the block number of the counters - used for alternate marking method (RFC 8321) for control-plane based packet loss</a:t>
             </a:r>
           </a:p>
           <a:p>
@@ -9352,14 +9427,14 @@
               </a14:hiddenLine>
             </a:ext>
             <a:ext uri="{909E8E84-426E-40dd-AFC4-6F175D3DCCD1}">
-              <a14:hiddenFill xmlns:a14="http://schemas.microsoft.com/office/drawing/2010/main" xmlns="">
+              <a14:hiddenFill xmlns="" xmlns:a14="http://schemas.microsoft.com/office/drawing/2010/main">
                 <a:solidFill>
                   <a:srgbClr val="FFFFFF"/>
                 </a:solidFill>
               </a14:hiddenFill>
             </a:ext>
             <a:ext uri="{91240B29-F687-4f45-9708-019B960494DF}">
-              <a14:hiddenLine xmlns:a14="http://schemas.microsoft.com/office/drawing/2010/main" xmlns="" w="9525">
+              <a14:hiddenLine xmlns="" xmlns:a14="http://schemas.microsoft.com/office/drawing/2010/main" w="9525">
                 <a:solidFill>
                   <a:srgbClr val="000000"/>
                 </a:solidFill>
@@ -11314,6 +11389,714 @@
                 <a:latin typeface="Calibri Light" panose="020F0302020204030204" pitchFamily="34" charset="0"/>
                 <a:cs typeface="Calibri Light" panose="020F0302020204030204" pitchFamily="34" charset="0"/>
               </a:rPr>
+              <a:t>Alternate Marking Method for Packet Loss</a:t>
+            </a:r>
+          </a:p>
+        </p:txBody>
+      </p:sp>
+      <p:sp>
+        <p:nvSpPr>
+          <p:cNvPr id="3" name="Content Placeholder 2"/>
+          <p:cNvSpPr>
+            <a:spLocks noGrp="1"/>
+          </p:cNvSpPr>
+          <p:nvPr>
+            <p:ph idx="1"/>
+          </p:nvPr>
+        </p:nvSpPr>
+        <p:spPr>
+          <a:xfrm>
+            <a:off x="685800" y="893379"/>
+            <a:ext cx="8001000" cy="914400"/>
+          </a:xfrm>
+        </p:spPr>
+        <p:txBody>
+          <a:bodyPr/>
+          <a:lstStyle/>
+          <a:p>
+            <a:r>
+              <a:rPr lang="en-US" sz="1600" dirty="0">
+                <a:latin typeface="Calibri" charset="0"/>
+                <a:ea typeface="Calibri" charset="0"/>
+                <a:cs typeface="Calibri" charset="0"/>
+              </a:rPr>
+              <a:t>RFC 8321 - </a:t>
+            </a:r>
+            <a:r>
+              <a:rPr lang="en-CA" sz="1600" dirty="0"/>
+              <a:t>Alternate-Marking Method for Passive and Hybrid Performance Monitoring</a:t>
+            </a:r>
+          </a:p>
+          <a:p>
+            <a:r>
+              <a:rPr lang="en-CA" sz="1600" dirty="0"/>
+              <a:t>draft-</a:t>
+            </a:r>
+            <a:r>
+              <a:rPr lang="en-CA" sz="1600" dirty="0" err="1"/>
+              <a:t>ietf</a:t>
+            </a:r>
+            <a:r>
+              <a:rPr lang="en-CA" sz="1600" dirty="0"/>
+              <a:t>-</a:t>
+            </a:r>
+            <a:r>
+              <a:rPr lang="en-CA" sz="1600" dirty="0" err="1"/>
+              <a:t>mpls</a:t>
+            </a:r>
+            <a:r>
+              <a:rPr lang="en-CA" sz="1600" dirty="0"/>
+              <a:t>-</a:t>
+            </a:r>
+            <a:r>
+              <a:rPr lang="en-CA" sz="1600" dirty="0" err="1"/>
+              <a:t>sfl</a:t>
+            </a:r>
+            <a:r>
+              <a:rPr lang="en-CA" sz="1600" dirty="0"/>
+              <a:t>-framework - Synonymous Flow Label Framework</a:t>
+            </a:r>
+          </a:p>
+          <a:p>
+            <a:r>
+              <a:rPr lang="en-CA" sz="1600" dirty="0"/>
+              <a:t>Control plane based packet loss with distributed forwarding LCs</a:t>
+            </a:r>
+          </a:p>
+          <a:p>
+            <a:endParaRPr lang="en-CA" sz="1600" dirty="0"/>
+          </a:p>
+          <a:p>
+            <a:pPr marL="0" lvl="0" indent="0">
+              <a:buNone/>
+            </a:pPr>
+            <a:endParaRPr lang="en-US" sz="1600" dirty="0">
+              <a:latin typeface="Calibri" charset="0"/>
+              <a:ea typeface="Calibri" charset="0"/>
+              <a:cs typeface="Calibri" charset="0"/>
+            </a:endParaRPr>
+          </a:p>
+          <a:p>
+            <a:pPr lvl="0"/>
+            <a:endParaRPr lang="en-US" sz="1600" dirty="0">
+              <a:latin typeface="Calibri" charset="0"/>
+              <a:ea typeface="Calibri" charset="0"/>
+              <a:cs typeface="Calibri" charset="0"/>
+            </a:endParaRPr>
+          </a:p>
+          <a:p>
+            <a:pPr lvl="0"/>
+            <a:endParaRPr lang="en-US" sz="1600" dirty="0">
+              <a:latin typeface="Calibri" charset="0"/>
+              <a:ea typeface="Calibri" charset="0"/>
+              <a:cs typeface="Calibri" charset="0"/>
+            </a:endParaRPr>
+          </a:p>
+          <a:p>
+            <a:pPr lvl="0"/>
+            <a:endParaRPr lang="en-US" sz="1600" dirty="0">
+              <a:latin typeface="Calibri" charset="0"/>
+              <a:ea typeface="Calibri" charset="0"/>
+              <a:cs typeface="Calibri" charset="0"/>
+            </a:endParaRPr>
+          </a:p>
+          <a:p>
+            <a:endParaRPr lang="en-US" sz="1600" dirty="0">
+              <a:latin typeface="Calibri" charset="0"/>
+              <a:ea typeface="Calibri" charset="0"/>
+              <a:cs typeface="Calibri" charset="0"/>
+            </a:endParaRPr>
+          </a:p>
+        </p:txBody>
+      </p:sp>
+      <p:sp>
+        <p:nvSpPr>
+          <p:cNvPr id="4" name="Footer Placeholder 3"/>
+          <p:cNvSpPr>
+            <a:spLocks noGrp="1"/>
+          </p:cNvSpPr>
+          <p:nvPr>
+            <p:ph type="ftr" sz="quarter" idx="11"/>
+          </p:nvPr>
+        </p:nvSpPr>
+        <p:spPr>
+          <a:xfrm>
+            <a:off x="3048000" y="4786312"/>
+            <a:ext cx="2895600" cy="357188"/>
+          </a:xfrm>
+        </p:spPr>
+        <p:txBody>
+          <a:bodyPr/>
+          <a:lstStyle/>
+          <a:p>
+            <a:r>
+              <a:rPr lang="en-CA" dirty="0"/>
+              <a:t>110</a:t>
+            </a:r>
+            <a:r>
+              <a:rPr lang="en-CA" baseline="30000" dirty="0"/>
+              <a:t>th</a:t>
+            </a:r>
+            <a:r>
+              <a:rPr lang="en-CA" dirty="0"/>
+              <a:t> IETF Online</a:t>
+            </a:r>
+          </a:p>
+        </p:txBody>
+      </p:sp>
+      <p:sp>
+        <p:nvSpPr>
+          <p:cNvPr id="5" name="Slide Number Placeholder 4"/>
+          <p:cNvSpPr>
+            <a:spLocks noGrp="1"/>
+          </p:cNvSpPr>
+          <p:nvPr>
+            <p:ph type="sldNum" sz="quarter" idx="12"/>
+          </p:nvPr>
+        </p:nvSpPr>
+        <p:spPr/>
+        <p:txBody>
+          <a:bodyPr/>
+          <a:lstStyle/>
+          <a:p>
+            <a:pPr>
+              <a:defRPr/>
+            </a:pPr>
+            <a:fld id="{BD6E0F59-1DD8-40FC-9C92-B6295CBA6CCA}" type="slidenum">
+              <a:rPr lang="en-US" altLang="zh-CN" smtClean="0"/>
+              <a:pPr>
+                <a:defRPr/>
+              </a:pPr>
+              <a:t>13</a:t>
+            </a:fld>
+            <a:endParaRPr lang="en-US" altLang="zh-CN" dirty="0"/>
+          </a:p>
+        </p:txBody>
+      </p:sp>
+      <p:sp>
+        <p:nvSpPr>
+          <p:cNvPr id="6" name="Rectangle 5">
+            <a:extLst>
+              <a:ext uri="{FF2B5EF4-FFF2-40B4-BE49-F238E27FC236}">
+                <a16:creationId xmlns:a16="http://schemas.microsoft.com/office/drawing/2014/main" id="{D930FC9E-C00E-754D-BBDD-1B3199E94060}"/>
+              </a:ext>
+            </a:extLst>
+          </p:cNvPr>
+          <p:cNvSpPr/>
+          <p:nvPr/>
+        </p:nvSpPr>
+        <p:spPr>
+          <a:xfrm>
+            <a:off x="1333500" y="2293142"/>
+            <a:ext cx="6477000" cy="2092881"/>
+          </a:xfrm>
+          <a:prstGeom prst="rect">
+            <a:avLst/>
+          </a:prstGeom>
+          <a:ln>
+            <a:solidFill>
+              <a:schemeClr val="accent1"/>
+            </a:solidFill>
+          </a:ln>
+        </p:spPr>
+        <p:txBody>
+          <a:bodyPr wrap="square">
+            <a:spAutoFit/>
+          </a:bodyPr>
+          <a:lstStyle/>
+          <a:p>
+            <a:pPr>
+              <a:tabLst>
+                <a:tab pos="581660" algn="l"/>
+                <a:tab pos="1163320" algn="l"/>
+                <a:tab pos="1744980" algn="l"/>
+                <a:tab pos="2326640" algn="l"/>
+                <a:tab pos="2908300" algn="l"/>
+                <a:tab pos="3489960" algn="l"/>
+                <a:tab pos="4071620" algn="l"/>
+                <a:tab pos="4653280" algn="l"/>
+                <a:tab pos="5234940" algn="l"/>
+                <a:tab pos="5816600" algn="l"/>
+                <a:tab pos="6398260" algn="l"/>
+                <a:tab pos="6979920" algn="l"/>
+                <a:tab pos="7561580" algn="l"/>
+                <a:tab pos="8143240" algn="l"/>
+                <a:tab pos="8724900" algn="l"/>
+                <a:tab pos="9306560" algn="l"/>
+              </a:tabLst>
+            </a:pPr>
+            <a:r>
+              <a:rPr lang="en-CA" sz="1000" dirty="0">
+                <a:latin typeface="Courier" pitchFamily="2" charset="0"/>
+                <a:ea typeface="Times New Roman" panose="02020603050405020304" pitchFamily="18" charset="0"/>
+                <a:cs typeface="Times New Roman" panose="02020603050405020304" pitchFamily="18" charset="0"/>
+              </a:rPr>
+              <a:t>   A: packet with A coloring</a:t>
+            </a:r>
+            <a:endParaRPr lang="en-CA" sz="1000" dirty="0">
+              <a:latin typeface="Courier" pitchFamily="2" charset="0"/>
+              <a:ea typeface="Calibri" panose="020F0502020204030204" pitchFamily="34" charset="0"/>
+              <a:cs typeface="Times New Roman" panose="02020603050405020304" pitchFamily="18" charset="0"/>
+            </a:endParaRPr>
+          </a:p>
+          <a:p>
+            <a:pPr>
+              <a:tabLst>
+                <a:tab pos="581660" algn="l"/>
+                <a:tab pos="1163320" algn="l"/>
+                <a:tab pos="1744980" algn="l"/>
+                <a:tab pos="2326640" algn="l"/>
+                <a:tab pos="2908300" algn="l"/>
+                <a:tab pos="3489960" algn="l"/>
+                <a:tab pos="4071620" algn="l"/>
+                <a:tab pos="4653280" algn="l"/>
+                <a:tab pos="5234940" algn="l"/>
+                <a:tab pos="5816600" algn="l"/>
+                <a:tab pos="6398260" algn="l"/>
+                <a:tab pos="6979920" algn="l"/>
+                <a:tab pos="7561580" algn="l"/>
+                <a:tab pos="8143240" algn="l"/>
+                <a:tab pos="8724900" algn="l"/>
+                <a:tab pos="9306560" algn="l"/>
+              </a:tabLst>
+            </a:pPr>
+            <a:r>
+              <a:rPr lang="en-CA" sz="1000" dirty="0">
+                <a:latin typeface="Courier" pitchFamily="2" charset="0"/>
+                <a:ea typeface="Times New Roman" panose="02020603050405020304" pitchFamily="18" charset="0"/>
+                <a:cs typeface="Times New Roman" panose="02020603050405020304" pitchFamily="18" charset="0"/>
+              </a:rPr>
+              <a:t>   B: packet with B coloring</a:t>
+            </a:r>
+            <a:endParaRPr lang="en-CA" sz="1000" dirty="0">
+              <a:latin typeface="Courier" pitchFamily="2" charset="0"/>
+              <a:ea typeface="Calibri" panose="020F0502020204030204" pitchFamily="34" charset="0"/>
+              <a:cs typeface="Times New Roman" panose="02020603050405020304" pitchFamily="18" charset="0"/>
+            </a:endParaRPr>
+          </a:p>
+          <a:p>
+            <a:pPr>
+              <a:tabLst>
+                <a:tab pos="581660" algn="l"/>
+                <a:tab pos="1163320" algn="l"/>
+                <a:tab pos="1744980" algn="l"/>
+                <a:tab pos="2326640" algn="l"/>
+                <a:tab pos="2908300" algn="l"/>
+                <a:tab pos="3489960" algn="l"/>
+                <a:tab pos="4071620" algn="l"/>
+                <a:tab pos="4653280" algn="l"/>
+                <a:tab pos="5234940" algn="l"/>
+                <a:tab pos="5816600" algn="l"/>
+                <a:tab pos="6398260" algn="l"/>
+                <a:tab pos="6979920" algn="l"/>
+                <a:tab pos="7561580" algn="l"/>
+                <a:tab pos="8143240" algn="l"/>
+                <a:tab pos="8724900" algn="l"/>
+                <a:tab pos="9306560" algn="l"/>
+              </a:tabLst>
+            </a:pPr>
+            <a:r>
+              <a:rPr lang="en-CA" sz="1000" dirty="0">
+                <a:latin typeface="Courier" pitchFamily="2" charset="0"/>
+                <a:ea typeface="Times New Roman" panose="02020603050405020304" pitchFamily="18" charset="0"/>
+                <a:cs typeface="Times New Roman" panose="02020603050405020304" pitchFamily="18" charset="0"/>
+              </a:rPr>
+              <a:t> </a:t>
+            </a:r>
+            <a:endParaRPr lang="en-CA" sz="1000" dirty="0">
+              <a:latin typeface="Courier" pitchFamily="2" charset="0"/>
+              <a:ea typeface="Calibri" panose="020F0502020204030204" pitchFamily="34" charset="0"/>
+              <a:cs typeface="Times New Roman" panose="02020603050405020304" pitchFamily="18" charset="0"/>
+            </a:endParaRPr>
+          </a:p>
+          <a:p>
+            <a:pPr>
+              <a:tabLst>
+                <a:tab pos="581660" algn="l"/>
+                <a:tab pos="1163320" algn="l"/>
+                <a:tab pos="1744980" algn="l"/>
+                <a:tab pos="2326640" algn="l"/>
+                <a:tab pos="2908300" algn="l"/>
+                <a:tab pos="3489960" algn="l"/>
+                <a:tab pos="4071620" algn="l"/>
+                <a:tab pos="4653280" algn="l"/>
+                <a:tab pos="5234940" algn="l"/>
+                <a:tab pos="5816600" algn="l"/>
+                <a:tab pos="6398260" algn="l"/>
+                <a:tab pos="6979920" algn="l"/>
+                <a:tab pos="7561580" algn="l"/>
+                <a:tab pos="8143240" algn="l"/>
+                <a:tab pos="8724900" algn="l"/>
+                <a:tab pos="9306560" algn="l"/>
+              </a:tabLst>
+            </a:pPr>
+            <a:r>
+              <a:rPr lang="en-CA" sz="1000" dirty="0">
+                <a:latin typeface="Courier" pitchFamily="2" charset="0"/>
+                <a:ea typeface="Times New Roman" panose="02020603050405020304" pitchFamily="18" charset="0"/>
+                <a:cs typeface="Times New Roman" panose="02020603050405020304" pitchFamily="18" charset="0"/>
+              </a:rPr>
+              <a:t>            |           |           |           |           |</a:t>
+            </a:r>
+            <a:endParaRPr lang="en-CA" sz="1000" dirty="0">
+              <a:latin typeface="Courier" pitchFamily="2" charset="0"/>
+              <a:ea typeface="Calibri" panose="020F0502020204030204" pitchFamily="34" charset="0"/>
+              <a:cs typeface="Times New Roman" panose="02020603050405020304" pitchFamily="18" charset="0"/>
+            </a:endParaRPr>
+          </a:p>
+          <a:p>
+            <a:pPr>
+              <a:tabLst>
+                <a:tab pos="581660" algn="l"/>
+                <a:tab pos="1163320" algn="l"/>
+                <a:tab pos="1744980" algn="l"/>
+                <a:tab pos="2326640" algn="l"/>
+                <a:tab pos="2908300" algn="l"/>
+                <a:tab pos="3489960" algn="l"/>
+                <a:tab pos="4071620" algn="l"/>
+                <a:tab pos="4653280" algn="l"/>
+                <a:tab pos="5234940" algn="l"/>
+                <a:tab pos="5816600" algn="l"/>
+                <a:tab pos="6398260" algn="l"/>
+                <a:tab pos="6979920" algn="l"/>
+                <a:tab pos="7561580" algn="l"/>
+                <a:tab pos="8143240" algn="l"/>
+                <a:tab pos="8724900" algn="l"/>
+                <a:tab pos="9306560" algn="l"/>
+              </a:tabLst>
+            </a:pPr>
+            <a:r>
+              <a:rPr lang="en-CA" sz="1000" dirty="0">
+                <a:latin typeface="Courier" pitchFamily="2" charset="0"/>
+                <a:ea typeface="Times New Roman" panose="02020603050405020304" pitchFamily="18" charset="0"/>
+                <a:cs typeface="Times New Roman" panose="02020603050405020304" pitchFamily="18" charset="0"/>
+              </a:rPr>
+              <a:t>            |           |    Traffic Flow       |           |</a:t>
+            </a:r>
+            <a:endParaRPr lang="en-CA" sz="1000" dirty="0">
+              <a:latin typeface="Courier" pitchFamily="2" charset="0"/>
+              <a:ea typeface="Calibri" panose="020F0502020204030204" pitchFamily="34" charset="0"/>
+              <a:cs typeface="Times New Roman" panose="02020603050405020304" pitchFamily="18" charset="0"/>
+            </a:endParaRPr>
+          </a:p>
+          <a:p>
+            <a:pPr>
+              <a:tabLst>
+                <a:tab pos="581660" algn="l"/>
+                <a:tab pos="1163320" algn="l"/>
+                <a:tab pos="1744980" algn="l"/>
+                <a:tab pos="2326640" algn="l"/>
+                <a:tab pos="2908300" algn="l"/>
+                <a:tab pos="3489960" algn="l"/>
+                <a:tab pos="4071620" algn="l"/>
+                <a:tab pos="4653280" algn="l"/>
+                <a:tab pos="5234940" algn="l"/>
+                <a:tab pos="5816600" algn="l"/>
+                <a:tab pos="6398260" algn="l"/>
+                <a:tab pos="6979920" algn="l"/>
+                <a:tab pos="7561580" algn="l"/>
+                <a:tab pos="8143240" algn="l"/>
+                <a:tab pos="8724900" algn="l"/>
+                <a:tab pos="9306560" algn="l"/>
+              </a:tabLst>
+            </a:pPr>
+            <a:r>
+              <a:rPr lang="en-CA" sz="1000" dirty="0">
+                <a:latin typeface="Courier" pitchFamily="2" charset="0"/>
+                <a:ea typeface="Times New Roman" panose="02020603050405020304" pitchFamily="18" charset="0"/>
+                <a:cs typeface="Times New Roman" panose="02020603050405020304" pitchFamily="18" charset="0"/>
+              </a:rPr>
+              <a:t>    -------------------------------------------------------------------&gt;</a:t>
+            </a:r>
+            <a:endParaRPr lang="en-CA" sz="1000" dirty="0">
+              <a:latin typeface="Courier" pitchFamily="2" charset="0"/>
+              <a:ea typeface="Calibri" panose="020F0502020204030204" pitchFamily="34" charset="0"/>
+              <a:cs typeface="Times New Roman" panose="02020603050405020304" pitchFamily="18" charset="0"/>
+            </a:endParaRPr>
+          </a:p>
+          <a:p>
+            <a:pPr>
+              <a:tabLst>
+                <a:tab pos="581660" algn="l"/>
+                <a:tab pos="1163320" algn="l"/>
+                <a:tab pos="1744980" algn="l"/>
+                <a:tab pos="2326640" algn="l"/>
+                <a:tab pos="2908300" algn="l"/>
+                <a:tab pos="3489960" algn="l"/>
+                <a:tab pos="4071620" algn="l"/>
+                <a:tab pos="4653280" algn="l"/>
+                <a:tab pos="5234940" algn="l"/>
+                <a:tab pos="5816600" algn="l"/>
+                <a:tab pos="6398260" algn="l"/>
+                <a:tab pos="6979920" algn="l"/>
+                <a:tab pos="7561580" algn="l"/>
+                <a:tab pos="8143240" algn="l"/>
+                <a:tab pos="8724900" algn="l"/>
+                <a:tab pos="9306560" algn="l"/>
+              </a:tabLst>
+            </a:pPr>
+            <a:r>
+              <a:rPr lang="en-CA" sz="1000" dirty="0">
+                <a:latin typeface="Courier" pitchFamily="2" charset="0"/>
+                <a:ea typeface="Times New Roman" panose="02020603050405020304" pitchFamily="18" charset="0"/>
+                <a:cs typeface="Times New Roman" panose="02020603050405020304" pitchFamily="18" charset="0"/>
+              </a:rPr>
+              <a:t>     BBBBBBB AAAAAAAAAAA BBBBBBBBBBB AAAAAAAAAAA BBBBBBBBBBB AAAAAAA</a:t>
+            </a:r>
+            <a:endParaRPr lang="en-CA" sz="1000" dirty="0">
+              <a:latin typeface="Courier" pitchFamily="2" charset="0"/>
+              <a:ea typeface="Calibri" panose="020F0502020204030204" pitchFamily="34" charset="0"/>
+              <a:cs typeface="Times New Roman" panose="02020603050405020304" pitchFamily="18" charset="0"/>
+            </a:endParaRPr>
+          </a:p>
+          <a:p>
+            <a:pPr>
+              <a:tabLst>
+                <a:tab pos="581660" algn="l"/>
+                <a:tab pos="1163320" algn="l"/>
+                <a:tab pos="1744980" algn="l"/>
+                <a:tab pos="2326640" algn="l"/>
+                <a:tab pos="2908300" algn="l"/>
+                <a:tab pos="3489960" algn="l"/>
+                <a:tab pos="4071620" algn="l"/>
+                <a:tab pos="4653280" algn="l"/>
+                <a:tab pos="5234940" algn="l"/>
+                <a:tab pos="5816600" algn="l"/>
+                <a:tab pos="6398260" algn="l"/>
+                <a:tab pos="6979920" algn="l"/>
+                <a:tab pos="7561580" algn="l"/>
+                <a:tab pos="8143240" algn="l"/>
+                <a:tab pos="8724900" algn="l"/>
+                <a:tab pos="9306560" algn="l"/>
+              </a:tabLst>
+            </a:pPr>
+            <a:r>
+              <a:rPr lang="en-CA" sz="1000" dirty="0">
+                <a:latin typeface="Courier" pitchFamily="2" charset="0"/>
+                <a:ea typeface="Times New Roman" panose="02020603050405020304" pitchFamily="18" charset="0"/>
+                <a:cs typeface="Times New Roman" panose="02020603050405020304" pitchFamily="18" charset="0"/>
+              </a:rPr>
+              <a:t>    -------------------------------------------------------------------&gt;</a:t>
+            </a:r>
+            <a:endParaRPr lang="en-CA" sz="1000" dirty="0">
+              <a:latin typeface="Courier" pitchFamily="2" charset="0"/>
+              <a:ea typeface="Calibri" panose="020F0502020204030204" pitchFamily="34" charset="0"/>
+              <a:cs typeface="Times New Roman" panose="02020603050405020304" pitchFamily="18" charset="0"/>
+            </a:endParaRPr>
+          </a:p>
+          <a:p>
+            <a:pPr>
+              <a:tabLst>
+                <a:tab pos="581660" algn="l"/>
+                <a:tab pos="1163320" algn="l"/>
+                <a:tab pos="1744980" algn="l"/>
+                <a:tab pos="2326640" algn="l"/>
+                <a:tab pos="2908300" algn="l"/>
+                <a:tab pos="3489960" algn="l"/>
+                <a:tab pos="4071620" algn="l"/>
+                <a:tab pos="4653280" algn="l"/>
+                <a:tab pos="5234940" algn="l"/>
+                <a:tab pos="5816600" algn="l"/>
+                <a:tab pos="6398260" algn="l"/>
+                <a:tab pos="6979920" algn="l"/>
+                <a:tab pos="7561580" algn="l"/>
+                <a:tab pos="8143240" algn="l"/>
+                <a:tab pos="8724900" algn="l"/>
+                <a:tab pos="9306560" algn="l"/>
+              </a:tabLst>
+            </a:pPr>
+            <a:r>
+              <a:rPr lang="en-CA" sz="1000" dirty="0">
+                <a:latin typeface="Courier" pitchFamily="2" charset="0"/>
+                <a:ea typeface="Times New Roman" panose="02020603050405020304" pitchFamily="18" charset="0"/>
+                <a:cs typeface="Times New Roman" panose="02020603050405020304" pitchFamily="18" charset="0"/>
+              </a:rPr>
+              <a:t>       ...  |  Block 5  |  Block 4  |  Block 3  |  Block 2  |  Block 1</a:t>
+            </a:r>
+            <a:endParaRPr lang="en-CA" sz="1000" dirty="0">
+              <a:latin typeface="Courier" pitchFamily="2" charset="0"/>
+              <a:ea typeface="Calibri" panose="020F0502020204030204" pitchFamily="34" charset="0"/>
+              <a:cs typeface="Times New Roman" panose="02020603050405020304" pitchFamily="18" charset="0"/>
+            </a:endParaRPr>
+          </a:p>
+          <a:p>
+            <a:pPr>
+              <a:tabLst>
+                <a:tab pos="581660" algn="l"/>
+                <a:tab pos="1163320" algn="l"/>
+                <a:tab pos="1744980" algn="l"/>
+                <a:tab pos="2326640" algn="l"/>
+                <a:tab pos="2908300" algn="l"/>
+                <a:tab pos="3489960" algn="l"/>
+                <a:tab pos="4071620" algn="l"/>
+                <a:tab pos="4653280" algn="l"/>
+                <a:tab pos="5234940" algn="l"/>
+                <a:tab pos="5816600" algn="l"/>
+                <a:tab pos="6398260" algn="l"/>
+                <a:tab pos="6979920" algn="l"/>
+                <a:tab pos="7561580" algn="l"/>
+                <a:tab pos="8143240" algn="l"/>
+                <a:tab pos="8724900" algn="l"/>
+                <a:tab pos="9306560" algn="l"/>
+              </a:tabLst>
+            </a:pPr>
+            <a:r>
+              <a:rPr lang="en-CA" sz="1000" dirty="0">
+                <a:latin typeface="Courier" pitchFamily="2" charset="0"/>
+                <a:ea typeface="Times New Roman" panose="02020603050405020304" pitchFamily="18" charset="0"/>
+                <a:cs typeface="Times New Roman" panose="02020603050405020304" pitchFamily="18" charset="0"/>
+              </a:rPr>
+              <a:t>            |           |           |           |           |</a:t>
+            </a:r>
+            <a:endParaRPr lang="en-CA" sz="1000" dirty="0">
+              <a:latin typeface="Courier" pitchFamily="2" charset="0"/>
+              <a:ea typeface="Calibri" panose="020F0502020204030204" pitchFamily="34" charset="0"/>
+              <a:cs typeface="Times New Roman" panose="02020603050405020304" pitchFamily="18" charset="0"/>
+            </a:endParaRPr>
+          </a:p>
+          <a:p>
+            <a:pPr>
+              <a:tabLst>
+                <a:tab pos="581660" algn="l"/>
+                <a:tab pos="1163320" algn="l"/>
+                <a:tab pos="1744980" algn="l"/>
+                <a:tab pos="2326640" algn="l"/>
+                <a:tab pos="2908300" algn="l"/>
+                <a:tab pos="3489960" algn="l"/>
+                <a:tab pos="4071620" algn="l"/>
+                <a:tab pos="4653280" algn="l"/>
+                <a:tab pos="5234940" algn="l"/>
+                <a:tab pos="5816600" algn="l"/>
+                <a:tab pos="6398260" algn="l"/>
+                <a:tab pos="6979920" algn="l"/>
+                <a:tab pos="7561580" algn="l"/>
+                <a:tab pos="8143240" algn="l"/>
+                <a:tab pos="8724900" algn="l"/>
+                <a:tab pos="9306560" algn="l"/>
+              </a:tabLst>
+            </a:pPr>
+            <a:r>
+              <a:rPr lang="en-CA" sz="1000" dirty="0">
+                <a:latin typeface="Courier" pitchFamily="2" charset="0"/>
+                <a:ea typeface="Times New Roman" panose="02020603050405020304" pitchFamily="18" charset="0"/>
+                <a:cs typeface="Times New Roman" panose="02020603050405020304" pitchFamily="18" charset="0"/>
+              </a:rPr>
+              <a:t> </a:t>
+            </a:r>
+            <a:endParaRPr lang="en-CA" sz="1000" dirty="0">
+              <a:latin typeface="Courier" pitchFamily="2" charset="0"/>
+              <a:ea typeface="Calibri" panose="020F0502020204030204" pitchFamily="34" charset="0"/>
+              <a:cs typeface="Times New Roman" panose="02020603050405020304" pitchFamily="18" charset="0"/>
+            </a:endParaRPr>
+          </a:p>
+          <a:p>
+            <a:pPr>
+              <a:tabLst>
+                <a:tab pos="581660" algn="l"/>
+                <a:tab pos="1163320" algn="l"/>
+                <a:tab pos="1744980" algn="l"/>
+                <a:tab pos="2326640" algn="l"/>
+                <a:tab pos="2908300" algn="l"/>
+                <a:tab pos="3489960" algn="l"/>
+                <a:tab pos="4071620" algn="l"/>
+                <a:tab pos="4653280" algn="l"/>
+                <a:tab pos="5234940" algn="l"/>
+                <a:tab pos="5816600" algn="l"/>
+                <a:tab pos="6398260" algn="l"/>
+                <a:tab pos="6979920" algn="l"/>
+                <a:tab pos="7561580" algn="l"/>
+                <a:tab pos="8143240" algn="l"/>
+                <a:tab pos="8724900" algn="l"/>
+                <a:tab pos="9306560" algn="l"/>
+              </a:tabLst>
+            </a:pPr>
+            <a:r>
+              <a:rPr lang="en-CA" sz="1000" dirty="0">
+                <a:latin typeface="Courier" pitchFamily="2" charset="0"/>
+                <a:ea typeface="Times New Roman" panose="02020603050405020304" pitchFamily="18" charset="0"/>
+                <a:cs typeface="Times New Roman" panose="02020603050405020304" pitchFamily="18" charset="0"/>
+              </a:rPr>
+              <a:t>                        Figure 2: Traffic Coloring</a:t>
+            </a:r>
+            <a:endParaRPr lang="en-CA" sz="1000" dirty="0">
+              <a:latin typeface="Courier" pitchFamily="2" charset="0"/>
+              <a:ea typeface="Calibri" panose="020F0502020204030204" pitchFamily="34" charset="0"/>
+              <a:cs typeface="Times New Roman" panose="02020603050405020304" pitchFamily="18" charset="0"/>
+            </a:endParaRPr>
+          </a:p>
+          <a:p>
+            <a:r>
+              <a:rPr lang="en-CA" sz="1000" dirty="0">
+                <a:latin typeface="Courier" pitchFamily="2" charset="0"/>
+                <a:ea typeface="Calibri" panose="020F0502020204030204" pitchFamily="34" charset="0"/>
+                <a:cs typeface="Times New Roman" panose="02020603050405020304" pitchFamily="18" charset="0"/>
+              </a:rPr>
+              <a:t> </a:t>
+            </a:r>
+            <a:endParaRPr lang="en-US" sz="1000" dirty="0">
+              <a:latin typeface="Courier" pitchFamily="2" charset="0"/>
+            </a:endParaRPr>
+          </a:p>
+        </p:txBody>
+      </p:sp>
+    </p:spTree>
+    <p:extLst>
+      <p:ext uri="{BB962C8B-B14F-4D97-AF65-F5344CB8AC3E}">
+        <p14:creationId xmlns:p14="http://schemas.microsoft.com/office/powerpoint/2010/main" val="2899072366"/>
+      </p:ext>
+    </p:extLst>
+  </p:cSld>
+  <p:clrMapOvr>
+    <a:masterClrMapping/>
+  </p:clrMapOvr>
+</p:sld>
+</file>
+
+<file path=ppt/slides/slide14.xml><?xml version="1.0" encoding="utf-8"?>
+<p:sld xmlns:a="http://schemas.openxmlformats.org/drawingml/2006/main" xmlns:r="http://schemas.openxmlformats.org/officeDocument/2006/relationships" xmlns:p="http://schemas.openxmlformats.org/presentationml/2006/main">
+  <p:cSld>
+    <p:spTree>
+      <p:nvGrpSpPr>
+        <p:cNvPr id="1" name=""/>
+        <p:cNvGrpSpPr/>
+        <p:nvPr/>
+      </p:nvGrpSpPr>
+      <p:grpSpPr>
+        <a:xfrm>
+          <a:off x="0" y="0"/>
+          <a:ext cx="0" cy="0"/>
+          <a:chOff x="0" y="0"/>
+          <a:chExt cx="0" cy="0"/>
+        </a:xfrm>
+      </p:grpSpPr>
+      <p:sp>
+        <p:nvSpPr>
+          <p:cNvPr id="2" name="Title 1"/>
+          <p:cNvSpPr>
+            <a:spLocks noGrp="1"/>
+          </p:cNvSpPr>
+          <p:nvPr>
+            <p:ph type="title"/>
+          </p:nvPr>
+        </p:nvSpPr>
+        <p:spPr>
+          <a:xfrm>
+            <a:off x="457200" y="0"/>
+            <a:ext cx="8229600" cy="857250"/>
+          </a:xfrm>
+        </p:spPr>
+        <p:txBody>
+          <a:bodyPr/>
+          <a:lstStyle/>
+          <a:p>
+            <a:r>
+              <a:rPr lang="en-US" sz="3600" dirty="0">
+                <a:solidFill>
+                  <a:srgbClr val="0070C0"/>
+                </a:solidFill>
+                <a:latin typeface="Calibri Light" panose="020F0302020204030204" pitchFamily="34" charset="0"/>
+                <a:cs typeface="Calibri Light" panose="020F0302020204030204" pitchFamily="34" charset="0"/>
+              </a:rPr>
               <a:t>Next Steps</a:t>
             </a:r>
           </a:p>
@@ -11428,7 +12211,7 @@
               <a:pPr>
                 <a:defRPr/>
               </a:pPr>
-              <a:t>13</a:t>
+              <a:t>14</a:t>
             </a:fld>
             <a:endParaRPr lang="en-US" altLang="zh-CN" dirty="0"/>
           </a:p>
@@ -11447,7 +12230,7 @@
 </p:sld>
 </file>
 
-<file path=ppt/slides/slide14.xml><?xml version="1.0" encoding="utf-8"?>
+<file path=ppt/slides/slide15.xml><?xml version="1.0" encoding="utf-8"?>
 <p:sld xmlns:a="http://schemas.openxmlformats.org/drawingml/2006/main" xmlns:r="http://schemas.openxmlformats.org/officeDocument/2006/relationships" xmlns:p="http://schemas.openxmlformats.org/presentationml/2006/main">
   <p:cSld>
     <p:spTree>
@@ -11711,7 +12494,7 @@
               <a:pPr>
                 <a:defRPr/>
               </a:pPr>
-              <a:t>14</a:t>
+              <a:t>15</a:t>
             </a:fld>
             <a:endParaRPr lang="en-US" altLang="zh-CN" dirty="0"/>
           </a:p>
@@ -11730,7 +12513,7 @@
 </p:sld>
 </file>
 
-<file path=ppt/slides/slide15.xml><?xml version="1.0" encoding="utf-8"?>
+<file path=ppt/slides/slide16.xml><?xml version="1.0" encoding="utf-8"?>
 <p:sld xmlns:a="http://schemas.openxmlformats.org/drawingml/2006/main" xmlns:r="http://schemas.openxmlformats.org/officeDocument/2006/relationships" xmlns:p="http://schemas.openxmlformats.org/presentationml/2006/main">
   <p:cSld>
     <p:spTree>
@@ -13374,7 +14157,7 @@
               <a:pPr algn="r">
                 <a:defRPr/>
               </a:pPr>
-              <a:t>15</a:t>
+              <a:t>16</a:t>
             </a:fld>
             <a:endParaRPr lang="en-US" altLang="zh-CN" sz="1400" dirty="0">
               <a:latin typeface="Calibri" panose="020F0502020204030204" pitchFamily="34" charset="0"/>

--- a/draft-gandhi-ippm-stamp-srpm-01.pptx
+++ b/draft-gandhi-ippm-stamp-srpm-01.pptx
@@ -2515,14 +2515,14 @@
           </a:ln>
           <a:extLst>
             <a:ext uri="{909E8E84-426E-40dd-AFC4-6F175D3DCCD1}">
-              <a14:hiddenFill xmlns="" xmlns:a14="http://schemas.microsoft.com/office/drawing/2010/main">
+              <a14:hiddenFill xmlns:a14="http://schemas.microsoft.com/office/drawing/2010/main" xmlns="">
                 <a:solidFill>
                   <a:srgbClr val="FFFFFF"/>
                 </a:solidFill>
               </a14:hiddenFill>
             </a:ext>
             <a:ext uri="{91240B29-F687-4f45-9708-019B960494DF}">
-              <a14:hiddenLine xmlns="" xmlns:a14="http://schemas.microsoft.com/office/drawing/2010/main" w="9525">
+              <a14:hiddenLine xmlns:a14="http://schemas.microsoft.com/office/drawing/2010/main" xmlns="" w="9525">
                 <a:solidFill>
                   <a:srgbClr val="000000"/>
                 </a:solidFill>
@@ -2775,7 +2775,7 @@
               </a14:hiddenLine>
             </a:ext>
             <a:ext uri="{FAA26D3D-D897-4be2-8F04-BA451C77F1D7}">
-              <ma14:placeholderFlag xmlns="" xmlns:ma14="http://schemas.microsoft.com/office/mac/drawingml/2011/main" val="1"/>
+              <ma14:placeholderFlag xmlns:ma14="http://schemas.microsoft.com/office/mac/drawingml/2011/main" xmlns="" val="1"/>
             </a:ext>
           </a:extLst>
         </p:spPr>
@@ -8812,7 +8812,7 @@
               <a:buNone/>
             </a:pPr>
             <a:r>
-              <a:rPr lang="en-US" sz="1100" dirty="0"/>
+              <a:rPr lang="en-US" sz="1050" dirty="0"/>
               <a:t>STAMP Direct Measurement TLV </a:t>
             </a:r>
           </a:p>
@@ -8822,22 +8822,29 @@
               <a:buAutoNum type="arabicPeriod"/>
             </a:pPr>
             <a:r>
-              <a:rPr lang="en-US" sz="1100" dirty="0"/>
-              <a:t>How to implement counter collection in hardware for Sender TX, Reflector RX and Reflector TX for packet loss?</a:t>
+              <a:rPr lang="en-US" sz="1050" dirty="0"/>
+              <a:t>Cannot implement counter collection in hardware for Sender TX, Reflector RX and Reflector TX for packet loss?</a:t>
             </a:r>
           </a:p>
           <a:p>
             <a:pPr lvl="1"/>
             <a:r>
-              <a:rPr lang="en-US" sz="1100" dirty="0"/>
+              <a:rPr lang="en-US" sz="1050" dirty="0"/>
+              <a:t>Session-reflector hardware to parse STAMP TLVs in receive packets to decide if receive counter to be punted to the control-plane</a:t>
+            </a:r>
+          </a:p>
+          <a:p>
+            <a:pPr lvl="1"/>
+            <a:r>
+              <a:rPr lang="en-US" sz="1050" dirty="0"/>
+              <a:t>Reply test packet with transmit counter NOT at the same location – needed for hardware counter-stamping (like STAMP timestamp)</a:t>
+            </a:r>
+          </a:p>
+          <a:p>
+            <a:pPr lvl="1"/>
+            <a:r>
+              <a:rPr lang="en-US" sz="1050" dirty="0"/>
               <a:t>Hardware needs to write both timestamp and counter in the injected packet – not capable</a:t>
-            </a:r>
-          </a:p>
-          <a:p>
-            <a:pPr lvl="1"/>
-            <a:r>
-              <a:rPr lang="en-US" sz="1100" dirty="0"/>
-              <a:t>Session-reflector hardware to parse STAMP TLVs in receive packets to decide if receive counter to be punted to the control-plane</a:t>
             </a:r>
           </a:p>
           <a:p>
@@ -8846,8 +8853,8 @@
               <a:buAutoNum type="arabicPeriod"/>
             </a:pPr>
             <a:r>
-              <a:rPr lang="en-US" sz="1100" dirty="0"/>
-              <a:t>Reply test packet with transmit counter NOT at the same location – needed for hardware counter-stamping (like STAMP timestamp)</a:t>
+              <a:rPr lang="en-US" sz="1050" dirty="0"/>
+              <a:t>For control-plane implementation, how can we measure packet loss without alternate marking method (block number)?</a:t>
             </a:r>
           </a:p>
           <a:p>
@@ -8856,8 +8863,8 @@
               <a:buAutoNum type="arabicPeriod"/>
             </a:pPr>
             <a:r>
-              <a:rPr lang="en-US" sz="1100" dirty="0"/>
-              <a:t>For control-plane implementation, how can we measure packet loss without alternate marking method (block number)?</a:t>
+              <a:rPr lang="en-US" sz="1050" dirty="0"/>
+              <a:t>Need STAMP TLV processing in hardware</a:t>
             </a:r>
           </a:p>
           <a:p>
@@ -8866,8 +8873,8 @@
               <a:buAutoNum type="arabicPeriod"/>
             </a:pPr>
             <a:r>
-              <a:rPr lang="en-US" sz="1100" dirty="0"/>
-              <a:t>STAMP TLV processing in hardware</a:t>
+              <a:rPr lang="en-US" sz="1050" dirty="0"/>
+              <a:t>Counter not at fixed location due to TLVs</a:t>
             </a:r>
           </a:p>
           <a:p>
@@ -8876,8 +8883,8 @@
               <a:buAutoNum type="arabicPeriod"/>
             </a:pPr>
             <a:r>
-              <a:rPr lang="en-US" sz="1100" dirty="0"/>
-              <a:t>Counter not at fixed location due to TLVs</a:t>
+              <a:rPr lang="en-US" sz="1050" dirty="0"/>
+              <a:t>Counter location deeper into the packet (Eth 18, IPv6 40, UDP 8, STAMP 44, TLV Type 4, Total = 114 Byte) – load into write-able memory</a:t>
             </a:r>
           </a:p>
           <a:p>
@@ -8886,8 +8893,16 @@
               <a:buAutoNum type="arabicPeriod"/>
             </a:pPr>
             <a:r>
-              <a:rPr lang="en-US" sz="1100" dirty="0"/>
-              <a:t>Counter location deeper into the packet (Eth 18, IPv6 40, UDP 8, STAMP 44, TLV Type 4, Total = 114 Byte) – load into write-able memory</a:t>
+              <a:rPr lang="en-US" sz="1050" dirty="0"/>
+              <a:t>Direct Measurement TLV supports </a:t>
+            </a:r>
+            <a:r>
+              <a:rPr lang="en-US" sz="1050" b="1" dirty="0"/>
+              <a:t>32-bit packet</a:t>
+            </a:r>
+            <a:r>
+              <a:rPr lang="en-US" sz="1050" dirty="0"/>
+              <a:t> counters</a:t>
             </a:r>
           </a:p>
           <a:p>
@@ -8896,16 +8911,8 @@
               <a:buAutoNum type="arabicPeriod"/>
             </a:pPr>
             <a:r>
-              <a:rPr lang="en-US" sz="1100" dirty="0"/>
-              <a:t>Direct Measurement TLV supports </a:t>
-            </a:r>
-            <a:r>
-              <a:rPr lang="en-US" sz="1100" b="1" dirty="0"/>
-              <a:t>32-bit packet</a:t>
-            </a:r>
-            <a:r>
-              <a:rPr lang="en-US" sz="1100" dirty="0"/>
-              <a:t> counters</a:t>
+              <a:rPr lang="en-US" sz="1050" dirty="0"/>
+              <a:t>Does not support per-traffic class direct measurement (DSCP TLV processing not specified for Counters)</a:t>
             </a:r>
           </a:p>
           <a:p>
@@ -8913,24 +8920,14 @@
               <a:buFont typeface="+mj-lt"/>
               <a:buAutoNum type="arabicPeriod"/>
             </a:pPr>
-            <a:r>
-              <a:rPr lang="en-US" sz="1100" dirty="0"/>
-              <a:t>Does not support per-traffic class direct measurement (DSCP TLV processing not specified for Counters)</a:t>
-            </a:r>
+            <a:endParaRPr lang="en-US" sz="1050" dirty="0"/>
           </a:p>
           <a:p>
             <a:pPr>
               <a:buFont typeface="+mj-lt"/>
               <a:buAutoNum type="arabicPeriod"/>
             </a:pPr>
-            <a:endParaRPr lang="en-US" sz="1100" dirty="0"/>
-          </a:p>
-          <a:p>
-            <a:pPr>
-              <a:buFont typeface="+mj-lt"/>
-              <a:buAutoNum type="arabicPeriod"/>
-            </a:pPr>
-            <a:endParaRPr lang="en-US" sz="1100" dirty="0"/>
+            <a:endParaRPr lang="en-US" sz="1050" dirty="0"/>
           </a:p>
         </p:txBody>
       </p:sp>
@@ -9128,7 +9125,7 @@
               <a:buNone/>
             </a:pPr>
             <a:r>
-              <a:rPr lang="en-US" sz="1100" kern="0" dirty="0"/>
+              <a:rPr lang="en-US" sz="1050" kern="0" dirty="0"/>
               <a:t>Direct Measurement Test Packet</a:t>
             </a:r>
           </a:p>
@@ -9138,8 +9135,15 @@
               <a:buAutoNum type="arabicPeriod"/>
             </a:pPr>
             <a:r>
-              <a:rPr lang="en-US" sz="1100" kern="0" dirty="0"/>
+              <a:rPr lang="en-US" sz="1050" kern="0" dirty="0"/>
               <a:t>Suitable for collecting data packet counters from hardware – inline counter-stamping (for P2P connections)</a:t>
+            </a:r>
+          </a:p>
+          <a:p>
+            <a:pPr lvl="1"/>
+            <a:r>
+              <a:rPr lang="en-US" sz="1050" kern="0" dirty="0"/>
+              <a:t>Reply test packet with transmit counter at the same location – important property for hardware counter-stamping (like STAMP timestamp)</a:t>
             </a:r>
           </a:p>
           <a:p>
@@ -9148,8 +9152,8 @@
               <a:buAutoNum type="arabicPeriod"/>
             </a:pPr>
             <a:r>
-              <a:rPr lang="en-US" sz="1100" kern="0" dirty="0"/>
-              <a:t>Reply test packet with transmit counter at the same location – important property for hardware counter-stamping (like STAMP timestamp)</a:t>
+              <a:rPr lang="en-US" sz="1050" kern="0" dirty="0"/>
+              <a:t>Direct Measurement Test Packet identifies the block number of the counters - used for alternate marking method (RFC 8321) for control-plane based packet loss</a:t>
             </a:r>
           </a:p>
           <a:p>
@@ -9158,8 +9162,8 @@
               <a:buAutoNum type="arabicPeriod"/>
             </a:pPr>
             <a:r>
-              <a:rPr lang="en-US" sz="1100" kern="0" dirty="0"/>
-              <a:t>Direct Measurement Test Packet identifies the block number of the counters - used for alternate marking method (RFC 8321) for control-plane based packet loss</a:t>
+              <a:rPr lang="en-US" sz="1050" kern="0" dirty="0"/>
+              <a:t>No TLV processing in hardware</a:t>
             </a:r>
           </a:p>
           <a:p>
@@ -9168,8 +9172,8 @@
               <a:buAutoNum type="arabicPeriod"/>
             </a:pPr>
             <a:r>
-              <a:rPr lang="en-US" sz="1100" kern="0" dirty="0"/>
-              <a:t>No TLV processing in hardware</a:t>
+              <a:rPr lang="en-US" sz="1050" dirty="0"/>
+              <a:t>Counter at fixed location, well-known location for SRv6 network programming</a:t>
             </a:r>
           </a:p>
           <a:p>
@@ -9178,8 +9182,8 @@
               <a:buAutoNum type="arabicPeriod"/>
             </a:pPr>
             <a:r>
-              <a:rPr lang="en-US" sz="1100" dirty="0"/>
-              <a:t>Counter at fixed location, well-known location for SRv6 network programming</a:t>
+              <a:rPr lang="en-US" sz="1050" dirty="0"/>
+              <a:t>Counter location earlier into the packet  (Eth 18, IPv6 40, UDP 8, Seq 4, Total = 70 Byte)</a:t>
             </a:r>
           </a:p>
           <a:p>
@@ -9188,8 +9192,40 @@
               <a:buAutoNum type="arabicPeriod"/>
             </a:pPr>
             <a:r>
-              <a:rPr lang="en-US" sz="1100" dirty="0"/>
-              <a:t>Counter location earlier into the packet  (Eth 18, IPv6 40, UDP 8, Seq 4, Total = 70 Byte)</a:t>
+              <a:rPr lang="en-US" sz="1050" kern="0" dirty="0"/>
+              <a:t>Direct Measurement Test Packet supports </a:t>
+            </a:r>
+            <a:r>
+              <a:rPr lang="en-US" sz="1050" b="1" kern="0" dirty="0"/>
+              <a:t>32-bit</a:t>
+            </a:r>
+            <a:r>
+              <a:rPr lang="en-US" sz="1050" kern="0" dirty="0"/>
+              <a:t> </a:t>
+            </a:r>
+            <a:r>
+              <a:rPr lang="en-US" sz="1050" b="1" kern="0" dirty="0"/>
+              <a:t>packet and byte </a:t>
+            </a:r>
+            <a:r>
+              <a:rPr lang="en-US" sz="1050" kern="0" dirty="0"/>
+              <a:t>counters and </a:t>
+            </a:r>
+            <a:r>
+              <a:rPr lang="en-US" sz="1050" b="1" kern="0" dirty="0"/>
+              <a:t>64-bit</a:t>
+            </a:r>
+            <a:r>
+              <a:rPr lang="en-US" sz="1050" kern="0" dirty="0"/>
+              <a:t> </a:t>
+            </a:r>
+            <a:r>
+              <a:rPr lang="en-US" sz="1050" b="1" kern="0" dirty="0"/>
+              <a:t>packet and byte </a:t>
+            </a:r>
+            <a:r>
+              <a:rPr lang="en-US" sz="1050" kern="0" dirty="0"/>
+              <a:t>counters</a:t>
             </a:r>
           </a:p>
           <a:p>
@@ -9198,49 +9234,7 @@
               <a:buAutoNum type="arabicPeriod"/>
             </a:pPr>
             <a:r>
-              <a:rPr lang="en-US" sz="1100" kern="0" dirty="0"/>
-              <a:t>Direct Measurement Test Packet supports </a:t>
-            </a:r>
-            <a:r>
-              <a:rPr lang="en-US" sz="1100" b="1" kern="0" dirty="0"/>
-              <a:t>32-bit</a:t>
-            </a:r>
-            <a:r>
-              <a:rPr lang="en-US" sz="1100" kern="0" dirty="0"/>
-              <a:t> </a:t>
-            </a:r>
-            <a:r>
-              <a:rPr lang="en-US" sz="1100" b="1" kern="0" dirty="0"/>
-              <a:t>packet and byte </a:t>
-            </a:r>
-            <a:r>
-              <a:rPr lang="en-US" sz="1100" kern="0" dirty="0"/>
-              <a:t>counters and </a:t>
-            </a:r>
-            <a:r>
-              <a:rPr lang="en-US" sz="1100" b="1" kern="0" dirty="0"/>
-              <a:t>64-bit</a:t>
-            </a:r>
-            <a:r>
-              <a:rPr lang="en-US" sz="1100" kern="0" dirty="0"/>
-              <a:t> </a:t>
-            </a:r>
-            <a:r>
-              <a:rPr lang="en-US" sz="1100" b="1" kern="0" dirty="0"/>
-              <a:t>packet and byte </a:t>
-            </a:r>
-            <a:r>
-              <a:rPr lang="en-US" sz="1100" kern="0" dirty="0"/>
-              <a:t>counters</a:t>
-            </a:r>
-          </a:p>
-          <a:p>
-            <a:pPr>
-              <a:buFont typeface="+mj-lt"/>
-              <a:buAutoNum type="arabicPeriod"/>
-            </a:pPr>
-            <a:r>
-              <a:rPr lang="en-US" sz="1100" kern="0" dirty="0"/>
+              <a:rPr lang="en-US" sz="1050" kern="0" dirty="0"/>
               <a:t>Per traffic-class counter collection (per traffic-class loss measurement) (e.g., drop best effort traffic)</a:t>
             </a:r>
           </a:p>
@@ -9427,14 +9421,14 @@
               </a14:hiddenLine>
             </a:ext>
             <a:ext uri="{909E8E84-426E-40dd-AFC4-6F175D3DCCD1}">
-              <a14:hiddenFill xmlns="" xmlns:a14="http://schemas.microsoft.com/office/drawing/2010/main">
+              <a14:hiddenFill xmlns:a14="http://schemas.microsoft.com/office/drawing/2010/main" xmlns="">
                 <a:solidFill>
                   <a:srgbClr val="FFFFFF"/>
                 </a:solidFill>
               </a14:hiddenFill>
             </a:ext>
             <a:ext uri="{91240B29-F687-4f45-9708-019B960494DF}">
-              <a14:hiddenLine xmlns="" xmlns:a14="http://schemas.microsoft.com/office/drawing/2010/main" w="9525">
+              <a14:hiddenLine xmlns:a14="http://schemas.microsoft.com/office/drawing/2010/main" xmlns="" w="9525">
                 <a:solidFill>
                   <a:srgbClr val="000000"/>
                 </a:solidFill>

--- a/draft-gandhi-ippm-stamp-srpm-01.pptx
+++ b/draft-gandhi-ippm-stamp-srpm-01.pptx
@@ -2515,14 +2515,14 @@
           </a:ln>
           <a:extLst>
             <a:ext uri="{909E8E84-426E-40dd-AFC4-6F175D3DCCD1}">
-              <a14:hiddenFill xmlns:a14="http://schemas.microsoft.com/office/drawing/2010/main" xmlns="">
+              <a14:hiddenFill xmlns="" xmlns:a14="http://schemas.microsoft.com/office/drawing/2010/main">
                 <a:solidFill>
                   <a:srgbClr val="FFFFFF"/>
                 </a:solidFill>
               </a14:hiddenFill>
             </a:ext>
             <a:ext uri="{91240B29-F687-4f45-9708-019B960494DF}">
-              <a14:hiddenLine xmlns:a14="http://schemas.microsoft.com/office/drawing/2010/main" xmlns="" w="9525">
+              <a14:hiddenLine xmlns="" xmlns:a14="http://schemas.microsoft.com/office/drawing/2010/main" w="9525">
                 <a:solidFill>
                   <a:srgbClr val="000000"/>
                 </a:solidFill>
@@ -2775,7 +2775,7 @@
               </a14:hiddenLine>
             </a:ext>
             <a:ext uri="{FAA26D3D-D897-4be2-8F04-BA451C77F1D7}">
-              <ma14:placeholderFlag xmlns:ma14="http://schemas.microsoft.com/office/mac/drawingml/2011/main" xmlns="" val="1"/>
+              <ma14:placeholderFlag xmlns="" xmlns:ma14="http://schemas.microsoft.com/office/mac/drawingml/2011/main" val="1"/>
             </a:ext>
           </a:extLst>
         </p:spPr>
@@ -9421,14 +9421,14 @@
               </a14:hiddenLine>
             </a:ext>
             <a:ext uri="{909E8E84-426E-40dd-AFC4-6F175D3DCCD1}">
-              <a14:hiddenFill xmlns:a14="http://schemas.microsoft.com/office/drawing/2010/main" xmlns="">
+              <a14:hiddenFill xmlns="" xmlns:a14="http://schemas.microsoft.com/office/drawing/2010/main">
                 <a:solidFill>
                   <a:srgbClr val="FFFFFF"/>
                 </a:solidFill>
               </a14:hiddenFill>
             </a:ext>
             <a:ext uri="{91240B29-F687-4f45-9708-019B960494DF}">
-              <a14:hiddenLine xmlns:a14="http://schemas.microsoft.com/office/drawing/2010/main" xmlns="" w="9525">
+              <a14:hiddenLine xmlns="" xmlns:a14="http://schemas.microsoft.com/office/drawing/2010/main" w="9525">
                 <a:solidFill>
                   <a:srgbClr val="000000"/>
                 </a:solidFill>
@@ -16135,8 +16135,8 @@
         </p:nvSpPr>
         <p:spPr>
           <a:xfrm>
-            <a:off x="457200" y="82866"/>
-            <a:ext cx="8229600" cy="857250"/>
+            <a:off x="5254" y="103031"/>
+            <a:ext cx="9062545" cy="857250"/>
           </a:xfrm>
         </p:spPr>
         <p:txBody>
@@ -16151,7 +16151,7 @@
                 <a:latin typeface="Calibri Light" panose="020F0302020204030204" pitchFamily="34" charset="0"/>
                 <a:cs typeface="Calibri Light" panose="020F0302020204030204" pitchFamily="34" charset="0"/>
               </a:rPr>
-              <a:t>STAMP - Session-Sender Control Code Field</a:t>
+              <a:t>STAMP - Session-Sender Control Code Field - Usage</a:t>
             </a:r>
             <a:endParaRPr lang="en-US" sz="3200" dirty="0"/>
           </a:p>
@@ -16962,7 +16962,7 @@
                 <a:latin typeface="Calibri Light" panose="020F0302020204030204" pitchFamily="34" charset="0"/>
                 <a:cs typeface="Calibri Light" panose="020F0302020204030204" pitchFamily="34" charset="0"/>
               </a:rPr>
-              <a:t>STAMP - Return Path TLV</a:t>
+              <a:t>STAMP - Return Path TLV - Usage</a:t>
             </a:r>
             <a:endParaRPr lang="en-US" sz="3200" dirty="0"/>
           </a:p>

--- a/draft-gandhi-ippm-stamp-srpm-01.pptx
+++ b/draft-gandhi-ippm-stamp-srpm-01.pptx
@@ -259,7 +259,7 @@
           <a:p>
             <a:fld id="{E8FA3DB5-7722-3F4F-947D-12B203669AD7}" type="datetimeFigureOut">
               <a:rPr lang="en-US" smtClean="0"/>
-              <a:t>1/18/21</a:t>
+              <a:t>1/19/21</a:t>
             </a:fld>
             <a:endParaRPr lang="en-US"/>
           </a:p>
@@ -2515,14 +2515,14 @@
           </a:ln>
           <a:extLst>
             <a:ext uri="{909E8E84-426E-40dd-AFC4-6F175D3DCCD1}">
-              <a14:hiddenFill xmlns="" xmlns:a14="http://schemas.microsoft.com/office/drawing/2010/main">
+              <a14:hiddenFill xmlns:a14="http://schemas.microsoft.com/office/drawing/2010/main" xmlns="">
                 <a:solidFill>
                   <a:srgbClr val="FFFFFF"/>
                 </a:solidFill>
               </a14:hiddenFill>
             </a:ext>
             <a:ext uri="{91240B29-F687-4f45-9708-019B960494DF}">
-              <a14:hiddenLine xmlns="" xmlns:a14="http://schemas.microsoft.com/office/drawing/2010/main" w="9525">
+              <a14:hiddenLine xmlns:a14="http://schemas.microsoft.com/office/drawing/2010/main" xmlns="" w="9525">
                 <a:solidFill>
                   <a:srgbClr val="000000"/>
                 </a:solidFill>
@@ -2775,7 +2775,7 @@
               </a14:hiddenLine>
             </a:ext>
             <a:ext uri="{FAA26D3D-D897-4be2-8F04-BA451C77F1D7}">
-              <ma14:placeholderFlag xmlns="" xmlns:ma14="http://schemas.microsoft.com/office/mac/drawingml/2011/main" val="1"/>
+              <ma14:placeholderFlag xmlns:ma14="http://schemas.microsoft.com/office/mac/drawingml/2011/main" xmlns="" val="1"/>
             </a:ext>
           </a:extLst>
         </p:spPr>
@@ -5803,7 +5803,7 @@
         </p:nvSpPr>
         <p:spPr>
           <a:xfrm>
-            <a:off x="146982" y="121188"/>
+            <a:off x="139148" y="53450"/>
             <a:ext cx="4432852" cy="845539"/>
           </a:xfrm>
         </p:spPr>
@@ -5870,8 +5870,8 @@
         </p:nvSpPr>
         <p:spPr bwMode="auto">
           <a:xfrm>
-            <a:off x="139148" y="1012630"/>
-            <a:ext cx="4560404" cy="3774971"/>
+            <a:off x="139148" y="903773"/>
+            <a:ext cx="4560404" cy="4039132"/>
           </a:xfrm>
           <a:prstGeom prst="rect">
             <a:avLst/>
@@ -6102,19 +6102,20 @@
           <a:p>
             <a:r>
               <a:rPr lang="en-US" sz="1200" kern="0" dirty="0"/>
-              <a:t>Does not modify the existing STAMP procedure as different destination UDP port is used for direct measurement </a:t>
-            </a:r>
-            <a:r>
-              <a:rPr lang="en-US" sz="1200" kern="0"/>
-              <a:t>test packets</a:t>
-            </a:r>
-          </a:p>
-          <a:p>
-            <a:r>
-              <a:rPr lang="en-US" sz="1200" kern="0"/>
+              <a:t>Does not modify the existing STAMP procedure as different destination UDP port is used for direct measurement test packets</a:t>
+            </a:r>
+          </a:p>
+          <a:p>
+            <a:r>
+              <a:rPr lang="en-US" sz="1200" kern="0" dirty="0"/>
+              <a:t>Sequence Numbers allow to detect test packet loss</a:t>
+            </a:r>
+          </a:p>
+          <a:p>
+            <a:r>
+              <a:rPr lang="en-US" sz="1200" kern="0" dirty="0"/>
               <a:t>Flags</a:t>
             </a:r>
-            <a:endParaRPr lang="en-US" sz="1200" kern="0" dirty="0"/>
           </a:p>
           <a:p>
             <a:pPr lvl="1"/>
@@ -6189,8 +6190,8 @@
         </p:nvSpPr>
         <p:spPr bwMode="auto">
           <a:xfrm>
-            <a:off x="4699552" y="262150"/>
-            <a:ext cx="4241524" cy="4355038"/>
+            <a:off x="4699552" y="200595"/>
+            <a:ext cx="4241524" cy="4478149"/>
           </a:xfrm>
           <a:prstGeom prst="rect">
             <a:avLst/>
@@ -7733,7 +7734,7 @@
                 <a:ea typeface="Times New Roman" panose="02020603050405020304" pitchFamily="18" charset="0"/>
                 <a:cs typeface="Courier New" panose="02070309020205020404" pitchFamily="49" charset="0"/>
               </a:rPr>
-              <a:t>|X|B|T| Reserved| Block Number  | SSID                          |</a:t>
+              <a:t>|X|B|T| Send-DSCP | Block Number| SSID                          |</a:t>
             </a:r>
             <a:endParaRPr kumimoji="0" lang="en-US" altLang="en-US" sz="600" u="none" strike="noStrike" cap="none" normalizeH="0" baseline="0" dirty="0">
               <a:ln>
@@ -8263,39 +8264,7 @@
                 <a:latin typeface="Courier" pitchFamily="2" charset="0"/>
                 <a:ea typeface="Times New Roman" panose="02020603050405020304" pitchFamily="18" charset="0"/>
               </a:rPr>
-              <a:t>|X|B|T| </a:t>
-            </a:r>
-            <a:r>
-              <a:rPr kumimoji="0" lang="en-US" altLang="en-US" sz="800" u="none" strike="noStrike" cap="none" normalizeH="0" baseline="0" dirty="0" err="1">
-                <a:ln>
-                  <a:noFill/>
-                </a:ln>
-                <a:solidFill>
-                  <a:schemeClr val="bg2">
-                    <a:lumMod val="50000"/>
-                  </a:schemeClr>
-                </a:solidFill>
-                <a:effectLst/>
-                <a:latin typeface="Courier" pitchFamily="2" charset="0"/>
-                <a:ea typeface="Times New Roman" panose="02020603050405020304" pitchFamily="18" charset="0"/>
-              </a:rPr>
-              <a:t>Reserved|Sender</a:t>
-            </a:r>
-            <a:r>
-              <a:rPr kumimoji="0" lang="en-US" altLang="en-US" sz="800" u="none" strike="noStrike" cap="none" normalizeH="0" baseline="0" dirty="0">
-                <a:ln>
-                  <a:noFill/>
-                </a:ln>
-                <a:solidFill>
-                  <a:schemeClr val="bg2">
-                    <a:lumMod val="50000"/>
-                  </a:schemeClr>
-                </a:solidFill>
-                <a:effectLst/>
-                <a:latin typeface="Courier" pitchFamily="2" charset="0"/>
-                <a:ea typeface="Times New Roman" panose="02020603050405020304" pitchFamily="18" charset="0"/>
-              </a:rPr>
-              <a:t> Block Nu|  MBZ                          |</a:t>
+              <a:t>|X|B|T| Reserved  |Send-Block Nu|  MBZ                          |</a:t>
             </a:r>
           </a:p>
           <a:p>
@@ -8441,39 +8410,7 @@
                 <a:latin typeface="Courier" pitchFamily="2" charset="0"/>
                 <a:ea typeface="Times New Roman" panose="02020603050405020304" pitchFamily="18" charset="0"/>
               </a:rPr>
-              <a:t>-Sender </a:t>
-            </a:r>
-            <a:r>
-              <a:rPr kumimoji="0" lang="en-US" altLang="en-US" sz="800" u="none" strike="noStrike" cap="none" normalizeH="0" baseline="0" dirty="0" err="1">
-                <a:ln>
-                  <a:noFill/>
-                </a:ln>
-                <a:solidFill>
-                  <a:schemeClr val="bg2">
-                    <a:lumMod val="50000"/>
-                  </a:schemeClr>
-                </a:solidFill>
-                <a:effectLst/>
-                <a:latin typeface="Courier" pitchFamily="2" charset="0"/>
-                <a:ea typeface="Times New Roman" panose="02020603050405020304" pitchFamily="18" charset="0"/>
-              </a:rPr>
-              <a:t>TTL|Sender-DSCP</a:t>
-            </a:r>
-            <a:r>
-              <a:rPr kumimoji="0" lang="en-US" altLang="en-US" sz="800" u="none" strike="noStrike" cap="none" normalizeH="0" baseline="0" dirty="0">
-                <a:ln>
-                  <a:noFill/>
-                </a:ln>
-                <a:solidFill>
-                  <a:schemeClr val="bg2">
-                    <a:lumMod val="50000"/>
-                  </a:schemeClr>
-                </a:solidFill>
-                <a:effectLst/>
-                <a:latin typeface="Courier" pitchFamily="2" charset="0"/>
-                <a:ea typeface="Times New Roman" panose="02020603050405020304" pitchFamily="18" charset="0"/>
-              </a:rPr>
-              <a:t>|  MBZ                              |</a:t>
+              <a:t>-Sender TTL|  MBZ                                          |</a:t>
             </a:r>
           </a:p>
           <a:p>
@@ -8823,7 +8760,7 @@
             </a:pPr>
             <a:r>
               <a:rPr lang="en-US" sz="1050" dirty="0"/>
-              <a:t>Cannot implement counter collection in hardware for Sender TX, Reflector RX and Reflector TX for packet loss?</a:t>
+              <a:t>Complex to implement counter collection in hardware for Sender TX, Reflector RX and Reflector TX to detect packet loss.</a:t>
             </a:r>
           </a:p>
           <a:p>
@@ -9173,7 +9110,7 @@
             </a:pPr>
             <a:r>
               <a:rPr lang="en-US" sz="1050" dirty="0"/>
-              <a:t>Counter at fixed location, well-known location for SRv6 network programming</a:t>
+              <a:t>Counter at fixed location, well-known location for SRv6 network programming, needed for hardware implementation</a:t>
             </a:r>
           </a:p>
           <a:p>
@@ -9421,14 +9358,14 @@
               </a14:hiddenLine>
             </a:ext>
             <a:ext uri="{909E8E84-426E-40dd-AFC4-6F175D3DCCD1}">
-              <a14:hiddenFill xmlns="" xmlns:a14="http://schemas.microsoft.com/office/drawing/2010/main">
+              <a14:hiddenFill xmlns:a14="http://schemas.microsoft.com/office/drawing/2010/main" xmlns="">
                 <a:solidFill>
                   <a:srgbClr val="FFFFFF"/>
                 </a:solidFill>
               </a14:hiddenFill>
             </a:ext>
             <a:ext uri="{91240B29-F687-4f45-9708-019B960494DF}">
-              <a14:hiddenLine xmlns="" xmlns:a14="http://schemas.microsoft.com/office/drawing/2010/main" w="9525">
+              <a14:hiddenLine xmlns:a14="http://schemas.microsoft.com/office/drawing/2010/main" xmlns="" w="9525">
                 <a:solidFill>
                   <a:srgbClr val="000000"/>
                 </a:solidFill>
@@ -11376,7 +11313,7 @@
           <a:lstStyle/>
           <a:p>
             <a:r>
-              <a:rPr lang="en-US" sz="3600" dirty="0">
+              <a:rPr lang="en-US" sz="3200" dirty="0">
                 <a:solidFill>
                   <a:srgbClr val="0070C0"/>
                 </a:solidFill>
@@ -11400,7 +11337,7 @@
         </p:nvSpPr>
         <p:spPr>
           <a:xfrm>
-            <a:off x="685800" y="893379"/>
+            <a:off x="571500" y="857250"/>
             <a:ext cx="8001000" cy="914400"/>
           </a:xfrm>
         </p:spPr>
@@ -11409,7 +11346,7 @@
           <a:lstStyle/>
           <a:p>
             <a:r>
-              <a:rPr lang="en-US" sz="1600" dirty="0">
+              <a:rPr lang="en-US" sz="1400" dirty="0">
                 <a:latin typeface="Calibri" charset="0"/>
                 <a:ea typeface="Calibri" charset="0"/>
                 <a:cs typeface="Calibri" charset="0"/>
@@ -11417,54 +11354,54 @@
               <a:t>RFC 8321 - </a:t>
             </a:r>
             <a:r>
-              <a:rPr lang="en-CA" sz="1600" dirty="0"/>
+              <a:rPr lang="en-CA" sz="1400" dirty="0"/>
               <a:t>Alternate-Marking Method for Passive and Hybrid Performance Monitoring</a:t>
             </a:r>
           </a:p>
           <a:p>
             <a:r>
-              <a:rPr lang="en-CA" sz="1600" dirty="0"/>
+              <a:rPr lang="en-CA" sz="1400" dirty="0"/>
               <a:t>draft-</a:t>
             </a:r>
             <a:r>
-              <a:rPr lang="en-CA" sz="1600" dirty="0" err="1"/>
+              <a:rPr lang="en-CA" sz="1400" dirty="0" err="1"/>
               <a:t>ietf</a:t>
             </a:r>
             <a:r>
-              <a:rPr lang="en-CA" sz="1600" dirty="0"/>
+              <a:rPr lang="en-CA" sz="1400" dirty="0"/>
               <a:t>-</a:t>
             </a:r>
             <a:r>
-              <a:rPr lang="en-CA" sz="1600" dirty="0" err="1"/>
+              <a:rPr lang="en-CA" sz="1400" dirty="0" err="1"/>
               <a:t>mpls</a:t>
             </a:r>
             <a:r>
-              <a:rPr lang="en-CA" sz="1600" dirty="0"/>
+              <a:rPr lang="en-CA" sz="1400" dirty="0"/>
               <a:t>-</a:t>
             </a:r>
             <a:r>
-              <a:rPr lang="en-CA" sz="1600" dirty="0" err="1"/>
+              <a:rPr lang="en-CA" sz="1400" dirty="0" err="1"/>
               <a:t>sfl</a:t>
             </a:r>
             <a:r>
-              <a:rPr lang="en-CA" sz="1600" dirty="0"/>
+              <a:rPr lang="en-CA" sz="1400" dirty="0"/>
               <a:t>-framework - Synonymous Flow Label Framework</a:t>
             </a:r>
           </a:p>
           <a:p>
             <a:r>
-              <a:rPr lang="en-CA" sz="1600" dirty="0"/>
-              <a:t>Control plane based packet loss with distributed forwarding LCs</a:t>
-            </a:r>
-          </a:p>
-          <a:p>
-            <a:endParaRPr lang="en-CA" sz="1600" dirty="0"/>
+              <a:rPr lang="en-CA" sz="1400" dirty="0"/>
+              <a:t>Control plane-based packet loss with distributed forwarding LCs, using block number of the counters</a:t>
+            </a:r>
+          </a:p>
+          <a:p>
+            <a:endParaRPr lang="en-CA" sz="1400" dirty="0"/>
           </a:p>
           <a:p>
             <a:pPr marL="0" lvl="0" indent="0">
               <a:buNone/>
             </a:pPr>
-            <a:endParaRPr lang="en-US" sz="1600" dirty="0">
+            <a:endParaRPr lang="en-US" sz="1400" dirty="0">
               <a:latin typeface="Calibri" charset="0"/>
               <a:ea typeface="Calibri" charset="0"/>
               <a:cs typeface="Calibri" charset="0"/>
@@ -11472,7 +11409,7 @@
           </a:p>
           <a:p>
             <a:pPr lvl="0"/>
-            <a:endParaRPr lang="en-US" sz="1600" dirty="0">
+            <a:endParaRPr lang="en-US" sz="1400" dirty="0">
               <a:latin typeface="Calibri" charset="0"/>
               <a:ea typeface="Calibri" charset="0"/>
               <a:cs typeface="Calibri" charset="0"/>
@@ -11480,7 +11417,7 @@
           </a:p>
           <a:p>
             <a:pPr lvl="0"/>
-            <a:endParaRPr lang="en-US" sz="1600" dirty="0">
+            <a:endParaRPr lang="en-US" sz="1400" dirty="0">
               <a:latin typeface="Calibri" charset="0"/>
               <a:ea typeface="Calibri" charset="0"/>
               <a:cs typeface="Calibri" charset="0"/>
@@ -11488,14 +11425,14 @@
           </a:p>
           <a:p>
             <a:pPr lvl="0"/>
-            <a:endParaRPr lang="en-US" sz="1600" dirty="0">
+            <a:endParaRPr lang="en-US" sz="1400" dirty="0">
               <a:latin typeface="Calibri" charset="0"/>
               <a:ea typeface="Calibri" charset="0"/>
               <a:cs typeface="Calibri" charset="0"/>
             </a:endParaRPr>
           </a:p>
           <a:p>
-            <a:endParaRPr lang="en-US" sz="1600" dirty="0">
+            <a:endParaRPr lang="en-US" sz="1400" dirty="0">
               <a:latin typeface="Calibri" charset="0"/>
               <a:ea typeface="Calibri" charset="0"/>
               <a:cs typeface="Calibri" charset="0"/>
@@ -11581,7 +11518,7 @@
         </p:nvSpPr>
         <p:spPr>
           <a:xfrm>
-            <a:off x="1333500" y="2293142"/>
+            <a:off x="1333500" y="2193369"/>
             <a:ext cx="6477000" cy="2092881"/>
           </a:xfrm>
           <a:prstGeom prst="rect">

--- a/draft-gandhi-ippm-stamp-srpm-01.pptx
+++ b/draft-gandhi-ippm-stamp-srpm-01.pptx
@@ -2515,14 +2515,14 @@
           </a:ln>
           <a:extLst>
             <a:ext uri="{909E8E84-426E-40dd-AFC4-6F175D3DCCD1}">
-              <a14:hiddenFill xmlns:a14="http://schemas.microsoft.com/office/drawing/2010/main" xmlns="">
+              <a14:hiddenFill xmlns="" xmlns:a14="http://schemas.microsoft.com/office/drawing/2010/main">
                 <a:solidFill>
                   <a:srgbClr val="FFFFFF"/>
                 </a:solidFill>
               </a14:hiddenFill>
             </a:ext>
             <a:ext uri="{91240B29-F687-4f45-9708-019B960494DF}">
-              <a14:hiddenLine xmlns:a14="http://schemas.microsoft.com/office/drawing/2010/main" xmlns="" w="9525">
+              <a14:hiddenLine xmlns="" xmlns:a14="http://schemas.microsoft.com/office/drawing/2010/main" w="9525">
                 <a:solidFill>
                   <a:srgbClr val="000000"/>
                 </a:solidFill>
@@ -2775,7 +2775,7 @@
               </a14:hiddenLine>
             </a:ext>
             <a:ext uri="{FAA26D3D-D897-4be2-8F04-BA451C77F1D7}">
-              <ma14:placeholderFlag xmlns:ma14="http://schemas.microsoft.com/office/mac/drawingml/2011/main" xmlns="" val="1"/>
+              <ma14:placeholderFlag xmlns="" xmlns:ma14="http://schemas.microsoft.com/office/mac/drawingml/2011/main" val="1"/>
             </a:ext>
           </a:extLst>
         </p:spPr>
@@ -8791,7 +8791,7 @@
             </a:pPr>
             <a:r>
               <a:rPr lang="en-US" sz="1050" dirty="0"/>
-              <a:t>For control-plane implementation, how can we measure packet loss without alternate marking method (block number)?</a:t>
+              <a:t>Need STAMP TLV processing in hardware</a:t>
             </a:r>
           </a:p>
           <a:p>
@@ -8801,7 +8801,7 @@
             </a:pPr>
             <a:r>
               <a:rPr lang="en-US" sz="1050" dirty="0"/>
-              <a:t>Need STAMP TLV processing in hardware</a:t>
+              <a:t>Counter not at fixed location due to TLVs</a:t>
             </a:r>
           </a:p>
           <a:p>
@@ -8811,7 +8811,7 @@
             </a:pPr>
             <a:r>
               <a:rPr lang="en-US" sz="1050" dirty="0"/>
-              <a:t>Counter not at fixed location due to TLVs</a:t>
+              <a:t>Counter location deeper into the packet (Eth 18, IPv6 40, UDP 8, STAMP 44, TLV Type 4, Total = 114 Byte) – load into write-able memory</a:t>
             </a:r>
           </a:p>
           <a:p>
@@ -8821,7 +8821,15 @@
             </a:pPr>
             <a:r>
               <a:rPr lang="en-US" sz="1050" dirty="0"/>
-              <a:t>Counter location deeper into the packet (Eth 18, IPv6 40, UDP 8, STAMP 44, TLV Type 4, Total = 114 Byte) – load into write-able memory</a:t>
+              <a:t>Direct Measurement TLV supports </a:t>
+            </a:r>
+            <a:r>
+              <a:rPr lang="en-US" sz="1050" b="1" dirty="0"/>
+              <a:t>32-bit packet</a:t>
+            </a:r>
+            <a:r>
+              <a:rPr lang="en-US" sz="1050" dirty="0"/>
+              <a:t> counters</a:t>
             </a:r>
           </a:p>
           <a:p>
@@ -8831,15 +8839,7 @@
             </a:pPr>
             <a:r>
               <a:rPr lang="en-US" sz="1050" dirty="0"/>
-              <a:t>Direct Measurement TLV supports </a:t>
-            </a:r>
-            <a:r>
-              <a:rPr lang="en-US" sz="1050" b="1" dirty="0"/>
-              <a:t>32-bit packet</a:t>
-            </a:r>
-            <a:r>
-              <a:rPr lang="en-US" sz="1050" dirty="0"/>
-              <a:t> counters</a:t>
+              <a:t>For control-plane implementation, how can we measure packet loss without alternate marking method (block number)?</a:t>
             </a:r>
           </a:p>
           <a:p>
@@ -9090,7 +9090,7 @@
             </a:pPr>
             <a:r>
               <a:rPr lang="en-US" sz="1050" kern="0" dirty="0"/>
-              <a:t>Direct Measurement Test Packet identifies the block number of the counters - used for alternate marking method (RFC 8321) for control-plane based packet loss</a:t>
+              <a:t>No TLV processing in hardware</a:t>
             </a:r>
           </a:p>
           <a:p>
@@ -9099,8 +9099,8 @@
               <a:buAutoNum type="arabicPeriod"/>
             </a:pPr>
             <a:r>
-              <a:rPr lang="en-US" sz="1050" kern="0" dirty="0"/>
-              <a:t>No TLV processing in hardware</a:t>
+              <a:rPr lang="en-US" sz="1050" dirty="0"/>
+              <a:t>Counter at fixed location, well-known location for SRv6 network programming, needed for hardware implementation</a:t>
             </a:r>
           </a:p>
           <a:p>
@@ -9110,7 +9110,7 @@
             </a:pPr>
             <a:r>
               <a:rPr lang="en-US" sz="1050" dirty="0"/>
-              <a:t>Counter at fixed location, well-known location for SRv6 network programming, needed for hardware implementation</a:t>
+              <a:t>Counter location earlier into the packet  (Eth 18, IPv6 40, UDP 8, Seq 4, Total = 70 Byte)</a:t>
             </a:r>
           </a:p>
           <a:p>
@@ -9119,8 +9119,40 @@
               <a:buAutoNum type="arabicPeriod"/>
             </a:pPr>
             <a:r>
-              <a:rPr lang="en-US" sz="1050" dirty="0"/>
-              <a:t>Counter location earlier into the packet  (Eth 18, IPv6 40, UDP 8, Seq 4, Total = 70 Byte)</a:t>
+              <a:rPr lang="en-US" sz="1050" kern="0" dirty="0"/>
+              <a:t>Direct Measurement Test Packet supports </a:t>
+            </a:r>
+            <a:r>
+              <a:rPr lang="en-US" sz="1050" b="1" kern="0" dirty="0"/>
+              <a:t>32-bit</a:t>
+            </a:r>
+            <a:r>
+              <a:rPr lang="en-US" sz="1050" kern="0" dirty="0"/>
+              <a:t> </a:t>
+            </a:r>
+            <a:r>
+              <a:rPr lang="en-US" sz="1050" b="1" kern="0" dirty="0"/>
+              <a:t>packet and byte </a:t>
+            </a:r>
+            <a:r>
+              <a:rPr lang="en-US" sz="1050" kern="0" dirty="0"/>
+              <a:t>counters and </a:t>
+            </a:r>
+            <a:r>
+              <a:rPr lang="en-US" sz="1050" b="1" kern="0" dirty="0"/>
+              <a:t>64-bit</a:t>
+            </a:r>
+            <a:r>
+              <a:rPr lang="en-US" sz="1050" kern="0" dirty="0"/>
+              <a:t> </a:t>
+            </a:r>
+            <a:r>
+              <a:rPr lang="en-US" sz="1050" b="1" kern="0" dirty="0"/>
+              <a:t>packet and byte </a:t>
+            </a:r>
+            <a:r>
+              <a:rPr lang="en-US" sz="1050" kern="0" dirty="0"/>
+              <a:t>counters</a:t>
             </a:r>
           </a:p>
           <a:p>
@@ -9130,39 +9162,7 @@
             </a:pPr>
             <a:r>
               <a:rPr lang="en-US" sz="1050" kern="0" dirty="0"/>
-              <a:t>Direct Measurement Test Packet supports </a:t>
-            </a:r>
-            <a:r>
-              <a:rPr lang="en-US" sz="1050" b="1" kern="0" dirty="0"/>
-              <a:t>32-bit</a:t>
-            </a:r>
-            <a:r>
-              <a:rPr lang="en-US" sz="1050" kern="0" dirty="0"/>
-              <a:t> </a:t>
-            </a:r>
-            <a:r>
-              <a:rPr lang="en-US" sz="1050" b="1" kern="0" dirty="0"/>
-              <a:t>packet and byte </a:t>
-            </a:r>
-            <a:r>
-              <a:rPr lang="en-US" sz="1050" kern="0" dirty="0"/>
-              <a:t>counters and </a:t>
-            </a:r>
-            <a:r>
-              <a:rPr lang="en-US" sz="1050" b="1" kern="0" dirty="0"/>
-              <a:t>64-bit</a:t>
-            </a:r>
-            <a:r>
-              <a:rPr lang="en-US" sz="1050" kern="0" dirty="0"/>
-              <a:t> </a:t>
-            </a:r>
-            <a:r>
-              <a:rPr lang="en-US" sz="1050" b="1" kern="0" dirty="0"/>
-              <a:t>packet and byte </a:t>
-            </a:r>
-            <a:r>
-              <a:rPr lang="en-US" sz="1050" kern="0" dirty="0"/>
-              <a:t>counters</a:t>
+              <a:t>Direct Measurement Test Packet identifies the block number of the counters - used for alternate marking method (RFC 8321) for control-plane based packet loss </a:t>
             </a:r>
           </a:p>
           <a:p>
@@ -9358,14 +9358,14 @@
               </a14:hiddenLine>
             </a:ext>
             <a:ext uri="{909E8E84-426E-40dd-AFC4-6F175D3DCCD1}">
-              <a14:hiddenFill xmlns:a14="http://schemas.microsoft.com/office/drawing/2010/main" xmlns="">
+              <a14:hiddenFill xmlns="" xmlns:a14="http://schemas.microsoft.com/office/drawing/2010/main">
                 <a:solidFill>
                   <a:srgbClr val="FFFFFF"/>
                 </a:solidFill>
               </a14:hiddenFill>
             </a:ext>
             <a:ext uri="{91240B29-F687-4f45-9708-019B960494DF}">
-              <a14:hiddenLine xmlns:a14="http://schemas.microsoft.com/office/drawing/2010/main" xmlns="" w="9525">
+              <a14:hiddenLine xmlns="" xmlns:a14="http://schemas.microsoft.com/office/drawing/2010/main" w="9525">
                 <a:solidFill>
                   <a:srgbClr val="000000"/>
                 </a:solidFill>

--- a/draft-gandhi-ippm-stamp-srpm-01.pptx
+++ b/draft-gandhi-ippm-stamp-srpm-01.pptx
@@ -5,10 +5,10 @@
     <p:sldMasterId id="2147483648" r:id="rId1"/>
   </p:sldMasterIdLst>
   <p:notesMasterIdLst>
-    <p:notesMasterId r:id="rId18"/>
+    <p:notesMasterId r:id="rId19"/>
   </p:notesMasterIdLst>
   <p:handoutMasterIdLst>
-    <p:handoutMasterId r:id="rId19"/>
+    <p:handoutMasterId r:id="rId20"/>
   </p:handoutMasterIdLst>
   <p:sldIdLst>
     <p:sldId id="1661" r:id="rId2"/>
@@ -24,9 +24,10 @@
     <p:sldId id="3055" r:id="rId12"/>
     <p:sldId id="3054" r:id="rId13"/>
     <p:sldId id="3056" r:id="rId14"/>
-    <p:sldId id="1670" r:id="rId15"/>
-    <p:sldId id="1671" r:id="rId16"/>
-    <p:sldId id="1649" r:id="rId17"/>
+    <p:sldId id="3057" r:id="rId15"/>
+    <p:sldId id="1670" r:id="rId16"/>
+    <p:sldId id="1671" r:id="rId17"/>
+    <p:sldId id="1649" r:id="rId18"/>
   </p:sldIdLst>
   <p:sldSz cx="9144000" cy="5143500" type="screen16x9"/>
   <p:notesSz cx="6858000" cy="9144000"/>
@@ -1397,7 +1398,7 @@
               <a:pPr>
                 <a:defRPr/>
               </a:pPr>
-              <a:t>14</a:t>
+              <a:t>15</a:t>
             </a:fld>
             <a:endParaRPr lang="en-US" altLang="zh-CN"/>
           </a:p>
@@ -1487,7 +1488,7 @@
               <a:pPr>
                 <a:defRPr/>
               </a:pPr>
-              <a:t>15</a:t>
+              <a:t>16</a:t>
             </a:fld>
             <a:endParaRPr lang="en-US" altLang="zh-CN"/>
           </a:p>
@@ -5870,8 +5871,8 @@
         </p:nvSpPr>
         <p:spPr bwMode="auto">
           <a:xfrm>
-            <a:off x="139148" y="903773"/>
-            <a:ext cx="4560404" cy="4039132"/>
+            <a:off x="139148" y="949917"/>
+            <a:ext cx="4560404" cy="3774971"/>
           </a:xfrm>
           <a:prstGeom prst="rect">
             <a:avLst/>
@@ -6042,46 +6043,77 @@
             </a:lvl9pPr>
           </a:lstStyle>
           <a:p>
+            <a:pPr>
+              <a:spcBef>
+                <a:spcPts val="0"/>
+              </a:spcBef>
+            </a:pPr>
             <a:r>
               <a:rPr lang="en-US" sz="1200" kern="0" dirty="0"/>
               <a:t>Stand-alone Direct Measurement test packet defined</a:t>
             </a:r>
           </a:p>
           <a:p>
-            <a:pPr lvl="1"/>
+            <a:pPr lvl="1">
+              <a:spcBef>
+                <a:spcPts val="0"/>
+              </a:spcBef>
+            </a:pPr>
             <a:r>
               <a:rPr lang="en-US" sz="1200" kern="0" dirty="0"/>
               <a:t>Hardware efficient counter-stamping</a:t>
             </a:r>
           </a:p>
           <a:p>
-            <a:pPr lvl="2"/>
+            <a:pPr lvl="2">
+              <a:spcBef>
+                <a:spcPts val="0"/>
+              </a:spcBef>
+            </a:pPr>
             <a:r>
               <a:rPr lang="en-US" sz="1200" kern="0" dirty="0"/>
               <a:t>Well-known locations for transmit and receive traffic counters</a:t>
             </a:r>
           </a:p>
           <a:p>
-            <a:pPr lvl="1"/>
+            <a:pPr lvl="1">
+              <a:spcBef>
+                <a:spcPts val="0"/>
+              </a:spcBef>
+            </a:pPr>
             <a:r>
               <a:rPr lang="en-US" sz="1200" kern="0" dirty="0"/>
               <a:t>Block number of the counters for alternate marking method [RFC 8321]</a:t>
             </a:r>
           </a:p>
           <a:p>
-            <a:pPr lvl="1"/>
+            <a:pPr lvl="1">
+              <a:spcBef>
+                <a:spcPts val="0"/>
+              </a:spcBef>
+            </a:pPr>
             <a:r>
               <a:rPr lang="en-US" sz="1200" kern="0" dirty="0"/>
               <a:t>Traffic class of the counters for per class packet loss</a:t>
             </a:r>
           </a:p>
           <a:p>
+            <a:pPr>
+              <a:spcBef>
+                <a:spcPts val="0"/>
+              </a:spcBef>
+            </a:pPr>
             <a:r>
               <a:rPr lang="en-US" sz="1200" kern="0" dirty="0"/>
               <a:t>Direct Measurement test packet is also defined for authenticated mode</a:t>
             </a:r>
           </a:p>
           <a:p>
+            <a:pPr>
+              <a:spcBef>
+                <a:spcPts val="0"/>
+              </a:spcBef>
+            </a:pPr>
             <a:r>
               <a:rPr lang="en-US" sz="1200" kern="0" dirty="0"/>
               <a:t>User-configured destination UDP </a:t>
@@ -6100,39 +6132,66 @@
             </a:r>
           </a:p>
           <a:p>
+            <a:pPr>
+              <a:spcBef>
+                <a:spcPts val="0"/>
+              </a:spcBef>
+            </a:pPr>
             <a:r>
               <a:rPr lang="en-US" sz="1200" kern="0" dirty="0"/>
               <a:t>Does not modify the existing STAMP procedure as different destination UDP port is used for direct measurement test packets</a:t>
             </a:r>
           </a:p>
           <a:p>
+            <a:pPr>
+              <a:spcBef>
+                <a:spcPts val="0"/>
+              </a:spcBef>
+            </a:pPr>
             <a:r>
               <a:rPr lang="en-US" sz="1200" kern="0" dirty="0"/>
-              <a:t>Sequence Numbers allow to detect test packet loss</a:t>
-            </a:r>
-          </a:p>
-          <a:p>
+              <a:t>Sequence Numbers allow to detect test packet loss, and connectivity loss</a:t>
+            </a:r>
+          </a:p>
+          <a:p>
+            <a:pPr>
+              <a:spcBef>
+                <a:spcPts val="0"/>
+              </a:spcBef>
+            </a:pPr>
             <a:r>
               <a:rPr lang="en-US" sz="1200" kern="0" dirty="0"/>
               <a:t>Flags</a:t>
             </a:r>
           </a:p>
           <a:p>
-            <a:pPr lvl="1"/>
+            <a:pPr lvl="1">
+              <a:spcBef>
+                <a:spcPts val="0"/>
+              </a:spcBef>
+            </a:pPr>
             <a:r>
               <a:rPr lang="en-US" sz="1200" kern="0" dirty="0"/>
               <a:t>X set to 1 for 64-Bit Counter, set to 0 for 32-Bit Counter</a:t>
             </a:r>
           </a:p>
           <a:p>
-            <a:pPr lvl="1"/>
+            <a:pPr lvl="1">
+              <a:spcBef>
+                <a:spcPts val="0"/>
+              </a:spcBef>
+            </a:pPr>
             <a:r>
               <a:rPr lang="en-US" sz="1200" kern="0" dirty="0"/>
               <a:t>B set to 1 for Byte Counter, set to 0 for Packet Counter</a:t>
             </a:r>
           </a:p>
           <a:p>
-            <a:pPr lvl="1"/>
+            <a:pPr lvl="1">
+              <a:spcBef>
+                <a:spcPts val="0"/>
+              </a:spcBef>
+            </a:pPr>
             <a:r>
               <a:rPr lang="en-US" sz="1200" kern="0" dirty="0"/>
               <a:t>T set to 1 for Sender-DSCP scoped Counter</a:t>
@@ -12002,6 +12061,381 @@
       </p:grpSpPr>
       <p:sp>
         <p:nvSpPr>
+          <p:cNvPr id="2" name="Title 1">
+            <a:extLst>
+              <a:ext uri="{FF2B5EF4-FFF2-40B4-BE49-F238E27FC236}">
+                <a16:creationId xmlns:a16="http://schemas.microsoft.com/office/drawing/2014/main" id="{F60A389E-1588-4D49-BCF9-9F7B15EA821B}"/>
+              </a:ext>
+            </a:extLst>
+          </p:cNvPr>
+          <p:cNvSpPr>
+            <a:spLocks noGrp="1"/>
+          </p:cNvSpPr>
+          <p:nvPr>
+            <p:ph type="title"/>
+          </p:nvPr>
+        </p:nvSpPr>
+        <p:spPr>
+          <a:xfrm>
+            <a:off x="457200" y="0"/>
+            <a:ext cx="8229600" cy="857250"/>
+          </a:xfrm>
+        </p:spPr>
+        <p:txBody>
+          <a:bodyPr/>
+          <a:lstStyle/>
+          <a:p>
+            <a:r>
+              <a:rPr lang="en-US" sz="3600" dirty="0">
+                <a:solidFill>
+                  <a:srgbClr val="0070C0"/>
+                </a:solidFill>
+                <a:latin typeface="Calibri Light" panose="020F0302020204030204" pitchFamily="34" charset="0"/>
+                <a:cs typeface="Calibri Light" panose="020F0302020204030204" pitchFamily="34" charset="0"/>
+              </a:rPr>
+              <a:t>Packet Loss Calculation </a:t>
+            </a:r>
+          </a:p>
+        </p:txBody>
+      </p:sp>
+      <p:sp>
+        <p:nvSpPr>
+          <p:cNvPr id="3" name="Content Placeholder 2">
+            <a:extLst>
+              <a:ext uri="{FF2B5EF4-FFF2-40B4-BE49-F238E27FC236}">
+                <a16:creationId xmlns:a16="http://schemas.microsoft.com/office/drawing/2014/main" id="{89E3DF41-902F-4F46-82B0-85312C6D99AA}"/>
+              </a:ext>
+            </a:extLst>
+          </p:cNvPr>
+          <p:cNvSpPr>
+            <a:spLocks noGrp="1"/>
+          </p:cNvSpPr>
+          <p:nvPr>
+            <p:ph idx="1"/>
+          </p:nvPr>
+        </p:nvSpPr>
+        <p:spPr>
+          <a:xfrm>
+            <a:off x="685800" y="3451720"/>
+            <a:ext cx="7772400" cy="1109617"/>
+          </a:xfrm>
+        </p:spPr>
+        <p:txBody>
+          <a:bodyPr/>
+          <a:lstStyle/>
+          <a:p>
+            <a:r>
+              <a:rPr lang="en-CA" sz="1400" dirty="0"/>
+              <a:t>Using the Counters from the nth and (n-1)</a:t>
+            </a:r>
+            <a:r>
+              <a:rPr lang="en-CA" sz="1400" dirty="0" err="1"/>
+              <a:t>th</a:t>
+            </a:r>
+            <a:r>
+              <a:rPr lang="en-CA" sz="1400" dirty="0"/>
+              <a:t> test packets.</a:t>
+            </a:r>
+          </a:p>
+          <a:p>
+            <a:r>
+              <a:rPr lang="en-CA" sz="1400" dirty="0"/>
+              <a:t>One-way receive packet loss[n-1, n] = (C2[n] - C2[n-1]) - (C1[n] - C1[n-1])</a:t>
+            </a:r>
+          </a:p>
+          <a:p>
+            <a:r>
+              <a:rPr lang="en-CA" sz="1400" dirty="0"/>
+              <a:t>Two-way receive packet loss[n-1, n] = (C4[n] - C4[n-1]) - (C3[n] - C3[n-1])</a:t>
+            </a:r>
+          </a:p>
+          <a:p>
+            <a:pPr marL="0" indent="0">
+              <a:buNone/>
+            </a:pPr>
+            <a:r>
+              <a:rPr lang="en-CA" sz="1400" dirty="0"/>
+              <a:t>                                                                          + (C2[n] - C2[n-1]) - (C1[n] - C1[n-1])</a:t>
+            </a:r>
+          </a:p>
+          <a:p>
+            <a:endParaRPr lang="en-US" sz="1400" dirty="0"/>
+          </a:p>
+        </p:txBody>
+      </p:sp>
+      <p:sp>
+        <p:nvSpPr>
+          <p:cNvPr id="4" name="Footer Placeholder 3">
+            <a:extLst>
+              <a:ext uri="{FF2B5EF4-FFF2-40B4-BE49-F238E27FC236}">
+                <a16:creationId xmlns:a16="http://schemas.microsoft.com/office/drawing/2014/main" id="{CFE3D706-DA34-5042-B9F4-47AF67F7560E}"/>
+              </a:ext>
+            </a:extLst>
+          </p:cNvPr>
+          <p:cNvSpPr>
+            <a:spLocks noGrp="1"/>
+          </p:cNvSpPr>
+          <p:nvPr>
+            <p:ph type="ftr" sz="quarter" idx="11"/>
+          </p:nvPr>
+        </p:nvSpPr>
+        <p:spPr/>
+        <p:txBody>
+          <a:bodyPr/>
+          <a:lstStyle/>
+          <a:p>
+            <a:pPr>
+              <a:defRPr/>
+            </a:pPr>
+            <a:r>
+              <a:rPr lang="en-US" altLang="zh-CN"/>
+              <a:t>110</a:t>
+            </a:r>
+            <a:r>
+              <a:rPr lang="en-US" altLang="zh-CN" baseline="30000"/>
+              <a:t>th</a:t>
+            </a:r>
+            <a:r>
+              <a:rPr lang="en-US" altLang="zh-CN"/>
+              <a:t> IETF Online</a:t>
+            </a:r>
+            <a:endParaRPr lang="en-US" altLang="zh-CN" dirty="0"/>
+          </a:p>
+        </p:txBody>
+      </p:sp>
+      <p:sp>
+        <p:nvSpPr>
+          <p:cNvPr id="5" name="Slide Number Placeholder 4">
+            <a:extLst>
+              <a:ext uri="{FF2B5EF4-FFF2-40B4-BE49-F238E27FC236}">
+                <a16:creationId xmlns:a16="http://schemas.microsoft.com/office/drawing/2014/main" id="{38CC88CF-B858-DA4E-BD76-C5F4F13412DC}"/>
+              </a:ext>
+            </a:extLst>
+          </p:cNvPr>
+          <p:cNvSpPr>
+            <a:spLocks noGrp="1"/>
+          </p:cNvSpPr>
+          <p:nvPr>
+            <p:ph type="sldNum" sz="quarter" idx="12"/>
+          </p:nvPr>
+        </p:nvSpPr>
+        <p:spPr/>
+        <p:txBody>
+          <a:bodyPr/>
+          <a:lstStyle/>
+          <a:p>
+            <a:pPr>
+              <a:defRPr/>
+            </a:pPr>
+            <a:fld id="{BD6E0F59-1DD8-40FC-9C92-B6295CBA6CCA}" type="slidenum">
+              <a:rPr lang="en-US" altLang="zh-CN" smtClean="0"/>
+              <a:pPr>
+                <a:defRPr/>
+              </a:pPr>
+              <a:t>14</a:t>
+            </a:fld>
+            <a:endParaRPr lang="en-US" altLang="zh-CN"/>
+          </a:p>
+        </p:txBody>
+      </p:sp>
+      <p:sp>
+        <p:nvSpPr>
+          <p:cNvPr id="7" name="Rectangle 6">
+            <a:extLst>
+              <a:ext uri="{FF2B5EF4-FFF2-40B4-BE49-F238E27FC236}">
+                <a16:creationId xmlns:a16="http://schemas.microsoft.com/office/drawing/2014/main" id="{4688CCAD-9049-AC41-B6A7-73CB57F8C3E0}"/>
+              </a:ext>
+            </a:extLst>
+          </p:cNvPr>
+          <p:cNvSpPr/>
+          <p:nvPr/>
+        </p:nvSpPr>
+        <p:spPr>
+          <a:xfrm>
+            <a:off x="2286000" y="836149"/>
+            <a:ext cx="4572000" cy="2492990"/>
+          </a:xfrm>
+          <a:prstGeom prst="rect">
+            <a:avLst/>
+          </a:prstGeom>
+          <a:ln>
+            <a:solidFill>
+              <a:schemeClr val="accent1"/>
+            </a:solidFill>
+          </a:ln>
+        </p:spPr>
+        <p:txBody>
+          <a:bodyPr wrap="square">
+            <a:spAutoFit/>
+          </a:bodyPr>
+          <a:lstStyle/>
+          <a:p>
+            <a:r>
+              <a:rPr lang="en-CA" sz="1200" dirty="0">
+                <a:latin typeface="Courier" pitchFamily="2" charset="0"/>
+                <a:ea typeface="Calibri" panose="020F0502020204030204" pitchFamily="34" charset="0"/>
+                <a:cs typeface="Times New Roman" panose="02020603050405020304" pitchFamily="18" charset="0"/>
+              </a:rPr>
+              <a:t>        C1                C2</a:t>
+            </a:r>
+          </a:p>
+          <a:p>
+            <a:r>
+              <a:rPr lang="en-CA" sz="1200" dirty="0">
+                <a:latin typeface="Courier" pitchFamily="2" charset="0"/>
+                <a:ea typeface="Calibri" panose="020F0502020204030204" pitchFamily="34" charset="0"/>
+                <a:cs typeface="Times New Roman" panose="02020603050405020304" pitchFamily="18" charset="0"/>
+              </a:rPr>
+              <a:t>         /                   \</a:t>
+            </a:r>
+          </a:p>
+          <a:p>
+            <a:r>
+              <a:rPr lang="en-CA" sz="1200" dirty="0">
+                <a:latin typeface="Courier" pitchFamily="2" charset="0"/>
+                <a:ea typeface="Calibri" panose="020F0502020204030204" pitchFamily="34" charset="0"/>
+                <a:cs typeface="Times New Roman" panose="02020603050405020304" pitchFamily="18" charset="0"/>
+              </a:rPr>
+              <a:t>+-------+     Test Packet     +-------+</a:t>
+            </a:r>
+          </a:p>
+          <a:p>
+            <a:r>
+              <a:rPr lang="en-CA" sz="1200" dirty="0">
+                <a:latin typeface="Courier" pitchFamily="2" charset="0"/>
+                <a:ea typeface="Calibri" panose="020F0502020204030204" pitchFamily="34" charset="0"/>
+                <a:cs typeface="Times New Roman" panose="02020603050405020304" pitchFamily="18" charset="0"/>
+              </a:rPr>
+              <a:t>|       | - - - - - - - - - -&gt;|       |</a:t>
+            </a:r>
+          </a:p>
+          <a:p>
+            <a:r>
+              <a:rPr lang="en-CA" sz="1200" dirty="0">
+                <a:latin typeface="Courier" pitchFamily="2" charset="0"/>
+                <a:ea typeface="Calibri" panose="020F0502020204030204" pitchFamily="34" charset="0"/>
+                <a:cs typeface="Times New Roman" panose="02020603050405020304" pitchFamily="18" charset="0"/>
+              </a:rPr>
+              <a:t>|   R1  |=====================|   R3  |</a:t>
+            </a:r>
+          </a:p>
+          <a:p>
+            <a:r>
+              <a:rPr lang="en-CA" sz="1200" dirty="0">
+                <a:latin typeface="Courier" pitchFamily="2" charset="0"/>
+                <a:ea typeface="Calibri" panose="020F0502020204030204" pitchFamily="34" charset="0"/>
+                <a:cs typeface="Times New Roman" panose="02020603050405020304" pitchFamily="18" charset="0"/>
+              </a:rPr>
+              <a:t>|       |&lt;- - - - - - - - - - |       |</a:t>
+            </a:r>
+          </a:p>
+          <a:p>
+            <a:r>
+              <a:rPr lang="en-CA" sz="1200" dirty="0">
+                <a:latin typeface="Courier" pitchFamily="2" charset="0"/>
+                <a:ea typeface="Calibri" panose="020F0502020204030204" pitchFamily="34" charset="0"/>
+                <a:cs typeface="Times New Roman" panose="02020603050405020304" pitchFamily="18" charset="0"/>
+              </a:rPr>
+              <a:t>+-------+     Test Reply      +-------+</a:t>
+            </a:r>
+          </a:p>
+          <a:p>
+            <a:r>
+              <a:rPr lang="en-CA" sz="1200" dirty="0">
+                <a:latin typeface="Courier" pitchFamily="2" charset="0"/>
+                <a:ea typeface="Calibri" panose="020F0502020204030204" pitchFamily="34" charset="0"/>
+                <a:cs typeface="Times New Roman" panose="02020603050405020304" pitchFamily="18" charset="0"/>
+              </a:rPr>
+              <a:t>         \                   /</a:t>
+            </a:r>
+          </a:p>
+          <a:p>
+            <a:r>
+              <a:rPr lang="en-CA" sz="1200" dirty="0">
+                <a:latin typeface="Courier" pitchFamily="2" charset="0"/>
+                <a:ea typeface="Calibri" panose="020F0502020204030204" pitchFamily="34" charset="0"/>
+                <a:cs typeface="Times New Roman" panose="02020603050405020304" pitchFamily="18" charset="0"/>
+              </a:rPr>
+              <a:t>          C4                C3</a:t>
+            </a:r>
+          </a:p>
+          <a:p>
+            <a:r>
+              <a:rPr lang="en-CA" sz="1200" dirty="0">
+                <a:latin typeface="Courier" pitchFamily="2" charset="0"/>
+                <a:ea typeface="Calibri" panose="020F0502020204030204" pitchFamily="34" charset="0"/>
+                <a:cs typeface="Times New Roman" panose="02020603050405020304" pitchFamily="18" charset="0"/>
+              </a:rPr>
+              <a:t> </a:t>
+            </a:r>
+          </a:p>
+          <a:p>
+            <a:r>
+              <a:rPr lang="en-CA" sz="1200" dirty="0">
+                <a:latin typeface="Courier" pitchFamily="2" charset="0"/>
+                <a:ea typeface="Calibri" panose="020F0502020204030204" pitchFamily="34" charset="0"/>
+                <a:cs typeface="Times New Roman" panose="02020603050405020304" pitchFamily="18" charset="0"/>
+              </a:rPr>
+              <a:t>Session-Sender                Session-Reflector</a:t>
+            </a:r>
+          </a:p>
+          <a:p>
+            <a:r>
+              <a:rPr lang="en-CA" sz="1200" dirty="0">
+                <a:latin typeface="Courier" pitchFamily="2" charset="0"/>
+                <a:ea typeface="Calibri" panose="020F0502020204030204" pitchFamily="34" charset="0"/>
+                <a:cs typeface="Times New Roman" panose="02020603050405020304" pitchFamily="18" charset="0"/>
+              </a:rPr>
+              <a:t> </a:t>
+            </a:r>
+          </a:p>
+          <a:p>
+            <a:r>
+              <a:rPr lang="en-CA" sz="1200" dirty="0">
+                <a:latin typeface="Courier" pitchFamily="2" charset="0"/>
+                <a:ea typeface="Calibri" panose="020F0502020204030204" pitchFamily="34" charset="0"/>
+                <a:cs typeface="Times New Roman" panose="02020603050405020304" pitchFamily="18" charset="0"/>
+              </a:rPr>
+              <a:t>           Reference Topology</a:t>
+            </a:r>
+            <a:endParaRPr lang="en-US" sz="1200" dirty="0">
+              <a:latin typeface="Courier" pitchFamily="2" charset="0"/>
+            </a:endParaRPr>
+          </a:p>
+        </p:txBody>
+      </p:sp>
+    </p:spTree>
+    <p:extLst>
+      <p:ext uri="{BB962C8B-B14F-4D97-AF65-F5344CB8AC3E}">
+        <p14:creationId xmlns:p14="http://schemas.microsoft.com/office/powerpoint/2010/main" val="3280835565"/>
+      </p:ext>
+    </p:extLst>
+  </p:cSld>
+  <p:clrMapOvr>
+    <a:masterClrMapping/>
+  </p:clrMapOvr>
+</p:sld>
+</file>
+
+<file path=ppt/slides/slide15.xml><?xml version="1.0" encoding="utf-8"?>
+<p:sld xmlns:a="http://schemas.openxmlformats.org/drawingml/2006/main" xmlns:r="http://schemas.openxmlformats.org/officeDocument/2006/relationships" xmlns:p="http://schemas.openxmlformats.org/presentationml/2006/main">
+  <p:cSld>
+    <p:spTree>
+      <p:nvGrpSpPr>
+        <p:cNvPr id="1" name=""/>
+        <p:cNvGrpSpPr/>
+        <p:nvPr/>
+      </p:nvGrpSpPr>
+      <p:grpSpPr>
+        <a:xfrm>
+          <a:off x="0" y="0"/>
+          <a:ext cx="0" cy="0"/>
+          <a:chOff x="0" y="0"/>
+          <a:chExt cx="0" cy="0"/>
+        </a:xfrm>
+      </p:grpSpPr>
+      <p:sp>
+        <p:nvSpPr>
           <p:cNvPr id="2" name="Title 1"/>
           <p:cNvSpPr>
             <a:spLocks noGrp="1"/>
@@ -12142,7 +12576,7 @@
               <a:pPr>
                 <a:defRPr/>
               </a:pPr>
-              <a:t>14</a:t>
+              <a:t>15</a:t>
             </a:fld>
             <a:endParaRPr lang="en-US" altLang="zh-CN" dirty="0"/>
           </a:p>
@@ -12161,7 +12595,7 @@
 </p:sld>
 </file>
 
-<file path=ppt/slides/slide15.xml><?xml version="1.0" encoding="utf-8"?>
+<file path=ppt/slides/slide16.xml><?xml version="1.0" encoding="utf-8"?>
 <p:sld xmlns:a="http://schemas.openxmlformats.org/drawingml/2006/main" xmlns:r="http://schemas.openxmlformats.org/officeDocument/2006/relationships" xmlns:p="http://schemas.openxmlformats.org/presentationml/2006/main">
   <p:cSld>
     <p:spTree>
@@ -12425,7 +12859,7 @@
               <a:pPr>
                 <a:defRPr/>
               </a:pPr>
-              <a:t>15</a:t>
+              <a:t>16</a:t>
             </a:fld>
             <a:endParaRPr lang="en-US" altLang="zh-CN" dirty="0"/>
           </a:p>
@@ -12444,7 +12878,7 @@
 </p:sld>
 </file>
 
-<file path=ppt/slides/slide16.xml><?xml version="1.0" encoding="utf-8"?>
+<file path=ppt/slides/slide17.xml><?xml version="1.0" encoding="utf-8"?>
 <p:sld xmlns:a="http://schemas.openxmlformats.org/drawingml/2006/main" xmlns:r="http://schemas.openxmlformats.org/officeDocument/2006/relationships" xmlns:p="http://schemas.openxmlformats.org/presentationml/2006/main">
   <p:cSld>
     <p:spTree>
@@ -14088,7 +14522,7 @@
               <a:pPr algn="r">
                 <a:defRPr/>
               </a:pPr>
-              <a:t>16</a:t>
+              <a:t>17</a:t>
             </a:fld>
             <a:endParaRPr lang="en-US" altLang="zh-CN" sz="1400" dirty="0">
               <a:latin typeface="Calibri" panose="020F0502020204030204" pitchFamily="34" charset="0"/>
@@ -16138,6 +16572,13 @@
             <a:r>
               <a:rPr lang="en-US" sz="1600" dirty="0"/>
               <a:t>) (symmetric delay on forward and reverse link)</a:t>
+            </a:r>
+          </a:p>
+          <a:p>
+            <a:pPr lvl="1"/>
+            <a:r>
+              <a:rPr lang="en-US" sz="1600" dirty="0"/>
+              <a:t>Link can be LAG (bundle) member</a:t>
             </a:r>
           </a:p>
           <a:p>

--- a/draft-gandhi-ippm-stamp-srpm-01.pptx
+++ b/draft-gandhi-ippm-stamp-srpm-01.pptx
@@ -2516,14 +2516,14 @@
           </a:ln>
           <a:extLst>
             <a:ext uri="{909E8E84-426E-40dd-AFC4-6F175D3DCCD1}">
-              <a14:hiddenFill xmlns="" xmlns:a14="http://schemas.microsoft.com/office/drawing/2010/main">
+              <a14:hiddenFill xmlns:a14="http://schemas.microsoft.com/office/drawing/2010/main" xmlns="">
                 <a:solidFill>
                   <a:srgbClr val="FFFFFF"/>
                 </a:solidFill>
               </a14:hiddenFill>
             </a:ext>
             <a:ext uri="{91240B29-F687-4f45-9708-019B960494DF}">
-              <a14:hiddenLine xmlns="" xmlns:a14="http://schemas.microsoft.com/office/drawing/2010/main" w="9525">
+              <a14:hiddenLine xmlns:a14="http://schemas.microsoft.com/office/drawing/2010/main" xmlns="" w="9525">
                 <a:solidFill>
                   <a:srgbClr val="000000"/>
                 </a:solidFill>
@@ -2776,7 +2776,7 @@
               </a14:hiddenLine>
             </a:ext>
             <a:ext uri="{FAA26D3D-D897-4be2-8F04-BA451C77F1D7}">
-              <ma14:placeholderFlag xmlns="" xmlns:ma14="http://schemas.microsoft.com/office/mac/drawingml/2011/main" val="1"/>
+              <ma14:placeholderFlag xmlns:ma14="http://schemas.microsoft.com/office/mac/drawingml/2011/main" xmlns="" val="1"/>
             </a:ext>
           </a:extLst>
         </p:spPr>
@@ -9417,14 +9417,14 @@
               </a14:hiddenLine>
             </a:ext>
             <a:ext uri="{909E8E84-426E-40dd-AFC4-6F175D3DCCD1}">
-              <a14:hiddenFill xmlns="" xmlns:a14="http://schemas.microsoft.com/office/drawing/2010/main">
+              <a14:hiddenFill xmlns:a14="http://schemas.microsoft.com/office/drawing/2010/main" xmlns="">
                 <a:solidFill>
                   <a:srgbClr val="FFFFFF"/>
                 </a:solidFill>
               </a14:hiddenFill>
             </a:ext>
             <a:ext uri="{91240B29-F687-4f45-9708-019B960494DF}">
-              <a14:hiddenLine xmlns="" xmlns:a14="http://schemas.microsoft.com/office/drawing/2010/main" w="9525">
+              <a14:hiddenLine xmlns:a14="http://schemas.microsoft.com/office/drawing/2010/main" xmlns="" w="9525">
                 <a:solidFill>
                   <a:srgbClr val="000000"/>
                 </a:solidFill>
@@ -10659,11 +10659,19 @@
             <a:avLst/>
           </a:prstGeom>
           <a:solidFill>
-            <a:schemeClr val="accent1">
+            <a:schemeClr val="accent6">
               <a:lumMod val="20000"/>
               <a:lumOff val="80000"/>
             </a:schemeClr>
           </a:solidFill>
+          <a:ln>
+            <a:solidFill>
+              <a:schemeClr val="accent6">
+                <a:lumMod val="20000"/>
+                <a:lumOff val="80000"/>
+              </a:schemeClr>
+            </a:solidFill>
+          </a:ln>
         </p:spPr>
         <p:txBody>
           <a:bodyPr wrap="square">
@@ -12116,8 +12124,8 @@
         </p:nvSpPr>
         <p:spPr>
           <a:xfrm>
-            <a:off x="685800" y="3451720"/>
-            <a:ext cx="7772400" cy="1109617"/>
+            <a:off x="685800" y="3349327"/>
+            <a:ext cx="8001000" cy="1334592"/>
           </a:xfrm>
         </p:spPr>
         <p:txBody>
@@ -12126,15 +12134,29 @@
           <a:p>
             <a:r>
               <a:rPr lang="en-CA" sz="1400" dirty="0"/>
-              <a:t>Using the Counters from the nth and (n-1)</a:t>
-            </a:r>
-            <a:r>
-              <a:rPr lang="en-CA" sz="1400" dirty="0" err="1"/>
+              <a:t>Using the Counters from the n</a:t>
+            </a:r>
+            <a:r>
+              <a:rPr lang="en-CA" sz="1400" baseline="30000" dirty="0"/>
+              <a:t>th</a:t>
+            </a:r>
+            <a:r>
+              <a:rPr lang="en-CA" sz="1400" dirty="0"/>
+              <a:t> and (n-1)</a:t>
+            </a:r>
+            <a:r>
+              <a:rPr lang="en-CA" sz="1400" baseline="30000" dirty="0" err="1"/>
               <a:t>th</a:t>
             </a:r>
             <a:r>
               <a:rPr lang="en-CA" sz="1400" dirty="0"/>
               <a:t> test packets.</a:t>
+            </a:r>
+          </a:p>
+          <a:p>
+            <a:r>
+              <a:rPr lang="en-CA" sz="1400" dirty="0"/>
+              <a:t>Counters from the same color used in the computation.</a:t>
             </a:r>
           </a:p>
           <a:p>
@@ -12179,7 +12201,12 @@
             <p:ph type="ftr" sz="quarter" idx="11"/>
           </p:nvPr>
         </p:nvSpPr>
-        <p:spPr/>
+        <p:spPr>
+          <a:xfrm>
+            <a:off x="3124200" y="4786312"/>
+            <a:ext cx="2895600" cy="357188"/>
+          </a:xfrm>
+        </p:spPr>
         <p:txBody>
           <a:bodyPr/>
           <a:lstStyle/>
@@ -12188,18 +12215,17 @@
               <a:defRPr/>
             </a:pPr>
             <a:r>
-              <a:rPr lang="en-US" altLang="zh-CN"/>
+              <a:rPr lang="en-US" altLang="zh-CN" dirty="0"/>
               <a:t>110</a:t>
             </a:r>
             <a:r>
-              <a:rPr lang="en-US" altLang="zh-CN" baseline="30000"/>
+              <a:rPr lang="en-US" altLang="zh-CN" baseline="30000" dirty="0"/>
               <a:t>th</a:t>
             </a:r>
             <a:r>
-              <a:rPr lang="en-US" altLang="zh-CN"/>
+              <a:rPr lang="en-US" altLang="zh-CN" dirty="0"/>
               <a:t> IETF Online</a:t>
             </a:r>
-            <a:endParaRPr lang="en-US" altLang="zh-CN" dirty="0"/>
           </a:p>
         </p:txBody>
       </p:sp>
@@ -12252,7 +12278,7 @@
         </p:nvSpPr>
         <p:spPr>
           <a:xfrm>
-            <a:off x="2286000" y="836149"/>
+            <a:off x="2286000" y="842954"/>
             <a:ext cx="4572000" cy="2492990"/>
           </a:xfrm>
           <a:prstGeom prst="rect">
@@ -15110,7 +15136,7 @@
         </p:nvSpPr>
         <p:spPr>
           <a:xfrm>
-            <a:off x="609600" y="1000719"/>
+            <a:off x="609600" y="857250"/>
             <a:ext cx="7924800" cy="3642123"/>
           </a:xfrm>
         </p:spPr>
@@ -15123,7 +15149,7 @@
               <a:buAutoNum type="arabicPeriod"/>
             </a:pPr>
             <a:r>
-              <a:rPr lang="en-US" sz="1600" dirty="0"/>
+              <a:rPr lang="en-US" sz="1400" dirty="0"/>
               <a:t>Draft status:</a:t>
             </a:r>
           </a:p>
@@ -15133,14 +15159,14 @@
               <a:buAutoNum type="alphaLcParenR"/>
             </a:pPr>
             <a:r>
-              <a:rPr lang="en-US" sz="1600" dirty="0"/>
+              <a:rPr lang="en-US" sz="1400" dirty="0"/>
               <a:t>Draft defines extensions for RFC 8762 - STAMP</a:t>
             </a:r>
           </a:p>
           <a:p>
             <a:pPr marL="1200150" lvl="2" indent="-342900"/>
             <a:r>
-              <a:rPr lang="en-US" sz="1600" dirty="0"/>
+              <a:rPr lang="en-US" sz="1400" dirty="0"/>
               <a:t>Updates RFC 8762 due to new field (control code) in the test packet</a:t>
             </a:r>
           </a:p>
@@ -15150,7 +15176,7 @@
               <a:buAutoNum type="arabicPeriod"/>
             </a:pPr>
             <a:r>
-              <a:rPr lang="en-US" sz="1600" dirty="0"/>
+              <a:rPr lang="en-US" sz="1400" dirty="0"/>
               <a:t>Extensions specific to SR?</a:t>
             </a:r>
           </a:p>
@@ -15160,7 +15186,7 @@
               <a:buAutoNum type="arabicPeriod"/>
             </a:pPr>
             <a:r>
-              <a:rPr lang="en-US" sz="1600" dirty="0"/>
+              <a:rPr lang="en-US" sz="1400" dirty="0"/>
               <a:t>Editorial</a:t>
             </a:r>
           </a:p>
@@ -15170,7 +15196,7 @@
               <a:buAutoNum type="alphaLcParenR"/>
             </a:pPr>
             <a:r>
-              <a:rPr lang="en-US" sz="1600" dirty="0"/>
+              <a:rPr lang="en-US" sz="1400" dirty="0"/>
               <a:t>Define Abbreviations (BSID, SRH, HMAC-SHA)</a:t>
             </a:r>
           </a:p>
@@ -15180,7 +15206,7 @@
               <a:buAutoNum type="alphaLcParenR"/>
             </a:pPr>
             <a:r>
-              <a:rPr lang="en-US" sz="1600" dirty="0"/>
+              <a:rPr lang="en-US" sz="1400" dirty="0"/>
               <a:t>Use Test packet, Session-Sender, Session-Reflector terms</a:t>
             </a:r>
           </a:p>
@@ -15190,7 +15216,7 @@
               <a:buAutoNum type="alphaLcParenR"/>
             </a:pPr>
             <a:r>
-              <a:rPr lang="en-US" sz="1600" dirty="0"/>
+              <a:rPr lang="en-US" sz="1400" dirty="0"/>
               <a:t>Show entire test packet with session-sender control code field</a:t>
             </a:r>
           </a:p>
@@ -15200,7 +15226,7 @@
               <a:buAutoNum type="alphaLcParenR"/>
             </a:pPr>
             <a:r>
-              <a:rPr lang="en-US" sz="1600" dirty="0"/>
+              <a:rPr lang="en-US" sz="1400" dirty="0"/>
               <a:t>Indicate new packet loss packet is for direct measurement</a:t>
             </a:r>
           </a:p>
@@ -15210,19 +15236,39 @@
               <a:buAutoNum type="alphaLcParenR"/>
             </a:pPr>
             <a:r>
-              <a:rPr lang="en-US" sz="1600" dirty="0"/>
+              <a:rPr lang="en-US" sz="1400" dirty="0"/>
+              <a:t>How packet loss calculated</a:t>
+            </a:r>
+          </a:p>
+          <a:p>
+            <a:pPr marL="800100" lvl="1" indent="-342900">
+              <a:buFont typeface="+mj-lt"/>
+              <a:buAutoNum type="alphaLcParenR"/>
+            </a:pPr>
+            <a:r>
+              <a:rPr lang="en-US" sz="1400" dirty="0"/>
+              <a:t>Details on direct measurement test packet usage</a:t>
+            </a:r>
+          </a:p>
+          <a:p>
+            <a:pPr marL="800100" lvl="1" indent="-342900">
+              <a:buFont typeface="+mj-lt"/>
+              <a:buAutoNum type="alphaLcParenR"/>
+            </a:pPr>
+            <a:r>
+              <a:rPr lang="en-US" sz="1400" dirty="0"/>
               <a:t>Move Receive Counter and other Reply test packet fields to Section 4.1 from 3.2</a:t>
             </a:r>
           </a:p>
           <a:p>
             <a:pPr lvl="2"/>
             <a:r>
-              <a:rPr lang="en-CA" sz="1600" dirty="0"/>
+              <a:rPr lang="en-CA" sz="1400" dirty="0"/>
               <a:t>Explain how the counters and sequence numbers are used to do loss measurement</a:t>
             </a:r>
           </a:p>
           <a:p>
-            <a:endParaRPr lang="en-US" sz="1600" dirty="0">
+            <a:endParaRPr lang="en-US" sz="1400" dirty="0">
               <a:latin typeface="Calibri" charset="0"/>
               <a:ea typeface="Calibri" charset="0"/>
               <a:cs typeface="Calibri" charset="0"/>

--- a/draft-gandhi-ippm-stamp-srpm-01.pptx
+++ b/draft-gandhi-ippm-stamp-srpm-01.pptx
@@ -260,7 +260,7 @@
           <a:p>
             <a:fld id="{E8FA3DB5-7722-3F4F-947D-12B203669AD7}" type="datetimeFigureOut">
               <a:rPr lang="en-US" smtClean="0"/>
-              <a:t>1/19/21</a:t>
+              <a:t>1/20/21</a:t>
             </a:fld>
             <a:endParaRPr lang="en-US"/>
           </a:p>
@@ -2516,14 +2516,14 @@
           </a:ln>
           <a:extLst>
             <a:ext uri="{909E8E84-426E-40dd-AFC4-6F175D3DCCD1}">
-              <a14:hiddenFill xmlns:a14="http://schemas.microsoft.com/office/drawing/2010/main" xmlns="">
+              <a14:hiddenFill xmlns="" xmlns:a14="http://schemas.microsoft.com/office/drawing/2010/main">
                 <a:solidFill>
                   <a:srgbClr val="FFFFFF"/>
                 </a:solidFill>
               </a14:hiddenFill>
             </a:ext>
             <a:ext uri="{91240B29-F687-4f45-9708-019B960494DF}">
-              <a14:hiddenLine xmlns:a14="http://schemas.microsoft.com/office/drawing/2010/main" xmlns="" w="9525">
+              <a14:hiddenLine xmlns="" xmlns:a14="http://schemas.microsoft.com/office/drawing/2010/main" w="9525">
                 <a:solidFill>
                   <a:srgbClr val="000000"/>
                 </a:solidFill>
@@ -2776,7 +2776,7 @@
               </a14:hiddenLine>
             </a:ext>
             <a:ext uri="{FAA26D3D-D897-4be2-8F04-BA451C77F1D7}">
-              <ma14:placeholderFlag xmlns:ma14="http://schemas.microsoft.com/office/mac/drawingml/2011/main" xmlns="" val="1"/>
+              <ma14:placeholderFlag xmlns="" xmlns:ma14="http://schemas.microsoft.com/office/mac/drawingml/2011/main" val="1"/>
             </a:ext>
           </a:extLst>
         </p:spPr>
@@ -6049,7 +6049,7 @@
               </a:spcBef>
             </a:pPr>
             <a:r>
-              <a:rPr lang="en-US" sz="1200" kern="0" dirty="0"/>
+              <a:rPr lang="en-US" sz="1100" kern="0" dirty="0"/>
               <a:t>Stand-alone Direct Measurement test packet defined</a:t>
             </a:r>
           </a:p>
@@ -6060,7 +6060,7 @@
               </a:spcBef>
             </a:pPr>
             <a:r>
-              <a:rPr lang="en-US" sz="1200" kern="0" dirty="0"/>
+              <a:rPr lang="en-US" sz="1100" kern="0" dirty="0"/>
               <a:t>Hardware efficient counter-stamping</a:t>
             </a:r>
           </a:p>
@@ -6071,7 +6071,7 @@
               </a:spcBef>
             </a:pPr>
             <a:r>
-              <a:rPr lang="en-US" sz="1200" kern="0" dirty="0"/>
+              <a:rPr lang="en-US" sz="1100" kern="0" dirty="0"/>
               <a:t>Well-known locations for transmit and receive traffic counters</a:t>
             </a:r>
           </a:p>
@@ -6082,7 +6082,7 @@
               </a:spcBef>
             </a:pPr>
             <a:r>
-              <a:rPr lang="en-US" sz="1200" kern="0" dirty="0"/>
+              <a:rPr lang="en-US" sz="1100" kern="0" dirty="0"/>
               <a:t>Block number of the counters for alternate marking method [RFC 8321]</a:t>
             </a:r>
           </a:p>
@@ -6093,7 +6093,7 @@
               </a:spcBef>
             </a:pPr>
             <a:r>
-              <a:rPr lang="en-US" sz="1200" kern="0" dirty="0"/>
+              <a:rPr lang="en-US" sz="1100" kern="0" dirty="0"/>
               <a:t>Traffic class of the counters for per class packet loss</a:t>
             </a:r>
           </a:p>
@@ -6104,7 +6104,7 @@
               </a:spcBef>
             </a:pPr>
             <a:r>
-              <a:rPr lang="en-US" sz="1200" kern="0" dirty="0"/>
+              <a:rPr lang="en-US" sz="1100" kern="0" dirty="0"/>
               <a:t>Direct Measurement test packet is also defined for authenticated mode</a:t>
             </a:r>
           </a:p>
@@ -6115,11 +6115,11 @@
               </a:spcBef>
             </a:pPr>
             <a:r>
-              <a:rPr lang="en-US" sz="1200" kern="0" dirty="0"/>
+              <a:rPr lang="en-US" sz="1100" kern="0" dirty="0"/>
               <a:t>User-configured destination UDP </a:t>
             </a:r>
             <a:r>
-              <a:rPr lang="en-US" sz="1200" b="1" kern="0" dirty="0">
+              <a:rPr lang="en-US" sz="1100" b="1" kern="0" dirty="0">
                 <a:solidFill>
                   <a:srgbClr val="0070C0"/>
                 </a:solidFill>
@@ -6127,7 +6127,7 @@
               <a:t>Port2</a:t>
             </a:r>
             <a:r>
-              <a:rPr lang="en-US" sz="1200" kern="0" dirty="0"/>
+              <a:rPr lang="en-US" sz="1100" kern="0" dirty="0"/>
               <a:t> is used for identifying direct measurement test packets</a:t>
             </a:r>
           </a:p>
@@ -6138,7 +6138,7 @@
               </a:spcBef>
             </a:pPr>
             <a:r>
-              <a:rPr lang="en-US" sz="1200" kern="0" dirty="0"/>
+              <a:rPr lang="en-US" sz="1100" kern="0" dirty="0"/>
               <a:t>Does not modify the existing STAMP procedure as different destination UDP port is used for direct measurement test packets</a:t>
             </a:r>
           </a:p>
@@ -6149,8 +6149,8 @@
               </a:spcBef>
             </a:pPr>
             <a:r>
-              <a:rPr lang="en-US" sz="1200" kern="0" dirty="0"/>
-              <a:t>Sequence Numbers allow to detect test packet loss, and connectivity loss</a:t>
+              <a:rPr lang="en-US" sz="1100" kern="0" dirty="0"/>
+              <a:t>Other than Timestamp vs. Counter in the test packet, the protocol is same as STAMP</a:t>
             </a:r>
           </a:p>
           <a:p>
@@ -6160,7 +6160,18 @@
               </a:spcBef>
             </a:pPr>
             <a:r>
-              <a:rPr lang="en-US" sz="1200" kern="0" dirty="0"/>
+              <a:rPr lang="en-US" sz="1100" kern="0" dirty="0"/>
+              <a:t>Sequence Numbers allow to detect test packet loss, and connectivity loss</a:t>
+            </a:r>
+          </a:p>
+          <a:p>
+            <a:pPr>
+              <a:spcBef>
+                <a:spcPts val="0"/>
+              </a:spcBef>
+            </a:pPr>
+            <a:r>
+              <a:rPr lang="en-US" sz="1100" kern="0" dirty="0"/>
               <a:t>Flags</a:t>
             </a:r>
           </a:p>
@@ -6171,7 +6182,7 @@
               </a:spcBef>
             </a:pPr>
             <a:r>
-              <a:rPr lang="en-US" sz="1200" kern="0" dirty="0"/>
+              <a:rPr lang="en-US" sz="1100" kern="0" dirty="0"/>
               <a:t>X set to 1 for 64-Bit Counter, set to 0 for 32-Bit Counter</a:t>
             </a:r>
           </a:p>
@@ -6182,7 +6193,7 @@
               </a:spcBef>
             </a:pPr>
             <a:r>
-              <a:rPr lang="en-US" sz="1200" kern="0" dirty="0"/>
+              <a:rPr lang="en-US" sz="1100" kern="0" dirty="0"/>
               <a:t>B set to 1 for Byte Counter, set to 0 for Packet Counter</a:t>
             </a:r>
           </a:p>
@@ -6193,7 +6204,7 @@
               </a:spcBef>
             </a:pPr>
             <a:r>
-              <a:rPr lang="en-US" sz="1200" kern="0" dirty="0"/>
+              <a:rPr lang="en-US" sz="1100" kern="0" dirty="0"/>
               <a:t>T set to 1 for Sender-DSCP scoped Counter</a:t>
             </a:r>
           </a:p>
@@ -9268,118 +9279,6 @@
       </p:grpSpPr>
       <p:sp>
         <p:nvSpPr>
-          <p:cNvPr id="32" name="Rounded Rectangular Callout 27">
-            <a:extLst>
-              <a:ext uri="{FF2B5EF4-FFF2-40B4-BE49-F238E27FC236}">
-                <a16:creationId xmlns:a16="http://schemas.microsoft.com/office/drawing/2014/main" id="{CBAA138F-2CEA-4473-835A-18AEC15829E1}"/>
-              </a:ext>
-            </a:extLst>
-          </p:cNvPr>
-          <p:cNvSpPr/>
-          <p:nvPr/>
-        </p:nvSpPr>
-        <p:spPr bwMode="auto">
-          <a:xfrm>
-            <a:off x="1640014" y="2224507"/>
-            <a:ext cx="807377" cy="260302"/>
-          </a:xfrm>
-          <a:prstGeom prst="wedgeRoundRectCallout">
-            <a:avLst>
-              <a:gd name="adj1" fmla="val -33284"/>
-              <a:gd name="adj2" fmla="val -225175"/>
-              <a:gd name="adj3" fmla="val 16667"/>
-            </a:avLst>
-          </a:prstGeom>
-          <a:solidFill>
-            <a:srgbClr val="FFFFFF">
-              <a:lumMod val="95000"/>
-            </a:srgbClr>
-          </a:solidFill>
-          <a:ln w="9525" cap="flat" cmpd="sng" algn="ctr">
-            <a:noFill/>
-            <a:prstDash val="solid"/>
-            <a:round/>
-            <a:headEnd type="none" w="med" len="med"/>
-            <a:tailEnd type="none" w="med" len="med"/>
-          </a:ln>
-          <a:effectLst/>
-        </p:spPr>
-        <p:txBody>
-          <a:bodyPr vert="horz" wrap="none" lIns="82124" tIns="41061" rIns="82124" bIns="41061" numCol="1" rtlCol="0" anchor="ctr" anchorCtr="0" compatLnSpc="1">
-            <a:prstTxWarp prst="textNoShape">
-              <a:avLst/>
-            </a:prstTxWarp>
-            <a:spAutoFit/>
-          </a:bodyPr>
-          <a:lstStyle/>
-          <a:p>
-            <a:pPr marL="0" marR="0" lvl="0" indent="0" algn="ctr" defTabSz="814388" eaLnBrk="0" fontAlgn="auto" latinLnBrk="0" hangingPunct="0">
-              <a:lnSpc>
-                <a:spcPct val="90000"/>
-              </a:lnSpc>
-              <a:spcBef>
-                <a:spcPts val="0"/>
-              </a:spcBef>
-              <a:spcAft>
-                <a:spcPts val="0"/>
-              </a:spcAft>
-              <a:buClrTx/>
-              <a:buSzTx/>
-              <a:buFontTx/>
-              <a:buNone/>
-              <a:tabLst/>
-              <a:defRPr/>
-            </a:pPr>
-            <a:r>
-              <a:rPr kumimoji="0" lang="en-US" sz="1100" u="none" strike="noStrike" kern="0" cap="none" spc="0" normalizeH="0" baseline="0" noProof="0" dirty="0">
-                <a:ln>
-                  <a:noFill/>
-                </a:ln>
-                <a:solidFill>
-                  <a:srgbClr val="002060"/>
-                </a:solidFill>
-                <a:effectLst/>
-                <a:uLnTx/>
-                <a:uFillTx/>
-                <a:latin typeface="Arial" panose="020B0604020202020204" pitchFamily="34" charset="0"/>
-                <a:cs typeface="Arial" panose="020B0604020202020204" pitchFamily="34" charset="0"/>
-              </a:rPr>
-              <a:t>Counter</a:t>
-            </a:r>
-            <a:r>
-              <a:rPr kumimoji="0" lang="en-US" sz="1100" u="none" strike="noStrike" kern="0" cap="none" spc="0" normalizeH="0" noProof="0" dirty="0">
-                <a:ln>
-                  <a:noFill/>
-                </a:ln>
-                <a:solidFill>
-                  <a:srgbClr val="002060"/>
-                </a:solidFill>
-                <a:effectLst/>
-                <a:uLnTx/>
-                <a:uFillTx/>
-                <a:latin typeface="Arial" panose="020B0604020202020204" pitchFamily="34" charset="0"/>
-                <a:cs typeface="Arial" panose="020B0604020202020204" pitchFamily="34" charset="0"/>
-              </a:rPr>
-              <a:t> 1</a:t>
-            </a:r>
-            <a:endParaRPr kumimoji="0" lang="en-US" sz="1100" u="none" strike="noStrike" kern="0" cap="none" spc="0" normalizeH="0" baseline="0" noProof="0" dirty="0">
-              <a:ln>
-                <a:noFill/>
-              </a:ln>
-              <a:solidFill>
-                <a:srgbClr val="002060"/>
-              </a:solidFill>
-              <a:effectLst/>
-              <a:uLnTx/>
-              <a:uFillTx/>
-              <a:latin typeface="Arial" panose="020B0604020202020204" pitchFamily="34" charset="0"/>
-              <a:cs typeface="Arial" panose="020B0604020202020204" pitchFamily="34" charset="0"/>
-            </a:endParaRPr>
-          </a:p>
-        </p:txBody>
-      </p:sp>
-      <p:sp>
-        <p:nvSpPr>
           <p:cNvPr id="114" name="Title 2"/>
           <p:cNvSpPr txBox="1">
             <a:spLocks/>
@@ -9417,14 +9316,14 @@
               </a14:hiddenLine>
             </a:ext>
             <a:ext uri="{909E8E84-426E-40dd-AFC4-6F175D3DCCD1}">
-              <a14:hiddenFill xmlns:a14="http://schemas.microsoft.com/office/drawing/2010/main" xmlns="">
+              <a14:hiddenFill xmlns="" xmlns:a14="http://schemas.microsoft.com/office/drawing/2010/main">
                 <a:solidFill>
                   <a:srgbClr val="FFFFFF"/>
                 </a:solidFill>
               </a14:hiddenFill>
             </a:ext>
             <a:ext uri="{91240B29-F687-4f45-9708-019B960494DF}">
-              <a14:hiddenLine xmlns:a14="http://schemas.microsoft.com/office/drawing/2010/main" xmlns="" w="9525">
+              <a14:hiddenLine xmlns="" xmlns:a14="http://schemas.microsoft.com/office/drawing/2010/main" w="9525">
                 <a:solidFill>
                   <a:srgbClr val="000000"/>
                 </a:solidFill>
@@ -9634,241 +9533,6 @@
       </p:sp>
       <p:sp>
         <p:nvSpPr>
-          <p:cNvPr id="184" name="Oval 183">
-            <a:extLst>
-              <a:ext uri="{FF2B5EF4-FFF2-40B4-BE49-F238E27FC236}">
-                <a16:creationId xmlns:a16="http://schemas.microsoft.com/office/drawing/2014/main" id="{368C06FA-081C-49D7-9C77-0D814D62D5F5}"/>
-              </a:ext>
-            </a:extLst>
-          </p:cNvPr>
-          <p:cNvSpPr/>
-          <p:nvPr/>
-        </p:nvSpPr>
-        <p:spPr>
-          <a:xfrm>
-            <a:off x="3153455" y="1659535"/>
-            <a:ext cx="219456" cy="219456"/>
-          </a:xfrm>
-          <a:prstGeom prst="ellipse">
-            <a:avLst/>
-          </a:prstGeom>
-          <a:noFill/>
-          <a:ln w="38100">
-            <a:solidFill>
-              <a:schemeClr val="accent2"/>
-            </a:solidFill>
-            <a:headEnd type="none" w="med" len="med"/>
-            <a:tailEnd type="triangle" w="med" len="med"/>
-          </a:ln>
-          <a:effectLst/>
-        </p:spPr>
-        <p:style>
-          <a:lnRef idx="2">
-            <a:schemeClr val="accent1">
-              <a:shade val="50000"/>
-            </a:schemeClr>
-          </a:lnRef>
-          <a:fillRef idx="1">
-            <a:schemeClr val="accent1"/>
-          </a:fillRef>
-          <a:effectRef idx="0">
-            <a:schemeClr val="accent1"/>
-          </a:effectRef>
-          <a:fontRef idx="minor">
-            <a:schemeClr val="lt1"/>
-          </a:fontRef>
-        </p:style>
-        <p:txBody>
-          <a:bodyPr lIns="0" tIns="0" rIns="0" bIns="0" rtlCol="0" anchor="ctr"/>
-          <a:lstStyle/>
-          <a:p>
-            <a:pPr algn="ctr"/>
-            <a:r>
-              <a:rPr lang="fr-FR" sz="1100" dirty="0">
-                <a:solidFill>
-                  <a:srgbClr val="002060"/>
-                </a:solidFill>
-                <a:latin typeface="Arial" panose="020B0604020202020204" pitchFamily="34" charset="0"/>
-                <a:cs typeface="Arial" panose="020B0604020202020204" pitchFamily="34" charset="0"/>
-              </a:rPr>
-              <a:t>2</a:t>
-            </a:r>
-          </a:p>
-        </p:txBody>
-      </p:sp>
-      <p:sp>
-        <p:nvSpPr>
-          <p:cNvPr id="216" name="Oval 215">
-            <a:extLst>
-              <a:ext uri="{FF2B5EF4-FFF2-40B4-BE49-F238E27FC236}">
-                <a16:creationId xmlns:a16="http://schemas.microsoft.com/office/drawing/2014/main" id="{FA350B2C-B724-4674-97E3-2CF0AF13068D}"/>
-              </a:ext>
-            </a:extLst>
-          </p:cNvPr>
-          <p:cNvSpPr/>
-          <p:nvPr/>
-        </p:nvSpPr>
-        <p:spPr>
-          <a:xfrm>
-            <a:off x="1558989" y="1668679"/>
-            <a:ext cx="219456" cy="219456"/>
-          </a:xfrm>
-          <a:prstGeom prst="ellipse">
-            <a:avLst/>
-          </a:prstGeom>
-          <a:noFill/>
-          <a:ln w="38100">
-            <a:solidFill>
-              <a:schemeClr val="accent2"/>
-            </a:solidFill>
-            <a:headEnd type="none" w="med" len="med"/>
-            <a:tailEnd type="triangle" w="med" len="med"/>
-          </a:ln>
-          <a:effectLst/>
-        </p:spPr>
-        <p:style>
-          <a:lnRef idx="2">
-            <a:schemeClr val="accent1">
-              <a:shade val="50000"/>
-            </a:schemeClr>
-          </a:lnRef>
-          <a:fillRef idx="1">
-            <a:schemeClr val="accent1"/>
-          </a:fillRef>
-          <a:effectRef idx="0">
-            <a:schemeClr val="accent1"/>
-          </a:effectRef>
-          <a:fontRef idx="minor">
-            <a:schemeClr val="lt1"/>
-          </a:fontRef>
-        </p:style>
-        <p:txBody>
-          <a:bodyPr lIns="0" tIns="0" rIns="0" bIns="0" rtlCol="0" anchor="ctr"/>
-          <a:lstStyle/>
-          <a:p>
-            <a:pPr algn="ctr"/>
-            <a:r>
-              <a:rPr lang="fr-FR" sz="1100" dirty="0">
-                <a:solidFill>
-                  <a:srgbClr val="002060"/>
-                </a:solidFill>
-                <a:latin typeface="Arial" panose="020B0604020202020204" pitchFamily="34" charset="0"/>
-                <a:cs typeface="Arial" panose="020B0604020202020204" pitchFamily="34" charset="0"/>
-              </a:rPr>
-              <a:t>1</a:t>
-            </a:r>
-          </a:p>
-        </p:txBody>
-      </p:sp>
-      <p:sp>
-        <p:nvSpPr>
-          <p:cNvPr id="261" name="Down Arrow 84">
-            <a:extLst>
-              <a:ext uri="{FF2B5EF4-FFF2-40B4-BE49-F238E27FC236}">
-                <a16:creationId xmlns:a16="http://schemas.microsoft.com/office/drawing/2014/main" id="{5ED5220D-7439-4496-8A23-28A6BFD05925}"/>
-              </a:ext>
-            </a:extLst>
-          </p:cNvPr>
-          <p:cNvSpPr/>
-          <p:nvPr/>
-        </p:nvSpPr>
-        <p:spPr>
-          <a:xfrm rot="16200000">
-            <a:off x="1942787" y="1739351"/>
-            <a:ext cx="125006" cy="326374"/>
-          </a:xfrm>
-          <a:prstGeom prst="downArrow">
-            <a:avLst>
-              <a:gd name="adj1" fmla="val 39181"/>
-              <a:gd name="adj2" fmla="val 61505"/>
-            </a:avLst>
-          </a:prstGeom>
-          <a:solidFill>
-            <a:schemeClr val="accent1"/>
-          </a:solidFill>
-          <a:ln>
-            <a:noFill/>
-          </a:ln>
-          <a:effectLst/>
-        </p:spPr>
-        <p:style>
-          <a:lnRef idx="2">
-            <a:schemeClr val="accent1">
-              <a:shade val="50000"/>
-            </a:schemeClr>
-          </a:lnRef>
-          <a:fillRef idx="1">
-            <a:schemeClr val="accent1"/>
-          </a:fillRef>
-          <a:effectRef idx="0">
-            <a:schemeClr val="accent1"/>
-          </a:effectRef>
-          <a:fontRef idx="minor">
-            <a:schemeClr val="lt1"/>
-          </a:fontRef>
-        </p:style>
-        <p:txBody>
-          <a:bodyPr rtlCol="0" anchor="ctr"/>
-          <a:lstStyle/>
-          <a:p>
-            <a:pPr algn="ctr"/>
-            <a:endParaRPr lang="fr-FR" sz="1100" dirty="0">
-              <a:solidFill>
-                <a:srgbClr val="002060"/>
-              </a:solidFill>
-              <a:latin typeface="Arial" panose="020B0604020202020204" pitchFamily="34" charset="0"/>
-              <a:cs typeface="Arial" panose="020B0604020202020204" pitchFamily="34" charset="0"/>
-            </a:endParaRPr>
-          </a:p>
-        </p:txBody>
-      </p:sp>
-      <p:cxnSp>
-        <p:nvCxnSpPr>
-          <p:cNvPr id="270" name="Straight Connector 269">
-            <a:extLst>
-              <a:ext uri="{FF2B5EF4-FFF2-40B4-BE49-F238E27FC236}">
-                <a16:creationId xmlns:a16="http://schemas.microsoft.com/office/drawing/2014/main" id="{CC4903E4-8DD5-4797-8DD2-1EEDB990F97E}"/>
-              </a:ext>
-            </a:extLst>
-          </p:cNvPr>
-          <p:cNvCxnSpPr>
-            <a:cxnSpLocks/>
-            <a:stCxn id="216" idx="6"/>
-            <a:endCxn id="184" idx="2"/>
-          </p:cNvCxnSpPr>
-          <p:nvPr/>
-        </p:nvCxnSpPr>
-        <p:spPr>
-          <a:xfrm flipV="1">
-            <a:off x="1778445" y="1769263"/>
-            <a:ext cx="1375010" cy="9144"/>
-          </a:xfrm>
-          <a:prstGeom prst="line">
-            <a:avLst/>
-          </a:prstGeom>
-          <a:ln w="38100">
-            <a:solidFill>
-              <a:schemeClr val="accent4"/>
-            </a:solidFill>
-          </a:ln>
-        </p:spPr>
-        <p:style>
-          <a:lnRef idx="1">
-            <a:schemeClr val="accent1"/>
-          </a:lnRef>
-          <a:fillRef idx="0">
-            <a:schemeClr val="accent1"/>
-          </a:fillRef>
-          <a:effectRef idx="0">
-            <a:schemeClr val="accent1"/>
-          </a:effectRef>
-          <a:fontRef idx="minor">
-            <a:schemeClr val="tx1"/>
-          </a:fontRef>
-        </p:style>
-      </p:cxnSp>
-      <p:sp>
-        <p:nvSpPr>
           <p:cNvPr id="275" name="Content Placeholder 2">
             <a:extLst>
               <a:ext uri="{FF2B5EF4-FFF2-40B4-BE49-F238E27FC236}">
@@ -9883,7 +9547,7 @@
         </p:nvSpPr>
         <p:spPr>
           <a:xfrm>
-            <a:off x="534103" y="2684799"/>
+            <a:off x="263753" y="2855092"/>
             <a:ext cx="4215984" cy="1052161"/>
           </a:xfrm>
           <a:prstGeom prst="rect">
@@ -10171,132 +9835,123 @@
           </a:p>
         </p:txBody>
       </p:sp>
-      <p:pic>
-        <p:nvPicPr>
-          <p:cNvPr id="2" name="Picture 1">
+      <p:grpSp>
+        <p:nvGrpSpPr>
+          <p:cNvPr id="4" name="Group 3">
             <a:extLst>
               <a:ext uri="{FF2B5EF4-FFF2-40B4-BE49-F238E27FC236}">
-                <a16:creationId xmlns:a16="http://schemas.microsoft.com/office/drawing/2014/main" id="{7637C330-061A-4D11-B791-663C35AE8884}"/>
+                <a16:creationId xmlns:a16="http://schemas.microsoft.com/office/drawing/2014/main" id="{CC66D231-DFDE-B245-9DAE-F4DE54F00B9C}"/>
               </a:ext>
             </a:extLst>
           </p:cNvPr>
-          <p:cNvPicPr>
-            <a:picLocks noChangeAspect="1"/>
-          </p:cNvPicPr>
+          <p:cNvGrpSpPr/>
           <p:nvPr/>
-        </p:nvPicPr>
-        <p:blipFill>
-          <a:blip r:embed="rId3"/>
-          <a:stretch>
-            <a:fillRect/>
-          </a:stretch>
-        </p:blipFill>
-        <p:spPr>
+        </p:nvGrpSpPr>
+        <p:grpSpPr>
           <a:xfrm>
-            <a:off x="961130" y="1998896"/>
-            <a:ext cx="1858270" cy="260231"/>
+            <a:off x="609600" y="1370283"/>
+            <a:ext cx="3197281" cy="1205207"/>
+            <a:chOff x="668281" y="1243986"/>
+            <a:chExt cx="3197281" cy="1205207"/>
           </a:xfrm>
-          <a:prstGeom prst="rect">
-            <a:avLst/>
-          </a:prstGeom>
-        </p:spPr>
-      </p:pic>
-      <p:pic>
-        <p:nvPicPr>
-          <p:cNvPr id="3" name="Picture 2">
-            <a:extLst>
-              <a:ext uri="{FF2B5EF4-FFF2-40B4-BE49-F238E27FC236}">
-                <a16:creationId xmlns:a16="http://schemas.microsoft.com/office/drawing/2014/main" id="{D1EDEA6A-B814-4903-B375-7ACD7A460DE8}"/>
-              </a:ext>
-            </a:extLst>
-          </p:cNvPr>
-          <p:cNvPicPr>
-            <a:picLocks noChangeAspect="1"/>
-          </p:cNvPicPr>
-          <p:nvPr/>
-        </p:nvPicPr>
-        <p:blipFill>
-          <a:blip r:embed="rId4"/>
-          <a:stretch>
-            <a:fillRect/>
-          </a:stretch>
-        </p:blipFill>
-        <p:spPr>
-          <a:xfrm>
-            <a:off x="2085419" y="1280835"/>
-            <a:ext cx="1771035" cy="268339"/>
-          </a:xfrm>
-          <a:prstGeom prst="rect">
-            <a:avLst/>
-          </a:prstGeom>
-        </p:spPr>
-      </p:pic>
-      <p:sp>
-        <p:nvSpPr>
-          <p:cNvPr id="33" name="Rounded Rectangular Callout 27">
-            <a:extLst>
-              <a:ext uri="{FF2B5EF4-FFF2-40B4-BE49-F238E27FC236}">
-                <a16:creationId xmlns:a16="http://schemas.microsoft.com/office/drawing/2014/main" id="{5B66A804-559C-44DA-9263-5AAB6E584282}"/>
-              </a:ext>
-            </a:extLst>
-          </p:cNvPr>
-          <p:cNvSpPr/>
-          <p:nvPr/>
-        </p:nvSpPr>
-        <p:spPr bwMode="auto">
-          <a:xfrm>
-            <a:off x="3014860" y="2225740"/>
-            <a:ext cx="807377" cy="260302"/>
-          </a:xfrm>
-          <a:prstGeom prst="wedgeRoundRectCallout">
-            <a:avLst>
-              <a:gd name="adj1" fmla="val -33284"/>
-              <a:gd name="adj2" fmla="val -225175"/>
-              <a:gd name="adj3" fmla="val 16667"/>
-            </a:avLst>
-          </a:prstGeom>
-          <a:solidFill>
-            <a:srgbClr val="FFFFFF">
-              <a:lumMod val="95000"/>
-            </a:srgbClr>
-          </a:solidFill>
-          <a:ln w="9525" cap="flat" cmpd="sng" algn="ctr">
-            <a:noFill/>
-            <a:prstDash val="solid"/>
-            <a:round/>
-            <a:headEnd type="none" w="med" len="med"/>
-            <a:tailEnd type="none" w="med" len="med"/>
-          </a:ln>
-          <a:effectLst/>
-        </p:spPr>
-        <p:txBody>
-          <a:bodyPr vert="horz" wrap="none" lIns="82124" tIns="41061" rIns="82124" bIns="41061" numCol="1" rtlCol="0" anchor="ctr" anchorCtr="0" compatLnSpc="1">
-            <a:prstTxWarp prst="textNoShape">
-              <a:avLst/>
-            </a:prstTxWarp>
-            <a:spAutoFit/>
-          </a:bodyPr>
-          <a:lstStyle/>
-          <a:p>
-            <a:pPr marL="0" marR="0" lvl="0" indent="0" algn="ctr" defTabSz="814388" eaLnBrk="0" fontAlgn="auto" latinLnBrk="0" hangingPunct="0">
-              <a:lnSpc>
-                <a:spcPct val="90000"/>
-              </a:lnSpc>
-              <a:spcBef>
-                <a:spcPts val="0"/>
-              </a:spcBef>
-              <a:spcAft>
-                <a:spcPts val="0"/>
-              </a:spcAft>
-              <a:buClrTx/>
-              <a:buSzTx/>
-              <a:buFontTx/>
-              <a:buNone/>
-              <a:tabLst/>
-              <a:defRPr/>
-            </a:pPr>
-            <a:r>
-              <a:rPr kumimoji="0" lang="en-US" sz="1100" u="none" strike="noStrike" kern="0" cap="none" spc="0" normalizeH="0" baseline="0" noProof="0" dirty="0">
+        </p:grpSpPr>
+        <p:sp>
+          <p:nvSpPr>
+            <p:cNvPr id="32" name="Rounded Rectangular Callout 27">
+              <a:extLst>
+                <a:ext uri="{FF2B5EF4-FFF2-40B4-BE49-F238E27FC236}">
+                  <a16:creationId xmlns:a16="http://schemas.microsoft.com/office/drawing/2014/main" id="{CBAA138F-2CEA-4473-835A-18AEC15829E1}"/>
+                </a:ext>
+              </a:extLst>
+            </p:cNvPr>
+            <p:cNvSpPr/>
+            <p:nvPr/>
+          </p:nvSpPr>
+          <p:spPr bwMode="auto">
+            <a:xfrm>
+              <a:off x="1369664" y="2187658"/>
+              <a:ext cx="807377" cy="260302"/>
+            </a:xfrm>
+            <a:prstGeom prst="wedgeRoundRectCallout">
+              <a:avLst>
+                <a:gd name="adj1" fmla="val -33284"/>
+                <a:gd name="adj2" fmla="val -225175"/>
+                <a:gd name="adj3" fmla="val 16667"/>
+              </a:avLst>
+            </a:prstGeom>
+            <a:solidFill>
+              <a:srgbClr val="FFFFFF">
+                <a:lumMod val="95000"/>
+              </a:srgbClr>
+            </a:solidFill>
+            <a:ln w="9525" cap="flat" cmpd="sng" algn="ctr">
+              <a:noFill/>
+              <a:prstDash val="solid"/>
+              <a:round/>
+              <a:headEnd type="none" w="med" len="med"/>
+              <a:tailEnd type="none" w="med" len="med"/>
+            </a:ln>
+            <a:effectLst/>
+          </p:spPr>
+          <p:txBody>
+            <a:bodyPr vert="horz" wrap="none" lIns="82124" tIns="41061" rIns="82124" bIns="41061" numCol="1" rtlCol="0" anchor="ctr" anchorCtr="0" compatLnSpc="1">
+              <a:prstTxWarp prst="textNoShape">
+                <a:avLst/>
+              </a:prstTxWarp>
+              <a:spAutoFit/>
+            </a:bodyPr>
+            <a:lstStyle/>
+            <a:p>
+              <a:pPr marL="0" marR="0" lvl="0" indent="0" algn="ctr" defTabSz="814388" eaLnBrk="0" fontAlgn="auto" latinLnBrk="0" hangingPunct="0">
+                <a:lnSpc>
+                  <a:spcPct val="90000"/>
+                </a:lnSpc>
+                <a:spcBef>
+                  <a:spcPts val="0"/>
+                </a:spcBef>
+                <a:spcAft>
+                  <a:spcPts val="0"/>
+                </a:spcAft>
+                <a:buClrTx/>
+                <a:buSzTx/>
+                <a:buFontTx/>
+                <a:buNone/>
+                <a:tabLst/>
+                <a:defRPr/>
+              </a:pPr>
+              <a:r>
+                <a:rPr kumimoji="0" lang="en-US" sz="1100" u="none" strike="noStrike" kern="0" cap="none" spc="0" normalizeH="0" baseline="0" noProof="0" dirty="0">
+                  <a:ln>
+                    <a:noFill/>
+                  </a:ln>
+                  <a:solidFill>
+                    <a:srgbClr val="002060"/>
+                  </a:solidFill>
+                  <a:effectLst/>
+                  <a:uLnTx/>
+                  <a:uFillTx/>
+                  <a:latin typeface="Arial" panose="020B0604020202020204" pitchFamily="34" charset="0"/>
+                  <a:cs typeface="Arial" panose="020B0604020202020204" pitchFamily="34" charset="0"/>
+                </a:rPr>
+                <a:t>Counter</a:t>
+              </a:r>
+              <a:r>
+                <a:rPr kumimoji="0" lang="en-US" sz="1100" u="none" strike="noStrike" kern="0" cap="none" spc="0" normalizeH="0" noProof="0" dirty="0">
+                  <a:ln>
+                    <a:noFill/>
+                  </a:ln>
+                  <a:solidFill>
+                    <a:srgbClr val="002060"/>
+                  </a:solidFill>
+                  <a:effectLst/>
+                  <a:uLnTx/>
+                  <a:uFillTx/>
+                  <a:latin typeface="Arial" panose="020B0604020202020204" pitchFamily="34" charset="0"/>
+                  <a:cs typeface="Arial" panose="020B0604020202020204" pitchFamily="34" charset="0"/>
+                </a:rPr>
+                <a:t> 1</a:t>
+              </a:r>
+              <a:endParaRPr kumimoji="0" lang="en-US" sz="1100" u="none" strike="noStrike" kern="0" cap="none" spc="0" normalizeH="0" baseline="0" noProof="0" dirty="0">
                 <a:ln>
                   <a:noFill/>
                 </a:ln>
@@ -10308,11 +9963,402 @@
                 <a:uFillTx/>
                 <a:latin typeface="Arial" panose="020B0604020202020204" pitchFamily="34" charset="0"/>
                 <a:cs typeface="Arial" panose="020B0604020202020204" pitchFamily="34" charset="0"/>
-              </a:rPr>
-              <a:t>Counter</a:t>
-            </a:r>
-            <a:r>
-              <a:rPr kumimoji="0" lang="en-US" sz="1100" u="none" strike="noStrike" kern="0" cap="none" spc="0" normalizeH="0" noProof="0" dirty="0">
+              </a:endParaRPr>
+            </a:p>
+          </p:txBody>
+        </p:sp>
+        <p:sp>
+          <p:nvSpPr>
+            <p:cNvPr id="184" name="Oval 183">
+              <a:extLst>
+                <a:ext uri="{FF2B5EF4-FFF2-40B4-BE49-F238E27FC236}">
+                  <a16:creationId xmlns:a16="http://schemas.microsoft.com/office/drawing/2014/main" id="{368C06FA-081C-49D7-9C77-0D814D62D5F5}"/>
+                </a:ext>
+              </a:extLst>
+            </p:cNvPr>
+            <p:cNvSpPr/>
+            <p:nvPr/>
+          </p:nvSpPr>
+          <p:spPr>
+            <a:xfrm>
+              <a:off x="2883105" y="1622686"/>
+              <a:ext cx="219456" cy="219456"/>
+            </a:xfrm>
+            <a:prstGeom prst="ellipse">
+              <a:avLst/>
+            </a:prstGeom>
+            <a:noFill/>
+            <a:ln w="38100">
+              <a:solidFill>
+                <a:schemeClr val="accent2"/>
+              </a:solidFill>
+              <a:headEnd type="none" w="med" len="med"/>
+              <a:tailEnd type="triangle" w="med" len="med"/>
+            </a:ln>
+            <a:effectLst/>
+          </p:spPr>
+          <p:style>
+            <a:lnRef idx="2">
+              <a:schemeClr val="accent1">
+                <a:shade val="50000"/>
+              </a:schemeClr>
+            </a:lnRef>
+            <a:fillRef idx="1">
+              <a:schemeClr val="accent1"/>
+            </a:fillRef>
+            <a:effectRef idx="0">
+              <a:schemeClr val="accent1"/>
+            </a:effectRef>
+            <a:fontRef idx="minor">
+              <a:schemeClr val="lt1"/>
+            </a:fontRef>
+          </p:style>
+          <p:txBody>
+            <a:bodyPr lIns="0" tIns="0" rIns="0" bIns="0" rtlCol="0" anchor="ctr"/>
+            <a:lstStyle/>
+            <a:p>
+              <a:pPr algn="ctr"/>
+              <a:r>
+                <a:rPr lang="fr-FR" sz="1100" dirty="0">
+                  <a:solidFill>
+                    <a:srgbClr val="002060"/>
+                  </a:solidFill>
+                  <a:latin typeface="Arial" panose="020B0604020202020204" pitchFamily="34" charset="0"/>
+                  <a:cs typeface="Arial" panose="020B0604020202020204" pitchFamily="34" charset="0"/>
+                </a:rPr>
+                <a:t>2</a:t>
+              </a:r>
+            </a:p>
+          </p:txBody>
+        </p:sp>
+        <p:sp>
+          <p:nvSpPr>
+            <p:cNvPr id="216" name="Oval 215">
+              <a:extLst>
+                <a:ext uri="{FF2B5EF4-FFF2-40B4-BE49-F238E27FC236}">
+                  <a16:creationId xmlns:a16="http://schemas.microsoft.com/office/drawing/2014/main" id="{FA350B2C-B724-4674-97E3-2CF0AF13068D}"/>
+                </a:ext>
+              </a:extLst>
+            </p:cNvPr>
+            <p:cNvSpPr/>
+            <p:nvPr/>
+          </p:nvSpPr>
+          <p:spPr>
+            <a:xfrm>
+              <a:off x="1288639" y="1631830"/>
+              <a:ext cx="219456" cy="219456"/>
+            </a:xfrm>
+            <a:prstGeom prst="ellipse">
+              <a:avLst/>
+            </a:prstGeom>
+            <a:noFill/>
+            <a:ln w="38100">
+              <a:solidFill>
+                <a:schemeClr val="accent2"/>
+              </a:solidFill>
+              <a:headEnd type="none" w="med" len="med"/>
+              <a:tailEnd type="triangle" w="med" len="med"/>
+            </a:ln>
+            <a:effectLst/>
+          </p:spPr>
+          <p:style>
+            <a:lnRef idx="2">
+              <a:schemeClr val="accent1">
+                <a:shade val="50000"/>
+              </a:schemeClr>
+            </a:lnRef>
+            <a:fillRef idx="1">
+              <a:schemeClr val="accent1"/>
+            </a:fillRef>
+            <a:effectRef idx="0">
+              <a:schemeClr val="accent1"/>
+            </a:effectRef>
+            <a:fontRef idx="minor">
+              <a:schemeClr val="lt1"/>
+            </a:fontRef>
+          </p:style>
+          <p:txBody>
+            <a:bodyPr lIns="0" tIns="0" rIns="0" bIns="0" rtlCol="0" anchor="ctr"/>
+            <a:lstStyle/>
+            <a:p>
+              <a:pPr algn="ctr"/>
+              <a:r>
+                <a:rPr lang="fr-FR" sz="1100" dirty="0">
+                  <a:solidFill>
+                    <a:srgbClr val="002060"/>
+                  </a:solidFill>
+                  <a:latin typeface="Arial" panose="020B0604020202020204" pitchFamily="34" charset="0"/>
+                  <a:cs typeface="Arial" panose="020B0604020202020204" pitchFamily="34" charset="0"/>
+                </a:rPr>
+                <a:t>1</a:t>
+              </a:r>
+            </a:p>
+          </p:txBody>
+        </p:sp>
+        <p:sp>
+          <p:nvSpPr>
+            <p:cNvPr id="261" name="Down Arrow 84">
+              <a:extLst>
+                <a:ext uri="{FF2B5EF4-FFF2-40B4-BE49-F238E27FC236}">
+                  <a16:creationId xmlns:a16="http://schemas.microsoft.com/office/drawing/2014/main" id="{5ED5220D-7439-4496-8A23-28A6BFD05925}"/>
+                </a:ext>
+              </a:extLst>
+            </p:cNvPr>
+            <p:cNvSpPr/>
+            <p:nvPr/>
+          </p:nvSpPr>
+          <p:spPr>
+            <a:xfrm rot="16200000">
+              <a:off x="1672437" y="1702502"/>
+              <a:ext cx="125006" cy="326374"/>
+            </a:xfrm>
+            <a:prstGeom prst="downArrow">
+              <a:avLst>
+                <a:gd name="adj1" fmla="val 39181"/>
+                <a:gd name="adj2" fmla="val 61505"/>
+              </a:avLst>
+            </a:prstGeom>
+            <a:solidFill>
+              <a:schemeClr val="accent1"/>
+            </a:solidFill>
+            <a:ln>
+              <a:noFill/>
+            </a:ln>
+            <a:effectLst/>
+          </p:spPr>
+          <p:style>
+            <a:lnRef idx="2">
+              <a:schemeClr val="accent1">
+                <a:shade val="50000"/>
+              </a:schemeClr>
+            </a:lnRef>
+            <a:fillRef idx="1">
+              <a:schemeClr val="accent1"/>
+            </a:fillRef>
+            <a:effectRef idx="0">
+              <a:schemeClr val="accent1"/>
+            </a:effectRef>
+            <a:fontRef idx="minor">
+              <a:schemeClr val="lt1"/>
+            </a:fontRef>
+          </p:style>
+          <p:txBody>
+            <a:bodyPr rtlCol="0" anchor="ctr"/>
+            <a:lstStyle/>
+            <a:p>
+              <a:pPr algn="ctr"/>
+              <a:endParaRPr lang="fr-FR" sz="1100" dirty="0">
+                <a:solidFill>
+                  <a:srgbClr val="002060"/>
+                </a:solidFill>
+                <a:latin typeface="Arial" panose="020B0604020202020204" pitchFamily="34" charset="0"/>
+                <a:cs typeface="Arial" panose="020B0604020202020204" pitchFamily="34" charset="0"/>
+              </a:endParaRPr>
+            </a:p>
+          </p:txBody>
+        </p:sp>
+        <p:cxnSp>
+          <p:nvCxnSpPr>
+            <p:cNvPr id="270" name="Straight Connector 269">
+              <a:extLst>
+                <a:ext uri="{FF2B5EF4-FFF2-40B4-BE49-F238E27FC236}">
+                  <a16:creationId xmlns:a16="http://schemas.microsoft.com/office/drawing/2014/main" id="{CC4903E4-8DD5-4797-8DD2-1EEDB990F97E}"/>
+                </a:ext>
+              </a:extLst>
+            </p:cNvPr>
+            <p:cNvCxnSpPr>
+              <a:cxnSpLocks/>
+              <a:stCxn id="216" idx="6"/>
+              <a:endCxn id="184" idx="2"/>
+            </p:cNvCxnSpPr>
+            <p:nvPr/>
+          </p:nvCxnSpPr>
+          <p:spPr>
+            <a:xfrm flipV="1">
+              <a:off x="1508095" y="1732414"/>
+              <a:ext cx="1375010" cy="9144"/>
+            </a:xfrm>
+            <a:prstGeom prst="line">
+              <a:avLst/>
+            </a:prstGeom>
+            <a:ln w="38100">
+              <a:solidFill>
+                <a:schemeClr val="accent4"/>
+              </a:solidFill>
+            </a:ln>
+          </p:spPr>
+          <p:style>
+            <a:lnRef idx="1">
+              <a:schemeClr val="accent1"/>
+            </a:lnRef>
+            <a:fillRef idx="0">
+              <a:schemeClr val="accent1"/>
+            </a:fillRef>
+            <a:effectRef idx="0">
+              <a:schemeClr val="accent1"/>
+            </a:effectRef>
+            <a:fontRef idx="minor">
+              <a:schemeClr val="tx1"/>
+            </a:fontRef>
+          </p:style>
+        </p:cxnSp>
+        <p:pic>
+          <p:nvPicPr>
+            <p:cNvPr id="2" name="Picture 1">
+              <a:extLst>
+                <a:ext uri="{FF2B5EF4-FFF2-40B4-BE49-F238E27FC236}">
+                  <a16:creationId xmlns:a16="http://schemas.microsoft.com/office/drawing/2014/main" id="{7637C330-061A-4D11-B791-663C35AE8884}"/>
+                </a:ext>
+              </a:extLst>
+            </p:cNvPr>
+            <p:cNvPicPr>
+              <a:picLocks noChangeAspect="1"/>
+            </p:cNvPicPr>
+            <p:nvPr/>
+          </p:nvPicPr>
+          <p:blipFill>
+            <a:blip r:embed="rId3"/>
+            <a:stretch>
+              <a:fillRect/>
+            </a:stretch>
+          </p:blipFill>
+          <p:spPr>
+            <a:xfrm>
+              <a:off x="690780" y="1962047"/>
+              <a:ext cx="1858270" cy="260231"/>
+            </a:xfrm>
+            <a:prstGeom prst="rect">
+              <a:avLst/>
+            </a:prstGeom>
+          </p:spPr>
+        </p:pic>
+        <p:pic>
+          <p:nvPicPr>
+            <p:cNvPr id="3" name="Picture 2">
+              <a:extLst>
+                <a:ext uri="{FF2B5EF4-FFF2-40B4-BE49-F238E27FC236}">
+                  <a16:creationId xmlns:a16="http://schemas.microsoft.com/office/drawing/2014/main" id="{D1EDEA6A-B814-4903-B375-7ACD7A460DE8}"/>
+                </a:ext>
+              </a:extLst>
+            </p:cNvPr>
+            <p:cNvPicPr>
+              <a:picLocks noChangeAspect="1"/>
+            </p:cNvPicPr>
+            <p:nvPr/>
+          </p:nvPicPr>
+          <p:blipFill>
+            <a:blip r:embed="rId4"/>
+            <a:stretch>
+              <a:fillRect/>
+            </a:stretch>
+          </p:blipFill>
+          <p:spPr>
+            <a:xfrm>
+              <a:off x="1815069" y="1243986"/>
+              <a:ext cx="1771035" cy="268339"/>
+            </a:xfrm>
+            <a:prstGeom prst="rect">
+              <a:avLst/>
+            </a:prstGeom>
+          </p:spPr>
+        </p:pic>
+        <p:sp>
+          <p:nvSpPr>
+            <p:cNvPr id="33" name="Rounded Rectangular Callout 27">
+              <a:extLst>
+                <a:ext uri="{FF2B5EF4-FFF2-40B4-BE49-F238E27FC236}">
+                  <a16:creationId xmlns:a16="http://schemas.microsoft.com/office/drawing/2014/main" id="{5B66A804-559C-44DA-9263-5AAB6E584282}"/>
+                </a:ext>
+              </a:extLst>
+            </p:cNvPr>
+            <p:cNvSpPr/>
+            <p:nvPr/>
+          </p:nvSpPr>
+          <p:spPr bwMode="auto">
+            <a:xfrm>
+              <a:off x="2744510" y="2188891"/>
+              <a:ext cx="807377" cy="260302"/>
+            </a:xfrm>
+            <a:prstGeom prst="wedgeRoundRectCallout">
+              <a:avLst>
+                <a:gd name="adj1" fmla="val -33284"/>
+                <a:gd name="adj2" fmla="val -225175"/>
+                <a:gd name="adj3" fmla="val 16667"/>
+              </a:avLst>
+            </a:prstGeom>
+            <a:solidFill>
+              <a:srgbClr val="FFFFFF">
+                <a:lumMod val="95000"/>
+              </a:srgbClr>
+            </a:solidFill>
+            <a:ln w="9525" cap="flat" cmpd="sng" algn="ctr">
+              <a:noFill/>
+              <a:prstDash val="solid"/>
+              <a:round/>
+              <a:headEnd type="none" w="med" len="med"/>
+              <a:tailEnd type="none" w="med" len="med"/>
+            </a:ln>
+            <a:effectLst/>
+          </p:spPr>
+          <p:txBody>
+            <a:bodyPr vert="horz" wrap="none" lIns="82124" tIns="41061" rIns="82124" bIns="41061" numCol="1" rtlCol="0" anchor="ctr" anchorCtr="0" compatLnSpc="1">
+              <a:prstTxWarp prst="textNoShape">
+                <a:avLst/>
+              </a:prstTxWarp>
+              <a:spAutoFit/>
+            </a:bodyPr>
+            <a:lstStyle/>
+            <a:p>
+              <a:pPr marL="0" marR="0" lvl="0" indent="0" algn="ctr" defTabSz="814388" eaLnBrk="0" fontAlgn="auto" latinLnBrk="0" hangingPunct="0">
+                <a:lnSpc>
+                  <a:spcPct val="90000"/>
+                </a:lnSpc>
+                <a:spcBef>
+                  <a:spcPts val="0"/>
+                </a:spcBef>
+                <a:spcAft>
+                  <a:spcPts val="0"/>
+                </a:spcAft>
+                <a:buClrTx/>
+                <a:buSzTx/>
+                <a:buFontTx/>
+                <a:buNone/>
+                <a:tabLst/>
+                <a:defRPr/>
+              </a:pPr>
+              <a:r>
+                <a:rPr kumimoji="0" lang="en-US" sz="1100" u="none" strike="noStrike" kern="0" cap="none" spc="0" normalizeH="0" baseline="0" noProof="0" dirty="0">
+                  <a:ln>
+                    <a:noFill/>
+                  </a:ln>
+                  <a:solidFill>
+                    <a:srgbClr val="002060"/>
+                  </a:solidFill>
+                  <a:effectLst/>
+                  <a:uLnTx/>
+                  <a:uFillTx/>
+                  <a:latin typeface="Arial" panose="020B0604020202020204" pitchFamily="34" charset="0"/>
+                  <a:cs typeface="Arial" panose="020B0604020202020204" pitchFamily="34" charset="0"/>
+                </a:rPr>
+                <a:t>Counter</a:t>
+              </a:r>
+              <a:r>
+                <a:rPr kumimoji="0" lang="en-US" sz="1100" u="none" strike="noStrike" kern="0" cap="none" spc="0" normalizeH="0" noProof="0" dirty="0">
+                  <a:ln>
+                    <a:noFill/>
+                  </a:ln>
+                  <a:solidFill>
+                    <a:srgbClr val="002060"/>
+                  </a:solidFill>
+                  <a:effectLst/>
+                  <a:uLnTx/>
+                  <a:uFillTx/>
+                  <a:latin typeface="Arial" panose="020B0604020202020204" pitchFamily="34" charset="0"/>
+                  <a:cs typeface="Arial" panose="020B0604020202020204" pitchFamily="34" charset="0"/>
+                </a:rPr>
+                <a:t> 2</a:t>
+              </a:r>
+              <a:endParaRPr kumimoji="0" lang="en-US" sz="1100" u="none" strike="noStrike" kern="0" cap="none" spc="0" normalizeH="0" baseline="0" noProof="0" dirty="0">
                 <a:ln>
                   <a:noFill/>
                 </a:ln>
@@ -10324,263 +10370,249 @@
                 <a:uFillTx/>
                 <a:latin typeface="Arial" panose="020B0604020202020204" pitchFamily="34" charset="0"/>
                 <a:cs typeface="Arial" panose="020B0604020202020204" pitchFamily="34" charset="0"/>
-              </a:rPr>
-              <a:t> 2</a:t>
-            </a:r>
-            <a:endParaRPr kumimoji="0" lang="en-US" sz="1100" u="none" strike="noStrike" kern="0" cap="none" spc="0" normalizeH="0" baseline="0" noProof="0" dirty="0">
-              <a:ln>
-                <a:noFill/>
-              </a:ln>
-              <a:solidFill>
-                <a:srgbClr val="002060"/>
-              </a:solidFill>
-              <a:effectLst/>
-              <a:uLnTx/>
-              <a:uFillTx/>
-              <a:latin typeface="Arial" panose="020B0604020202020204" pitchFamily="34" charset="0"/>
-              <a:cs typeface="Arial" panose="020B0604020202020204" pitchFamily="34" charset="0"/>
-            </a:endParaRPr>
-          </a:p>
-        </p:txBody>
-      </p:sp>
-      <p:sp>
-        <p:nvSpPr>
-          <p:cNvPr id="34" name="TextBox 33">
-            <a:extLst>
-              <a:ext uri="{FF2B5EF4-FFF2-40B4-BE49-F238E27FC236}">
-                <a16:creationId xmlns:a16="http://schemas.microsoft.com/office/drawing/2014/main" id="{9726C513-7470-4B7E-A306-AF186112A1AA}"/>
-              </a:ext>
-            </a:extLst>
-          </p:cNvPr>
-          <p:cNvSpPr txBox="1"/>
-          <p:nvPr/>
-        </p:nvSpPr>
-        <p:spPr>
-          <a:xfrm>
-            <a:off x="2939802" y="1390336"/>
-            <a:ext cx="381048" cy="261610"/>
-          </a:xfrm>
-          <a:prstGeom prst="rect">
-            <a:avLst/>
-          </a:prstGeom>
-          <a:noFill/>
-          <a:ln>
+              </a:endParaRPr>
+            </a:p>
+          </p:txBody>
+        </p:sp>
+        <p:sp>
+          <p:nvSpPr>
+            <p:cNvPr id="34" name="TextBox 33">
+              <a:extLst>
+                <a:ext uri="{FF2B5EF4-FFF2-40B4-BE49-F238E27FC236}">
+                  <a16:creationId xmlns:a16="http://schemas.microsoft.com/office/drawing/2014/main" id="{9726C513-7470-4B7E-A306-AF186112A1AA}"/>
+                </a:ext>
+              </a:extLst>
+            </p:cNvPr>
+            <p:cNvSpPr txBox="1"/>
+            <p:nvPr/>
+          </p:nvSpPr>
+          <p:spPr>
+            <a:xfrm>
+              <a:off x="2669452" y="1353487"/>
+              <a:ext cx="381048" cy="261610"/>
+            </a:xfrm>
+            <a:prstGeom prst="rect">
+              <a:avLst/>
+            </a:prstGeom>
             <a:noFill/>
-          </a:ln>
-        </p:spPr>
-        <p:txBody>
-          <a:bodyPr wrap="none" lIns="72000" rIns="72000" rtlCol="0">
-            <a:spAutoFit/>
-          </a:bodyPr>
-          <a:lstStyle/>
-          <a:p>
-            <a:r>
-              <a:rPr lang="en-US" sz="1100" dirty="0">
+            <a:ln>
+              <a:noFill/>
+            </a:ln>
+          </p:spPr>
+          <p:txBody>
+            <a:bodyPr wrap="none" lIns="72000" rIns="72000" rtlCol="0">
+              <a:spAutoFit/>
+            </a:bodyPr>
+            <a:lstStyle/>
+            <a:p>
+              <a:r>
+                <a:rPr lang="en-US" sz="1100" dirty="0">
+                  <a:solidFill>
+                    <a:srgbClr val="002060"/>
+                  </a:solidFill>
+                  <a:latin typeface="Arial" panose="020B0604020202020204" pitchFamily="34" charset="0"/>
+                  <a:cs typeface="Arial" panose="020B0604020202020204" pitchFamily="34" charset="0"/>
+                </a:rPr>
+                <a:t>HW</a:t>
+              </a:r>
+            </a:p>
+          </p:txBody>
+        </p:sp>
+        <p:sp>
+          <p:nvSpPr>
+            <p:cNvPr id="35" name="TextBox 34">
+              <a:extLst>
+                <a:ext uri="{FF2B5EF4-FFF2-40B4-BE49-F238E27FC236}">
+                  <a16:creationId xmlns:a16="http://schemas.microsoft.com/office/drawing/2014/main" id="{3A89D29B-E69E-4D8C-996E-D88AD5BCCE67}"/>
+                </a:ext>
+              </a:extLst>
+            </p:cNvPr>
+            <p:cNvSpPr txBox="1"/>
+            <p:nvPr/>
+          </p:nvSpPr>
+          <p:spPr>
+            <a:xfrm>
+              <a:off x="1399089" y="1353664"/>
+              <a:ext cx="381048" cy="261610"/>
+            </a:xfrm>
+            <a:prstGeom prst="rect">
+              <a:avLst/>
+            </a:prstGeom>
+            <a:noFill/>
+            <a:ln>
+              <a:noFill/>
+            </a:ln>
+          </p:spPr>
+          <p:txBody>
+            <a:bodyPr wrap="none" lIns="72000" rIns="72000" rtlCol="0">
+              <a:spAutoFit/>
+            </a:bodyPr>
+            <a:lstStyle/>
+            <a:p>
+              <a:r>
+                <a:rPr lang="en-US" sz="1100" dirty="0">
+                  <a:solidFill>
+                    <a:srgbClr val="002060"/>
+                  </a:solidFill>
+                  <a:latin typeface="Arial" panose="020B0604020202020204" pitchFamily="34" charset="0"/>
+                  <a:cs typeface="Arial" panose="020B0604020202020204" pitchFamily="34" charset="0"/>
+                </a:rPr>
+                <a:t>HW</a:t>
+              </a:r>
+            </a:p>
+          </p:txBody>
+        </p:sp>
+        <p:sp>
+          <p:nvSpPr>
+            <p:cNvPr id="31" name="TextBox 30">
+              <a:extLst>
+                <a:ext uri="{FF2B5EF4-FFF2-40B4-BE49-F238E27FC236}">
+                  <a16:creationId xmlns:a16="http://schemas.microsoft.com/office/drawing/2014/main" id="{E5804B2D-2257-F24C-8F26-69ECD9F3168B}"/>
+                </a:ext>
+              </a:extLst>
+            </p:cNvPr>
+            <p:cNvSpPr txBox="1"/>
+            <p:nvPr/>
+          </p:nvSpPr>
+          <p:spPr>
+            <a:xfrm>
+              <a:off x="668281" y="1596072"/>
+              <a:ext cx="600659" cy="261610"/>
+            </a:xfrm>
+            <a:prstGeom prst="rect">
+              <a:avLst/>
+            </a:prstGeom>
+            <a:noFill/>
+            <a:ln>
+              <a:noFill/>
+            </a:ln>
+          </p:spPr>
+          <p:txBody>
+            <a:bodyPr wrap="none" lIns="72000" rIns="72000" rtlCol="0">
+              <a:spAutoFit/>
+            </a:bodyPr>
+            <a:lstStyle/>
+            <a:p>
+              <a:r>
+                <a:rPr lang="en-US" sz="1100" dirty="0">
+                  <a:solidFill>
+                    <a:srgbClr val="002060"/>
+                  </a:solidFill>
+                  <a:latin typeface="Arial" panose="020B0604020202020204" pitchFamily="34" charset="0"/>
+                  <a:cs typeface="Arial" panose="020B0604020202020204" pitchFamily="34" charset="0"/>
+                </a:rPr>
+                <a:t>Sender</a:t>
+              </a:r>
+            </a:p>
+          </p:txBody>
+        </p:sp>
+        <p:sp>
+          <p:nvSpPr>
+            <p:cNvPr id="36" name="TextBox 35">
+              <a:extLst>
+                <a:ext uri="{FF2B5EF4-FFF2-40B4-BE49-F238E27FC236}">
+                  <a16:creationId xmlns:a16="http://schemas.microsoft.com/office/drawing/2014/main" id="{F2B171B4-8F2B-B348-BFD7-91DA8AD8E4E2}"/>
+                </a:ext>
+              </a:extLst>
+            </p:cNvPr>
+            <p:cNvSpPr txBox="1"/>
+            <p:nvPr/>
+          </p:nvSpPr>
+          <p:spPr>
+            <a:xfrm>
+              <a:off x="3155899" y="1596072"/>
+              <a:ext cx="709663" cy="261610"/>
+            </a:xfrm>
+            <a:prstGeom prst="rect">
+              <a:avLst/>
+            </a:prstGeom>
+            <a:noFill/>
+            <a:ln>
+              <a:noFill/>
+            </a:ln>
+          </p:spPr>
+          <p:txBody>
+            <a:bodyPr wrap="none" lIns="72000" rIns="72000" rtlCol="0">
+              <a:spAutoFit/>
+            </a:bodyPr>
+            <a:lstStyle/>
+            <a:p>
+              <a:r>
+                <a:rPr lang="en-US" sz="1100" dirty="0">
+                  <a:solidFill>
+                    <a:srgbClr val="002060"/>
+                  </a:solidFill>
+                  <a:latin typeface="Arial" panose="020B0604020202020204" pitchFamily="34" charset="0"/>
+                  <a:cs typeface="Arial" panose="020B0604020202020204" pitchFamily="34" charset="0"/>
+                </a:rPr>
+                <a:t>Reflector</a:t>
+              </a:r>
+            </a:p>
+          </p:txBody>
+        </p:sp>
+        <p:sp>
+          <p:nvSpPr>
+            <p:cNvPr id="38" name="Down Arrow 84">
+              <a:extLst>
+                <a:ext uri="{FF2B5EF4-FFF2-40B4-BE49-F238E27FC236}">
+                  <a16:creationId xmlns:a16="http://schemas.microsoft.com/office/drawing/2014/main" id="{4CF0B229-F560-3542-9B4B-4C0897B4C936}"/>
+                </a:ext>
+              </a:extLst>
+            </p:cNvPr>
+            <p:cNvSpPr/>
+            <p:nvPr/>
+          </p:nvSpPr>
+          <p:spPr>
+            <a:xfrm rot="5400000">
+              <a:off x="2634286" y="1976160"/>
+              <a:ext cx="125006" cy="326374"/>
+            </a:xfrm>
+            <a:prstGeom prst="downArrow">
+              <a:avLst>
+                <a:gd name="adj1" fmla="val 39181"/>
+                <a:gd name="adj2" fmla="val 61505"/>
+              </a:avLst>
+            </a:prstGeom>
+            <a:solidFill>
+              <a:schemeClr val="accent1"/>
+            </a:solidFill>
+            <a:ln>
+              <a:noFill/>
+            </a:ln>
+            <a:effectLst/>
+          </p:spPr>
+          <p:style>
+            <a:lnRef idx="2">
+              <a:schemeClr val="accent1">
+                <a:shade val="50000"/>
+              </a:schemeClr>
+            </a:lnRef>
+            <a:fillRef idx="1">
+              <a:schemeClr val="accent1"/>
+            </a:fillRef>
+            <a:effectRef idx="0">
+              <a:schemeClr val="accent1"/>
+            </a:effectRef>
+            <a:fontRef idx="minor">
+              <a:schemeClr val="lt1"/>
+            </a:fontRef>
+          </p:style>
+          <p:txBody>
+            <a:bodyPr rtlCol="0" anchor="ctr"/>
+            <a:lstStyle/>
+            <a:p>
+              <a:pPr algn="ctr"/>
+              <a:endParaRPr lang="fr-FR" sz="1100" dirty="0">
                 <a:solidFill>
                   <a:srgbClr val="002060"/>
                 </a:solidFill>
                 <a:latin typeface="Arial" panose="020B0604020202020204" pitchFamily="34" charset="0"/>
                 <a:cs typeface="Arial" panose="020B0604020202020204" pitchFamily="34" charset="0"/>
-              </a:rPr>
-              <a:t>HW</a:t>
-            </a:r>
-          </a:p>
-        </p:txBody>
-      </p:sp>
-      <p:sp>
-        <p:nvSpPr>
-          <p:cNvPr id="35" name="TextBox 34">
-            <a:extLst>
-              <a:ext uri="{FF2B5EF4-FFF2-40B4-BE49-F238E27FC236}">
-                <a16:creationId xmlns:a16="http://schemas.microsoft.com/office/drawing/2014/main" id="{3A89D29B-E69E-4D8C-996E-D88AD5BCCE67}"/>
-              </a:ext>
-            </a:extLst>
-          </p:cNvPr>
-          <p:cNvSpPr txBox="1"/>
-          <p:nvPr/>
-        </p:nvSpPr>
-        <p:spPr>
-          <a:xfrm>
-            <a:off x="1669439" y="1390513"/>
-            <a:ext cx="381048" cy="261610"/>
-          </a:xfrm>
-          <a:prstGeom prst="rect">
-            <a:avLst/>
-          </a:prstGeom>
-          <a:noFill/>
-          <a:ln>
-            <a:noFill/>
-          </a:ln>
-        </p:spPr>
-        <p:txBody>
-          <a:bodyPr wrap="none" lIns="72000" rIns="72000" rtlCol="0">
-            <a:spAutoFit/>
-          </a:bodyPr>
-          <a:lstStyle/>
-          <a:p>
-            <a:r>
-              <a:rPr lang="en-US" sz="1100" dirty="0">
-                <a:solidFill>
-                  <a:srgbClr val="002060"/>
-                </a:solidFill>
-                <a:latin typeface="Arial" panose="020B0604020202020204" pitchFamily="34" charset="0"/>
-                <a:cs typeface="Arial" panose="020B0604020202020204" pitchFamily="34" charset="0"/>
-              </a:rPr>
-              <a:t>HW</a:t>
-            </a:r>
-          </a:p>
-        </p:txBody>
-      </p:sp>
-      <p:sp>
-        <p:nvSpPr>
-          <p:cNvPr id="31" name="TextBox 30">
-            <a:extLst>
-              <a:ext uri="{FF2B5EF4-FFF2-40B4-BE49-F238E27FC236}">
-                <a16:creationId xmlns:a16="http://schemas.microsoft.com/office/drawing/2014/main" id="{E5804B2D-2257-F24C-8F26-69ECD9F3168B}"/>
-              </a:ext>
-            </a:extLst>
-          </p:cNvPr>
-          <p:cNvSpPr txBox="1"/>
-          <p:nvPr/>
-        </p:nvSpPr>
-        <p:spPr>
-          <a:xfrm>
-            <a:off x="938631" y="1632921"/>
-            <a:ext cx="600659" cy="261610"/>
-          </a:xfrm>
-          <a:prstGeom prst="rect">
-            <a:avLst/>
-          </a:prstGeom>
-          <a:noFill/>
-          <a:ln>
-            <a:noFill/>
-          </a:ln>
-        </p:spPr>
-        <p:txBody>
-          <a:bodyPr wrap="none" lIns="72000" rIns="72000" rtlCol="0">
-            <a:spAutoFit/>
-          </a:bodyPr>
-          <a:lstStyle/>
-          <a:p>
-            <a:r>
-              <a:rPr lang="en-US" sz="1100" dirty="0">
-                <a:solidFill>
-                  <a:srgbClr val="002060"/>
-                </a:solidFill>
-                <a:latin typeface="Arial" panose="020B0604020202020204" pitchFamily="34" charset="0"/>
-                <a:cs typeface="Arial" panose="020B0604020202020204" pitchFamily="34" charset="0"/>
-              </a:rPr>
-              <a:t>Sender</a:t>
-            </a:r>
-          </a:p>
-        </p:txBody>
-      </p:sp>
-      <p:sp>
-        <p:nvSpPr>
-          <p:cNvPr id="36" name="TextBox 35">
-            <a:extLst>
-              <a:ext uri="{FF2B5EF4-FFF2-40B4-BE49-F238E27FC236}">
-                <a16:creationId xmlns:a16="http://schemas.microsoft.com/office/drawing/2014/main" id="{F2B171B4-8F2B-B348-BFD7-91DA8AD8E4E2}"/>
-              </a:ext>
-            </a:extLst>
-          </p:cNvPr>
-          <p:cNvSpPr txBox="1"/>
-          <p:nvPr/>
-        </p:nvSpPr>
-        <p:spPr>
-          <a:xfrm>
-            <a:off x="3426249" y="1632921"/>
-            <a:ext cx="709663" cy="261610"/>
-          </a:xfrm>
-          <a:prstGeom prst="rect">
-            <a:avLst/>
-          </a:prstGeom>
-          <a:noFill/>
-          <a:ln>
-            <a:noFill/>
-          </a:ln>
-        </p:spPr>
-        <p:txBody>
-          <a:bodyPr wrap="none" lIns="72000" rIns="72000" rtlCol="0">
-            <a:spAutoFit/>
-          </a:bodyPr>
-          <a:lstStyle/>
-          <a:p>
-            <a:r>
-              <a:rPr lang="en-US" sz="1100" dirty="0">
-                <a:solidFill>
-                  <a:srgbClr val="002060"/>
-                </a:solidFill>
-                <a:latin typeface="Arial" panose="020B0604020202020204" pitchFamily="34" charset="0"/>
-                <a:cs typeface="Arial" panose="020B0604020202020204" pitchFamily="34" charset="0"/>
-              </a:rPr>
-              <a:t>Reflector</a:t>
-            </a:r>
-          </a:p>
-        </p:txBody>
-      </p:sp>
-      <p:sp>
-        <p:nvSpPr>
-          <p:cNvPr id="38" name="Down Arrow 84">
-            <a:extLst>
-              <a:ext uri="{FF2B5EF4-FFF2-40B4-BE49-F238E27FC236}">
-                <a16:creationId xmlns:a16="http://schemas.microsoft.com/office/drawing/2014/main" id="{4CF0B229-F560-3542-9B4B-4C0897B4C936}"/>
-              </a:ext>
-            </a:extLst>
-          </p:cNvPr>
-          <p:cNvSpPr/>
-          <p:nvPr/>
-        </p:nvSpPr>
-        <p:spPr>
-          <a:xfrm rot="5400000">
-            <a:off x="2904636" y="2013009"/>
-            <a:ext cx="125006" cy="326374"/>
-          </a:xfrm>
-          <a:prstGeom prst="downArrow">
-            <a:avLst>
-              <a:gd name="adj1" fmla="val 39181"/>
-              <a:gd name="adj2" fmla="val 61505"/>
-            </a:avLst>
-          </a:prstGeom>
-          <a:solidFill>
-            <a:schemeClr val="accent1"/>
-          </a:solidFill>
-          <a:ln>
-            <a:noFill/>
-          </a:ln>
-          <a:effectLst/>
-        </p:spPr>
-        <p:style>
-          <a:lnRef idx="2">
-            <a:schemeClr val="accent1">
-              <a:shade val="50000"/>
-            </a:schemeClr>
-          </a:lnRef>
-          <a:fillRef idx="1">
-            <a:schemeClr val="accent1"/>
-          </a:fillRef>
-          <a:effectRef idx="0">
-            <a:schemeClr val="accent1"/>
-          </a:effectRef>
-          <a:fontRef idx="minor">
-            <a:schemeClr val="lt1"/>
-          </a:fontRef>
-        </p:style>
-        <p:txBody>
-          <a:bodyPr rtlCol="0" anchor="ctr"/>
-          <a:lstStyle/>
-          <a:p>
-            <a:pPr algn="ctr"/>
-            <a:endParaRPr lang="fr-FR" sz="1100" dirty="0">
-              <a:solidFill>
-                <a:srgbClr val="002060"/>
-              </a:solidFill>
-              <a:latin typeface="Arial" panose="020B0604020202020204" pitchFamily="34" charset="0"/>
-              <a:cs typeface="Arial" panose="020B0604020202020204" pitchFamily="34" charset="0"/>
-            </a:endParaRPr>
-          </a:p>
-        </p:txBody>
-      </p:sp>
+              </a:endParaRPr>
+            </a:p>
+          </p:txBody>
+        </p:sp>
+      </p:grpSp>
       <p:sp>
         <p:nvSpPr>
           <p:cNvPr id="39" name="Text Placeholder 1">
@@ -10599,8 +10631,8 @@
         </p:nvSpPr>
         <p:spPr>
           <a:xfrm>
-            <a:off x="4957175" y="1632921"/>
-            <a:ext cx="3578944" cy="919804"/>
+            <a:off x="4695860" y="1632920"/>
+            <a:ext cx="4184387" cy="1180709"/>
           </a:xfrm>
         </p:spPr>
         <p:txBody>
@@ -10608,33 +10640,33 @@
           <a:lstStyle/>
           <a:p>
             <a:r>
-              <a:rPr lang="en-US" sz="1200" dirty="0"/>
+              <a:rPr lang="en-US" sz="1400" dirty="0"/>
               <a:t>Advertise extended TE metrics – link loss percentage</a:t>
             </a:r>
           </a:p>
           <a:p>
             <a:pPr lvl="1"/>
             <a:r>
-              <a:rPr lang="en-US" sz="1000" dirty="0"/>
+              <a:rPr lang="en-US" sz="1400" dirty="0"/>
               <a:t>RFC 8570 (IS-IS)</a:t>
             </a:r>
           </a:p>
           <a:p>
             <a:pPr lvl="1"/>
             <a:r>
-              <a:rPr lang="en-US" sz="1000" dirty="0"/>
+              <a:rPr lang="en-US" sz="1400" dirty="0"/>
               <a:t>RFC 7471 (OSPF)</a:t>
             </a:r>
           </a:p>
           <a:p>
             <a:pPr lvl="1"/>
             <a:r>
-              <a:rPr lang="en-US" sz="1000" dirty="0"/>
+              <a:rPr lang="en-US" sz="1400" dirty="0"/>
               <a:t>RFC 8571 (BGP-LS)</a:t>
             </a:r>
           </a:p>
           <a:p>
-            <a:endParaRPr lang="en-US" sz="1200" dirty="0"/>
+            <a:endParaRPr lang="en-US" sz="1400" dirty="0"/>
           </a:p>
         </p:txBody>
       </p:sp>
@@ -10652,7 +10684,7 @@
         </p:nvSpPr>
         <p:spPr>
           <a:xfrm>
-            <a:off x="4230756" y="3439180"/>
+            <a:off x="4230756" y="3551657"/>
             <a:ext cx="4649491" cy="923330"/>
           </a:xfrm>
           <a:prstGeom prst="rect">
@@ -10703,14 +10735,14 @@
               </a:tabLst>
             </a:pPr>
             <a:r>
-              <a:rPr lang="en-CA" sz="900" b="1" dirty="0">
+              <a:rPr lang="en-CA" sz="900" dirty="0">
                 <a:latin typeface="Courier" pitchFamily="2" charset="0"/>
                 <a:ea typeface="Times New Roman" panose="02020603050405020304" pitchFamily="18" charset="0"/>
                 <a:cs typeface="Times New Roman" panose="02020603050405020304" pitchFamily="18" charset="0"/>
               </a:rPr>
               <a:t>0 1 2 3 4 5 6 7 8 9 0 1 2 3 4 5 6 7 8 9 0 1 2 3 4 5 6 7 8 9 0 1</a:t>
             </a:r>
-            <a:endParaRPr lang="en-CA" sz="900" b="1" dirty="0">
+            <a:endParaRPr lang="en-CA" sz="900" dirty="0">
               <a:latin typeface="Courier" pitchFamily="2" charset="0"/>
               <a:ea typeface="Calibri" panose="020F0502020204030204" pitchFamily="34" charset="0"/>
               <a:cs typeface="Times New Roman" panose="02020603050405020304" pitchFamily="18" charset="0"/>
@@ -10741,14 +10773,14 @@
               </a:tabLst>
             </a:pPr>
             <a:r>
-              <a:rPr lang="en-CA" sz="900" b="1" dirty="0">
+              <a:rPr lang="en-CA" sz="900" dirty="0">
                 <a:latin typeface="Courier" pitchFamily="2" charset="0"/>
                 <a:ea typeface="Times New Roman" panose="02020603050405020304" pitchFamily="18" charset="0"/>
                 <a:cs typeface="Times New Roman" panose="02020603050405020304" pitchFamily="18" charset="0"/>
               </a:rPr>
               <a:t>+-+-+-+-+-+-+-+-+-+-+-+-+-+-+-+-+</a:t>
             </a:r>
-            <a:endParaRPr lang="en-CA" sz="900" b="1" dirty="0">
+            <a:endParaRPr lang="en-CA" sz="900" dirty="0">
               <a:latin typeface="Courier" pitchFamily="2" charset="0"/>
               <a:ea typeface="Calibri" panose="020F0502020204030204" pitchFamily="34" charset="0"/>
               <a:cs typeface="Times New Roman" panose="02020603050405020304" pitchFamily="18" charset="0"/>
@@ -10779,14 +10811,14 @@
               </a:tabLst>
             </a:pPr>
             <a:r>
-              <a:rPr lang="en-CA" sz="900" b="1" dirty="0">
+              <a:rPr lang="en-CA" sz="900" dirty="0">
                 <a:latin typeface="Courier" pitchFamily="2" charset="0"/>
                 <a:ea typeface="Times New Roman" panose="02020603050405020304" pitchFamily="18" charset="0"/>
                 <a:cs typeface="Times New Roman" panose="02020603050405020304" pitchFamily="18" charset="0"/>
               </a:rPr>
               <a:t>|   Type        |     Length    |</a:t>
             </a:r>
-            <a:endParaRPr lang="en-CA" sz="900" b="1" dirty="0">
+            <a:endParaRPr lang="en-CA" sz="900" dirty="0">
               <a:latin typeface="Courier" pitchFamily="2" charset="0"/>
               <a:ea typeface="Calibri" panose="020F0502020204030204" pitchFamily="34" charset="0"/>
               <a:cs typeface="Times New Roman" panose="02020603050405020304" pitchFamily="18" charset="0"/>
@@ -10817,14 +10849,14 @@
               </a:tabLst>
             </a:pPr>
             <a:r>
-              <a:rPr lang="en-CA" sz="900" b="1" dirty="0">
+              <a:rPr lang="en-CA" sz="900" dirty="0">
                 <a:latin typeface="Courier" pitchFamily="2" charset="0"/>
                 <a:ea typeface="Times New Roman" panose="02020603050405020304" pitchFamily="18" charset="0"/>
                 <a:cs typeface="Times New Roman" panose="02020603050405020304" pitchFamily="18" charset="0"/>
               </a:rPr>
               <a:t>+-+-+-+-+-+-+-+-+-+-+-+-+-+-+-+-+-+-+-+-+-+-+-+-+-+-+-+-+-+-+-+-+</a:t>
             </a:r>
-            <a:endParaRPr lang="en-CA" sz="900" b="1" dirty="0">
+            <a:endParaRPr lang="en-CA" sz="900" dirty="0">
               <a:latin typeface="Courier" pitchFamily="2" charset="0"/>
               <a:ea typeface="Calibri" panose="020F0502020204030204" pitchFamily="34" charset="0"/>
               <a:cs typeface="Times New Roman" panose="02020603050405020304" pitchFamily="18" charset="0"/>
@@ -10855,14 +10887,14 @@
               </a:tabLst>
             </a:pPr>
             <a:r>
-              <a:rPr lang="en-CA" sz="900" b="1" dirty="0">
+              <a:rPr lang="en-CA" sz="900" dirty="0">
                 <a:latin typeface="Courier" pitchFamily="2" charset="0"/>
                 <a:ea typeface="Times New Roman" panose="02020603050405020304" pitchFamily="18" charset="0"/>
                 <a:cs typeface="Times New Roman" panose="02020603050405020304" pitchFamily="18" charset="0"/>
               </a:rPr>
               <a:t>|A|  RESERVED   |                    Link Loss                  |</a:t>
             </a:r>
-            <a:endParaRPr lang="en-CA" sz="900" b="1" dirty="0">
+            <a:endParaRPr lang="en-CA" sz="900" dirty="0">
               <a:latin typeface="Courier" pitchFamily="2" charset="0"/>
               <a:ea typeface="Calibri" panose="020F0502020204030204" pitchFamily="34" charset="0"/>
               <a:cs typeface="Times New Roman" panose="02020603050405020304" pitchFamily="18" charset="0"/>
@@ -10893,14 +10925,14 @@
               </a:tabLst>
             </a:pPr>
             <a:r>
-              <a:rPr lang="en-CA" sz="900" b="1" dirty="0">
+              <a:rPr lang="en-CA" sz="900" dirty="0">
                 <a:latin typeface="Courier" pitchFamily="2" charset="0"/>
                 <a:ea typeface="Times New Roman" panose="02020603050405020304" pitchFamily="18" charset="0"/>
                 <a:cs typeface="Times New Roman" panose="02020603050405020304" pitchFamily="18" charset="0"/>
               </a:rPr>
               <a:t>+-+-+-+-+-+-+-+-+-+-+-+-+-+-+-+-+-+-+-+-+-+-+-+-+-+-+-+-+-+-+-+-+</a:t>
             </a:r>
-            <a:endParaRPr lang="en-CA" sz="900" b="1" dirty="0">
+            <a:endParaRPr lang="en-CA" sz="900" dirty="0">
               <a:latin typeface="Courier" pitchFamily="2" charset="0"/>
               <a:ea typeface="Calibri" panose="020F0502020204030204" pitchFamily="34" charset="0"/>
               <a:cs typeface="Times New Roman" panose="02020603050405020304" pitchFamily="18" charset="0"/>
@@ -12124,8 +12156,8 @@
         </p:nvSpPr>
         <p:spPr>
           <a:xfrm>
-            <a:off x="685800" y="3349327"/>
-            <a:ext cx="8001000" cy="1334592"/>
+            <a:off x="971550" y="3503994"/>
+            <a:ext cx="7200900" cy="1114267"/>
           </a:xfrm>
         </p:spPr>
         <p:txBody>
@@ -12149,14 +12181,12 @@
               <a:t>th</a:t>
             </a:r>
             <a:r>
+              <a:rPr lang="en-CA" sz="1400" baseline="30000" dirty="0"/>
+              <a:t> </a:t>
+            </a:r>
+            <a:r>
               <a:rPr lang="en-CA" sz="1400" dirty="0"/>
-              <a:t> test packets.</a:t>
-            </a:r>
-          </a:p>
-          <a:p>
-            <a:r>
-              <a:rPr lang="en-CA" sz="1400" dirty="0"/>
-              <a:t>Counters from the same color used in the computation.</a:t>
+              <a:t>test packets for the same color.</a:t>
             </a:r>
           </a:p>
           <a:p>
@@ -12179,9 +12209,6 @@
               <a:rPr lang="en-CA" sz="1400" dirty="0"/>
               <a:t>                                                                          + (C2[n] - C2[n-1]) - (C1[n] - C1[n-1])</a:t>
             </a:r>
-          </a:p>
-          <a:p>
-            <a:endParaRPr lang="en-US" sz="1400" dirty="0"/>
           </a:p>
         </p:txBody>
       </p:sp>
@@ -14906,7 +14933,7 @@
             </a:pPr>
             <a:r>
               <a:rPr lang="en-US" sz="1600" dirty="0"/>
-              <a:t>Eliminate per session provisioning on Session-Reflector</a:t>
+              <a:t>Avoid per session provisioning on Session-Reflector</a:t>
             </a:r>
           </a:p>
           <a:p>
@@ -14916,7 +14943,7 @@
             </a:pPr>
             <a:r>
               <a:rPr lang="en-US" sz="1600" dirty="0"/>
-              <a:t>No control-channel signaling for sessions</a:t>
+              <a:t>Avoid control-channel signaling for sessions</a:t>
             </a:r>
           </a:p>
           <a:p>
@@ -14926,7 +14953,17 @@
             </a:pPr>
             <a:r>
               <a:rPr lang="en-US" sz="1600" dirty="0"/>
-              <a:t>Support hardware implementation - very high scale for number of sessions and faster detection interval</a:t>
+              <a:t>Very high scale for number of sessions and faster detection interval</a:t>
+            </a:r>
+          </a:p>
+          <a:p>
+            <a:pPr lvl="2">
+              <a:buFont typeface="Wingdings" charset="2"/>
+              <a:buChar char="§"/>
+            </a:pPr>
+            <a:r>
+              <a:rPr lang="en-US" sz="1600" dirty="0"/>
+              <a:t>Support hardware implementation</a:t>
             </a:r>
           </a:p>
           <a:p>
@@ -15177,7 +15214,7 @@
             </a:pPr>
             <a:r>
               <a:rPr lang="en-US" sz="1400" dirty="0"/>
-              <a:t>Extensions specific to SR?</a:t>
+              <a:t>Extensions specific to SR</a:t>
             </a:r>
           </a:p>
           <a:p>
@@ -15499,7 +15536,7 @@
         </p:nvSpPr>
         <p:spPr>
           <a:xfrm>
-            <a:off x="261523" y="970771"/>
+            <a:off x="231228" y="1123950"/>
             <a:ext cx="3439354" cy="2677656"/>
           </a:xfrm>
           <a:prstGeom prst="rect">
@@ -15628,7 +15665,7 @@
         </p:nvSpPr>
         <p:spPr bwMode="auto">
           <a:xfrm>
-            <a:off x="3667954" y="1170814"/>
+            <a:off x="3667954" y="1042452"/>
             <a:ext cx="5214523" cy="3123932"/>
           </a:xfrm>
           <a:prstGeom prst="rect">

--- a/draft-gandhi-ippm-stamp-srpm-01.pptx
+++ b/draft-gandhi-ippm-stamp-srpm-01.pptx
@@ -2516,14 +2516,14 @@
           </a:ln>
           <a:extLst>
             <a:ext uri="{909E8E84-426E-40dd-AFC4-6F175D3DCCD1}">
-              <a14:hiddenFill xmlns="" xmlns:a14="http://schemas.microsoft.com/office/drawing/2010/main">
+              <a14:hiddenFill xmlns:a14="http://schemas.microsoft.com/office/drawing/2010/main" xmlns="">
                 <a:solidFill>
                   <a:srgbClr val="FFFFFF"/>
                 </a:solidFill>
               </a14:hiddenFill>
             </a:ext>
             <a:ext uri="{91240B29-F687-4f45-9708-019B960494DF}">
-              <a14:hiddenLine xmlns="" xmlns:a14="http://schemas.microsoft.com/office/drawing/2010/main" w="9525">
+              <a14:hiddenLine xmlns:a14="http://schemas.microsoft.com/office/drawing/2010/main" xmlns="" w="9525">
                 <a:solidFill>
                   <a:srgbClr val="000000"/>
                 </a:solidFill>
@@ -2776,7 +2776,7 @@
               </a14:hiddenLine>
             </a:ext>
             <a:ext uri="{FAA26D3D-D897-4be2-8F04-BA451C77F1D7}">
-              <ma14:placeholderFlag xmlns="" xmlns:ma14="http://schemas.microsoft.com/office/mac/drawingml/2011/main" val="1"/>
+              <ma14:placeholderFlag xmlns:ma14="http://schemas.microsoft.com/office/mac/drawingml/2011/main" xmlns="" val="1"/>
             </a:ext>
           </a:extLst>
         </p:spPr>
@@ -9316,14 +9316,14 @@
               </a14:hiddenLine>
             </a:ext>
             <a:ext uri="{909E8E84-426E-40dd-AFC4-6F175D3DCCD1}">
-              <a14:hiddenFill xmlns="" xmlns:a14="http://schemas.microsoft.com/office/drawing/2010/main">
+              <a14:hiddenFill xmlns:a14="http://schemas.microsoft.com/office/drawing/2010/main" xmlns="">
                 <a:solidFill>
                   <a:srgbClr val="FFFFFF"/>
                 </a:solidFill>
               </a14:hiddenFill>
             </a:ext>
             <a:ext uri="{91240B29-F687-4f45-9708-019B960494DF}">
-              <a14:hiddenLine xmlns="" xmlns:a14="http://schemas.microsoft.com/office/drawing/2010/main" w="9525">
+              <a14:hiddenLine xmlns:a14="http://schemas.microsoft.com/office/drawing/2010/main" xmlns="" w="9525">
                 <a:solidFill>
                   <a:srgbClr val="000000"/>
                 </a:solidFill>
@@ -16990,7 +16990,7 @@
               <a:rPr lang="en-CA" sz="800" dirty="0">
                 <a:latin typeface="Courier" pitchFamily="2" charset="0"/>
               </a:rPr>
-              <a:t>    |                    Return Path Sub-TLVs                       |</a:t>
+              <a:t>    |                    Return Path Sub-TLV                        |</a:t>
             </a:r>
           </a:p>
           <a:p>
@@ -17062,7 +17062,7 @@
                 <a:ea typeface="Calibri" panose="020F0502020204030204" pitchFamily="34" charset="0"/>
                 <a:cs typeface="Consolas" panose="020B0609020204030204" pitchFamily="49" charset="0"/>
               </a:rPr>
-              <a:t>Return Path TLV (value TBA2):</a:t>
+              <a:t>Return Path TLV (value TBA2) to carry one sub-TLV for return path:</a:t>
             </a:r>
             <a:endParaRPr lang="en-CA" sz="1400" b="1" dirty="0"/>
           </a:p>

--- a/draft-gandhi-ippm-stamp-srpm-01.pptx
+++ b/draft-gandhi-ippm-stamp-srpm-01.pptx
@@ -260,7 +260,7 @@
           <a:p>
             <a:fld id="{E8FA3DB5-7722-3F4F-947D-12B203669AD7}" type="datetimeFigureOut">
               <a:rPr lang="en-US" smtClean="0"/>
-              <a:t>1/20/21</a:t>
+              <a:t>1/23/21</a:t>
             </a:fld>
             <a:endParaRPr lang="en-US"/>
           </a:p>
@@ -7804,7 +7804,7 @@
                 <a:ea typeface="Times New Roman" panose="02020603050405020304" pitchFamily="18" charset="0"/>
                 <a:cs typeface="Courier New" panose="02070309020205020404" pitchFamily="49" charset="0"/>
               </a:rPr>
-              <a:t>|X|B|T| Send-DSCP | Block Number| SSID                          |</a:t>
+              <a:t>|X|B|T| Se-DSCP   | Block Number| SSID                          |</a:t>
             </a:r>
             <a:endParaRPr kumimoji="0" lang="en-US" altLang="en-US" sz="600" u="none" strike="noStrike" cap="none" normalizeH="0" baseline="0" dirty="0">
               <a:ln>
@@ -8321,21 +8321,30 @@
               </a:tabLst>
             </a:pPr>
             <a:r>
-              <a:rPr kumimoji="0" lang="en-US" altLang="en-US" sz="800" u="none" strike="noStrike" cap="none" normalizeH="0" baseline="0" dirty="0">
-                <a:ln>
-                  <a:noFill/>
-                </a:ln>
+              <a:rPr lang="en-US" altLang="en-US" sz="800" dirty="0">
                 <a:solidFill>
                   <a:schemeClr val="bg2">
                     <a:lumMod val="50000"/>
                   </a:schemeClr>
                 </a:solidFill>
-                <a:effectLst/>
                 <a:latin typeface="Courier" pitchFamily="2" charset="0"/>
                 <a:ea typeface="Times New Roman" panose="02020603050405020304" pitchFamily="18" charset="0"/>
               </a:rPr>
-              <a:t>|X|B|T| Reserved  |Send-Block Nu|  MBZ                          |</a:t>
-            </a:r>
+              <a:t>|                        MBZ (4 octets)                         |</a:t>
+            </a:r>
+            <a:endParaRPr kumimoji="0" lang="en-US" altLang="en-US" sz="800" u="none" strike="noStrike" cap="none" normalizeH="0" baseline="0" dirty="0">
+              <a:ln>
+                <a:noFill/>
+              </a:ln>
+              <a:solidFill>
+                <a:schemeClr val="bg2">
+                  <a:lumMod val="50000"/>
+                </a:schemeClr>
+              </a:solidFill>
+              <a:effectLst/>
+              <a:latin typeface="Courier" pitchFamily="2" charset="0"/>
+              <a:ea typeface="Times New Roman" panose="02020603050405020304" pitchFamily="18" charset="0"/>
+            </a:endParaRPr>
           </a:p>
           <a:p>
             <a:pPr marL="0" marR="0" lvl="0" indent="0" algn="l" defTabSz="914400" rtl="0" eaLnBrk="0" fontAlgn="base" latinLnBrk="0" hangingPunct="0">
@@ -8480,7 +8489,7 @@
                 <a:latin typeface="Courier" pitchFamily="2" charset="0"/>
                 <a:ea typeface="Times New Roman" panose="02020603050405020304" pitchFamily="18" charset="0"/>
               </a:rPr>
-              <a:t>-Sender TTL|  MBZ                                          |</a:t>
+              <a:t>-Sender TTL|        MBZ                                    |</a:t>
             </a:r>
           </a:p>
           <a:p>
@@ -9514,7 +9523,7 @@
                 <a:latin typeface="Calibri Light" panose="020F0302020204030204" pitchFamily="34" charset="0"/>
                 <a:cs typeface="Calibri Light" panose="020F0302020204030204" pitchFamily="34" charset="0"/>
               </a:rPr>
-              <a:t>Link Loss Direct Measurement</a:t>
+              <a:t>Link Loss Direct Measurement (P2P Circuits)</a:t>
             </a:r>
           </a:p>
           <a:p>
@@ -11459,32 +11468,12 @@
           </a:p>
           <a:p>
             <a:r>
+              <a:rPr lang="en-CA" sz="1400"/>
+              <a:t>RFC 8957 </a:t>
+            </a:r>
+            <a:r>
               <a:rPr lang="en-CA" sz="1400" dirty="0"/>
-              <a:t>draft-</a:t>
-            </a:r>
-            <a:r>
-              <a:rPr lang="en-CA" sz="1400" dirty="0" err="1"/>
-              <a:t>ietf</a:t>
-            </a:r>
-            <a:r>
-              <a:rPr lang="en-CA" sz="1400" dirty="0"/>
-              <a:t>-</a:t>
-            </a:r>
-            <a:r>
-              <a:rPr lang="en-CA" sz="1400" dirty="0" err="1"/>
-              <a:t>mpls</a:t>
-            </a:r>
-            <a:r>
-              <a:rPr lang="en-CA" sz="1400" dirty="0"/>
-              <a:t>-</a:t>
-            </a:r>
-            <a:r>
-              <a:rPr lang="en-CA" sz="1400" dirty="0" err="1"/>
-              <a:t>sfl</a:t>
-            </a:r>
-            <a:r>
-              <a:rPr lang="en-CA" sz="1400" dirty="0"/>
-              <a:t>-framework - Synonymous Flow Label Framework</a:t>
+              <a:t>- Synonymous Flow Label Framework</a:t>
             </a:r>
           </a:p>
           <a:p>
@@ -12156,8 +12145,8 @@
         </p:nvSpPr>
         <p:spPr>
           <a:xfrm>
-            <a:off x="971550" y="3503994"/>
-            <a:ext cx="7200900" cy="1114267"/>
+            <a:off x="971550" y="3397177"/>
+            <a:ext cx="7200900" cy="1336232"/>
           </a:xfrm>
         </p:spPr>
         <p:txBody>
@@ -12166,7 +12155,7 @@
           <a:p>
             <a:r>
               <a:rPr lang="en-CA" sz="1400" dirty="0"/>
-              <a:t>Using the Counters from the n</a:t>
+              <a:t>Using the Counters C1, C2, C3 and C4 as per reference topology, from the n</a:t>
             </a:r>
             <a:r>
               <a:rPr lang="en-CA" sz="1400" baseline="30000" dirty="0"/>
@@ -12186,7 +12175,7 @@
             </a:r>
             <a:r>
               <a:rPr lang="en-CA" sz="1400" dirty="0"/>
-              <a:t>test packets for the same color.</a:t>
+              <a:t>direct measurement test packets.</a:t>
             </a:r>
           </a:p>
           <a:p>
@@ -12389,7 +12378,7 @@
                 <a:ea typeface="Calibri" panose="020F0502020204030204" pitchFamily="34" charset="0"/>
                 <a:cs typeface="Times New Roman" panose="02020603050405020304" pitchFamily="18" charset="0"/>
               </a:rPr>
-              <a:t>+-------+     Test Reply      +-------+</a:t>
+              <a:t>+-------+  Reply Test Packet  +-------+</a:t>
             </a:r>
           </a:p>
           <a:p>
@@ -15000,35 +14989,11 @@
             </a:pPr>
             <a:r>
               <a:rPr lang="en-US" sz="1600" dirty="0"/>
-              <a:t>STAMP TLVs [</a:t>
+              <a:t>STAMP Extensions [</a:t>
             </a:r>
             <a:r>
               <a:rPr lang="en-CA" sz="1600" dirty="0"/>
-              <a:t>draft-</a:t>
-            </a:r>
-            <a:r>
-              <a:rPr lang="en-CA" sz="1600" dirty="0" err="1"/>
-              <a:t>ietf</a:t>
-            </a:r>
-            <a:r>
-              <a:rPr lang="en-CA" sz="1600" dirty="0"/>
-              <a:t>-</a:t>
-            </a:r>
-            <a:r>
-              <a:rPr lang="en-CA" sz="1600" dirty="0" err="1"/>
-              <a:t>ippm</a:t>
-            </a:r>
-            <a:r>
-              <a:rPr lang="en-CA" sz="1600" dirty="0"/>
-              <a:t>-stamp-option-</a:t>
-            </a:r>
-            <a:r>
-              <a:rPr lang="en-CA" sz="1600" dirty="0" err="1"/>
-              <a:t>tlv</a:t>
-            </a:r>
-            <a:r>
-              <a:rPr lang="en-CA" sz="1600" dirty="0"/>
-              <a:t>]</a:t>
+              <a:t>RFC8972]</a:t>
             </a:r>
             <a:endParaRPr lang="en-US" sz="1600" dirty="0"/>
           </a:p>
@@ -15265,16 +15230,6 @@
             <a:r>
               <a:rPr lang="en-US" sz="1400" dirty="0"/>
               <a:t>Indicate new packet loss packet is for direct measurement</a:t>
-            </a:r>
-          </a:p>
-          <a:p>
-            <a:pPr marL="800100" lvl="1" indent="-342900">
-              <a:buFont typeface="+mj-lt"/>
-              <a:buAutoNum type="alphaLcParenR"/>
-            </a:pPr>
-            <a:r>
-              <a:rPr lang="en-US" sz="1400" dirty="0"/>
-              <a:t>How packet loss calculated</a:t>
             </a:r>
           </a:p>
           <a:p>
@@ -15536,7 +15491,7 @@
         </p:nvSpPr>
         <p:spPr>
           <a:xfrm>
-            <a:off x="231228" y="1123950"/>
+            <a:off x="202324" y="1232922"/>
             <a:ext cx="3439354" cy="2677656"/>
           </a:xfrm>
           <a:prstGeom prst="rect">
@@ -15557,7 +15512,7 @@
                 <a:latin typeface="Calibri" panose="020F0502020204030204" pitchFamily="34" charset="0"/>
                 <a:cs typeface="Calibri" panose="020F0502020204030204" pitchFamily="34" charset="0"/>
               </a:rPr>
-              <a:t>Session-Sender Control Code</a:t>
+              <a:t>Session-Sender Control Code (8-bit) Flags:</a:t>
             </a:r>
           </a:p>
           <a:p>
@@ -15578,19 +15533,7 @@
                 <a:latin typeface="Calibri" panose="020F0502020204030204" pitchFamily="34" charset="0"/>
                 <a:cs typeface="Calibri" panose="020F0502020204030204" pitchFamily="34" charset="0"/>
               </a:rPr>
-              <a:t>0x0: Out-of-band Reply Requested.  </a:t>
-            </a:r>
-          </a:p>
-          <a:p>
-            <a:r>
-              <a:rPr lang="en-US" sz="1400" dirty="0">
-                <a:solidFill>
-                  <a:schemeClr val="tx2"/>
-                </a:solidFill>
-                <a:latin typeface="Calibri" panose="020F0502020204030204" pitchFamily="34" charset="0"/>
-                <a:cs typeface="Calibri" panose="020F0502020204030204" pitchFamily="34" charset="0"/>
-              </a:rPr>
-              <a:t>This is the existing behavior.</a:t>
+              <a:t>0x0: Existing default behavior as defined in RFC 8762.</a:t>
             </a:r>
           </a:p>
           <a:p>
@@ -15623,7 +15566,7 @@
                 <a:latin typeface="Calibri" panose="020F0502020204030204" pitchFamily="34" charset="0"/>
                 <a:cs typeface="Calibri" panose="020F0502020204030204" pitchFamily="34" charset="0"/>
               </a:rPr>
-              <a:t>Indicates that this test packet has been sent over a bidirectional path and the reply is required over the same path in the reverse direction.</a:t>
+              <a:t>Indicates that this test packet has been sent over a bidirectional path and the reply is required in-band over the same path in the reverse direction.</a:t>
             </a:r>
           </a:p>
           <a:p>
@@ -16526,7 +16469,7 @@
               <a:rPr lang="en-CA" sz="1000" dirty="0">
                 <a:latin typeface="Courier" pitchFamily="2" charset="0"/>
               </a:rPr>
-              <a:t>             Session-Sender Control Code in Test Packet</a:t>
+              <a:t>  Control Code in Session-Sender Test Packet – Unauthenticated </a:t>
             </a:r>
             <a:endParaRPr kumimoji="0" lang="en-US" altLang="en-US" sz="1000" u="none" strike="noStrike" cap="none" normalizeH="0" baseline="0" dirty="0">
               <a:ln>
@@ -16667,12 +16610,6 @@
           <a:p>
             <a:r>
               <a:rPr lang="en-US" sz="1600" dirty="0"/>
-              <a:t>No way of knowing if one-way or two-way mode from the received STAMP test packet</a:t>
-            </a:r>
-          </a:p>
-          <a:p>
-            <a:r>
-              <a:rPr lang="en-US" sz="1600" dirty="0"/>
               <a:t>Not scalable to configure for each (session id, source-address) on session-reflector (can have an order of 1K links)</a:t>
             </a:r>
           </a:p>
@@ -17043,7 +16980,7 @@
         <p:spPr>
           <a:xfrm>
             <a:off x="152400" y="985158"/>
-            <a:ext cx="4114800" cy="3350617"/>
+            <a:ext cx="4114800" cy="3698761"/>
           </a:xfrm>
         </p:spPr>
         <p:txBody>
@@ -17062,7 +16999,7 @@
                 <a:ea typeface="Calibri" panose="020F0502020204030204" pitchFamily="34" charset="0"/>
                 <a:cs typeface="Consolas" panose="020B0609020204030204" pitchFamily="49" charset="0"/>
               </a:rPr>
-              <a:t>Return Path TLV (value TBA2) to carry one sub-TLV for return path:</a:t>
+              <a:t>Return Path TLV (value TBA2) to carry one Sub-TLV for return path:</a:t>
             </a:r>
             <a:endParaRPr lang="en-CA" sz="1400" b="1" dirty="0"/>
           </a:p>
@@ -17086,7 +17023,7 @@
             </a:pPr>
             <a:r>
               <a:rPr lang="en-CA" sz="1400" dirty="0"/>
-              <a:t>Type (value 1): Return Address. Target node address for the reply; different than the Source Address in the test packet</a:t>
+              <a:t>Type (value 1): Return Address. Destination node address for the reply; different than the Source Address in the test packet</a:t>
             </a:r>
           </a:p>
           <a:p>
@@ -17097,7 +17034,7 @@
             </a:pPr>
             <a:r>
               <a:rPr lang="en-CA" sz="1400" dirty="0"/>
-              <a:t>Type (value 2): SR-MPLS Label Stack of the Reverse SR Path</a:t>
+              <a:t>Type (value 2): SR-MPLS Label Stack of the Return SR Path</a:t>
             </a:r>
           </a:p>
           <a:p>
@@ -17143,7 +17080,7 @@
             </a:pPr>
             <a:r>
               <a:rPr lang="en-CA" sz="1400" dirty="0"/>
-              <a:t>Type (value 4): SRv6 Segment List of the Reverse SR Path</a:t>
+              <a:t>Type (value 4): SRv6 Segment List of the Return SR Path</a:t>
             </a:r>
           </a:p>
           <a:p>
@@ -17873,7 +17810,7 @@
                 <a:latin typeface="Courier" pitchFamily="2" charset="0"/>
                 <a:cs typeface="Courier New" panose="02070309020205020404" pitchFamily="49" charset="0"/>
               </a:rPr>
-              <a:t>                  Figure: Node Address TLV Format </a:t>
+              <a:t>            Figure: Destination Node Address TLV Format </a:t>
             </a:r>
             <a:endParaRPr lang="en-US" sz="900" dirty="0">
               <a:latin typeface="Courier" pitchFamily="2" charset="0"/>

--- a/draft-gandhi-ippm-stamp-srpm-01.pptx
+++ b/draft-gandhi-ippm-stamp-srpm-01.pptx
@@ -7804,7 +7804,7 @@
                 <a:ea typeface="Times New Roman" panose="02020603050405020304" pitchFamily="18" charset="0"/>
                 <a:cs typeface="Courier New" panose="02070309020205020404" pitchFamily="49" charset="0"/>
               </a:rPr>
-              <a:t>|X|B|T| Se-DSCP   | Block Number| SSID                          |</a:t>
+              <a:t>|X|B|T| DSCP.     | Block Number| SSID                          |</a:t>
             </a:r>
             <a:endParaRPr kumimoji="0" lang="en-US" altLang="en-US" sz="600" u="none" strike="noStrike" cap="none" normalizeH="0" baseline="0" dirty="0">
               <a:ln>
